--- a/Stimuli/uws_instr_slides.pptx
+++ b/Stimuli/uws_instr_slides.pptx
@@ -222,7 +222,7 @@
           <a:p>
             <a:fld id="{13EAB001-375A-47A6-A0AF-DD7CD76DA757}" type="datetimeFigureOut">
               <a:rPr lang="en-GB" smtClean="0"/>
-              <a:t>05/08/2019</a:t>
+              <a:t>06/08/2019</a:t>
             </a:fld>
             <a:endParaRPr lang="en-GB"/>
           </a:p>
@@ -923,7 +923,7 @@
           <a:p>
             <a:fld id="{538185A6-F7C7-2D4F-BA59-879D5B10606E}" type="datetimeFigureOut">
               <a:rPr lang="en-US" smtClean="0"/>
-              <a:t>7/31/2019</a:t>
+              <a:t>8/6/2019</a:t>
             </a:fld>
             <a:endParaRPr lang="en-US"/>
           </a:p>
@@ -1093,7 +1093,7 @@
           <a:p>
             <a:fld id="{538185A6-F7C7-2D4F-BA59-879D5B10606E}" type="datetimeFigureOut">
               <a:rPr lang="en-US" smtClean="0"/>
-              <a:t>7/31/2019</a:t>
+              <a:t>8/6/2019</a:t>
             </a:fld>
             <a:endParaRPr lang="en-US"/>
           </a:p>
@@ -1273,7 +1273,7 @@
           <a:p>
             <a:fld id="{538185A6-F7C7-2D4F-BA59-879D5B10606E}" type="datetimeFigureOut">
               <a:rPr lang="en-US" smtClean="0"/>
-              <a:t>7/31/2019</a:t>
+              <a:t>8/6/2019</a:t>
             </a:fld>
             <a:endParaRPr lang="en-US"/>
           </a:p>
@@ -1443,7 +1443,7 @@
           <a:p>
             <a:fld id="{538185A6-F7C7-2D4F-BA59-879D5B10606E}" type="datetimeFigureOut">
               <a:rPr lang="en-US" smtClean="0"/>
-              <a:t>7/31/2019</a:t>
+              <a:t>8/6/2019</a:t>
             </a:fld>
             <a:endParaRPr lang="en-US"/>
           </a:p>
@@ -1689,7 +1689,7 @@
           <a:p>
             <a:fld id="{538185A6-F7C7-2D4F-BA59-879D5B10606E}" type="datetimeFigureOut">
               <a:rPr lang="en-US" smtClean="0"/>
-              <a:t>7/31/2019</a:t>
+              <a:t>8/6/2019</a:t>
             </a:fld>
             <a:endParaRPr lang="en-US"/>
           </a:p>
@@ -1977,7 +1977,7 @@
           <a:p>
             <a:fld id="{538185A6-F7C7-2D4F-BA59-879D5B10606E}" type="datetimeFigureOut">
               <a:rPr lang="en-US" smtClean="0"/>
-              <a:t>7/31/2019</a:t>
+              <a:t>8/6/2019</a:t>
             </a:fld>
             <a:endParaRPr lang="en-US"/>
           </a:p>
@@ -2399,7 +2399,7 @@
           <a:p>
             <a:fld id="{538185A6-F7C7-2D4F-BA59-879D5B10606E}" type="datetimeFigureOut">
               <a:rPr lang="en-US" smtClean="0"/>
-              <a:t>7/31/2019</a:t>
+              <a:t>8/6/2019</a:t>
             </a:fld>
             <a:endParaRPr lang="en-US"/>
           </a:p>
@@ -2517,7 +2517,7 @@
           <a:p>
             <a:fld id="{538185A6-F7C7-2D4F-BA59-879D5B10606E}" type="datetimeFigureOut">
               <a:rPr lang="en-US" smtClean="0"/>
-              <a:t>7/31/2019</a:t>
+              <a:t>8/6/2019</a:t>
             </a:fld>
             <a:endParaRPr lang="en-US"/>
           </a:p>
@@ -2612,7 +2612,7 @@
           <a:p>
             <a:fld id="{538185A6-F7C7-2D4F-BA59-879D5B10606E}" type="datetimeFigureOut">
               <a:rPr lang="en-US" smtClean="0"/>
-              <a:t>7/31/2019</a:t>
+              <a:t>8/6/2019</a:t>
             </a:fld>
             <a:endParaRPr lang="en-US"/>
           </a:p>
@@ -2889,7 +2889,7 @@
           <a:p>
             <a:fld id="{538185A6-F7C7-2D4F-BA59-879D5B10606E}" type="datetimeFigureOut">
               <a:rPr lang="en-US" smtClean="0"/>
-              <a:t>7/31/2019</a:t>
+              <a:t>8/6/2019</a:t>
             </a:fld>
             <a:endParaRPr lang="en-US"/>
           </a:p>
@@ -3142,7 +3142,7 @@
           <a:p>
             <a:fld id="{538185A6-F7C7-2D4F-BA59-879D5B10606E}" type="datetimeFigureOut">
               <a:rPr lang="en-US" smtClean="0"/>
-              <a:t>7/31/2019</a:t>
+              <a:t>8/6/2019</a:t>
             </a:fld>
             <a:endParaRPr lang="en-US"/>
           </a:p>
@@ -3355,7 +3355,7 @@
           <a:p>
             <a:fld id="{538185A6-F7C7-2D4F-BA59-879D5B10606E}" type="datetimeFigureOut">
               <a:rPr lang="en-US" smtClean="0"/>
-              <a:t>7/31/2019</a:t>
+              <a:t>8/6/2019</a:t>
             </a:fld>
             <a:endParaRPr lang="en-US"/>
           </a:p>
@@ -4073,34 +4073,6 @@
       </p:pic>
       <p:sp>
         <p:nvSpPr>
-          <p:cNvPr id="9" name="Rectangle 8"/>
-          <p:cNvSpPr/>
-          <p:nvPr/>
-        </p:nvSpPr>
-        <p:spPr>
-          <a:xfrm>
-            <a:off x="6251481" y="2532066"/>
-            <a:ext cx="2825141" cy="1015663"/>
-          </a:xfrm>
-          <a:prstGeom prst="rect">
-            <a:avLst/>
-          </a:prstGeom>
-        </p:spPr>
-        <p:txBody>
-          <a:bodyPr wrap="square">
-            <a:spAutoFit/>
-          </a:bodyPr>
-          <a:lstStyle/>
-          <a:p>
-            <a:r>
-              <a:rPr lang="en-GB" sz="1200" dirty="0" smtClean="0"/>
-              <a:t>This screen from a hypothetical game that for this game, collecting the SCISSORS banknote would add 10 points and collecting the GIRL banknote would add 0 points to your collection.</a:t>
-            </a:r>
-          </a:p>
-        </p:txBody>
-      </p:sp>
-      <p:sp>
-        <p:nvSpPr>
           <p:cNvPr id="10" name="Rectangle 9"/>
           <p:cNvSpPr/>
           <p:nvPr/>
@@ -4519,7 +4491,15 @@
           <a:p>
             <a:r>
               <a:rPr lang="en-GB" sz="1200" dirty="0" smtClean="0"/>
-              <a:t>This screen from a hypothetical game that for this game, collecting the SCISSORS banknote would take away 10 points and collecting the GIRL banknote take away 5 points from your collection.</a:t>
+              <a:t>This screen from a hypothetical </a:t>
+            </a:r>
+            <a:r>
+              <a:rPr lang="en-GB" sz="1200" dirty="0" smtClean="0"/>
+              <a:t>game shows </a:t>
+            </a:r>
+            <a:r>
+              <a:rPr lang="en-GB" sz="1200" dirty="0" smtClean="0"/>
+              <a:t>that for this game, collecting the SCISSORS banknote would take away 10 points and collecting the GIRL banknote take away 5 points from your collection.</a:t>
             </a:r>
           </a:p>
         </p:txBody>
@@ -4555,7 +4535,900 @@
       </p:sp>
       <p:sp>
         <p:nvSpPr>
-          <p:cNvPr id="29" name="Content Placeholder 2"/>
+          <p:cNvPr id="28" name="Content Placeholder 2"/>
+          <p:cNvSpPr>
+            <a:spLocks noGrp="1"/>
+          </p:cNvSpPr>
+          <p:nvPr>
+            <p:ph idx="1"/>
+          </p:nvPr>
+        </p:nvSpPr>
+        <p:spPr>
+          <a:xfrm>
+            <a:off x="248337" y="651884"/>
+            <a:ext cx="5759726" cy="5783666"/>
+          </a:xfrm>
+        </p:spPr>
+        <p:txBody>
+          <a:bodyPr>
+            <a:normAutofit fontScale="70000" lnSpcReduction="20000"/>
+          </a:bodyPr>
+          <a:lstStyle/>
+          <a:p>
+            <a:r>
+              <a:rPr lang="en-GB" dirty="0" smtClean="0"/>
+              <a:t>Great job!</a:t>
+            </a:r>
+          </a:p>
+          <a:p>
+            <a:r>
+              <a:rPr lang="en-GB" dirty="0" smtClean="0"/>
+              <a:t>In </a:t>
+            </a:r>
+            <a:r>
+              <a:rPr lang="en-GB" dirty="0"/>
+              <a:t>the second type of game, you’ll make a </a:t>
+            </a:r>
+            <a:r>
+              <a:rPr lang="en-GB" b="1" dirty="0"/>
+              <a:t>choice</a:t>
+            </a:r>
+            <a:r>
+              <a:rPr lang="en-GB" dirty="0"/>
+              <a:t> between two slot machines</a:t>
+            </a:r>
+            <a:r>
+              <a:rPr lang="en-GB" dirty="0" smtClean="0"/>
+              <a:t>. Press </a:t>
+            </a:r>
+            <a:r>
+              <a:rPr lang="en-GB" b="1" dirty="0" smtClean="0"/>
+              <a:t>1</a:t>
+            </a:r>
+            <a:r>
+              <a:rPr lang="en-GB" dirty="0" smtClean="0"/>
+              <a:t> to choose the machine on the </a:t>
+            </a:r>
+            <a:r>
+              <a:rPr lang="en-GB" b="1" dirty="0" smtClean="0"/>
+              <a:t>LEFT</a:t>
+            </a:r>
+            <a:r>
+              <a:rPr lang="en-GB" dirty="0" smtClean="0"/>
+              <a:t> and </a:t>
+            </a:r>
+            <a:r>
+              <a:rPr lang="en-GB" b="1" dirty="0" smtClean="0"/>
+              <a:t>2</a:t>
+            </a:r>
+            <a:r>
+              <a:rPr lang="en-GB" dirty="0" smtClean="0"/>
+              <a:t> to choose the machine on the </a:t>
+            </a:r>
+            <a:r>
+              <a:rPr lang="en-GB" b="1" dirty="0" smtClean="0"/>
+              <a:t>RIGHT</a:t>
+            </a:r>
+            <a:r>
+              <a:rPr lang="en-GB" dirty="0" smtClean="0"/>
+              <a:t>. </a:t>
+            </a:r>
+          </a:p>
+          <a:p>
+            <a:r>
+              <a:rPr lang="en-GB" dirty="0" smtClean="0"/>
+              <a:t>The </a:t>
+            </a:r>
+            <a:r>
+              <a:rPr lang="en-GB" dirty="0"/>
+              <a:t>slot machine that you </a:t>
+            </a:r>
+            <a:r>
+              <a:rPr lang="en-GB" dirty="0" smtClean="0"/>
+              <a:t>chose </a:t>
+            </a:r>
+            <a:r>
+              <a:rPr lang="en-GB" dirty="0"/>
+              <a:t>will then provide a banknote. The </a:t>
+            </a:r>
+            <a:r>
+              <a:rPr lang="en-GB" b="1" dirty="0"/>
+              <a:t>chances</a:t>
+            </a:r>
+            <a:r>
+              <a:rPr lang="en-GB" dirty="0"/>
+              <a:t> of it providing either banknote </a:t>
+            </a:r>
+            <a:r>
+              <a:rPr lang="en-GB" dirty="0" smtClean="0"/>
+              <a:t>will be </a:t>
+            </a:r>
+            <a:r>
+              <a:rPr lang="en-GB" dirty="0"/>
+              <a:t>the </a:t>
+            </a:r>
+            <a:r>
+              <a:rPr lang="en-GB" b="1" dirty="0"/>
+              <a:t>same</a:t>
+            </a:r>
+            <a:r>
+              <a:rPr lang="en-GB" dirty="0"/>
+              <a:t> as it </a:t>
+            </a:r>
+            <a:r>
+              <a:rPr lang="en-GB" dirty="0" smtClean="0"/>
+              <a:t>is for other type of game that you just played.</a:t>
+            </a:r>
+            <a:endParaRPr lang="en-GB" dirty="0"/>
+          </a:p>
+          <a:p>
+            <a:r>
+              <a:rPr lang="en-GB" dirty="0"/>
+              <a:t>Before you decide, you’ll be shown the number of points that either banknote would provide if it were collected on that game (two example games are shown on the right). This will be different for each game.</a:t>
+            </a:r>
+          </a:p>
+          <a:p>
+            <a:r>
+              <a:rPr lang="en-GB" dirty="0"/>
+              <a:t>Try to make decisions that will collect positive-point banknotes and avoid negative-point banknotes.</a:t>
+            </a:r>
+          </a:p>
+          <a:p>
+            <a:r>
+              <a:rPr lang="en-GB" dirty="0"/>
+              <a:t>Let’s practice a few of these games.</a:t>
+            </a:r>
+          </a:p>
+        </p:txBody>
+      </p:sp>
+      <p:sp>
+        <p:nvSpPr>
+          <p:cNvPr id="30" name="Rectangle 29"/>
+          <p:cNvSpPr/>
+          <p:nvPr/>
+        </p:nvSpPr>
+        <p:spPr>
+          <a:xfrm>
+            <a:off x="6251481" y="2532066"/>
+            <a:ext cx="2825141" cy="1015663"/>
+          </a:xfrm>
+          <a:prstGeom prst="rect">
+            <a:avLst/>
+          </a:prstGeom>
+        </p:spPr>
+        <p:txBody>
+          <a:bodyPr wrap="square">
+            <a:spAutoFit/>
+          </a:bodyPr>
+          <a:lstStyle/>
+          <a:p>
+            <a:r>
+              <a:rPr lang="en-GB" sz="1200" dirty="0" smtClean="0"/>
+              <a:t>This screen from a hypothetical </a:t>
+            </a:r>
+            <a:r>
+              <a:rPr lang="en-GB" sz="1200" dirty="0" smtClean="0"/>
+              <a:t>game shows </a:t>
+            </a:r>
+            <a:r>
+              <a:rPr lang="en-GB" sz="1200" dirty="0" smtClean="0"/>
+              <a:t>that for this game, collecting the SCISSORS banknote would add 10 points and collecting the </a:t>
+            </a:r>
+            <a:r>
+              <a:rPr lang="en-GB" sz="1200" dirty="0" smtClean="0"/>
+              <a:t>GIRL </a:t>
+            </a:r>
+            <a:r>
+              <a:rPr lang="en-GB" sz="1200" dirty="0" smtClean="0"/>
+              <a:t>banknote would add 0 points to your collection.</a:t>
+            </a:r>
+          </a:p>
+        </p:txBody>
+      </p:sp>
+    </p:spTree>
+    <p:extLst>
+      <p:ext uri="{BB962C8B-B14F-4D97-AF65-F5344CB8AC3E}">
+        <p14:creationId xmlns:p14="http://schemas.microsoft.com/office/powerpoint/2010/main" val="2462268897"/>
+      </p:ext>
+    </p:extLst>
+  </p:cSld>
+  <p:clrMapOvr>
+    <a:masterClrMapping/>
+  </p:clrMapOvr>
+  <p:timing>
+    <p:tnLst>
+      <p:par>
+        <p:cTn id="1" dur="indefinite" restart="never" nodeType="tmRoot"/>
+      </p:par>
+    </p:tnLst>
+  </p:timing>
+</p:sld>
+</file>
+
+<file path=ppt/slides/slide12.xml><?xml version="1.0" encoding="utf-8"?>
+<p:sld xmlns:a="http://schemas.openxmlformats.org/drawingml/2006/main" xmlns:r="http://schemas.openxmlformats.org/officeDocument/2006/relationships" xmlns:p="http://schemas.openxmlformats.org/presentationml/2006/main">
+  <p:cSld>
+    <p:spTree>
+      <p:nvGrpSpPr>
+        <p:cNvPr id="1" name=""/>
+        <p:cNvGrpSpPr/>
+        <p:nvPr/>
+      </p:nvGrpSpPr>
+      <p:grpSpPr>
+        <a:xfrm>
+          <a:off x="0" y="0"/>
+          <a:ext cx="0" cy="0"/>
+          <a:chOff x="0" y="0"/>
+          <a:chExt cx="0" cy="0"/>
+        </a:xfrm>
+      </p:grpSpPr>
+      <p:sp>
+        <p:nvSpPr>
+          <p:cNvPr id="5" name="Rectangle 4"/>
+          <p:cNvSpPr/>
+          <p:nvPr/>
+        </p:nvSpPr>
+        <p:spPr>
+          <a:xfrm>
+            <a:off x="6416963" y="724493"/>
+            <a:ext cx="2079057" cy="1777830"/>
+          </a:xfrm>
+          <a:prstGeom prst="rect">
+            <a:avLst/>
+          </a:prstGeom>
+          <a:solidFill>
+            <a:srgbClr val="252533"/>
+          </a:solidFill>
+        </p:spPr>
+        <p:style>
+          <a:lnRef idx="1">
+            <a:schemeClr val="accent1"/>
+          </a:lnRef>
+          <a:fillRef idx="3">
+            <a:schemeClr val="accent1"/>
+          </a:fillRef>
+          <a:effectRef idx="2">
+            <a:schemeClr val="accent1"/>
+          </a:effectRef>
+          <a:fontRef idx="minor">
+            <a:schemeClr val="lt1"/>
+          </a:fontRef>
+        </p:style>
+        <p:txBody>
+          <a:bodyPr rtlCol="0" anchor="ctr"/>
+          <a:lstStyle/>
+          <a:p>
+            <a:pPr algn="ctr"/>
+            <a:endParaRPr lang="en-GB"/>
+          </a:p>
+        </p:txBody>
+      </p:sp>
+      <p:sp>
+        <p:nvSpPr>
+          <p:cNvPr id="6" name="Rectangle 5"/>
+          <p:cNvSpPr/>
+          <p:nvPr/>
+        </p:nvSpPr>
+        <p:spPr>
+          <a:xfrm>
+            <a:off x="6659024" y="782976"/>
+            <a:ext cx="1512000" cy="828000"/>
+          </a:xfrm>
+          <a:prstGeom prst="rect">
+            <a:avLst/>
+          </a:prstGeom>
+          <a:solidFill>
+            <a:srgbClr val="635C52"/>
+          </a:solidFill>
+        </p:spPr>
+        <p:style>
+          <a:lnRef idx="1">
+            <a:schemeClr val="accent1"/>
+          </a:lnRef>
+          <a:fillRef idx="3">
+            <a:schemeClr val="accent1"/>
+          </a:fillRef>
+          <a:effectRef idx="2">
+            <a:schemeClr val="accent1"/>
+          </a:effectRef>
+          <a:fontRef idx="minor">
+            <a:schemeClr val="lt1"/>
+          </a:fontRef>
+        </p:style>
+        <p:txBody>
+          <a:bodyPr rtlCol="0" anchor="ctr"/>
+          <a:lstStyle/>
+          <a:p>
+            <a:pPr algn="ctr"/>
+            <a:endParaRPr lang="en-GB"/>
+          </a:p>
+        </p:txBody>
+      </p:sp>
+      <p:sp>
+        <p:nvSpPr>
+          <p:cNvPr id="7" name="TextBox 6"/>
+          <p:cNvSpPr txBox="1"/>
+          <p:nvPr/>
+        </p:nvSpPr>
+        <p:spPr>
+          <a:xfrm>
+            <a:off x="7545887" y="1099877"/>
+            <a:ext cx="577929" cy="369332"/>
+          </a:xfrm>
+          <a:prstGeom prst="rect">
+            <a:avLst/>
+          </a:prstGeom>
+          <a:noFill/>
+        </p:spPr>
+        <p:txBody>
+          <a:bodyPr wrap="square" rtlCol="0">
+            <a:spAutoFit/>
+          </a:bodyPr>
+          <a:lstStyle/>
+          <a:p>
+            <a:r>
+              <a:rPr lang="en-GB" dirty="0" smtClean="0">
+                <a:solidFill>
+                  <a:srgbClr val="FFFF00"/>
+                </a:solidFill>
+              </a:rPr>
+              <a:t>10</a:t>
+            </a:r>
+            <a:endParaRPr lang="en-GB" dirty="0">
+              <a:solidFill>
+                <a:srgbClr val="FFFF00"/>
+              </a:solidFill>
+            </a:endParaRPr>
+          </a:p>
+        </p:txBody>
+      </p:sp>
+      <p:pic>
+        <p:nvPicPr>
+          <p:cNvPr id="8" name="Picture 7"/>
+          <p:cNvPicPr>
+            <a:picLocks noChangeAspect="1"/>
+          </p:cNvPicPr>
+          <p:nvPr/>
+        </p:nvPicPr>
+        <p:blipFill>
+          <a:blip r:embed="rId2">
+            <a:extLst>
+              <a:ext uri="{28A0092B-C50C-407E-A947-70E740481C1C}">
+                <a14:useLocalDpi xmlns:a14="http://schemas.microsoft.com/office/drawing/2010/main" val="0"/>
+              </a:ext>
+            </a:extLst>
+          </a:blip>
+          <a:stretch>
+            <a:fillRect/>
+          </a:stretch>
+        </p:blipFill>
+        <p:spPr>
+          <a:xfrm>
+            <a:off x="6782117" y="871126"/>
+            <a:ext cx="684000" cy="684000"/>
+          </a:xfrm>
+          <a:prstGeom prst="rect">
+            <a:avLst/>
+          </a:prstGeom>
+        </p:spPr>
+      </p:pic>
+      <p:sp>
+        <p:nvSpPr>
+          <p:cNvPr id="10" name="Rectangle 9"/>
+          <p:cNvSpPr/>
+          <p:nvPr/>
+        </p:nvSpPr>
+        <p:spPr>
+          <a:xfrm>
+            <a:off x="6132829" y="313330"/>
+            <a:ext cx="1952586" cy="338554"/>
+          </a:xfrm>
+          <a:prstGeom prst="rect">
+            <a:avLst/>
+          </a:prstGeom>
+        </p:spPr>
+        <p:txBody>
+          <a:bodyPr wrap="none">
+            <a:spAutoFit/>
+          </a:bodyPr>
+          <a:lstStyle/>
+          <a:p>
+            <a:r>
+              <a:rPr lang="en-GB" sz="1600" dirty="0" smtClean="0"/>
+              <a:t>Hypothetical game 1:</a:t>
+            </a:r>
+            <a:endParaRPr lang="en-GB" sz="1600" dirty="0"/>
+          </a:p>
+        </p:txBody>
+      </p:sp>
+      <p:sp>
+        <p:nvSpPr>
+          <p:cNvPr id="11" name="Rectangle 10"/>
+          <p:cNvSpPr/>
+          <p:nvPr/>
+        </p:nvSpPr>
+        <p:spPr>
+          <a:xfrm>
+            <a:off x="6663338" y="1643293"/>
+            <a:ext cx="1512000" cy="828000"/>
+          </a:xfrm>
+          <a:prstGeom prst="rect">
+            <a:avLst/>
+          </a:prstGeom>
+          <a:solidFill>
+            <a:srgbClr val="635C52"/>
+          </a:solidFill>
+        </p:spPr>
+        <p:style>
+          <a:lnRef idx="1">
+            <a:schemeClr val="accent1"/>
+          </a:lnRef>
+          <a:fillRef idx="3">
+            <a:schemeClr val="accent1"/>
+          </a:fillRef>
+          <a:effectRef idx="2">
+            <a:schemeClr val="accent1"/>
+          </a:effectRef>
+          <a:fontRef idx="minor">
+            <a:schemeClr val="lt1"/>
+          </a:fontRef>
+        </p:style>
+        <p:txBody>
+          <a:bodyPr rtlCol="0" anchor="ctr"/>
+          <a:lstStyle/>
+          <a:p>
+            <a:pPr algn="ctr"/>
+            <a:endParaRPr lang="en-GB"/>
+          </a:p>
+        </p:txBody>
+      </p:sp>
+      <p:sp>
+        <p:nvSpPr>
+          <p:cNvPr id="12" name="TextBox 11"/>
+          <p:cNvSpPr txBox="1"/>
+          <p:nvPr/>
+        </p:nvSpPr>
+        <p:spPr>
+          <a:xfrm>
+            <a:off x="7573605" y="1858101"/>
+            <a:ext cx="577929" cy="369332"/>
+          </a:xfrm>
+          <a:prstGeom prst="rect">
+            <a:avLst/>
+          </a:prstGeom>
+          <a:noFill/>
+        </p:spPr>
+        <p:txBody>
+          <a:bodyPr wrap="square" rtlCol="0">
+            <a:spAutoFit/>
+          </a:bodyPr>
+          <a:lstStyle/>
+          <a:p>
+            <a:r>
+              <a:rPr lang="en-GB" dirty="0" smtClean="0">
+                <a:solidFill>
+                  <a:srgbClr val="FFFF00"/>
+                </a:solidFill>
+              </a:rPr>
+              <a:t>0</a:t>
+            </a:r>
+            <a:endParaRPr lang="en-GB" dirty="0">
+              <a:solidFill>
+                <a:srgbClr val="FFFF00"/>
+              </a:solidFill>
+            </a:endParaRPr>
+          </a:p>
+        </p:txBody>
+      </p:sp>
+      <p:sp>
+        <p:nvSpPr>
+          <p:cNvPr id="19" name="Rectangle 18"/>
+          <p:cNvSpPr/>
+          <p:nvPr/>
+        </p:nvSpPr>
+        <p:spPr>
+          <a:xfrm>
+            <a:off x="6368837" y="3807357"/>
+            <a:ext cx="2079057" cy="1777830"/>
+          </a:xfrm>
+          <a:prstGeom prst="rect">
+            <a:avLst/>
+          </a:prstGeom>
+          <a:solidFill>
+            <a:srgbClr val="252533"/>
+          </a:solidFill>
+        </p:spPr>
+        <p:style>
+          <a:lnRef idx="1">
+            <a:schemeClr val="accent1"/>
+          </a:lnRef>
+          <a:fillRef idx="3">
+            <a:schemeClr val="accent1"/>
+          </a:fillRef>
+          <a:effectRef idx="2">
+            <a:schemeClr val="accent1"/>
+          </a:effectRef>
+          <a:fontRef idx="minor">
+            <a:schemeClr val="lt1"/>
+          </a:fontRef>
+        </p:style>
+        <p:txBody>
+          <a:bodyPr rtlCol="0" anchor="ctr"/>
+          <a:lstStyle/>
+          <a:p>
+            <a:pPr algn="ctr"/>
+            <a:endParaRPr lang="en-GB"/>
+          </a:p>
+        </p:txBody>
+      </p:sp>
+      <p:sp>
+        <p:nvSpPr>
+          <p:cNvPr id="20" name="Rectangle 19"/>
+          <p:cNvSpPr/>
+          <p:nvPr/>
+        </p:nvSpPr>
+        <p:spPr>
+          <a:xfrm>
+            <a:off x="6601273" y="3836962"/>
+            <a:ext cx="1512000" cy="828000"/>
+          </a:xfrm>
+          <a:prstGeom prst="rect">
+            <a:avLst/>
+          </a:prstGeom>
+          <a:solidFill>
+            <a:srgbClr val="635C52"/>
+          </a:solidFill>
+        </p:spPr>
+        <p:style>
+          <a:lnRef idx="1">
+            <a:schemeClr val="accent1"/>
+          </a:lnRef>
+          <a:fillRef idx="3">
+            <a:schemeClr val="accent1"/>
+          </a:fillRef>
+          <a:effectRef idx="2">
+            <a:schemeClr val="accent1"/>
+          </a:effectRef>
+          <a:fontRef idx="minor">
+            <a:schemeClr val="lt1"/>
+          </a:fontRef>
+        </p:style>
+        <p:txBody>
+          <a:bodyPr rtlCol="0" anchor="ctr"/>
+          <a:lstStyle/>
+          <a:p>
+            <a:pPr algn="ctr"/>
+            <a:endParaRPr lang="en-GB"/>
+          </a:p>
+        </p:txBody>
+      </p:sp>
+      <p:sp>
+        <p:nvSpPr>
+          <p:cNvPr id="21" name="TextBox 20"/>
+          <p:cNvSpPr txBox="1"/>
+          <p:nvPr/>
+        </p:nvSpPr>
+        <p:spPr>
+          <a:xfrm>
+            <a:off x="7488136" y="4153863"/>
+            <a:ext cx="577929" cy="369332"/>
+          </a:xfrm>
+          <a:prstGeom prst="rect">
+            <a:avLst/>
+          </a:prstGeom>
+          <a:noFill/>
+        </p:spPr>
+        <p:txBody>
+          <a:bodyPr wrap="square" rtlCol="0">
+            <a:spAutoFit/>
+          </a:bodyPr>
+          <a:lstStyle/>
+          <a:p>
+            <a:r>
+              <a:rPr lang="en-GB" dirty="0" smtClean="0">
+                <a:solidFill>
+                  <a:srgbClr val="FFFF00"/>
+                </a:solidFill>
+              </a:rPr>
+              <a:t>-10</a:t>
+            </a:r>
+            <a:endParaRPr lang="en-GB" dirty="0">
+              <a:solidFill>
+                <a:srgbClr val="FFFF00"/>
+              </a:solidFill>
+            </a:endParaRPr>
+          </a:p>
+        </p:txBody>
+      </p:sp>
+      <p:pic>
+        <p:nvPicPr>
+          <p:cNvPr id="22" name="Picture 21"/>
+          <p:cNvPicPr>
+            <a:picLocks noChangeAspect="1"/>
+          </p:cNvPicPr>
+          <p:nvPr/>
+        </p:nvPicPr>
+        <p:blipFill>
+          <a:blip r:embed="rId2">
+            <a:extLst>
+              <a:ext uri="{28A0092B-C50C-407E-A947-70E740481C1C}">
+                <a14:useLocalDpi xmlns:a14="http://schemas.microsoft.com/office/drawing/2010/main" val="0"/>
+              </a:ext>
+            </a:extLst>
+          </a:blip>
+          <a:stretch>
+            <a:fillRect/>
+          </a:stretch>
+        </p:blipFill>
+        <p:spPr>
+          <a:xfrm>
+            <a:off x="6724366" y="3925112"/>
+            <a:ext cx="684000" cy="684000"/>
+          </a:xfrm>
+          <a:prstGeom prst="rect">
+            <a:avLst/>
+          </a:prstGeom>
+        </p:spPr>
+      </p:pic>
+      <p:sp>
+        <p:nvSpPr>
+          <p:cNvPr id="23" name="Rectangle 22"/>
+          <p:cNvSpPr/>
+          <p:nvPr/>
+        </p:nvSpPr>
+        <p:spPr>
+          <a:xfrm>
+            <a:off x="6605587" y="4697279"/>
+            <a:ext cx="1512000" cy="828000"/>
+          </a:xfrm>
+          <a:prstGeom prst="rect">
+            <a:avLst/>
+          </a:prstGeom>
+          <a:solidFill>
+            <a:srgbClr val="635C52"/>
+          </a:solidFill>
+        </p:spPr>
+        <p:style>
+          <a:lnRef idx="1">
+            <a:schemeClr val="accent1"/>
+          </a:lnRef>
+          <a:fillRef idx="3">
+            <a:schemeClr val="accent1"/>
+          </a:fillRef>
+          <a:effectRef idx="2">
+            <a:schemeClr val="accent1"/>
+          </a:effectRef>
+          <a:fontRef idx="minor">
+            <a:schemeClr val="lt1"/>
+          </a:fontRef>
+        </p:style>
+        <p:txBody>
+          <a:bodyPr rtlCol="0" anchor="ctr"/>
+          <a:lstStyle/>
+          <a:p>
+            <a:pPr algn="ctr"/>
+            <a:endParaRPr lang="en-GB"/>
+          </a:p>
+        </p:txBody>
+      </p:sp>
+      <p:sp>
+        <p:nvSpPr>
+          <p:cNvPr id="24" name="TextBox 23"/>
+          <p:cNvSpPr txBox="1"/>
+          <p:nvPr/>
+        </p:nvSpPr>
+        <p:spPr>
+          <a:xfrm>
+            <a:off x="7515854" y="4912087"/>
+            <a:ext cx="577929" cy="369332"/>
+          </a:xfrm>
+          <a:prstGeom prst="rect">
+            <a:avLst/>
+          </a:prstGeom>
+          <a:noFill/>
+        </p:spPr>
+        <p:txBody>
+          <a:bodyPr wrap="square" rtlCol="0">
+            <a:spAutoFit/>
+          </a:bodyPr>
+          <a:lstStyle/>
+          <a:p>
+            <a:r>
+              <a:rPr lang="en-GB" dirty="0" smtClean="0">
+                <a:solidFill>
+                  <a:srgbClr val="FFFF00"/>
+                </a:solidFill>
+              </a:rPr>
+              <a:t>-5</a:t>
+            </a:r>
+            <a:endParaRPr lang="en-GB" dirty="0">
+              <a:solidFill>
+                <a:srgbClr val="FFFF00"/>
+              </a:solidFill>
+            </a:endParaRPr>
+          </a:p>
+        </p:txBody>
+      </p:sp>
+      <p:sp>
+        <p:nvSpPr>
+          <p:cNvPr id="27" name="Rectangle 26"/>
+          <p:cNvSpPr/>
+          <p:nvPr/>
+        </p:nvSpPr>
+        <p:spPr>
+          <a:xfrm>
+            <a:off x="6131250" y="3475973"/>
+            <a:ext cx="1952586" cy="338554"/>
+          </a:xfrm>
+          <a:prstGeom prst="rect">
+            <a:avLst/>
+          </a:prstGeom>
+        </p:spPr>
+        <p:txBody>
+          <a:bodyPr wrap="none">
+            <a:spAutoFit/>
+          </a:bodyPr>
+          <a:lstStyle/>
+          <a:p>
+            <a:r>
+              <a:rPr lang="en-GB" sz="1600" dirty="0" smtClean="0"/>
+              <a:t>Hypothetical game 2:</a:t>
+            </a:r>
+            <a:endParaRPr lang="en-GB" sz="1600" dirty="0"/>
+          </a:p>
+        </p:txBody>
+      </p:sp>
+      <p:pic>
+        <p:nvPicPr>
+          <p:cNvPr id="28" name="Picture 27"/>
+          <p:cNvPicPr>
+            <a:picLocks noChangeAspect="1"/>
+          </p:cNvPicPr>
+          <p:nvPr/>
+        </p:nvPicPr>
+        <p:blipFill>
+          <a:blip r:embed="rId3">
+            <a:extLst>
+              <a:ext uri="{28A0092B-C50C-407E-A947-70E740481C1C}">
+                <a14:useLocalDpi xmlns:a14="http://schemas.microsoft.com/office/drawing/2010/main" val="0"/>
+              </a:ext>
+            </a:extLst>
+          </a:blip>
+          <a:stretch>
+            <a:fillRect/>
+          </a:stretch>
+        </p:blipFill>
+        <p:spPr>
+          <a:xfrm>
+            <a:off x="6776472" y="1699126"/>
+            <a:ext cx="684000" cy="684000"/>
+          </a:xfrm>
+          <a:prstGeom prst="rect">
+            <a:avLst/>
+          </a:prstGeom>
+        </p:spPr>
+      </p:pic>
+      <p:pic>
+        <p:nvPicPr>
+          <p:cNvPr id="29" name="Picture 28"/>
+          <p:cNvPicPr>
+            <a:picLocks noChangeAspect="1"/>
+          </p:cNvPicPr>
+          <p:nvPr/>
+        </p:nvPicPr>
+        <p:blipFill>
+          <a:blip r:embed="rId3">
+            <a:extLst>
+              <a:ext uri="{28A0092B-C50C-407E-A947-70E740481C1C}">
+                <a14:useLocalDpi xmlns:a14="http://schemas.microsoft.com/office/drawing/2010/main" val="0"/>
+              </a:ext>
+            </a:extLst>
+          </a:blip>
+          <a:stretch>
+            <a:fillRect/>
+          </a:stretch>
+        </p:blipFill>
+        <p:spPr>
+          <a:xfrm>
+            <a:off x="6765543" y="4715887"/>
+            <a:ext cx="684000" cy="684000"/>
+          </a:xfrm>
+          <a:prstGeom prst="rect">
+            <a:avLst/>
+          </a:prstGeom>
+        </p:spPr>
+      </p:pic>
+      <p:sp>
+        <p:nvSpPr>
+          <p:cNvPr id="31" name="Rectangle 30"/>
+          <p:cNvSpPr/>
+          <p:nvPr/>
+        </p:nvSpPr>
+        <p:spPr>
+          <a:xfrm>
+            <a:off x="6251481" y="2532066"/>
+            <a:ext cx="2825141" cy="1015663"/>
+          </a:xfrm>
+          <a:prstGeom prst="rect">
+            <a:avLst/>
+          </a:prstGeom>
+        </p:spPr>
+        <p:txBody>
+          <a:bodyPr wrap="square">
+            <a:spAutoFit/>
+          </a:bodyPr>
+          <a:lstStyle/>
+          <a:p>
+            <a:r>
+              <a:rPr lang="en-GB" sz="1200" dirty="0" smtClean="0"/>
+              <a:t>This screen from a hypothetical </a:t>
+            </a:r>
+            <a:r>
+              <a:rPr lang="en-GB" sz="1200" dirty="0" smtClean="0"/>
+              <a:t>game shows </a:t>
+            </a:r>
+            <a:r>
+              <a:rPr lang="en-GB" sz="1200" dirty="0" smtClean="0"/>
+              <a:t>that for this game, collecting the SCISSORS banknote would add 10 points and collecting the </a:t>
+            </a:r>
+            <a:r>
+              <a:rPr lang="en-GB" sz="1200" dirty="0" smtClean="0"/>
+              <a:t>HOUSE </a:t>
+            </a:r>
+            <a:r>
+              <a:rPr lang="en-GB" sz="1200" dirty="0" smtClean="0"/>
+              <a:t>banknote would add 0 points to your collection.</a:t>
+            </a:r>
+          </a:p>
+        </p:txBody>
+      </p:sp>
+      <p:sp>
+        <p:nvSpPr>
+          <p:cNvPr id="32" name="Rectangle 31"/>
+          <p:cNvSpPr/>
+          <p:nvPr/>
+        </p:nvSpPr>
+        <p:spPr>
+          <a:xfrm>
+            <a:off x="6285563" y="5691962"/>
+            <a:ext cx="2848812" cy="1015663"/>
+          </a:xfrm>
+          <a:prstGeom prst="rect">
+            <a:avLst/>
+          </a:prstGeom>
+        </p:spPr>
+        <p:txBody>
+          <a:bodyPr wrap="square">
+            <a:spAutoFit/>
+          </a:bodyPr>
+          <a:lstStyle/>
+          <a:p>
+            <a:r>
+              <a:rPr lang="en-GB" sz="1200" dirty="0" smtClean="0"/>
+              <a:t>This screen from a hypothetical </a:t>
+            </a:r>
+            <a:r>
+              <a:rPr lang="en-GB" sz="1200" dirty="0" smtClean="0"/>
+              <a:t>game shows </a:t>
+            </a:r>
+            <a:r>
+              <a:rPr lang="en-GB" sz="1200" dirty="0" smtClean="0"/>
+              <a:t>that for this game, collecting the SCISSORS banknote would take away 10 points and collecting the </a:t>
+            </a:r>
+            <a:r>
+              <a:rPr lang="en-GB" sz="1200" dirty="0" smtClean="0"/>
+              <a:t>HOUSE </a:t>
+            </a:r>
+            <a:r>
+              <a:rPr lang="en-GB" sz="1200" dirty="0" smtClean="0"/>
+              <a:t>banknote take away 5 points from your collection.</a:t>
+            </a:r>
+          </a:p>
+        </p:txBody>
+      </p:sp>
+      <p:sp>
+        <p:nvSpPr>
+          <p:cNvPr id="33" name="Content Placeholder 2"/>
           <p:cNvSpPr txBox="1">
             <a:spLocks/>
           </p:cNvSpPr>
@@ -4563,8 +5436,8 @@
         </p:nvSpPr>
         <p:spPr>
           <a:xfrm>
-            <a:off x="386862" y="290983"/>
-            <a:ext cx="5577839" cy="6618848"/>
+            <a:off x="248337" y="651884"/>
+            <a:ext cx="5759726" cy="5783666"/>
           </a:xfrm>
           <a:prstGeom prst="rect">
             <a:avLst/>
@@ -4572,7 +5445,7 @@
         </p:spPr>
         <p:txBody>
           <a:bodyPr vert="horz" lIns="91440" tIns="45720" rIns="91440" bIns="45720" rtlCol="0">
-            <a:normAutofit fontScale="85000" lnSpcReduction="20000"/>
+            <a:normAutofit fontScale="70000" lnSpcReduction="20000"/>
           </a:bodyPr>
           <a:lstStyle>
             <a:lvl1pPr marL="342900" indent="-342900" algn="l" defTabSz="457200" rtl="0" eaLnBrk="1" latinLnBrk="0" hangingPunct="1">
@@ -4713,866 +5586,10 @@
           </a:lstStyle>
           <a:p>
             <a:r>
-              <a:rPr lang="en-GB" dirty="0" smtClean="0"/>
-              <a:t>In the second type of game, you’ll make a </a:t>
-            </a:r>
-            <a:r>
-              <a:rPr lang="en-GB" b="1" dirty="0" smtClean="0"/>
-              <a:t>choice</a:t>
-            </a:r>
-            <a:r>
-              <a:rPr lang="en-GB" dirty="0" smtClean="0"/>
-              <a:t> between two slot machines. The slot machine that you choose will then provide a banknote. The chances of it providing either banknote is the same as it is for the other game.</a:t>
-            </a:r>
-          </a:p>
-          <a:p>
-            <a:r>
-              <a:rPr lang="en-GB" dirty="0" smtClean="0"/>
-              <a:t>Before you decide, you’ll be shown the number of points that either banknote would provide if it were collected on that game (two example games are shown on the right). This will be different for each game.</a:t>
-            </a:r>
-          </a:p>
-          <a:p>
-            <a:r>
-              <a:rPr lang="en-GB" dirty="0" smtClean="0"/>
-              <a:t>Try to make decisions that will collect positive-point banknotes and avoid negative-point banknotes.</a:t>
-            </a:r>
-          </a:p>
-          <a:p>
-            <a:r>
-              <a:rPr lang="en-GB" dirty="0" smtClean="0"/>
-              <a:t>Let’s practice a few of these games.</a:t>
-            </a:r>
-            <a:endParaRPr lang="en-GB" dirty="0"/>
-          </a:p>
-        </p:txBody>
-      </p:sp>
-    </p:spTree>
-    <p:extLst>
-      <p:ext uri="{BB962C8B-B14F-4D97-AF65-F5344CB8AC3E}">
-        <p14:creationId xmlns:p14="http://schemas.microsoft.com/office/powerpoint/2010/main" val="2462268897"/>
-      </p:ext>
-    </p:extLst>
-  </p:cSld>
-  <p:clrMapOvr>
-    <a:masterClrMapping/>
-  </p:clrMapOvr>
-  <p:timing>
-    <p:tnLst>
-      <p:par>
-        <p:cTn id="1" dur="indefinite" restart="never" nodeType="tmRoot"/>
-      </p:par>
-    </p:tnLst>
-  </p:timing>
-</p:sld>
-</file>
-
-<file path=ppt/slides/slide12.xml><?xml version="1.0" encoding="utf-8"?>
-<p:sld xmlns:a="http://schemas.openxmlformats.org/drawingml/2006/main" xmlns:r="http://schemas.openxmlformats.org/officeDocument/2006/relationships" xmlns:p="http://schemas.openxmlformats.org/presentationml/2006/main">
-  <p:cSld>
-    <p:spTree>
-      <p:nvGrpSpPr>
-        <p:cNvPr id="1" name=""/>
-        <p:cNvGrpSpPr/>
-        <p:nvPr/>
-      </p:nvGrpSpPr>
-      <p:grpSpPr>
-        <a:xfrm>
-          <a:off x="0" y="0"/>
-          <a:ext cx="0" cy="0"/>
-          <a:chOff x="0" y="0"/>
-          <a:chExt cx="0" cy="0"/>
-        </a:xfrm>
-      </p:grpSpPr>
-      <p:sp>
-        <p:nvSpPr>
-          <p:cNvPr id="5" name="Rectangle 4"/>
-          <p:cNvSpPr/>
-          <p:nvPr/>
-        </p:nvSpPr>
-        <p:spPr>
-          <a:xfrm>
-            <a:off x="6416963" y="724493"/>
-            <a:ext cx="2079057" cy="1777830"/>
-          </a:xfrm>
-          <a:prstGeom prst="rect">
-            <a:avLst/>
-          </a:prstGeom>
-          <a:solidFill>
-            <a:srgbClr val="252533"/>
-          </a:solidFill>
-        </p:spPr>
-        <p:style>
-          <a:lnRef idx="1">
-            <a:schemeClr val="accent1"/>
-          </a:lnRef>
-          <a:fillRef idx="3">
-            <a:schemeClr val="accent1"/>
-          </a:fillRef>
-          <a:effectRef idx="2">
-            <a:schemeClr val="accent1"/>
-          </a:effectRef>
-          <a:fontRef idx="minor">
-            <a:schemeClr val="lt1"/>
-          </a:fontRef>
-        </p:style>
-        <p:txBody>
-          <a:bodyPr rtlCol="0" anchor="ctr"/>
-          <a:lstStyle/>
-          <a:p>
-            <a:pPr algn="ctr"/>
-            <a:endParaRPr lang="en-GB"/>
-          </a:p>
-        </p:txBody>
-      </p:sp>
-      <p:sp>
-        <p:nvSpPr>
-          <p:cNvPr id="6" name="Rectangle 5"/>
-          <p:cNvSpPr/>
-          <p:nvPr/>
-        </p:nvSpPr>
-        <p:spPr>
-          <a:xfrm>
-            <a:off x="6659024" y="782976"/>
-            <a:ext cx="1512000" cy="828000"/>
-          </a:xfrm>
-          <a:prstGeom prst="rect">
-            <a:avLst/>
-          </a:prstGeom>
-          <a:solidFill>
-            <a:srgbClr val="635C52"/>
-          </a:solidFill>
-        </p:spPr>
-        <p:style>
-          <a:lnRef idx="1">
-            <a:schemeClr val="accent1"/>
-          </a:lnRef>
-          <a:fillRef idx="3">
-            <a:schemeClr val="accent1"/>
-          </a:fillRef>
-          <a:effectRef idx="2">
-            <a:schemeClr val="accent1"/>
-          </a:effectRef>
-          <a:fontRef idx="minor">
-            <a:schemeClr val="lt1"/>
-          </a:fontRef>
-        </p:style>
-        <p:txBody>
-          <a:bodyPr rtlCol="0" anchor="ctr"/>
-          <a:lstStyle/>
-          <a:p>
-            <a:pPr algn="ctr"/>
-            <a:endParaRPr lang="en-GB"/>
-          </a:p>
-        </p:txBody>
-      </p:sp>
-      <p:sp>
-        <p:nvSpPr>
-          <p:cNvPr id="7" name="TextBox 6"/>
-          <p:cNvSpPr txBox="1"/>
-          <p:nvPr/>
-        </p:nvSpPr>
-        <p:spPr>
-          <a:xfrm>
-            <a:off x="7545887" y="1099877"/>
-            <a:ext cx="577929" cy="369332"/>
-          </a:xfrm>
-          <a:prstGeom prst="rect">
-            <a:avLst/>
-          </a:prstGeom>
-          <a:noFill/>
-        </p:spPr>
-        <p:txBody>
-          <a:bodyPr wrap="square" rtlCol="0">
-            <a:spAutoFit/>
-          </a:bodyPr>
-          <a:lstStyle/>
-          <a:p>
-            <a:r>
-              <a:rPr lang="en-GB" dirty="0" smtClean="0">
-                <a:solidFill>
-                  <a:srgbClr val="FFFF00"/>
-                </a:solidFill>
-              </a:rPr>
-              <a:t>10</a:t>
-            </a:r>
-            <a:endParaRPr lang="en-GB" dirty="0">
-              <a:solidFill>
-                <a:srgbClr val="FFFF00"/>
-              </a:solidFill>
-            </a:endParaRPr>
-          </a:p>
-        </p:txBody>
-      </p:sp>
-      <p:pic>
-        <p:nvPicPr>
-          <p:cNvPr id="8" name="Picture 7"/>
-          <p:cNvPicPr>
-            <a:picLocks noChangeAspect="1"/>
-          </p:cNvPicPr>
-          <p:nvPr/>
-        </p:nvPicPr>
-        <p:blipFill>
-          <a:blip r:embed="rId2">
-            <a:extLst>
-              <a:ext uri="{28A0092B-C50C-407E-A947-70E740481C1C}">
-                <a14:useLocalDpi xmlns:a14="http://schemas.microsoft.com/office/drawing/2010/main" val="0"/>
-              </a:ext>
-            </a:extLst>
-          </a:blip>
-          <a:stretch>
-            <a:fillRect/>
-          </a:stretch>
-        </p:blipFill>
-        <p:spPr>
-          <a:xfrm>
-            <a:off x="6782117" y="871126"/>
-            <a:ext cx="684000" cy="684000"/>
-          </a:xfrm>
-          <a:prstGeom prst="rect">
-            <a:avLst/>
-          </a:prstGeom>
-        </p:spPr>
-      </p:pic>
-      <p:sp>
-        <p:nvSpPr>
-          <p:cNvPr id="9" name="Rectangle 8"/>
-          <p:cNvSpPr/>
-          <p:nvPr/>
-        </p:nvSpPr>
-        <p:spPr>
-          <a:xfrm>
-            <a:off x="6251481" y="2532066"/>
-            <a:ext cx="2825141" cy="1015663"/>
-          </a:xfrm>
-          <a:prstGeom prst="rect">
-            <a:avLst/>
-          </a:prstGeom>
-        </p:spPr>
-        <p:txBody>
-          <a:bodyPr wrap="square">
-            <a:spAutoFit/>
-          </a:bodyPr>
-          <a:lstStyle/>
-          <a:p>
-            <a:r>
-              <a:rPr lang="en-GB" sz="1200" dirty="0" smtClean="0"/>
-              <a:t>This screen from a hypothetical game that for this game, collecting the SCISSORS banknote would add 10 points and collecting the HOUSE banknote would add 0 points to your collection.</a:t>
-            </a:r>
-          </a:p>
-        </p:txBody>
-      </p:sp>
-      <p:sp>
-        <p:nvSpPr>
-          <p:cNvPr id="10" name="Rectangle 9"/>
-          <p:cNvSpPr/>
-          <p:nvPr/>
-        </p:nvSpPr>
-        <p:spPr>
-          <a:xfrm>
-            <a:off x="6132829" y="313330"/>
-            <a:ext cx="1952586" cy="338554"/>
-          </a:xfrm>
-          <a:prstGeom prst="rect">
-            <a:avLst/>
-          </a:prstGeom>
-        </p:spPr>
-        <p:txBody>
-          <a:bodyPr wrap="none">
-            <a:spAutoFit/>
-          </a:bodyPr>
-          <a:lstStyle/>
-          <a:p>
-            <a:r>
-              <a:rPr lang="en-GB" sz="1600" dirty="0" smtClean="0"/>
-              <a:t>Hypothetical game 1:</a:t>
-            </a:r>
-            <a:endParaRPr lang="en-GB" sz="1600" dirty="0"/>
-          </a:p>
-        </p:txBody>
-      </p:sp>
-      <p:sp>
-        <p:nvSpPr>
-          <p:cNvPr id="11" name="Rectangle 10"/>
-          <p:cNvSpPr/>
-          <p:nvPr/>
-        </p:nvSpPr>
-        <p:spPr>
-          <a:xfrm>
-            <a:off x="6663338" y="1643293"/>
-            <a:ext cx="1512000" cy="828000"/>
-          </a:xfrm>
-          <a:prstGeom prst="rect">
-            <a:avLst/>
-          </a:prstGeom>
-          <a:solidFill>
-            <a:srgbClr val="635C52"/>
-          </a:solidFill>
-        </p:spPr>
-        <p:style>
-          <a:lnRef idx="1">
-            <a:schemeClr val="accent1"/>
-          </a:lnRef>
-          <a:fillRef idx="3">
-            <a:schemeClr val="accent1"/>
-          </a:fillRef>
-          <a:effectRef idx="2">
-            <a:schemeClr val="accent1"/>
-          </a:effectRef>
-          <a:fontRef idx="minor">
-            <a:schemeClr val="lt1"/>
-          </a:fontRef>
-        </p:style>
-        <p:txBody>
-          <a:bodyPr rtlCol="0" anchor="ctr"/>
-          <a:lstStyle/>
-          <a:p>
-            <a:pPr algn="ctr"/>
-            <a:endParaRPr lang="en-GB"/>
-          </a:p>
-        </p:txBody>
-      </p:sp>
-      <p:sp>
-        <p:nvSpPr>
-          <p:cNvPr id="12" name="TextBox 11"/>
-          <p:cNvSpPr txBox="1"/>
-          <p:nvPr/>
-        </p:nvSpPr>
-        <p:spPr>
-          <a:xfrm>
-            <a:off x="7573605" y="1858101"/>
-            <a:ext cx="577929" cy="369332"/>
-          </a:xfrm>
-          <a:prstGeom prst="rect">
-            <a:avLst/>
-          </a:prstGeom>
-          <a:noFill/>
-        </p:spPr>
-        <p:txBody>
-          <a:bodyPr wrap="square" rtlCol="0">
-            <a:spAutoFit/>
-          </a:bodyPr>
-          <a:lstStyle/>
-          <a:p>
-            <a:r>
-              <a:rPr lang="en-GB" dirty="0" smtClean="0">
-                <a:solidFill>
-                  <a:srgbClr val="FFFF00"/>
-                </a:solidFill>
-              </a:rPr>
-              <a:t>0</a:t>
-            </a:r>
-            <a:endParaRPr lang="en-GB" dirty="0">
-              <a:solidFill>
-                <a:srgbClr val="FFFF00"/>
-              </a:solidFill>
-            </a:endParaRPr>
-          </a:p>
-        </p:txBody>
-      </p:sp>
-      <p:sp>
-        <p:nvSpPr>
-          <p:cNvPr id="19" name="Rectangle 18"/>
-          <p:cNvSpPr/>
-          <p:nvPr/>
-        </p:nvSpPr>
-        <p:spPr>
-          <a:xfrm>
-            <a:off x="6368837" y="3807357"/>
-            <a:ext cx="2079057" cy="1777830"/>
-          </a:xfrm>
-          <a:prstGeom prst="rect">
-            <a:avLst/>
-          </a:prstGeom>
-          <a:solidFill>
-            <a:srgbClr val="252533"/>
-          </a:solidFill>
-        </p:spPr>
-        <p:style>
-          <a:lnRef idx="1">
-            <a:schemeClr val="accent1"/>
-          </a:lnRef>
-          <a:fillRef idx="3">
-            <a:schemeClr val="accent1"/>
-          </a:fillRef>
-          <a:effectRef idx="2">
-            <a:schemeClr val="accent1"/>
-          </a:effectRef>
-          <a:fontRef idx="minor">
-            <a:schemeClr val="lt1"/>
-          </a:fontRef>
-        </p:style>
-        <p:txBody>
-          <a:bodyPr rtlCol="0" anchor="ctr"/>
-          <a:lstStyle/>
-          <a:p>
-            <a:pPr algn="ctr"/>
-            <a:endParaRPr lang="en-GB"/>
-          </a:p>
-        </p:txBody>
-      </p:sp>
-      <p:sp>
-        <p:nvSpPr>
-          <p:cNvPr id="20" name="Rectangle 19"/>
-          <p:cNvSpPr/>
-          <p:nvPr/>
-        </p:nvSpPr>
-        <p:spPr>
-          <a:xfrm>
-            <a:off x="6601273" y="3836962"/>
-            <a:ext cx="1512000" cy="828000"/>
-          </a:xfrm>
-          <a:prstGeom prst="rect">
-            <a:avLst/>
-          </a:prstGeom>
-          <a:solidFill>
-            <a:srgbClr val="635C52"/>
-          </a:solidFill>
-        </p:spPr>
-        <p:style>
-          <a:lnRef idx="1">
-            <a:schemeClr val="accent1"/>
-          </a:lnRef>
-          <a:fillRef idx="3">
-            <a:schemeClr val="accent1"/>
-          </a:fillRef>
-          <a:effectRef idx="2">
-            <a:schemeClr val="accent1"/>
-          </a:effectRef>
-          <a:fontRef idx="minor">
-            <a:schemeClr val="lt1"/>
-          </a:fontRef>
-        </p:style>
-        <p:txBody>
-          <a:bodyPr rtlCol="0" anchor="ctr"/>
-          <a:lstStyle/>
-          <a:p>
-            <a:pPr algn="ctr"/>
-            <a:endParaRPr lang="en-GB"/>
-          </a:p>
-        </p:txBody>
-      </p:sp>
-      <p:sp>
-        <p:nvSpPr>
-          <p:cNvPr id="21" name="TextBox 20"/>
-          <p:cNvSpPr txBox="1"/>
-          <p:nvPr/>
-        </p:nvSpPr>
-        <p:spPr>
-          <a:xfrm>
-            <a:off x="7488136" y="4153863"/>
-            <a:ext cx="577929" cy="369332"/>
-          </a:xfrm>
-          <a:prstGeom prst="rect">
-            <a:avLst/>
-          </a:prstGeom>
-          <a:noFill/>
-        </p:spPr>
-        <p:txBody>
-          <a:bodyPr wrap="square" rtlCol="0">
-            <a:spAutoFit/>
-          </a:bodyPr>
-          <a:lstStyle/>
-          <a:p>
-            <a:r>
-              <a:rPr lang="en-GB" dirty="0" smtClean="0">
-                <a:solidFill>
-                  <a:srgbClr val="FFFF00"/>
-                </a:solidFill>
-              </a:rPr>
-              <a:t>-10</a:t>
-            </a:r>
-            <a:endParaRPr lang="en-GB" dirty="0">
-              <a:solidFill>
-                <a:srgbClr val="FFFF00"/>
-              </a:solidFill>
-            </a:endParaRPr>
-          </a:p>
-        </p:txBody>
-      </p:sp>
-      <p:pic>
-        <p:nvPicPr>
-          <p:cNvPr id="22" name="Picture 21"/>
-          <p:cNvPicPr>
-            <a:picLocks noChangeAspect="1"/>
-          </p:cNvPicPr>
-          <p:nvPr/>
-        </p:nvPicPr>
-        <p:blipFill>
-          <a:blip r:embed="rId2">
-            <a:extLst>
-              <a:ext uri="{28A0092B-C50C-407E-A947-70E740481C1C}">
-                <a14:useLocalDpi xmlns:a14="http://schemas.microsoft.com/office/drawing/2010/main" val="0"/>
-              </a:ext>
-            </a:extLst>
-          </a:blip>
-          <a:stretch>
-            <a:fillRect/>
-          </a:stretch>
-        </p:blipFill>
-        <p:spPr>
-          <a:xfrm>
-            <a:off x="6724366" y="3925112"/>
-            <a:ext cx="684000" cy="684000"/>
-          </a:xfrm>
-          <a:prstGeom prst="rect">
-            <a:avLst/>
-          </a:prstGeom>
-        </p:spPr>
-      </p:pic>
-      <p:sp>
-        <p:nvSpPr>
-          <p:cNvPr id="23" name="Rectangle 22"/>
-          <p:cNvSpPr/>
-          <p:nvPr/>
-        </p:nvSpPr>
-        <p:spPr>
-          <a:xfrm>
-            <a:off x="6605587" y="4697279"/>
-            <a:ext cx="1512000" cy="828000"/>
-          </a:xfrm>
-          <a:prstGeom prst="rect">
-            <a:avLst/>
-          </a:prstGeom>
-          <a:solidFill>
-            <a:srgbClr val="635C52"/>
-          </a:solidFill>
-        </p:spPr>
-        <p:style>
-          <a:lnRef idx="1">
-            <a:schemeClr val="accent1"/>
-          </a:lnRef>
-          <a:fillRef idx="3">
-            <a:schemeClr val="accent1"/>
-          </a:fillRef>
-          <a:effectRef idx="2">
-            <a:schemeClr val="accent1"/>
-          </a:effectRef>
-          <a:fontRef idx="minor">
-            <a:schemeClr val="lt1"/>
-          </a:fontRef>
-        </p:style>
-        <p:txBody>
-          <a:bodyPr rtlCol="0" anchor="ctr"/>
-          <a:lstStyle/>
-          <a:p>
-            <a:pPr algn="ctr"/>
-            <a:endParaRPr lang="en-GB"/>
-          </a:p>
-        </p:txBody>
-      </p:sp>
-      <p:sp>
-        <p:nvSpPr>
-          <p:cNvPr id="24" name="TextBox 23"/>
-          <p:cNvSpPr txBox="1"/>
-          <p:nvPr/>
-        </p:nvSpPr>
-        <p:spPr>
-          <a:xfrm>
-            <a:off x="7515854" y="4912087"/>
-            <a:ext cx="577929" cy="369332"/>
-          </a:xfrm>
-          <a:prstGeom prst="rect">
-            <a:avLst/>
-          </a:prstGeom>
-          <a:noFill/>
-        </p:spPr>
-        <p:txBody>
-          <a:bodyPr wrap="square" rtlCol="0">
-            <a:spAutoFit/>
-          </a:bodyPr>
-          <a:lstStyle/>
-          <a:p>
-            <a:r>
-              <a:rPr lang="en-GB" dirty="0" smtClean="0">
-                <a:solidFill>
-                  <a:srgbClr val="FFFF00"/>
-                </a:solidFill>
-              </a:rPr>
-              <a:t>-5</a:t>
-            </a:r>
-            <a:endParaRPr lang="en-GB" dirty="0">
-              <a:solidFill>
-                <a:srgbClr val="FFFF00"/>
-              </a:solidFill>
-            </a:endParaRPr>
-          </a:p>
-        </p:txBody>
-      </p:sp>
-      <p:sp>
-        <p:nvSpPr>
-          <p:cNvPr id="26" name="Rectangle 25"/>
-          <p:cNvSpPr/>
-          <p:nvPr/>
-        </p:nvSpPr>
-        <p:spPr>
-          <a:xfrm>
-            <a:off x="6285563" y="5691962"/>
-            <a:ext cx="2848812" cy="1015663"/>
-          </a:xfrm>
-          <a:prstGeom prst="rect">
-            <a:avLst/>
-          </a:prstGeom>
-        </p:spPr>
-        <p:txBody>
-          <a:bodyPr wrap="square">
-            <a:spAutoFit/>
-          </a:bodyPr>
-          <a:lstStyle/>
-          <a:p>
-            <a:r>
-              <a:rPr lang="en-GB" sz="1200" dirty="0" smtClean="0"/>
-              <a:t>This screen from a hypothetical game that for this game, collecting the SCISSORS banknote would take away 10 points and collecting the HOUSE banknote take away 5 points from your collection.</a:t>
-            </a:r>
-          </a:p>
-        </p:txBody>
-      </p:sp>
-      <p:sp>
-        <p:nvSpPr>
-          <p:cNvPr id="27" name="Rectangle 26"/>
-          <p:cNvSpPr/>
-          <p:nvPr/>
-        </p:nvSpPr>
-        <p:spPr>
-          <a:xfrm>
-            <a:off x="6131250" y="3475973"/>
-            <a:ext cx="1952586" cy="338554"/>
-          </a:xfrm>
-          <a:prstGeom prst="rect">
-            <a:avLst/>
-          </a:prstGeom>
-        </p:spPr>
-        <p:txBody>
-          <a:bodyPr wrap="none">
-            <a:spAutoFit/>
-          </a:bodyPr>
-          <a:lstStyle/>
-          <a:p>
-            <a:r>
-              <a:rPr lang="en-GB" sz="1600" dirty="0" smtClean="0"/>
-              <a:t>Hypothetical game 2:</a:t>
-            </a:r>
-            <a:endParaRPr lang="en-GB" sz="1600" dirty="0"/>
-          </a:p>
-        </p:txBody>
-      </p:sp>
-      <p:pic>
-        <p:nvPicPr>
-          <p:cNvPr id="28" name="Picture 27"/>
-          <p:cNvPicPr>
-            <a:picLocks noChangeAspect="1"/>
-          </p:cNvPicPr>
-          <p:nvPr/>
-        </p:nvPicPr>
-        <p:blipFill>
-          <a:blip r:embed="rId3">
-            <a:extLst>
-              <a:ext uri="{28A0092B-C50C-407E-A947-70E740481C1C}">
-                <a14:useLocalDpi xmlns:a14="http://schemas.microsoft.com/office/drawing/2010/main" val="0"/>
-              </a:ext>
-            </a:extLst>
-          </a:blip>
-          <a:stretch>
-            <a:fillRect/>
-          </a:stretch>
-        </p:blipFill>
-        <p:spPr>
-          <a:xfrm>
-            <a:off x="6776472" y="1699126"/>
-            <a:ext cx="684000" cy="684000"/>
-          </a:xfrm>
-          <a:prstGeom prst="rect">
-            <a:avLst/>
-          </a:prstGeom>
-        </p:spPr>
-      </p:pic>
-      <p:pic>
-        <p:nvPicPr>
-          <p:cNvPr id="29" name="Picture 28"/>
-          <p:cNvPicPr>
-            <a:picLocks noChangeAspect="1"/>
-          </p:cNvPicPr>
-          <p:nvPr/>
-        </p:nvPicPr>
-        <p:blipFill>
-          <a:blip r:embed="rId3">
-            <a:extLst>
-              <a:ext uri="{28A0092B-C50C-407E-A947-70E740481C1C}">
-                <a14:useLocalDpi xmlns:a14="http://schemas.microsoft.com/office/drawing/2010/main" val="0"/>
-              </a:ext>
-            </a:extLst>
-          </a:blip>
-          <a:stretch>
-            <a:fillRect/>
-          </a:stretch>
-        </p:blipFill>
-        <p:spPr>
-          <a:xfrm>
-            <a:off x="6765543" y="4715887"/>
-            <a:ext cx="684000" cy="684000"/>
-          </a:xfrm>
-          <a:prstGeom prst="rect">
-            <a:avLst/>
-          </a:prstGeom>
-        </p:spPr>
-      </p:pic>
-      <p:sp>
-        <p:nvSpPr>
-          <p:cNvPr id="30" name="Content Placeholder 2"/>
-          <p:cNvSpPr txBox="1">
-            <a:spLocks/>
-          </p:cNvSpPr>
-          <p:nvPr/>
-        </p:nvSpPr>
-        <p:spPr>
-          <a:xfrm>
-            <a:off x="386862" y="290983"/>
-            <a:ext cx="5577839" cy="6618848"/>
-          </a:xfrm>
-          <a:prstGeom prst="rect">
-            <a:avLst/>
-          </a:prstGeom>
-        </p:spPr>
-        <p:txBody>
-          <a:bodyPr vert="horz" lIns="91440" tIns="45720" rIns="91440" bIns="45720" rtlCol="0">
-            <a:normAutofit fontScale="85000" lnSpcReduction="20000"/>
-          </a:bodyPr>
-          <a:lstStyle>
-            <a:lvl1pPr marL="342900" indent="-342900" algn="l" defTabSz="457200" rtl="0" eaLnBrk="1" latinLnBrk="0" hangingPunct="1">
-              <a:spcBef>
-                <a:spcPct val="20000"/>
-              </a:spcBef>
-              <a:buFont typeface="Arial"/>
-              <a:buChar char="•"/>
-              <a:defRPr sz="3200" kern="1200">
-                <a:solidFill>
-                  <a:schemeClr val="tx1"/>
-                </a:solidFill>
-                <a:latin typeface="+mn-lt"/>
-                <a:ea typeface="+mn-ea"/>
-                <a:cs typeface="+mn-cs"/>
-              </a:defRPr>
-            </a:lvl1pPr>
-            <a:lvl2pPr marL="742950" indent="-285750" algn="l" defTabSz="457200" rtl="0" eaLnBrk="1" latinLnBrk="0" hangingPunct="1">
-              <a:spcBef>
-                <a:spcPct val="20000"/>
-              </a:spcBef>
-              <a:buFont typeface="Arial"/>
-              <a:buChar char="–"/>
-              <a:defRPr sz="2800" kern="1200">
-                <a:solidFill>
-                  <a:schemeClr val="tx1"/>
-                </a:solidFill>
-                <a:latin typeface="+mn-lt"/>
-                <a:ea typeface="+mn-ea"/>
-                <a:cs typeface="+mn-cs"/>
-              </a:defRPr>
-            </a:lvl2pPr>
-            <a:lvl3pPr marL="1143000" indent="-228600" algn="l" defTabSz="457200" rtl="0" eaLnBrk="1" latinLnBrk="0" hangingPunct="1">
-              <a:spcBef>
-                <a:spcPct val="20000"/>
-              </a:spcBef>
-              <a:buFont typeface="Arial"/>
-              <a:buChar char="•"/>
-              <a:defRPr sz="2400" kern="1200">
-                <a:solidFill>
-                  <a:schemeClr val="tx1"/>
-                </a:solidFill>
-                <a:latin typeface="+mn-lt"/>
-                <a:ea typeface="+mn-ea"/>
-                <a:cs typeface="+mn-cs"/>
-              </a:defRPr>
-            </a:lvl3pPr>
-            <a:lvl4pPr marL="1600200" indent="-228600" algn="l" defTabSz="457200" rtl="0" eaLnBrk="1" latinLnBrk="0" hangingPunct="1">
-              <a:spcBef>
-                <a:spcPct val="20000"/>
-              </a:spcBef>
-              <a:buFont typeface="Arial"/>
-              <a:buChar char="–"/>
-              <a:defRPr sz="2000" kern="1200">
-                <a:solidFill>
-                  <a:schemeClr val="tx1"/>
-                </a:solidFill>
-                <a:latin typeface="+mn-lt"/>
-                <a:ea typeface="+mn-ea"/>
-                <a:cs typeface="+mn-cs"/>
-              </a:defRPr>
-            </a:lvl4pPr>
-            <a:lvl5pPr marL="2057400" indent="-228600" algn="l" defTabSz="457200" rtl="0" eaLnBrk="1" latinLnBrk="0" hangingPunct="1">
-              <a:spcBef>
-                <a:spcPct val="20000"/>
-              </a:spcBef>
-              <a:buFont typeface="Arial"/>
-              <a:buChar char="»"/>
-              <a:defRPr sz="2000" kern="1200">
-                <a:solidFill>
-                  <a:schemeClr val="tx1"/>
-                </a:solidFill>
-                <a:latin typeface="+mn-lt"/>
-                <a:ea typeface="+mn-ea"/>
-                <a:cs typeface="+mn-cs"/>
-              </a:defRPr>
-            </a:lvl5pPr>
-            <a:lvl6pPr marL="2514600" indent="-228600" algn="l" defTabSz="457200" rtl="0" eaLnBrk="1" latinLnBrk="0" hangingPunct="1">
-              <a:spcBef>
-                <a:spcPct val="20000"/>
-              </a:spcBef>
-              <a:buFont typeface="Arial"/>
-              <a:buChar char="•"/>
-              <a:defRPr sz="2000" kern="1200">
-                <a:solidFill>
-                  <a:schemeClr val="tx1"/>
-                </a:solidFill>
-                <a:latin typeface="+mn-lt"/>
-                <a:ea typeface="+mn-ea"/>
-                <a:cs typeface="+mn-cs"/>
-              </a:defRPr>
-            </a:lvl6pPr>
-            <a:lvl7pPr marL="2971800" indent="-228600" algn="l" defTabSz="457200" rtl="0" eaLnBrk="1" latinLnBrk="0" hangingPunct="1">
-              <a:spcBef>
-                <a:spcPct val="20000"/>
-              </a:spcBef>
-              <a:buFont typeface="Arial"/>
-              <a:buChar char="•"/>
-              <a:defRPr sz="2000" kern="1200">
-                <a:solidFill>
-                  <a:schemeClr val="tx1"/>
-                </a:solidFill>
-                <a:latin typeface="+mn-lt"/>
-                <a:ea typeface="+mn-ea"/>
-                <a:cs typeface="+mn-cs"/>
-              </a:defRPr>
-            </a:lvl7pPr>
-            <a:lvl8pPr marL="3429000" indent="-228600" algn="l" defTabSz="457200" rtl="0" eaLnBrk="1" latinLnBrk="0" hangingPunct="1">
-              <a:spcBef>
-                <a:spcPct val="20000"/>
-              </a:spcBef>
-              <a:buFont typeface="Arial"/>
-              <a:buChar char="•"/>
-              <a:defRPr sz="2000" kern="1200">
-                <a:solidFill>
-                  <a:schemeClr val="tx1"/>
-                </a:solidFill>
-                <a:latin typeface="+mn-lt"/>
-                <a:ea typeface="+mn-ea"/>
-                <a:cs typeface="+mn-cs"/>
-              </a:defRPr>
-            </a:lvl8pPr>
-            <a:lvl9pPr marL="3886200" indent="-228600" algn="l" defTabSz="457200" rtl="0" eaLnBrk="1" latinLnBrk="0" hangingPunct="1">
-              <a:spcBef>
-                <a:spcPct val="20000"/>
-              </a:spcBef>
-              <a:buFont typeface="Arial"/>
-              <a:buChar char="•"/>
-              <a:defRPr sz="2000" kern="1200">
-                <a:solidFill>
-                  <a:schemeClr val="tx1"/>
-                </a:solidFill>
-                <a:latin typeface="+mn-lt"/>
-                <a:ea typeface="+mn-ea"/>
-                <a:cs typeface="+mn-cs"/>
-              </a:defRPr>
-            </a:lvl9pPr>
-          </a:lstStyle>
+              <a:rPr lang="en-GB" smtClean="0"/>
+              <a:t>Great job!</a:t>
+            </a:r>
+          </a:p>
           <a:p>
             <a:r>
               <a:rPr lang="en-GB" smtClean="0"/>
@@ -5584,7 +5601,61 @@
             </a:r>
             <a:r>
               <a:rPr lang="en-GB" smtClean="0"/>
-              <a:t> between two slot machines. The slot machine that you choose will then provide a banknote. The chances of it providing either banknote is the same as it is for the other game.</a:t>
+              <a:t> between two slot machines. Press </a:t>
+            </a:r>
+            <a:r>
+              <a:rPr lang="en-GB" b="1" smtClean="0"/>
+              <a:t>1</a:t>
+            </a:r>
+            <a:r>
+              <a:rPr lang="en-GB" smtClean="0"/>
+              <a:t> to choose the machine on the </a:t>
+            </a:r>
+            <a:r>
+              <a:rPr lang="en-GB" b="1" smtClean="0"/>
+              <a:t>LEFT</a:t>
+            </a:r>
+            <a:r>
+              <a:rPr lang="en-GB" smtClean="0"/>
+              <a:t> and </a:t>
+            </a:r>
+            <a:r>
+              <a:rPr lang="en-GB" b="1" smtClean="0"/>
+              <a:t>2</a:t>
+            </a:r>
+            <a:r>
+              <a:rPr lang="en-GB" smtClean="0"/>
+              <a:t> to choose the machine on the </a:t>
+            </a:r>
+            <a:r>
+              <a:rPr lang="en-GB" b="1" smtClean="0"/>
+              <a:t>RIGHT</a:t>
+            </a:r>
+            <a:r>
+              <a:rPr lang="en-GB" smtClean="0"/>
+              <a:t>. </a:t>
+            </a:r>
+          </a:p>
+          <a:p>
+            <a:r>
+              <a:rPr lang="en-GB" smtClean="0"/>
+              <a:t>The slot machine that you chose will then provide a banknote. The </a:t>
+            </a:r>
+            <a:r>
+              <a:rPr lang="en-GB" b="1" smtClean="0"/>
+              <a:t>chances</a:t>
+            </a:r>
+            <a:r>
+              <a:rPr lang="en-GB" smtClean="0"/>
+              <a:t> of it providing either banknote will be the </a:t>
+            </a:r>
+            <a:r>
+              <a:rPr lang="en-GB" b="1" smtClean="0"/>
+              <a:t>same</a:t>
+            </a:r>
+            <a:r>
+              <a:rPr lang="en-GB" smtClean="0"/>
+              <a:t> as it is for other type of game that you just played.</a:t>
             </a:r>
           </a:p>
           <a:p>
@@ -5647,62 +5718,6 @@
       </p:grpSpPr>
       <p:sp>
         <p:nvSpPr>
-          <p:cNvPr id="3" name="Content Placeholder 2"/>
-          <p:cNvSpPr>
-            <a:spLocks noGrp="1"/>
-          </p:cNvSpPr>
-          <p:nvPr>
-            <p:ph idx="1"/>
-          </p:nvPr>
-        </p:nvSpPr>
-        <p:spPr>
-          <a:xfrm>
-            <a:off x="386862" y="290983"/>
-            <a:ext cx="5577839" cy="6618848"/>
-          </a:xfrm>
-        </p:spPr>
-        <p:txBody>
-          <a:bodyPr>
-            <a:normAutofit fontScale="85000" lnSpcReduction="20000"/>
-          </a:bodyPr>
-          <a:lstStyle/>
-          <a:p>
-            <a:r>
-              <a:rPr lang="en-GB" dirty="0"/>
-              <a:t>In the second type of game, you’ll make a </a:t>
-            </a:r>
-            <a:r>
-              <a:rPr lang="en-GB" b="1" dirty="0"/>
-              <a:t>choice</a:t>
-            </a:r>
-            <a:r>
-              <a:rPr lang="en-GB" dirty="0"/>
-              <a:t> between two slot machines. The slot machine that you choose will then provide a banknote. The chances of it providing either banknote is the same as it is for the other game.</a:t>
-            </a:r>
-          </a:p>
-          <a:p>
-            <a:r>
-              <a:rPr lang="en-GB" dirty="0"/>
-              <a:t>Before you decide, you’ll be shown the number of points that either banknote would provide if it were collected on that game (two example games are shown on the right). This will be different for each game.</a:t>
-            </a:r>
-          </a:p>
-          <a:p>
-            <a:r>
-              <a:rPr lang="en-GB" dirty="0"/>
-              <a:t>Try to make decisions that will collect positive-point banknotes and avoid negative-point banknotes.</a:t>
-            </a:r>
-          </a:p>
-          <a:p>
-            <a:r>
-              <a:rPr lang="en-GB" dirty="0"/>
-              <a:t>Let’s practice a few of these games.</a:t>
-            </a:r>
-            <a:endParaRPr lang="en-GB" dirty="0"/>
-          </a:p>
-        </p:txBody>
-      </p:sp>
-      <p:sp>
-        <p:nvSpPr>
           <p:cNvPr id="5" name="Rectangle 4"/>
           <p:cNvSpPr/>
           <p:nvPr/>
@@ -6333,6 +6348,154 @@
           </a:prstGeom>
         </p:spPr>
       </p:pic>
+      <p:sp>
+        <p:nvSpPr>
+          <p:cNvPr id="22" name="Content Placeholder 2"/>
+          <p:cNvSpPr>
+            <a:spLocks noGrp="1"/>
+          </p:cNvSpPr>
+          <p:nvPr>
+            <p:ph idx="1"/>
+          </p:nvPr>
+        </p:nvSpPr>
+        <p:spPr>
+          <a:xfrm>
+            <a:off x="248337" y="651884"/>
+            <a:ext cx="5759726" cy="5783666"/>
+          </a:xfrm>
+        </p:spPr>
+        <p:txBody>
+          <a:bodyPr>
+            <a:normAutofit fontScale="70000" lnSpcReduction="20000"/>
+          </a:bodyPr>
+          <a:lstStyle/>
+          <a:p>
+            <a:r>
+              <a:rPr lang="en-GB" dirty="0" smtClean="0"/>
+              <a:t>Great job!</a:t>
+            </a:r>
+          </a:p>
+          <a:p>
+            <a:r>
+              <a:rPr lang="en-GB" dirty="0" smtClean="0"/>
+              <a:t>In </a:t>
+            </a:r>
+            <a:r>
+              <a:rPr lang="en-GB" dirty="0"/>
+              <a:t>the second type of game, you’ll make a </a:t>
+            </a:r>
+            <a:r>
+              <a:rPr lang="en-GB" b="1" dirty="0"/>
+              <a:t>choice</a:t>
+            </a:r>
+            <a:r>
+              <a:rPr lang="en-GB" dirty="0"/>
+              <a:t> between two slot machines</a:t>
+            </a:r>
+            <a:r>
+              <a:rPr lang="en-GB" dirty="0" smtClean="0"/>
+              <a:t>. Press </a:t>
+            </a:r>
+            <a:r>
+              <a:rPr lang="en-GB" b="1" dirty="0" smtClean="0"/>
+              <a:t>1</a:t>
+            </a:r>
+            <a:r>
+              <a:rPr lang="en-GB" dirty="0" smtClean="0"/>
+              <a:t> to choose the machine on the </a:t>
+            </a:r>
+            <a:r>
+              <a:rPr lang="en-GB" b="1" dirty="0" smtClean="0"/>
+              <a:t>LEFT</a:t>
+            </a:r>
+            <a:r>
+              <a:rPr lang="en-GB" dirty="0" smtClean="0"/>
+              <a:t> and </a:t>
+            </a:r>
+            <a:r>
+              <a:rPr lang="en-GB" b="1" dirty="0" smtClean="0"/>
+              <a:t>2</a:t>
+            </a:r>
+            <a:r>
+              <a:rPr lang="en-GB" dirty="0" smtClean="0"/>
+              <a:t> to choose the machine on the </a:t>
+            </a:r>
+            <a:r>
+              <a:rPr lang="en-GB" b="1" dirty="0" smtClean="0"/>
+              <a:t>RIGHT</a:t>
+            </a:r>
+            <a:r>
+              <a:rPr lang="en-GB" dirty="0" smtClean="0"/>
+              <a:t>. </a:t>
+            </a:r>
+          </a:p>
+          <a:p>
+            <a:r>
+              <a:rPr lang="en-GB" dirty="0" smtClean="0"/>
+              <a:t>The </a:t>
+            </a:r>
+            <a:r>
+              <a:rPr lang="en-GB" dirty="0"/>
+              <a:t>slot machine that you </a:t>
+            </a:r>
+            <a:r>
+              <a:rPr lang="en-GB" dirty="0" smtClean="0"/>
+              <a:t>chose </a:t>
+            </a:r>
+            <a:r>
+              <a:rPr lang="en-GB" dirty="0"/>
+              <a:t>will then provide a banknote. The </a:t>
+            </a:r>
+            <a:r>
+              <a:rPr lang="en-GB" b="1" dirty="0"/>
+              <a:t>chances</a:t>
+            </a:r>
+            <a:r>
+              <a:rPr lang="en-GB" dirty="0"/>
+              <a:t> of it providing either banknote </a:t>
+            </a:r>
+            <a:r>
+              <a:rPr lang="en-GB" dirty="0" smtClean="0"/>
+              <a:t>will be </a:t>
+            </a:r>
+            <a:r>
+              <a:rPr lang="en-GB" dirty="0"/>
+              <a:t>the </a:t>
+            </a:r>
+            <a:r>
+              <a:rPr lang="en-GB" b="1" dirty="0"/>
+              <a:t>same</a:t>
+            </a:r>
+            <a:r>
+              <a:rPr lang="en-GB" dirty="0"/>
+              <a:t> as it </a:t>
+            </a:r>
+            <a:r>
+              <a:rPr lang="en-GB" dirty="0" smtClean="0"/>
+              <a:t>is for other type of game that you just played.</a:t>
+            </a:r>
+            <a:endParaRPr lang="en-GB" dirty="0"/>
+          </a:p>
+          <a:p>
+            <a:r>
+              <a:rPr lang="en-GB" dirty="0"/>
+              <a:t>Before you decide, you’ll be shown the number of points that either banknote would provide if it were collected on that game (two example games are shown on the right). This will be different for each game.</a:t>
+            </a:r>
+          </a:p>
+          <a:p>
+            <a:r>
+              <a:rPr lang="en-GB" dirty="0"/>
+              <a:t>Try to make decisions that will collect positive-point banknotes and avoid negative-point banknotes.</a:t>
+            </a:r>
+          </a:p>
+          <a:p>
+            <a:r>
+              <a:rPr lang="en-GB" dirty="0"/>
+              <a:t>Let’s practice a few of these games.</a:t>
+            </a:r>
+          </a:p>
+        </p:txBody>
+      </p:sp>
     </p:spTree>
     <p:extLst>
       <p:ext uri="{BB962C8B-B14F-4D97-AF65-F5344CB8AC3E}">
@@ -6470,8 +6633,17 @@
           <a:p>
             <a:r>
               <a:rPr lang="en-GB" dirty="0" smtClean="0"/>
-              <a:t>Great work. The first task will have interleaved blocks between the two types of games.</a:t>
-            </a:r>
+              <a:t>Great work. The first task will have interleaved blocks between the </a:t>
+            </a:r>
+            <a:r>
+              <a:rPr lang="en-GB" dirty="0" smtClean="0"/>
+              <a:t>first type of game and the games you just played</a:t>
+            </a:r>
+            <a:r>
+              <a:rPr lang="en-GB" dirty="0" smtClean="0"/>
+              <a:t>.</a:t>
+            </a:r>
+            <a:endParaRPr lang="en-GB" dirty="0" smtClean="0"/>
           </a:p>
           <a:p>
             <a:r>
@@ -6835,7 +7007,6 @@
               <a:rPr lang="en-US" sz="2400" b="1" dirty="0" smtClean="0"/>
               <a:t>).</a:t>
             </a:r>
-            <a:endParaRPr lang="en-US" sz="2400" b="1" dirty="0" smtClean="0"/>
           </a:p>
           <a:p>
             <a:r>
@@ -7017,20 +7188,186 @@
       </p:pic>
       <p:sp>
         <p:nvSpPr>
-          <p:cNvPr id="17" name="Rectangle 16"/>
+          <p:cNvPr id="20" name="TextBox 19"/>
+          <p:cNvSpPr txBox="1"/>
+          <p:nvPr/>
+        </p:nvSpPr>
+        <p:spPr>
+          <a:xfrm>
+            <a:off x="6630680" y="1080247"/>
+            <a:ext cx="577929" cy="369332"/>
+          </a:xfrm>
+          <a:prstGeom prst="rect">
+            <a:avLst/>
+          </a:prstGeom>
+          <a:noFill/>
+        </p:spPr>
+        <p:txBody>
+          <a:bodyPr wrap="square" rtlCol="0">
+            <a:spAutoFit/>
+          </a:bodyPr>
+          <a:lstStyle/>
+          <a:p>
+            <a:r>
+              <a:rPr lang="en-GB" dirty="0" smtClean="0">
+                <a:solidFill>
+                  <a:srgbClr val="FFFF00"/>
+                </a:solidFill>
+              </a:rPr>
+              <a:t>XX</a:t>
+            </a:r>
+            <a:endParaRPr lang="en-GB" dirty="0">
+              <a:solidFill>
+                <a:srgbClr val="FFFF00"/>
+              </a:solidFill>
+            </a:endParaRPr>
+          </a:p>
+        </p:txBody>
+      </p:sp>
+      <p:sp>
+        <p:nvSpPr>
+          <p:cNvPr id="22" name="TextBox 21"/>
+          <p:cNvSpPr txBox="1"/>
+          <p:nvPr/>
+        </p:nvSpPr>
+        <p:spPr>
+          <a:xfrm>
+            <a:off x="8282227" y="1086778"/>
+            <a:ext cx="577929" cy="369332"/>
+          </a:xfrm>
+          <a:prstGeom prst="rect">
+            <a:avLst/>
+          </a:prstGeom>
+          <a:noFill/>
+        </p:spPr>
+        <p:txBody>
+          <a:bodyPr wrap="square" rtlCol="0">
+            <a:spAutoFit/>
+          </a:bodyPr>
+          <a:lstStyle/>
+          <a:p>
+            <a:r>
+              <a:rPr lang="en-GB" dirty="0" smtClean="0">
+                <a:solidFill>
+                  <a:srgbClr val="FFFF00"/>
+                </a:solidFill>
+              </a:rPr>
+              <a:t>XX</a:t>
+            </a:r>
+            <a:endParaRPr lang="en-GB" dirty="0">
+              <a:solidFill>
+                <a:srgbClr val="FFFF00"/>
+              </a:solidFill>
+            </a:endParaRPr>
+          </a:p>
+        </p:txBody>
+      </p:sp>
+      <p:sp>
+        <p:nvSpPr>
+          <p:cNvPr id="23" name="TextBox 22"/>
+          <p:cNvSpPr txBox="1"/>
+          <p:nvPr/>
+        </p:nvSpPr>
+        <p:spPr>
+          <a:xfrm>
+            <a:off x="5679876" y="498549"/>
+            <a:ext cx="1603171" cy="369332"/>
+          </a:xfrm>
+          <a:prstGeom prst="rect">
+            <a:avLst/>
+          </a:prstGeom>
+          <a:noFill/>
+        </p:spPr>
+        <p:txBody>
+          <a:bodyPr wrap="square" rtlCol="0">
+            <a:spAutoFit/>
+          </a:bodyPr>
+          <a:lstStyle/>
+          <a:p>
+            <a:r>
+              <a:rPr lang="en-GB" dirty="0" smtClean="0"/>
+              <a:t>GIRL Banknote</a:t>
+            </a:r>
+            <a:endParaRPr lang="en-GB" dirty="0"/>
+          </a:p>
+        </p:txBody>
+      </p:sp>
+      <p:sp>
+        <p:nvSpPr>
+          <p:cNvPr id="24" name="TextBox 23"/>
+          <p:cNvSpPr txBox="1"/>
+          <p:nvPr/>
+        </p:nvSpPr>
+        <p:spPr>
+          <a:xfrm>
+            <a:off x="7296704" y="481267"/>
+            <a:ext cx="1850065" cy="369332"/>
+          </a:xfrm>
+          <a:prstGeom prst="rect">
+            <a:avLst/>
+          </a:prstGeom>
+          <a:noFill/>
+        </p:spPr>
+        <p:txBody>
+          <a:bodyPr wrap="square" rtlCol="0">
+            <a:spAutoFit/>
+          </a:bodyPr>
+          <a:lstStyle/>
+          <a:p>
+            <a:r>
+              <a:rPr lang="en-GB" dirty="0" smtClean="0"/>
+              <a:t>HOUSE Banknote</a:t>
+            </a:r>
+            <a:endParaRPr lang="en-GB" dirty="0"/>
+          </a:p>
+        </p:txBody>
+      </p:sp>
+      <p:sp>
+        <p:nvSpPr>
+          <p:cNvPr id="25" name="TextBox 24"/>
+          <p:cNvSpPr txBox="1"/>
+          <p:nvPr/>
+        </p:nvSpPr>
+        <p:spPr>
+          <a:xfrm>
+            <a:off x="6138768" y="-1536865"/>
+            <a:ext cx="1997504" cy="369332"/>
+          </a:xfrm>
+          <a:prstGeom prst="rect">
+            <a:avLst/>
+          </a:prstGeom>
+          <a:noFill/>
+        </p:spPr>
+        <p:txBody>
+          <a:bodyPr wrap="square" rtlCol="0">
+            <a:spAutoFit/>
+          </a:bodyPr>
+          <a:lstStyle/>
+          <a:p>
+            <a:r>
+              <a:rPr lang="en-GB" dirty="0" smtClean="0"/>
+              <a:t>SCISSORS Banknote</a:t>
+            </a:r>
+            <a:endParaRPr lang="en-GB" dirty="0"/>
+          </a:p>
+        </p:txBody>
+      </p:sp>
+      <p:sp>
+        <p:nvSpPr>
+          <p:cNvPr id="27" name="Rectangle 26"/>
           <p:cNvSpPr/>
           <p:nvPr/>
         </p:nvSpPr>
         <p:spPr>
           <a:xfrm>
-            <a:off x="6307415" y="-1123880"/>
-            <a:ext cx="1346390" cy="748437"/>
+            <a:off x="7461630" y="5244532"/>
+            <a:ext cx="1440000" cy="1440000"/>
           </a:xfrm>
           <a:prstGeom prst="rect">
             <a:avLst/>
           </a:prstGeom>
           <a:solidFill>
-            <a:srgbClr val="635C52"/>
+            <a:srgbClr val="5D566A"/>
           </a:solidFill>
         </p:spPr>
         <p:style>
@@ -7058,7 +7395,7 @@
       </p:sp>
       <p:pic>
         <p:nvPicPr>
-          <p:cNvPr id="19" name="Picture 18"/>
+          <p:cNvPr id="28" name="Picture 27"/>
           <p:cNvPicPr>
             <a:picLocks noChangeAspect="1"/>
           </p:cNvPicPr>
@@ -7078,8 +7415,8 @@
         </p:blipFill>
         <p:spPr>
           <a:xfrm>
-            <a:off x="6374464" y="-998220"/>
-            <a:ext cx="540000" cy="540000"/>
+            <a:off x="7663705" y="5429284"/>
+            <a:ext cx="1082913" cy="1082913"/>
           </a:xfrm>
           <a:prstGeom prst="rect">
             <a:avLst/>
@@ -7088,217 +7425,13 @@
       </p:pic>
       <p:sp>
         <p:nvSpPr>
-          <p:cNvPr id="20" name="TextBox 19"/>
-          <p:cNvSpPr txBox="1"/>
-          <p:nvPr/>
-        </p:nvSpPr>
-        <p:spPr>
-          <a:xfrm>
-            <a:off x="6630680" y="1080247"/>
-            <a:ext cx="577929" cy="369332"/>
-          </a:xfrm>
-          <a:prstGeom prst="rect">
-            <a:avLst/>
-          </a:prstGeom>
-          <a:noFill/>
-        </p:spPr>
-        <p:txBody>
-          <a:bodyPr wrap="square" rtlCol="0">
-            <a:spAutoFit/>
-          </a:bodyPr>
-          <a:lstStyle/>
-          <a:p>
-            <a:r>
-              <a:rPr lang="en-GB" dirty="0" smtClean="0">
-                <a:solidFill>
-                  <a:srgbClr val="FFFF00"/>
-                </a:solidFill>
-              </a:rPr>
-              <a:t>XX</a:t>
-            </a:r>
-            <a:endParaRPr lang="en-GB" dirty="0">
-              <a:solidFill>
-                <a:srgbClr val="FFFF00"/>
-              </a:solidFill>
-            </a:endParaRPr>
-          </a:p>
-        </p:txBody>
-      </p:sp>
-      <p:sp>
-        <p:nvSpPr>
-          <p:cNvPr id="22" name="TextBox 21"/>
-          <p:cNvSpPr txBox="1"/>
-          <p:nvPr/>
-        </p:nvSpPr>
-        <p:spPr>
-          <a:xfrm>
-            <a:off x="8282227" y="1086778"/>
-            <a:ext cx="577929" cy="369332"/>
-          </a:xfrm>
-          <a:prstGeom prst="rect">
-            <a:avLst/>
-          </a:prstGeom>
-          <a:noFill/>
-        </p:spPr>
-        <p:txBody>
-          <a:bodyPr wrap="square" rtlCol="0">
-            <a:spAutoFit/>
-          </a:bodyPr>
-          <a:lstStyle/>
-          <a:p>
-            <a:r>
-              <a:rPr lang="en-GB" dirty="0" smtClean="0">
-                <a:solidFill>
-                  <a:srgbClr val="FFFF00"/>
-                </a:solidFill>
-              </a:rPr>
-              <a:t>XX</a:t>
-            </a:r>
-            <a:endParaRPr lang="en-GB" dirty="0">
-              <a:solidFill>
-                <a:srgbClr val="FFFF00"/>
-              </a:solidFill>
-            </a:endParaRPr>
-          </a:p>
-        </p:txBody>
-      </p:sp>
-      <p:sp>
-        <p:nvSpPr>
-          <p:cNvPr id="23" name="TextBox 22"/>
-          <p:cNvSpPr txBox="1"/>
-          <p:nvPr/>
-        </p:nvSpPr>
-        <p:spPr>
-          <a:xfrm>
-            <a:off x="5679876" y="498549"/>
-            <a:ext cx="1603171" cy="369332"/>
-          </a:xfrm>
-          <a:prstGeom prst="rect">
-            <a:avLst/>
-          </a:prstGeom>
-          <a:noFill/>
-        </p:spPr>
-        <p:txBody>
-          <a:bodyPr wrap="square" rtlCol="0">
-            <a:spAutoFit/>
-          </a:bodyPr>
-          <a:lstStyle/>
-          <a:p>
-            <a:r>
-              <a:rPr lang="en-GB" dirty="0" smtClean="0"/>
-              <a:t>GIRL Banknote</a:t>
-            </a:r>
-            <a:endParaRPr lang="en-GB" dirty="0"/>
-          </a:p>
-        </p:txBody>
-      </p:sp>
-      <p:sp>
-        <p:nvSpPr>
-          <p:cNvPr id="24" name="TextBox 23"/>
-          <p:cNvSpPr txBox="1"/>
-          <p:nvPr/>
-        </p:nvSpPr>
-        <p:spPr>
-          <a:xfrm>
-            <a:off x="7296704" y="481267"/>
-            <a:ext cx="1850065" cy="369332"/>
-          </a:xfrm>
-          <a:prstGeom prst="rect">
-            <a:avLst/>
-          </a:prstGeom>
-          <a:noFill/>
-        </p:spPr>
-        <p:txBody>
-          <a:bodyPr wrap="square" rtlCol="0">
-            <a:spAutoFit/>
-          </a:bodyPr>
-          <a:lstStyle/>
-          <a:p>
-            <a:r>
-              <a:rPr lang="en-GB" dirty="0" smtClean="0"/>
-              <a:t>HOUSE Banknote</a:t>
-            </a:r>
-            <a:endParaRPr lang="en-GB" dirty="0"/>
-          </a:p>
-        </p:txBody>
-      </p:sp>
-      <p:sp>
-        <p:nvSpPr>
-          <p:cNvPr id="25" name="TextBox 24"/>
-          <p:cNvSpPr txBox="1"/>
-          <p:nvPr/>
-        </p:nvSpPr>
-        <p:spPr>
-          <a:xfrm>
-            <a:off x="6138768" y="-1536865"/>
-            <a:ext cx="1997504" cy="369332"/>
-          </a:xfrm>
-          <a:prstGeom prst="rect">
-            <a:avLst/>
-          </a:prstGeom>
-          <a:noFill/>
-        </p:spPr>
-        <p:txBody>
-          <a:bodyPr wrap="square" rtlCol="0">
-            <a:spAutoFit/>
-          </a:bodyPr>
-          <a:lstStyle/>
-          <a:p>
-            <a:r>
-              <a:rPr lang="en-GB" dirty="0" smtClean="0"/>
-              <a:t>SCISSORS Banknote</a:t>
-            </a:r>
-            <a:endParaRPr lang="en-GB" dirty="0"/>
-          </a:p>
-        </p:txBody>
-      </p:sp>
-      <p:sp>
-        <p:nvSpPr>
-          <p:cNvPr id="26" name="TextBox 25"/>
-          <p:cNvSpPr txBox="1"/>
-          <p:nvPr/>
-        </p:nvSpPr>
-        <p:spPr>
-          <a:xfrm>
-            <a:off x="7041033" y="-907869"/>
-            <a:ext cx="577929" cy="369332"/>
-          </a:xfrm>
-          <a:prstGeom prst="rect">
-            <a:avLst/>
-          </a:prstGeom>
-          <a:noFill/>
-        </p:spPr>
-        <p:txBody>
-          <a:bodyPr wrap="square" rtlCol="0">
-            <a:spAutoFit/>
-          </a:bodyPr>
-          <a:lstStyle/>
-          <a:p>
-            <a:r>
-              <a:rPr lang="en-GB" dirty="0" smtClean="0">
-                <a:solidFill>
-                  <a:srgbClr val="FFFF00"/>
-                </a:solidFill>
-              </a:rPr>
-              <a:t>XX</a:t>
-            </a:r>
-            <a:endParaRPr lang="en-GB" dirty="0">
-              <a:solidFill>
-                <a:srgbClr val="FFFF00"/>
-              </a:solidFill>
-            </a:endParaRPr>
-          </a:p>
-        </p:txBody>
-      </p:sp>
-      <p:sp>
-        <p:nvSpPr>
-          <p:cNvPr id="27" name="Rectangle 26"/>
+          <p:cNvPr id="29" name="Rectangle 28"/>
           <p:cNvSpPr/>
           <p:nvPr/>
         </p:nvSpPr>
         <p:spPr>
           <a:xfrm>
-            <a:off x="7461630" y="5244532"/>
+            <a:off x="5740863" y="3021024"/>
             <a:ext cx="1440000" cy="1440000"/>
           </a:xfrm>
           <a:prstGeom prst="rect">
@@ -7333,7 +7466,7 @@
       </p:sp>
       <p:pic>
         <p:nvPicPr>
-          <p:cNvPr id="28" name="Picture 27"/>
+          <p:cNvPr id="31" name="Picture 30"/>
           <p:cNvPicPr>
             <a:picLocks noChangeAspect="1"/>
           </p:cNvPicPr>
@@ -7353,8 +7486,8 @@
         </p:blipFill>
         <p:spPr>
           <a:xfrm>
-            <a:off x="7663705" y="5429284"/>
-            <a:ext cx="1082913" cy="1082913"/>
+            <a:off x="5892735" y="3210691"/>
+            <a:ext cx="1080000" cy="1080000"/>
           </a:xfrm>
           <a:prstGeom prst="rect">
             <a:avLst/>
@@ -7363,13 +7496,13 @@
       </p:pic>
       <p:sp>
         <p:nvSpPr>
-          <p:cNvPr id="29" name="Rectangle 28"/>
+          <p:cNvPr id="32" name="Rectangle 31"/>
           <p:cNvSpPr/>
           <p:nvPr/>
         </p:nvSpPr>
         <p:spPr>
           <a:xfrm>
-            <a:off x="5740863" y="3021024"/>
+            <a:off x="7530019" y="3084740"/>
             <a:ext cx="1440000" cy="1440000"/>
           </a:xfrm>
           <a:prstGeom prst="rect">
@@ -7404,7 +7537,7 @@
       </p:sp>
       <p:pic>
         <p:nvPicPr>
-          <p:cNvPr id="31" name="Picture 30"/>
+          <p:cNvPr id="34" name="Picture 33"/>
           <p:cNvPicPr>
             <a:picLocks noChangeAspect="1"/>
           </p:cNvPicPr>
@@ -7424,77 +7557,6 @@
         </p:blipFill>
         <p:spPr>
           <a:xfrm>
-            <a:off x="5892735" y="3210691"/>
-            <a:ext cx="1080000" cy="1080000"/>
-          </a:xfrm>
-          <a:prstGeom prst="rect">
-            <a:avLst/>
-          </a:prstGeom>
-        </p:spPr>
-      </p:pic>
-      <p:sp>
-        <p:nvSpPr>
-          <p:cNvPr id="32" name="Rectangle 31"/>
-          <p:cNvSpPr/>
-          <p:nvPr/>
-        </p:nvSpPr>
-        <p:spPr>
-          <a:xfrm>
-            <a:off x="7530019" y="3084740"/>
-            <a:ext cx="1440000" cy="1440000"/>
-          </a:xfrm>
-          <a:prstGeom prst="rect">
-            <a:avLst/>
-          </a:prstGeom>
-          <a:solidFill>
-            <a:srgbClr val="5D566A"/>
-          </a:solidFill>
-        </p:spPr>
-        <p:style>
-          <a:lnRef idx="1">
-            <a:schemeClr val="accent1"/>
-          </a:lnRef>
-          <a:fillRef idx="3">
-            <a:schemeClr val="accent1"/>
-          </a:fillRef>
-          <a:effectRef idx="2">
-            <a:schemeClr val="accent1"/>
-          </a:effectRef>
-          <a:fontRef idx="minor">
-            <a:schemeClr val="lt1"/>
-          </a:fontRef>
-        </p:style>
-        <p:txBody>
-          <a:bodyPr rtlCol="0" anchor="ctr"/>
-          <a:lstStyle/>
-          <a:p>
-            <a:pPr algn="ctr"/>
-            <a:endParaRPr lang="en-GB"/>
-          </a:p>
-        </p:txBody>
-      </p:sp>
-      <p:pic>
-        <p:nvPicPr>
-          <p:cNvPr id="34" name="Picture 33"/>
-          <p:cNvPicPr>
-            <a:picLocks noChangeAspect="1"/>
-          </p:cNvPicPr>
-          <p:nvPr/>
-        </p:nvPicPr>
-        <p:blipFill>
-          <a:blip r:embed="rId7">
-            <a:extLst>
-              <a:ext uri="{28A0092B-C50C-407E-A947-70E740481C1C}">
-                <a14:useLocalDpi xmlns:a14="http://schemas.microsoft.com/office/drawing/2010/main" val="0"/>
-              </a:ext>
-            </a:extLst>
-          </a:blip>
-          <a:stretch>
-            <a:fillRect/>
-          </a:stretch>
-        </p:blipFill>
-        <p:spPr>
-          <a:xfrm>
             <a:off x="7713713" y="3295022"/>
             <a:ext cx="1080000" cy="1080000"/>
           </a:xfrm>
@@ -7553,7 +7615,7 @@
           <p:nvPr/>
         </p:nvPicPr>
         <p:blipFill>
-          <a:blip r:embed="rId8">
+          <a:blip r:embed="rId7">
             <a:extLst>
               <a:ext uri="{28A0092B-C50C-407E-A947-70E740481C1C}">
                 <a14:useLocalDpi xmlns:a14="http://schemas.microsoft.com/office/drawing/2010/main" val="0"/>
@@ -7914,7 +7976,6 @@
               <a:rPr lang="en-US" sz="2400" b="1" dirty="0" smtClean="0"/>
               <a:t>).</a:t>
             </a:r>
-            <a:endParaRPr lang="en-US" sz="2400" b="1" dirty="0" smtClean="0"/>
           </a:p>
           <a:p>
             <a:r>
@@ -8854,7 +8915,6 @@
               <a:rPr lang="en-US" sz="2400" b="1" dirty="0" smtClean="0"/>
               <a:t>).</a:t>
             </a:r>
-            <a:endParaRPr lang="en-US" sz="2400" b="1" dirty="0" smtClean="0"/>
           </a:p>
           <a:p>
             <a:r>
@@ -9783,7 +9843,6 @@
               <a:rPr lang="en-US" sz="2400" dirty="0" smtClean="0"/>
               <a:t>.</a:t>
             </a:r>
-            <a:endParaRPr lang="en-US" sz="2400" dirty="0" smtClean="0"/>
           </a:p>
           <a:p>
             <a:r>
@@ -10786,7 +10845,6 @@
               <a:rPr lang="en-US" sz="2400" dirty="0" smtClean="0"/>
               <a:t>.</a:t>
             </a:r>
-            <a:endParaRPr lang="en-US" sz="2400" dirty="0" smtClean="0"/>
           </a:p>
           <a:p>
             <a:r>
@@ -11784,7 +11842,6 @@
               <a:rPr lang="en-US" sz="2400" dirty="0" smtClean="0"/>
               <a:t>.</a:t>
             </a:r>
-            <a:endParaRPr lang="en-US" sz="2400" dirty="0" smtClean="0"/>
           </a:p>
           <a:p>
             <a:r>
@@ -12718,7 +12775,7 @@
         </p:spPr>
         <p:txBody>
           <a:bodyPr>
-            <a:normAutofit fontScale="92500"/>
+            <a:normAutofit fontScale="92500" lnSpcReduction="10000"/>
           </a:bodyPr>
           <a:lstStyle/>
           <a:p>
@@ -12750,7 +12807,11 @@
           <a:p>
             <a:r>
               <a:rPr lang="en-GB" dirty="0" smtClean="0"/>
-              <a:t>You will sometimes be asked to report which slot machine you just played or which banknote you just received. To do this you will use the number keys (1,2,3 or 4). Your correctness on these questions will affect your bonus payment.</a:t>
+              <a:t>As an attention check, you </a:t>
+            </a:r>
+            <a:r>
+              <a:rPr lang="en-GB" dirty="0" smtClean="0"/>
+              <a:t>will sometimes be asked to report which slot machine you just played or which banknote you just received. To do this you will use the number keys (1,2,3 or 4). Your correctness on these questions will affect your bonus payment.</a:t>
             </a:r>
           </a:p>
           <a:p>

--- a/Stimuli/uws_instr_slides.pptx
+++ b/Stimuli/uws_instr_slides.pptx
@@ -5,7 +5,7 @@
     <p:sldMasterId id="2147483648" r:id="rId1"/>
   </p:sldMasterIdLst>
   <p:notesMasterIdLst>
-    <p:notesMasterId r:id="rId17"/>
+    <p:notesMasterId r:id="rId26"/>
   </p:notesMasterIdLst>
   <p:sldIdLst>
     <p:sldId id="257" r:id="rId2"/>
@@ -23,6 +23,15 @@
     <p:sldId id="273" r:id="rId14"/>
     <p:sldId id="275" r:id="rId15"/>
     <p:sldId id="274" r:id="rId16"/>
+    <p:sldId id="276" r:id="rId17"/>
+    <p:sldId id="277" r:id="rId18"/>
+    <p:sldId id="278" r:id="rId19"/>
+    <p:sldId id="279" r:id="rId20"/>
+    <p:sldId id="280" r:id="rId21"/>
+    <p:sldId id="281" r:id="rId22"/>
+    <p:sldId id="282" r:id="rId23"/>
+    <p:sldId id="283" r:id="rId24"/>
+    <p:sldId id="284" r:id="rId25"/>
   </p:sldIdLst>
   <p:sldSz cx="9144000" cy="6858000" type="screen4x3"/>
   <p:notesSz cx="6858000" cy="9144000"/>
@@ -222,7 +231,7 @@
           <a:p>
             <a:fld id="{13EAB001-375A-47A6-A0AF-DD7CD76DA757}" type="datetimeFigureOut">
               <a:rPr lang="en-GB" smtClean="0"/>
-              <a:t>06/08/2019</a:t>
+              <a:t>07/08/2019</a:t>
             </a:fld>
             <a:endParaRPr lang="en-GB"/>
           </a:p>
@@ -923,7 +932,7 @@
           <a:p>
             <a:fld id="{538185A6-F7C7-2D4F-BA59-879D5B10606E}" type="datetimeFigureOut">
               <a:rPr lang="en-US" smtClean="0"/>
-              <a:t>8/6/2019</a:t>
+              <a:t>8/7/2019</a:t>
             </a:fld>
             <a:endParaRPr lang="en-US"/>
           </a:p>
@@ -1093,7 +1102,7 @@
           <a:p>
             <a:fld id="{538185A6-F7C7-2D4F-BA59-879D5B10606E}" type="datetimeFigureOut">
               <a:rPr lang="en-US" smtClean="0"/>
-              <a:t>8/6/2019</a:t>
+              <a:t>8/7/2019</a:t>
             </a:fld>
             <a:endParaRPr lang="en-US"/>
           </a:p>
@@ -1273,7 +1282,7 @@
           <a:p>
             <a:fld id="{538185A6-F7C7-2D4F-BA59-879D5B10606E}" type="datetimeFigureOut">
               <a:rPr lang="en-US" smtClean="0"/>
-              <a:t>8/6/2019</a:t>
+              <a:t>8/7/2019</a:t>
             </a:fld>
             <a:endParaRPr lang="en-US"/>
           </a:p>
@@ -1443,7 +1452,7 @@
           <a:p>
             <a:fld id="{538185A6-F7C7-2D4F-BA59-879D5B10606E}" type="datetimeFigureOut">
               <a:rPr lang="en-US" smtClean="0"/>
-              <a:t>8/6/2019</a:t>
+              <a:t>8/7/2019</a:t>
             </a:fld>
             <a:endParaRPr lang="en-US"/>
           </a:p>
@@ -1689,7 +1698,7 @@
           <a:p>
             <a:fld id="{538185A6-F7C7-2D4F-BA59-879D5B10606E}" type="datetimeFigureOut">
               <a:rPr lang="en-US" smtClean="0"/>
-              <a:t>8/6/2019</a:t>
+              <a:t>8/7/2019</a:t>
             </a:fld>
             <a:endParaRPr lang="en-US"/>
           </a:p>
@@ -1977,7 +1986,7 @@
           <a:p>
             <a:fld id="{538185A6-F7C7-2D4F-BA59-879D5B10606E}" type="datetimeFigureOut">
               <a:rPr lang="en-US" smtClean="0"/>
-              <a:t>8/6/2019</a:t>
+              <a:t>8/7/2019</a:t>
             </a:fld>
             <a:endParaRPr lang="en-US"/>
           </a:p>
@@ -2399,7 +2408,7 @@
           <a:p>
             <a:fld id="{538185A6-F7C7-2D4F-BA59-879D5B10606E}" type="datetimeFigureOut">
               <a:rPr lang="en-US" smtClean="0"/>
-              <a:t>8/6/2019</a:t>
+              <a:t>8/7/2019</a:t>
             </a:fld>
             <a:endParaRPr lang="en-US"/>
           </a:p>
@@ -2517,7 +2526,7 @@
           <a:p>
             <a:fld id="{538185A6-F7C7-2D4F-BA59-879D5B10606E}" type="datetimeFigureOut">
               <a:rPr lang="en-US" smtClean="0"/>
-              <a:t>8/6/2019</a:t>
+              <a:t>8/7/2019</a:t>
             </a:fld>
             <a:endParaRPr lang="en-US"/>
           </a:p>
@@ -2612,7 +2621,7 @@
           <a:p>
             <a:fld id="{538185A6-F7C7-2D4F-BA59-879D5B10606E}" type="datetimeFigureOut">
               <a:rPr lang="en-US" smtClean="0"/>
-              <a:t>8/6/2019</a:t>
+              <a:t>8/7/2019</a:t>
             </a:fld>
             <a:endParaRPr lang="en-US"/>
           </a:p>
@@ -2889,7 +2898,7 @@
           <a:p>
             <a:fld id="{538185A6-F7C7-2D4F-BA59-879D5B10606E}" type="datetimeFigureOut">
               <a:rPr lang="en-US" smtClean="0"/>
-              <a:t>8/6/2019</a:t>
+              <a:t>8/7/2019</a:t>
             </a:fld>
             <a:endParaRPr lang="en-US"/>
           </a:p>
@@ -3142,7 +3151,7 @@
           <a:p>
             <a:fld id="{538185A6-F7C7-2D4F-BA59-879D5B10606E}" type="datetimeFigureOut">
               <a:rPr lang="en-US" smtClean="0"/>
-              <a:t>8/6/2019</a:t>
+              <a:t>8/7/2019</a:t>
             </a:fld>
             <a:endParaRPr lang="en-US"/>
           </a:p>
@@ -3355,7 +3364,7 @@
           <a:p>
             <a:fld id="{538185A6-F7C7-2D4F-BA59-879D5B10606E}" type="datetimeFigureOut">
               <a:rPr lang="en-US" smtClean="0"/>
-              <a:t>8/6/2019</a:t>
+              <a:t>8/7/2019</a:t>
             </a:fld>
             <a:endParaRPr lang="en-US"/>
           </a:p>
@@ -4491,15 +4500,7 @@
           <a:p>
             <a:r>
               <a:rPr lang="en-GB" sz="1200" dirty="0" smtClean="0"/>
-              <a:t>This screen from a hypothetical </a:t>
-            </a:r>
-            <a:r>
-              <a:rPr lang="en-GB" sz="1200" dirty="0" smtClean="0"/>
-              <a:t>game shows </a:t>
-            </a:r>
-            <a:r>
-              <a:rPr lang="en-GB" sz="1200" dirty="0" smtClean="0"/>
-              <a:t>that for this game, collecting the SCISSORS banknote would take away 10 points and collecting the GIRL banknote take away 5 points from your collection.</a:t>
+              <a:t>This screen from a hypothetical game shows that for this game, collecting the SCISSORS banknote would take away 10 points and collecting the GIRL banknote take away 5 points from your collection.</a:t>
             </a:r>
           </a:p>
         </p:txBody>
@@ -4704,23 +4705,7 @@
           <a:p>
             <a:r>
               <a:rPr lang="en-GB" sz="1200" dirty="0" smtClean="0"/>
-              <a:t>This screen from a hypothetical </a:t>
-            </a:r>
-            <a:r>
-              <a:rPr lang="en-GB" sz="1200" dirty="0" smtClean="0"/>
-              <a:t>game shows </a:t>
-            </a:r>
-            <a:r>
-              <a:rPr lang="en-GB" sz="1200" dirty="0" smtClean="0"/>
-              <a:t>that for this game, collecting the SCISSORS banknote would add 10 points and collecting the </a:t>
-            </a:r>
-            <a:r>
-              <a:rPr lang="en-GB" sz="1200" dirty="0" smtClean="0"/>
-              <a:t>GIRL </a:t>
-            </a:r>
-            <a:r>
-              <a:rPr lang="en-GB" sz="1200" dirty="0" smtClean="0"/>
-              <a:t>banknote would add 0 points to your collection.</a:t>
+              <a:t>This screen from a hypothetical game shows that for this game, collecting the SCISSORS banknote would add 10 points and collecting the GIRL banknote would add 0 points to your collection.</a:t>
             </a:r>
           </a:p>
         </p:txBody>
@@ -5361,23 +5346,7 @@
           <a:p>
             <a:r>
               <a:rPr lang="en-GB" sz="1200" dirty="0" smtClean="0"/>
-              <a:t>This screen from a hypothetical </a:t>
-            </a:r>
-            <a:r>
-              <a:rPr lang="en-GB" sz="1200" dirty="0" smtClean="0"/>
-              <a:t>game shows </a:t>
-            </a:r>
-            <a:r>
-              <a:rPr lang="en-GB" sz="1200" dirty="0" smtClean="0"/>
-              <a:t>that for this game, collecting the SCISSORS banknote would add 10 points and collecting the </a:t>
-            </a:r>
-            <a:r>
-              <a:rPr lang="en-GB" sz="1200" dirty="0" smtClean="0"/>
-              <a:t>HOUSE </a:t>
-            </a:r>
-            <a:r>
-              <a:rPr lang="en-GB" sz="1200" dirty="0" smtClean="0"/>
-              <a:t>banknote would add 0 points to your collection.</a:t>
+              <a:t>This screen from a hypothetical game shows that for this game, collecting the SCISSORS banknote would add 10 points and collecting the HOUSE banknote would add 0 points to your collection.</a:t>
             </a:r>
           </a:p>
         </p:txBody>
@@ -5405,23 +5374,7 @@
           <a:p>
             <a:r>
               <a:rPr lang="en-GB" sz="1200" dirty="0" smtClean="0"/>
-              <a:t>This screen from a hypothetical </a:t>
-            </a:r>
-            <a:r>
-              <a:rPr lang="en-GB" sz="1200" dirty="0" smtClean="0"/>
-              <a:t>game shows </a:t>
-            </a:r>
-            <a:r>
-              <a:rPr lang="en-GB" sz="1200" dirty="0" smtClean="0"/>
-              <a:t>that for this game, collecting the SCISSORS banknote would take away 10 points and collecting the </a:t>
-            </a:r>
-            <a:r>
-              <a:rPr lang="en-GB" sz="1200" dirty="0" smtClean="0"/>
-              <a:t>HOUSE </a:t>
-            </a:r>
-            <a:r>
-              <a:rPr lang="en-GB" sz="1200" dirty="0" smtClean="0"/>
-              <a:t>banknote take away 5 points from your collection.</a:t>
+              <a:t>This screen from a hypothetical game shows that for this game, collecting the SCISSORS banknote would take away 10 points and collecting the HOUSE banknote take away 5 points from your collection.</a:t>
             </a:r>
           </a:p>
         </p:txBody>
@@ -6633,17 +6586,8 @@
           <a:p>
             <a:r>
               <a:rPr lang="en-GB" dirty="0" smtClean="0"/>
-              <a:t>Great work. The first task will have interleaved blocks between the </a:t>
-            </a:r>
-            <a:r>
-              <a:rPr lang="en-GB" dirty="0" smtClean="0"/>
-              <a:t>first type of game and the games you just played</a:t>
-            </a:r>
-            <a:r>
-              <a:rPr lang="en-GB" dirty="0" smtClean="0"/>
-              <a:t>.</a:t>
-            </a:r>
-            <a:endParaRPr lang="en-GB" dirty="0" smtClean="0"/>
+              <a:t>Great work. The first task will have interleaved blocks between the first type of game and the games you just played.</a:t>
+            </a:r>
           </a:p>
           <a:p>
             <a:r>
@@ -6679,6 +6623,3060 @@
 </p:sld>
 </file>
 
+<file path=ppt/slides/slide16.xml><?xml version="1.0" encoding="utf-8"?>
+<p:sld xmlns:a="http://schemas.openxmlformats.org/drawingml/2006/main" xmlns:r="http://schemas.openxmlformats.org/officeDocument/2006/relationships" xmlns:p="http://schemas.openxmlformats.org/presentationml/2006/main">
+  <p:cSld>
+    <p:spTree>
+      <p:nvGrpSpPr>
+        <p:cNvPr id="1" name=""/>
+        <p:cNvGrpSpPr/>
+        <p:nvPr/>
+      </p:nvGrpSpPr>
+      <p:grpSpPr>
+        <a:xfrm>
+          <a:off x="0" y="0"/>
+          <a:ext cx="0" cy="0"/>
+          <a:chOff x="0" y="0"/>
+          <a:chExt cx="0" cy="0"/>
+        </a:xfrm>
+      </p:grpSpPr>
+      <p:sp>
+        <p:nvSpPr>
+          <p:cNvPr id="3" name="Content Placeholder 2"/>
+          <p:cNvSpPr>
+            <a:spLocks noGrp="1"/>
+          </p:cNvSpPr>
+          <p:nvPr>
+            <p:ph idx="1"/>
+          </p:nvPr>
+        </p:nvSpPr>
+        <p:spPr>
+          <a:xfrm>
+            <a:off x="457201" y="337626"/>
+            <a:ext cx="4438356" cy="5788538"/>
+          </a:xfrm>
+        </p:spPr>
+        <p:txBody>
+          <a:bodyPr>
+            <a:normAutofit/>
+          </a:bodyPr>
+          <a:lstStyle/>
+          <a:p>
+            <a:pPr algn="just"/>
+            <a:r>
+              <a:rPr lang="en-GB" sz="2200" dirty="0"/>
+              <a:t>Great work! We’ll now continue to the second task. </a:t>
+            </a:r>
+            <a:endParaRPr lang="en-GB" sz="2200" dirty="0" smtClean="0"/>
+          </a:p>
+          <a:p>
+            <a:pPr algn="just"/>
+            <a:r>
+              <a:rPr lang="en-GB" sz="2200" dirty="0"/>
+              <a:t>In this task you’ll play a different game at the same casino. </a:t>
+            </a:r>
+            <a:endParaRPr lang="en-GB" sz="2200" dirty="0" smtClean="0"/>
+          </a:p>
+          <a:p>
+            <a:pPr algn="just"/>
+            <a:r>
+              <a:rPr lang="en-GB" sz="2200" dirty="0" smtClean="0"/>
+              <a:t>This </a:t>
+            </a:r>
+            <a:r>
+              <a:rPr lang="en-GB" sz="2200" dirty="0"/>
+              <a:t>game will use the same two banknotes as before but will also have a third type of banknote (shown on the right</a:t>
+            </a:r>
+            <a:r>
+              <a:rPr lang="en-GB" sz="2200" dirty="0" smtClean="0"/>
+              <a:t>).</a:t>
+            </a:r>
+          </a:p>
+          <a:p>
+            <a:pPr algn="just"/>
+            <a:r>
+              <a:rPr lang="en-GB" sz="2200" dirty="0" smtClean="0"/>
+              <a:t>It will use the same four slot machines as before.</a:t>
+            </a:r>
+            <a:endParaRPr lang="en-GB" sz="2200" dirty="0"/>
+          </a:p>
+        </p:txBody>
+      </p:sp>
+      <p:sp>
+        <p:nvSpPr>
+          <p:cNvPr id="4" name="Rectangle 3"/>
+          <p:cNvSpPr/>
+          <p:nvPr/>
+        </p:nvSpPr>
+        <p:spPr>
+          <a:xfrm>
+            <a:off x="5847217" y="2584152"/>
+            <a:ext cx="1512000" cy="828000"/>
+          </a:xfrm>
+          <a:prstGeom prst="rect">
+            <a:avLst/>
+          </a:prstGeom>
+          <a:solidFill>
+            <a:srgbClr val="635C52"/>
+          </a:solidFill>
+        </p:spPr>
+        <p:style>
+          <a:lnRef idx="1">
+            <a:schemeClr val="accent1"/>
+          </a:lnRef>
+          <a:fillRef idx="3">
+            <a:schemeClr val="accent1"/>
+          </a:fillRef>
+          <a:effectRef idx="2">
+            <a:schemeClr val="accent1"/>
+          </a:effectRef>
+          <a:fontRef idx="minor">
+            <a:schemeClr val="lt1"/>
+          </a:fontRef>
+        </p:style>
+        <p:txBody>
+          <a:bodyPr rtlCol="0" anchor="ctr"/>
+          <a:lstStyle/>
+          <a:p>
+            <a:pPr algn="ctr"/>
+            <a:endParaRPr lang="en-GB"/>
+          </a:p>
+        </p:txBody>
+      </p:sp>
+      <p:sp>
+        <p:nvSpPr>
+          <p:cNvPr id="5" name="Rectangle 4"/>
+          <p:cNvSpPr/>
+          <p:nvPr/>
+        </p:nvSpPr>
+        <p:spPr>
+          <a:xfrm>
+            <a:off x="5820461" y="1355007"/>
+            <a:ext cx="1512000" cy="828000"/>
+          </a:xfrm>
+          <a:prstGeom prst="rect">
+            <a:avLst/>
+          </a:prstGeom>
+          <a:solidFill>
+            <a:srgbClr val="635C52"/>
+          </a:solidFill>
+        </p:spPr>
+        <p:style>
+          <a:lnRef idx="1">
+            <a:schemeClr val="accent1"/>
+          </a:lnRef>
+          <a:fillRef idx="3">
+            <a:schemeClr val="accent1"/>
+          </a:fillRef>
+          <a:effectRef idx="2">
+            <a:schemeClr val="accent1"/>
+          </a:effectRef>
+          <a:fontRef idx="minor">
+            <a:schemeClr val="lt1"/>
+          </a:fontRef>
+        </p:style>
+        <p:txBody>
+          <a:bodyPr rtlCol="0" anchor="ctr"/>
+          <a:lstStyle/>
+          <a:p>
+            <a:pPr algn="ctr"/>
+            <a:endParaRPr lang="en-GB"/>
+          </a:p>
+        </p:txBody>
+      </p:sp>
+      <p:sp>
+        <p:nvSpPr>
+          <p:cNvPr id="6" name="TextBox 5"/>
+          <p:cNvSpPr txBox="1"/>
+          <p:nvPr/>
+        </p:nvSpPr>
+        <p:spPr>
+          <a:xfrm>
+            <a:off x="6734080" y="2812681"/>
+            <a:ext cx="577929" cy="369332"/>
+          </a:xfrm>
+          <a:prstGeom prst="rect">
+            <a:avLst/>
+          </a:prstGeom>
+          <a:noFill/>
+        </p:spPr>
+        <p:txBody>
+          <a:bodyPr wrap="square" rtlCol="0">
+            <a:spAutoFit/>
+          </a:bodyPr>
+          <a:lstStyle/>
+          <a:p>
+            <a:r>
+              <a:rPr lang="en-GB" dirty="0" smtClean="0">
+                <a:solidFill>
+                  <a:srgbClr val="FFFF00"/>
+                </a:solidFill>
+              </a:rPr>
+              <a:t>XX</a:t>
+            </a:r>
+            <a:endParaRPr lang="en-GB" dirty="0">
+              <a:solidFill>
+                <a:srgbClr val="FFFF00"/>
+              </a:solidFill>
+            </a:endParaRPr>
+          </a:p>
+        </p:txBody>
+      </p:sp>
+      <p:sp>
+        <p:nvSpPr>
+          <p:cNvPr id="7" name="TextBox 6"/>
+          <p:cNvSpPr txBox="1"/>
+          <p:nvPr/>
+        </p:nvSpPr>
+        <p:spPr>
+          <a:xfrm>
+            <a:off x="6680362" y="1590067"/>
+            <a:ext cx="577929" cy="369332"/>
+          </a:xfrm>
+          <a:prstGeom prst="rect">
+            <a:avLst/>
+          </a:prstGeom>
+          <a:noFill/>
+        </p:spPr>
+        <p:txBody>
+          <a:bodyPr wrap="square" rtlCol="0">
+            <a:spAutoFit/>
+          </a:bodyPr>
+          <a:lstStyle/>
+          <a:p>
+            <a:r>
+              <a:rPr lang="en-GB" dirty="0" smtClean="0">
+                <a:solidFill>
+                  <a:srgbClr val="FFFF00"/>
+                </a:solidFill>
+              </a:rPr>
+              <a:t>XX</a:t>
+            </a:r>
+            <a:endParaRPr lang="en-GB" dirty="0">
+              <a:solidFill>
+                <a:srgbClr val="FFFF00"/>
+              </a:solidFill>
+            </a:endParaRPr>
+          </a:p>
+        </p:txBody>
+      </p:sp>
+      <p:sp>
+        <p:nvSpPr>
+          <p:cNvPr id="8" name="TextBox 7"/>
+          <p:cNvSpPr txBox="1"/>
+          <p:nvPr/>
+        </p:nvSpPr>
+        <p:spPr>
+          <a:xfrm>
+            <a:off x="5666769" y="2171511"/>
+            <a:ext cx="2065048" cy="369332"/>
+          </a:xfrm>
+          <a:prstGeom prst="rect">
+            <a:avLst/>
+          </a:prstGeom>
+          <a:noFill/>
+        </p:spPr>
+        <p:txBody>
+          <a:bodyPr wrap="square" rtlCol="0">
+            <a:spAutoFit/>
+          </a:bodyPr>
+          <a:lstStyle/>
+          <a:p>
+            <a:r>
+              <a:rPr lang="en-GB" dirty="0" smtClean="0"/>
+              <a:t>SCISSORS Banknote</a:t>
+            </a:r>
+            <a:endParaRPr lang="en-GB" dirty="0"/>
+          </a:p>
+        </p:txBody>
+      </p:sp>
+      <p:sp>
+        <p:nvSpPr>
+          <p:cNvPr id="9" name="TextBox 8"/>
+          <p:cNvSpPr txBox="1"/>
+          <p:nvPr/>
+        </p:nvSpPr>
+        <p:spPr>
+          <a:xfrm>
+            <a:off x="5694839" y="984556"/>
+            <a:ext cx="1850065" cy="369332"/>
+          </a:xfrm>
+          <a:prstGeom prst="rect">
+            <a:avLst/>
+          </a:prstGeom>
+          <a:noFill/>
+        </p:spPr>
+        <p:txBody>
+          <a:bodyPr wrap="square" rtlCol="0">
+            <a:spAutoFit/>
+          </a:bodyPr>
+          <a:lstStyle/>
+          <a:p>
+            <a:r>
+              <a:rPr lang="en-GB" dirty="0" smtClean="0"/>
+              <a:t>GIRL Banknote</a:t>
+            </a:r>
+            <a:endParaRPr lang="en-GB" dirty="0"/>
+          </a:p>
+        </p:txBody>
+      </p:sp>
+      <p:pic>
+        <p:nvPicPr>
+          <p:cNvPr id="10" name="Picture 9"/>
+          <p:cNvPicPr>
+            <a:picLocks noChangeAspect="1"/>
+          </p:cNvPicPr>
+          <p:nvPr/>
+        </p:nvPicPr>
+        <p:blipFill>
+          <a:blip r:embed="rId2">
+            <a:extLst>
+              <a:ext uri="{28A0092B-C50C-407E-A947-70E740481C1C}">
+                <a14:useLocalDpi xmlns:a14="http://schemas.microsoft.com/office/drawing/2010/main" val="0"/>
+              </a:ext>
+            </a:extLst>
+          </a:blip>
+          <a:stretch>
+            <a:fillRect/>
+          </a:stretch>
+        </p:blipFill>
+        <p:spPr>
+          <a:xfrm>
+            <a:off x="5970310" y="2660930"/>
+            <a:ext cx="684000" cy="684000"/>
+          </a:xfrm>
+          <a:prstGeom prst="rect">
+            <a:avLst/>
+          </a:prstGeom>
+        </p:spPr>
+      </p:pic>
+      <p:pic>
+        <p:nvPicPr>
+          <p:cNvPr id="11" name="Picture 10"/>
+          <p:cNvPicPr>
+            <a:picLocks noChangeAspect="1"/>
+          </p:cNvPicPr>
+          <p:nvPr/>
+        </p:nvPicPr>
+        <p:blipFill>
+          <a:blip r:embed="rId3">
+            <a:extLst>
+              <a:ext uri="{28A0092B-C50C-407E-A947-70E740481C1C}">
+                <a14:useLocalDpi xmlns:a14="http://schemas.microsoft.com/office/drawing/2010/main" val="0"/>
+              </a:ext>
+            </a:extLst>
+          </a:blip>
+          <a:stretch>
+            <a:fillRect/>
+          </a:stretch>
+        </p:blipFill>
+        <p:spPr>
+          <a:xfrm>
+            <a:off x="5922192" y="1419124"/>
+            <a:ext cx="684000" cy="684000"/>
+          </a:xfrm>
+          <a:prstGeom prst="rect">
+            <a:avLst/>
+          </a:prstGeom>
+        </p:spPr>
+      </p:pic>
+      <p:sp>
+        <p:nvSpPr>
+          <p:cNvPr id="12" name="Rectangle 11"/>
+          <p:cNvSpPr/>
+          <p:nvPr/>
+        </p:nvSpPr>
+        <p:spPr>
+          <a:xfrm>
+            <a:off x="5824494" y="3824829"/>
+            <a:ext cx="1512000" cy="828000"/>
+          </a:xfrm>
+          <a:prstGeom prst="rect">
+            <a:avLst/>
+          </a:prstGeom>
+          <a:solidFill>
+            <a:srgbClr val="635C52"/>
+          </a:solidFill>
+        </p:spPr>
+        <p:style>
+          <a:lnRef idx="1">
+            <a:schemeClr val="accent1"/>
+          </a:lnRef>
+          <a:fillRef idx="3">
+            <a:schemeClr val="accent1"/>
+          </a:fillRef>
+          <a:effectRef idx="2">
+            <a:schemeClr val="accent1"/>
+          </a:effectRef>
+          <a:fontRef idx="minor">
+            <a:schemeClr val="lt1"/>
+          </a:fontRef>
+        </p:style>
+        <p:txBody>
+          <a:bodyPr rtlCol="0" anchor="ctr"/>
+          <a:lstStyle/>
+          <a:p>
+            <a:pPr algn="ctr"/>
+            <a:endParaRPr lang="en-GB"/>
+          </a:p>
+        </p:txBody>
+      </p:sp>
+      <p:pic>
+        <p:nvPicPr>
+          <p:cNvPr id="13" name="Picture 12"/>
+          <p:cNvPicPr>
+            <a:picLocks noChangeAspect="1"/>
+          </p:cNvPicPr>
+          <p:nvPr/>
+        </p:nvPicPr>
+        <p:blipFill>
+          <a:blip r:embed="rId4">
+            <a:extLst>
+              <a:ext uri="{28A0092B-C50C-407E-A947-70E740481C1C}">
+                <a14:useLocalDpi xmlns:a14="http://schemas.microsoft.com/office/drawing/2010/main" val="0"/>
+              </a:ext>
+            </a:extLst>
+          </a:blip>
+          <a:stretch>
+            <a:fillRect/>
+          </a:stretch>
+        </p:blipFill>
+        <p:spPr>
+          <a:xfrm>
+            <a:off x="5925434" y="3894051"/>
+            <a:ext cx="684000" cy="684000"/>
+          </a:xfrm>
+          <a:prstGeom prst="rect">
+            <a:avLst/>
+          </a:prstGeom>
+        </p:spPr>
+      </p:pic>
+      <p:sp>
+        <p:nvSpPr>
+          <p:cNvPr id="14" name="TextBox 13"/>
+          <p:cNvSpPr txBox="1"/>
+          <p:nvPr/>
+        </p:nvSpPr>
+        <p:spPr>
+          <a:xfrm>
+            <a:off x="6684395" y="4059889"/>
+            <a:ext cx="577929" cy="369332"/>
+          </a:xfrm>
+          <a:prstGeom prst="rect">
+            <a:avLst/>
+          </a:prstGeom>
+          <a:noFill/>
+        </p:spPr>
+        <p:txBody>
+          <a:bodyPr wrap="square" rtlCol="0">
+            <a:spAutoFit/>
+          </a:bodyPr>
+          <a:lstStyle/>
+          <a:p>
+            <a:r>
+              <a:rPr lang="en-GB" dirty="0" smtClean="0">
+                <a:solidFill>
+                  <a:srgbClr val="FFFF00"/>
+                </a:solidFill>
+              </a:rPr>
+              <a:t>XX</a:t>
+            </a:r>
+            <a:endParaRPr lang="en-GB" dirty="0">
+              <a:solidFill>
+                <a:srgbClr val="FFFF00"/>
+              </a:solidFill>
+            </a:endParaRPr>
+          </a:p>
+        </p:txBody>
+      </p:sp>
+      <p:sp>
+        <p:nvSpPr>
+          <p:cNvPr id="15" name="TextBox 14"/>
+          <p:cNvSpPr txBox="1"/>
+          <p:nvPr/>
+        </p:nvSpPr>
+        <p:spPr>
+          <a:xfrm>
+            <a:off x="5698872" y="3454378"/>
+            <a:ext cx="1850065" cy="369332"/>
+          </a:xfrm>
+          <a:prstGeom prst="rect">
+            <a:avLst/>
+          </a:prstGeom>
+          <a:noFill/>
+        </p:spPr>
+        <p:txBody>
+          <a:bodyPr wrap="square" rtlCol="0">
+            <a:spAutoFit/>
+          </a:bodyPr>
+          <a:lstStyle/>
+          <a:p>
+            <a:r>
+              <a:rPr lang="en-GB" dirty="0" smtClean="0"/>
+              <a:t>HOUSE Banknote</a:t>
+            </a:r>
+            <a:endParaRPr lang="en-GB" dirty="0"/>
+          </a:p>
+        </p:txBody>
+      </p:sp>
+      <p:sp>
+        <p:nvSpPr>
+          <p:cNvPr id="16" name="TextBox 15"/>
+          <p:cNvSpPr txBox="1"/>
+          <p:nvPr/>
+        </p:nvSpPr>
+        <p:spPr>
+          <a:xfrm>
+            <a:off x="5651428" y="546881"/>
+            <a:ext cx="2761052" cy="369332"/>
+          </a:xfrm>
+          <a:prstGeom prst="rect">
+            <a:avLst/>
+          </a:prstGeom>
+          <a:noFill/>
+        </p:spPr>
+        <p:txBody>
+          <a:bodyPr wrap="square" rtlCol="0">
+            <a:spAutoFit/>
+          </a:bodyPr>
+          <a:lstStyle/>
+          <a:p>
+            <a:r>
+              <a:rPr lang="en-GB" dirty="0" smtClean="0"/>
+              <a:t>Banknotes in this task:</a:t>
+            </a:r>
+          </a:p>
+        </p:txBody>
+      </p:sp>
+    </p:spTree>
+    <p:extLst>
+      <p:ext uri="{BB962C8B-B14F-4D97-AF65-F5344CB8AC3E}">
+        <p14:creationId xmlns:p14="http://schemas.microsoft.com/office/powerpoint/2010/main" val="2426537474"/>
+      </p:ext>
+    </p:extLst>
+  </p:cSld>
+  <p:clrMapOvr>
+    <a:masterClrMapping/>
+  </p:clrMapOvr>
+</p:sld>
+</file>
+
+<file path=ppt/slides/slide17.xml><?xml version="1.0" encoding="utf-8"?>
+<p:sld xmlns:a="http://schemas.openxmlformats.org/drawingml/2006/main" xmlns:r="http://schemas.openxmlformats.org/officeDocument/2006/relationships" xmlns:p="http://schemas.openxmlformats.org/presentationml/2006/main">
+  <p:cSld>
+    <p:spTree>
+      <p:nvGrpSpPr>
+        <p:cNvPr id="1" name=""/>
+        <p:cNvGrpSpPr/>
+        <p:nvPr/>
+      </p:nvGrpSpPr>
+      <p:grpSpPr>
+        <a:xfrm>
+          <a:off x="0" y="0"/>
+          <a:ext cx="0" cy="0"/>
+          <a:chOff x="0" y="0"/>
+          <a:chExt cx="0" cy="0"/>
+        </a:xfrm>
+      </p:grpSpPr>
+      <p:sp>
+        <p:nvSpPr>
+          <p:cNvPr id="3" name="Content Placeholder 2"/>
+          <p:cNvSpPr>
+            <a:spLocks noGrp="1"/>
+          </p:cNvSpPr>
+          <p:nvPr>
+            <p:ph idx="1"/>
+          </p:nvPr>
+        </p:nvSpPr>
+        <p:spPr>
+          <a:xfrm>
+            <a:off x="316521" y="253220"/>
+            <a:ext cx="4850687" cy="5760403"/>
+          </a:xfrm>
+        </p:spPr>
+        <p:txBody>
+          <a:bodyPr>
+            <a:noAutofit/>
+          </a:bodyPr>
+          <a:lstStyle/>
+          <a:p>
+            <a:pPr algn="just"/>
+            <a:r>
+              <a:rPr lang="en-GB" sz="2200" dirty="0" smtClean="0"/>
+              <a:t>On </a:t>
+            </a:r>
+            <a:r>
+              <a:rPr lang="en-GB" sz="2200" dirty="0"/>
+              <a:t>each game you will be presented with one of the slot machines that </a:t>
+            </a:r>
+            <a:r>
+              <a:rPr lang="en-GB" sz="2200" dirty="0" smtClean="0"/>
+              <a:t>were </a:t>
+            </a:r>
+            <a:r>
+              <a:rPr lang="en-GB" sz="2200" dirty="0"/>
+              <a:t>in the previous </a:t>
+            </a:r>
+            <a:r>
+              <a:rPr lang="en-GB" sz="2200" dirty="0" smtClean="0"/>
+              <a:t>task.</a:t>
+            </a:r>
+          </a:p>
+          <a:p>
+            <a:pPr algn="just"/>
+            <a:r>
+              <a:rPr lang="en-GB" sz="2200" dirty="0" smtClean="0"/>
+              <a:t>Now, you </a:t>
+            </a:r>
+            <a:r>
+              <a:rPr lang="en-GB" sz="2200" dirty="0"/>
+              <a:t>can choose </a:t>
+            </a:r>
+            <a:r>
+              <a:rPr lang="en-GB" sz="2200" dirty="0" smtClean="0"/>
+              <a:t>either </a:t>
+            </a:r>
+            <a:r>
+              <a:rPr lang="en-GB" sz="2200" dirty="0"/>
+              <a:t>to </a:t>
+            </a:r>
+            <a:r>
+              <a:rPr lang="en-GB" sz="2200" b="1" dirty="0"/>
+              <a:t>play</a:t>
+            </a:r>
+            <a:r>
+              <a:rPr lang="en-GB" sz="2200" dirty="0"/>
+              <a:t> the slot machine or to </a:t>
+            </a:r>
+            <a:r>
+              <a:rPr lang="en-GB" sz="2200" b="1" dirty="0"/>
+              <a:t>reject</a:t>
+            </a:r>
+            <a:r>
+              <a:rPr lang="en-GB" sz="2200" dirty="0"/>
+              <a:t> </a:t>
+            </a:r>
+            <a:r>
+              <a:rPr lang="en-GB" sz="2200" dirty="0" smtClean="0"/>
+              <a:t>it.</a:t>
+            </a:r>
+          </a:p>
+          <a:p>
+            <a:pPr algn="just"/>
+            <a:r>
+              <a:rPr lang="en-GB" sz="2200" b="1" dirty="0"/>
+              <a:t>P</a:t>
+            </a:r>
+            <a:r>
+              <a:rPr lang="en-GB" sz="2200" b="1" dirty="0" smtClean="0"/>
+              <a:t>laying</a:t>
+            </a:r>
+            <a:r>
+              <a:rPr lang="en-GB" sz="2200" dirty="0" smtClean="0"/>
+              <a:t> (key 1) a </a:t>
+            </a:r>
+            <a:r>
+              <a:rPr lang="en-GB" sz="2200" dirty="0"/>
+              <a:t>slot </a:t>
+            </a:r>
+            <a:r>
+              <a:rPr lang="en-GB" sz="2200" dirty="0" smtClean="0"/>
+              <a:t>machine will produce either the </a:t>
+            </a:r>
+            <a:r>
+              <a:rPr lang="en-GB" sz="2200" b="1" dirty="0" smtClean="0"/>
+              <a:t>SCISSORS</a:t>
+            </a:r>
+            <a:r>
+              <a:rPr lang="en-GB" sz="2200" dirty="0" smtClean="0"/>
+              <a:t> or </a:t>
+            </a:r>
+            <a:r>
+              <a:rPr lang="en-GB" sz="2200" b="1" dirty="0" smtClean="0"/>
+              <a:t>GIRL</a:t>
+            </a:r>
+            <a:r>
+              <a:rPr lang="en-GB" sz="2200" dirty="0" smtClean="0"/>
+              <a:t> banknote.</a:t>
+            </a:r>
+          </a:p>
+          <a:p>
+            <a:pPr algn="just"/>
+            <a:r>
+              <a:rPr lang="en-GB" sz="2200" dirty="0" smtClean="0"/>
+              <a:t>The </a:t>
+            </a:r>
+            <a:r>
+              <a:rPr lang="en-GB" sz="2200" b="1" dirty="0"/>
+              <a:t>chances</a:t>
+            </a:r>
+            <a:r>
+              <a:rPr lang="en-GB" sz="2200" dirty="0"/>
+              <a:t> of </a:t>
+            </a:r>
+            <a:r>
+              <a:rPr lang="en-GB" sz="2200" dirty="0" smtClean="0"/>
+              <a:t>a given </a:t>
+            </a:r>
+            <a:r>
+              <a:rPr lang="en-GB" sz="2200" dirty="0"/>
+              <a:t>slot machine producing either of these two banknotes will be the </a:t>
+            </a:r>
+            <a:r>
+              <a:rPr lang="en-GB" sz="2200" b="1" dirty="0"/>
+              <a:t>same as it was in the previous task</a:t>
+            </a:r>
+            <a:r>
+              <a:rPr lang="en-GB" sz="2200" dirty="0" smtClean="0"/>
+              <a:t>. These chances will </a:t>
+            </a:r>
+            <a:r>
+              <a:rPr lang="en-GB" sz="2200" b="1" dirty="0" smtClean="0"/>
+              <a:t>not change </a:t>
+            </a:r>
+            <a:r>
+              <a:rPr lang="en-GB" sz="2200" dirty="0" smtClean="0"/>
+              <a:t>over the course of the task.</a:t>
+            </a:r>
+          </a:p>
+          <a:p>
+            <a:pPr algn="just"/>
+            <a:r>
+              <a:rPr lang="en-GB" sz="2200" dirty="0" smtClean="0"/>
+              <a:t>You can also reject </a:t>
+            </a:r>
+            <a:r>
+              <a:rPr lang="en-GB" sz="2200" dirty="0"/>
+              <a:t>a slot </a:t>
+            </a:r>
+            <a:r>
+              <a:rPr lang="en-GB" sz="2200" dirty="0" smtClean="0"/>
+              <a:t>machine (key 2). </a:t>
+            </a:r>
+            <a:r>
+              <a:rPr lang="en-GB" sz="2200" dirty="0"/>
+              <a:t>If you reject a slot machine, you will always get the </a:t>
+            </a:r>
+            <a:r>
+              <a:rPr lang="en-GB" sz="2200" b="1" dirty="0" smtClean="0"/>
+              <a:t>HOUSE</a:t>
+            </a:r>
+            <a:r>
+              <a:rPr lang="en-GB" sz="2200" dirty="0" smtClean="0"/>
+              <a:t> banknote.</a:t>
+            </a:r>
+            <a:endParaRPr lang="en-GB" sz="2200" dirty="0"/>
+          </a:p>
+        </p:txBody>
+      </p:sp>
+      <p:sp>
+        <p:nvSpPr>
+          <p:cNvPr id="4" name="Rectangle 3"/>
+          <p:cNvSpPr/>
+          <p:nvPr/>
+        </p:nvSpPr>
+        <p:spPr>
+          <a:xfrm>
+            <a:off x="5940819" y="4988140"/>
+            <a:ext cx="1512000" cy="828000"/>
+          </a:xfrm>
+          <a:prstGeom prst="rect">
+            <a:avLst/>
+          </a:prstGeom>
+          <a:solidFill>
+            <a:srgbClr val="635C52"/>
+          </a:solidFill>
+        </p:spPr>
+        <p:style>
+          <a:lnRef idx="1">
+            <a:schemeClr val="accent1"/>
+          </a:lnRef>
+          <a:fillRef idx="3">
+            <a:schemeClr val="accent1"/>
+          </a:fillRef>
+          <a:effectRef idx="2">
+            <a:schemeClr val="accent1"/>
+          </a:effectRef>
+          <a:fontRef idx="minor">
+            <a:schemeClr val="lt1"/>
+          </a:fontRef>
+        </p:style>
+        <p:txBody>
+          <a:bodyPr rtlCol="0" anchor="ctr"/>
+          <a:lstStyle/>
+          <a:p>
+            <a:pPr algn="ctr"/>
+            <a:endParaRPr lang="en-GB"/>
+          </a:p>
+        </p:txBody>
+      </p:sp>
+      <p:pic>
+        <p:nvPicPr>
+          <p:cNvPr id="5" name="Picture 4"/>
+          <p:cNvPicPr>
+            <a:picLocks noChangeAspect="1"/>
+          </p:cNvPicPr>
+          <p:nvPr/>
+        </p:nvPicPr>
+        <p:blipFill>
+          <a:blip r:embed="rId2">
+            <a:extLst>
+              <a:ext uri="{28A0092B-C50C-407E-A947-70E740481C1C}">
+                <a14:useLocalDpi xmlns:a14="http://schemas.microsoft.com/office/drawing/2010/main" val="0"/>
+              </a:ext>
+            </a:extLst>
+          </a:blip>
+          <a:stretch>
+            <a:fillRect/>
+          </a:stretch>
+        </p:blipFill>
+        <p:spPr>
+          <a:xfrm>
+            <a:off x="6041759" y="5057362"/>
+            <a:ext cx="684000" cy="684000"/>
+          </a:xfrm>
+          <a:prstGeom prst="rect">
+            <a:avLst/>
+          </a:prstGeom>
+        </p:spPr>
+      </p:pic>
+      <p:sp>
+        <p:nvSpPr>
+          <p:cNvPr id="6" name="TextBox 5"/>
+          <p:cNvSpPr txBox="1"/>
+          <p:nvPr/>
+        </p:nvSpPr>
+        <p:spPr>
+          <a:xfrm>
+            <a:off x="6800720" y="5223200"/>
+            <a:ext cx="577929" cy="369332"/>
+          </a:xfrm>
+          <a:prstGeom prst="rect">
+            <a:avLst/>
+          </a:prstGeom>
+          <a:noFill/>
+        </p:spPr>
+        <p:txBody>
+          <a:bodyPr wrap="square" rtlCol="0">
+            <a:spAutoFit/>
+          </a:bodyPr>
+          <a:lstStyle/>
+          <a:p>
+            <a:r>
+              <a:rPr lang="en-GB" dirty="0" smtClean="0">
+                <a:solidFill>
+                  <a:srgbClr val="FFFF00"/>
+                </a:solidFill>
+              </a:rPr>
+              <a:t>XX</a:t>
+            </a:r>
+            <a:endParaRPr lang="en-GB" dirty="0">
+              <a:solidFill>
+                <a:srgbClr val="FFFF00"/>
+              </a:solidFill>
+            </a:endParaRPr>
+          </a:p>
+        </p:txBody>
+      </p:sp>
+      <p:sp>
+        <p:nvSpPr>
+          <p:cNvPr id="7" name="Rectangle 6"/>
+          <p:cNvSpPr/>
+          <p:nvPr/>
+        </p:nvSpPr>
+        <p:spPr>
+          <a:xfrm>
+            <a:off x="5590209" y="4102344"/>
+            <a:ext cx="1363578" cy="369332"/>
+          </a:xfrm>
+          <a:prstGeom prst="rect">
+            <a:avLst/>
+          </a:prstGeom>
+        </p:spPr>
+        <p:txBody>
+          <a:bodyPr wrap="none">
+            <a:spAutoFit/>
+          </a:bodyPr>
+          <a:lstStyle/>
+          <a:p>
+            <a:r>
+              <a:rPr lang="en-GB" dirty="0" smtClean="0"/>
+              <a:t>If you </a:t>
+            </a:r>
+            <a:r>
+              <a:rPr lang="en-GB" b="1" dirty="0" smtClean="0"/>
+              <a:t>reject</a:t>
+            </a:r>
+            <a:r>
+              <a:rPr lang="en-GB" dirty="0" smtClean="0"/>
+              <a:t>:</a:t>
+            </a:r>
+            <a:endParaRPr lang="en-GB" dirty="0"/>
+          </a:p>
+        </p:txBody>
+      </p:sp>
+      <p:sp>
+        <p:nvSpPr>
+          <p:cNvPr id="15" name="Rectangle 14"/>
+          <p:cNvSpPr/>
+          <p:nvPr/>
+        </p:nvSpPr>
+        <p:spPr>
+          <a:xfrm>
+            <a:off x="7561362" y="2221280"/>
+            <a:ext cx="1512000" cy="828000"/>
+          </a:xfrm>
+          <a:prstGeom prst="rect">
+            <a:avLst/>
+          </a:prstGeom>
+          <a:solidFill>
+            <a:srgbClr val="635C52"/>
+          </a:solidFill>
+        </p:spPr>
+        <p:style>
+          <a:lnRef idx="1">
+            <a:schemeClr val="accent1"/>
+          </a:lnRef>
+          <a:fillRef idx="3">
+            <a:schemeClr val="accent1"/>
+          </a:fillRef>
+          <a:effectRef idx="2">
+            <a:schemeClr val="accent1"/>
+          </a:effectRef>
+          <a:fontRef idx="minor">
+            <a:schemeClr val="lt1"/>
+          </a:fontRef>
+        </p:style>
+        <p:txBody>
+          <a:bodyPr rtlCol="0" anchor="ctr"/>
+          <a:lstStyle/>
+          <a:p>
+            <a:pPr algn="ctr"/>
+            <a:endParaRPr lang="en-GB"/>
+          </a:p>
+        </p:txBody>
+      </p:sp>
+      <p:sp>
+        <p:nvSpPr>
+          <p:cNvPr id="16" name="Rectangle 15"/>
+          <p:cNvSpPr/>
+          <p:nvPr/>
+        </p:nvSpPr>
+        <p:spPr>
+          <a:xfrm>
+            <a:off x="5523858" y="2182679"/>
+            <a:ext cx="1512000" cy="828000"/>
+          </a:xfrm>
+          <a:prstGeom prst="rect">
+            <a:avLst/>
+          </a:prstGeom>
+          <a:solidFill>
+            <a:srgbClr val="635C52"/>
+          </a:solidFill>
+        </p:spPr>
+        <p:style>
+          <a:lnRef idx="1">
+            <a:schemeClr val="accent1"/>
+          </a:lnRef>
+          <a:fillRef idx="3">
+            <a:schemeClr val="accent1"/>
+          </a:fillRef>
+          <a:effectRef idx="2">
+            <a:schemeClr val="accent1"/>
+          </a:effectRef>
+          <a:fontRef idx="minor">
+            <a:schemeClr val="lt1"/>
+          </a:fontRef>
+        </p:style>
+        <p:txBody>
+          <a:bodyPr rtlCol="0" anchor="ctr"/>
+          <a:lstStyle/>
+          <a:p>
+            <a:pPr algn="ctr"/>
+            <a:endParaRPr lang="en-GB"/>
+          </a:p>
+        </p:txBody>
+      </p:sp>
+      <p:sp>
+        <p:nvSpPr>
+          <p:cNvPr id="17" name="TextBox 16"/>
+          <p:cNvSpPr txBox="1"/>
+          <p:nvPr/>
+        </p:nvSpPr>
+        <p:spPr>
+          <a:xfrm>
+            <a:off x="8448225" y="2449809"/>
+            <a:ext cx="577929" cy="369332"/>
+          </a:xfrm>
+          <a:prstGeom prst="rect">
+            <a:avLst/>
+          </a:prstGeom>
+          <a:noFill/>
+        </p:spPr>
+        <p:txBody>
+          <a:bodyPr wrap="square" rtlCol="0">
+            <a:spAutoFit/>
+          </a:bodyPr>
+          <a:lstStyle/>
+          <a:p>
+            <a:r>
+              <a:rPr lang="en-GB" dirty="0" smtClean="0">
+                <a:solidFill>
+                  <a:srgbClr val="FFFF00"/>
+                </a:solidFill>
+              </a:rPr>
+              <a:t>XX</a:t>
+            </a:r>
+            <a:endParaRPr lang="en-GB" dirty="0">
+              <a:solidFill>
+                <a:srgbClr val="FFFF00"/>
+              </a:solidFill>
+            </a:endParaRPr>
+          </a:p>
+        </p:txBody>
+      </p:sp>
+      <p:sp>
+        <p:nvSpPr>
+          <p:cNvPr id="18" name="TextBox 17"/>
+          <p:cNvSpPr txBox="1"/>
+          <p:nvPr/>
+        </p:nvSpPr>
+        <p:spPr>
+          <a:xfrm>
+            <a:off x="6383759" y="2417739"/>
+            <a:ext cx="577929" cy="369332"/>
+          </a:xfrm>
+          <a:prstGeom prst="rect">
+            <a:avLst/>
+          </a:prstGeom>
+          <a:noFill/>
+        </p:spPr>
+        <p:txBody>
+          <a:bodyPr wrap="square" rtlCol="0">
+            <a:spAutoFit/>
+          </a:bodyPr>
+          <a:lstStyle/>
+          <a:p>
+            <a:r>
+              <a:rPr lang="en-GB" dirty="0" smtClean="0">
+                <a:solidFill>
+                  <a:srgbClr val="FFFF00"/>
+                </a:solidFill>
+              </a:rPr>
+              <a:t>XX</a:t>
+            </a:r>
+            <a:endParaRPr lang="en-GB" dirty="0">
+              <a:solidFill>
+                <a:srgbClr val="FFFF00"/>
+              </a:solidFill>
+            </a:endParaRPr>
+          </a:p>
+        </p:txBody>
+      </p:sp>
+      <p:sp>
+        <p:nvSpPr>
+          <p:cNvPr id="19" name="TextBox 18"/>
+          <p:cNvSpPr txBox="1"/>
+          <p:nvPr/>
+        </p:nvSpPr>
+        <p:spPr>
+          <a:xfrm>
+            <a:off x="7119041" y="1822715"/>
+            <a:ext cx="2065048" cy="369332"/>
+          </a:xfrm>
+          <a:prstGeom prst="rect">
+            <a:avLst/>
+          </a:prstGeom>
+          <a:noFill/>
+        </p:spPr>
+        <p:txBody>
+          <a:bodyPr wrap="square" rtlCol="0">
+            <a:spAutoFit/>
+          </a:bodyPr>
+          <a:lstStyle/>
+          <a:p>
+            <a:r>
+              <a:rPr lang="en-GB" dirty="0" smtClean="0"/>
+              <a:t>SCISSORS Banknote</a:t>
+            </a:r>
+            <a:endParaRPr lang="en-GB" dirty="0"/>
+          </a:p>
+        </p:txBody>
+      </p:sp>
+      <p:sp>
+        <p:nvSpPr>
+          <p:cNvPr id="20" name="TextBox 19"/>
+          <p:cNvSpPr txBox="1"/>
+          <p:nvPr/>
+        </p:nvSpPr>
+        <p:spPr>
+          <a:xfrm>
+            <a:off x="5404028" y="1788322"/>
+            <a:ext cx="1850065" cy="369332"/>
+          </a:xfrm>
+          <a:prstGeom prst="rect">
+            <a:avLst/>
+          </a:prstGeom>
+          <a:noFill/>
+        </p:spPr>
+        <p:txBody>
+          <a:bodyPr wrap="square" rtlCol="0">
+            <a:spAutoFit/>
+          </a:bodyPr>
+          <a:lstStyle/>
+          <a:p>
+            <a:r>
+              <a:rPr lang="en-GB" dirty="0" smtClean="0"/>
+              <a:t>GIRL Banknote</a:t>
+            </a:r>
+            <a:endParaRPr lang="en-GB" dirty="0"/>
+          </a:p>
+        </p:txBody>
+      </p:sp>
+      <p:pic>
+        <p:nvPicPr>
+          <p:cNvPr id="21" name="Picture 20"/>
+          <p:cNvPicPr>
+            <a:picLocks noChangeAspect="1"/>
+          </p:cNvPicPr>
+          <p:nvPr/>
+        </p:nvPicPr>
+        <p:blipFill>
+          <a:blip r:embed="rId3">
+            <a:extLst>
+              <a:ext uri="{28A0092B-C50C-407E-A947-70E740481C1C}">
+                <a14:useLocalDpi xmlns:a14="http://schemas.microsoft.com/office/drawing/2010/main" val="0"/>
+              </a:ext>
+            </a:extLst>
+          </a:blip>
+          <a:stretch>
+            <a:fillRect/>
+          </a:stretch>
+        </p:blipFill>
+        <p:spPr>
+          <a:xfrm>
+            <a:off x="7684455" y="2298058"/>
+            <a:ext cx="684000" cy="684000"/>
+          </a:xfrm>
+          <a:prstGeom prst="rect">
+            <a:avLst/>
+          </a:prstGeom>
+        </p:spPr>
+      </p:pic>
+      <p:pic>
+        <p:nvPicPr>
+          <p:cNvPr id="22" name="Picture 21"/>
+          <p:cNvPicPr>
+            <a:picLocks noChangeAspect="1"/>
+          </p:cNvPicPr>
+          <p:nvPr/>
+        </p:nvPicPr>
+        <p:blipFill>
+          <a:blip r:embed="rId4">
+            <a:extLst>
+              <a:ext uri="{28A0092B-C50C-407E-A947-70E740481C1C}">
+                <a14:useLocalDpi xmlns:a14="http://schemas.microsoft.com/office/drawing/2010/main" val="0"/>
+              </a:ext>
+            </a:extLst>
+          </a:blip>
+          <a:stretch>
+            <a:fillRect/>
+          </a:stretch>
+        </p:blipFill>
+        <p:spPr>
+          <a:xfrm>
+            <a:off x="5625589" y="2246796"/>
+            <a:ext cx="684000" cy="684000"/>
+          </a:xfrm>
+          <a:prstGeom prst="rect">
+            <a:avLst/>
+          </a:prstGeom>
+        </p:spPr>
+      </p:pic>
+      <p:sp>
+        <p:nvSpPr>
+          <p:cNvPr id="23" name="Rectangle 22"/>
+          <p:cNvSpPr/>
+          <p:nvPr/>
+        </p:nvSpPr>
+        <p:spPr>
+          <a:xfrm>
+            <a:off x="5326576" y="1454877"/>
+            <a:ext cx="1224566" cy="369332"/>
+          </a:xfrm>
+          <a:prstGeom prst="rect">
+            <a:avLst/>
+          </a:prstGeom>
+        </p:spPr>
+        <p:txBody>
+          <a:bodyPr wrap="none">
+            <a:spAutoFit/>
+          </a:bodyPr>
+          <a:lstStyle/>
+          <a:p>
+            <a:r>
+              <a:rPr lang="en-GB" dirty="0" smtClean="0"/>
+              <a:t>If </a:t>
+            </a:r>
+            <a:r>
+              <a:rPr lang="en-GB" dirty="0"/>
+              <a:t>you</a:t>
+            </a:r>
+            <a:r>
+              <a:rPr lang="en-GB" dirty="0" smtClean="0"/>
+              <a:t> </a:t>
+            </a:r>
+            <a:r>
+              <a:rPr lang="en-GB" b="1" dirty="0" smtClean="0"/>
+              <a:t>play</a:t>
+            </a:r>
+            <a:r>
+              <a:rPr lang="en-GB" dirty="0" smtClean="0"/>
+              <a:t>:</a:t>
+            </a:r>
+            <a:endParaRPr lang="en-GB" dirty="0"/>
+          </a:p>
+        </p:txBody>
+      </p:sp>
+      <p:sp>
+        <p:nvSpPr>
+          <p:cNvPr id="24" name="Rectangle 23"/>
+          <p:cNvSpPr/>
+          <p:nvPr/>
+        </p:nvSpPr>
+        <p:spPr>
+          <a:xfrm>
+            <a:off x="7053756" y="2403387"/>
+            <a:ext cx="461986" cy="369332"/>
+          </a:xfrm>
+          <a:prstGeom prst="rect">
+            <a:avLst/>
+          </a:prstGeom>
+        </p:spPr>
+        <p:txBody>
+          <a:bodyPr wrap="none">
+            <a:spAutoFit/>
+          </a:bodyPr>
+          <a:lstStyle/>
+          <a:p>
+            <a:r>
+              <a:rPr lang="en-GB" dirty="0" smtClean="0"/>
+              <a:t>OR</a:t>
+            </a:r>
+            <a:endParaRPr lang="en-GB" dirty="0"/>
+          </a:p>
+        </p:txBody>
+      </p:sp>
+      <p:sp>
+        <p:nvSpPr>
+          <p:cNvPr id="25" name="Rectangle 24"/>
+          <p:cNvSpPr/>
+          <p:nvPr/>
+        </p:nvSpPr>
+        <p:spPr>
+          <a:xfrm>
+            <a:off x="5229890" y="1086598"/>
+            <a:ext cx="2331472" cy="369332"/>
+          </a:xfrm>
+          <a:prstGeom prst="rect">
+            <a:avLst/>
+          </a:prstGeom>
+        </p:spPr>
+        <p:txBody>
+          <a:bodyPr wrap="none">
+            <a:spAutoFit/>
+          </a:bodyPr>
+          <a:lstStyle/>
+          <a:p>
+            <a:r>
+              <a:rPr lang="en-GB" b="1" dirty="0" smtClean="0"/>
+              <a:t>For each slot machine:</a:t>
+            </a:r>
+            <a:endParaRPr lang="en-GB" b="1" dirty="0"/>
+          </a:p>
+        </p:txBody>
+      </p:sp>
+      <p:sp>
+        <p:nvSpPr>
+          <p:cNvPr id="26" name="Rectangle 25"/>
+          <p:cNvSpPr/>
+          <p:nvPr/>
+        </p:nvSpPr>
+        <p:spPr>
+          <a:xfrm>
+            <a:off x="5670859" y="3145843"/>
+            <a:ext cx="2971431" cy="923330"/>
+          </a:xfrm>
+          <a:prstGeom prst="rect">
+            <a:avLst/>
+          </a:prstGeom>
+        </p:spPr>
+        <p:txBody>
+          <a:bodyPr wrap="square">
+            <a:spAutoFit/>
+          </a:bodyPr>
+          <a:lstStyle/>
+          <a:p>
+            <a:r>
+              <a:rPr lang="en-GB" dirty="0" smtClean="0"/>
+              <a:t>Chances of GIRL or SCISSORS depend on </a:t>
+            </a:r>
+            <a:r>
+              <a:rPr lang="en-GB" b="1" dirty="0" smtClean="0"/>
+              <a:t>which</a:t>
+            </a:r>
+            <a:r>
+              <a:rPr lang="en-GB" dirty="0" smtClean="0"/>
+              <a:t> slot machine is played.</a:t>
+            </a:r>
+            <a:endParaRPr lang="en-GB" dirty="0"/>
+          </a:p>
+        </p:txBody>
+      </p:sp>
+      <p:sp>
+        <p:nvSpPr>
+          <p:cNvPr id="27" name="Rectangle 26"/>
+          <p:cNvSpPr/>
+          <p:nvPr/>
+        </p:nvSpPr>
+        <p:spPr>
+          <a:xfrm>
+            <a:off x="5597001" y="5990346"/>
+            <a:ext cx="3571615" cy="646331"/>
+          </a:xfrm>
+          <a:prstGeom prst="rect">
+            <a:avLst/>
+          </a:prstGeom>
+        </p:spPr>
+        <p:txBody>
+          <a:bodyPr wrap="square">
+            <a:spAutoFit/>
+          </a:bodyPr>
+          <a:lstStyle/>
+          <a:p>
+            <a:r>
+              <a:rPr lang="en-GB" dirty="0" smtClean="0"/>
+              <a:t>Rejecting always leads to the HOUSE banknote.</a:t>
+            </a:r>
+            <a:endParaRPr lang="en-GB" dirty="0"/>
+          </a:p>
+        </p:txBody>
+      </p:sp>
+      <p:sp>
+        <p:nvSpPr>
+          <p:cNvPr id="28" name="TextBox 27"/>
+          <p:cNvSpPr txBox="1"/>
+          <p:nvPr/>
+        </p:nvSpPr>
+        <p:spPr>
+          <a:xfrm>
+            <a:off x="5800726" y="4501278"/>
+            <a:ext cx="1850065" cy="369332"/>
+          </a:xfrm>
+          <a:prstGeom prst="rect">
+            <a:avLst/>
+          </a:prstGeom>
+          <a:noFill/>
+        </p:spPr>
+        <p:txBody>
+          <a:bodyPr wrap="square" rtlCol="0">
+            <a:spAutoFit/>
+          </a:bodyPr>
+          <a:lstStyle/>
+          <a:p>
+            <a:r>
+              <a:rPr lang="en-GB" dirty="0" smtClean="0"/>
+              <a:t>HOUSE Banknote</a:t>
+            </a:r>
+            <a:endParaRPr lang="en-GB" dirty="0"/>
+          </a:p>
+        </p:txBody>
+      </p:sp>
+    </p:spTree>
+    <p:extLst>
+      <p:ext uri="{BB962C8B-B14F-4D97-AF65-F5344CB8AC3E}">
+        <p14:creationId xmlns:p14="http://schemas.microsoft.com/office/powerpoint/2010/main" val="1898958812"/>
+      </p:ext>
+    </p:extLst>
+  </p:cSld>
+  <p:clrMapOvr>
+    <a:masterClrMapping/>
+  </p:clrMapOvr>
+</p:sld>
+</file>
+
+<file path=ppt/slides/slide18.xml><?xml version="1.0" encoding="utf-8"?>
+<p:sld xmlns:a="http://schemas.openxmlformats.org/drawingml/2006/main" xmlns:r="http://schemas.openxmlformats.org/officeDocument/2006/relationships" xmlns:p="http://schemas.openxmlformats.org/presentationml/2006/main">
+  <p:cSld>
+    <p:spTree>
+      <p:nvGrpSpPr>
+        <p:cNvPr id="1" name=""/>
+        <p:cNvGrpSpPr/>
+        <p:nvPr/>
+      </p:nvGrpSpPr>
+      <p:grpSpPr>
+        <a:xfrm>
+          <a:off x="0" y="0"/>
+          <a:ext cx="0" cy="0"/>
+          <a:chOff x="0" y="0"/>
+          <a:chExt cx="0" cy="0"/>
+        </a:xfrm>
+      </p:grpSpPr>
+      <p:sp>
+        <p:nvSpPr>
+          <p:cNvPr id="3" name="Content Placeholder 2"/>
+          <p:cNvSpPr>
+            <a:spLocks noGrp="1"/>
+          </p:cNvSpPr>
+          <p:nvPr>
+            <p:ph idx="1"/>
+          </p:nvPr>
+        </p:nvSpPr>
+        <p:spPr>
+          <a:xfrm>
+            <a:off x="316521" y="253220"/>
+            <a:ext cx="4850687" cy="5760403"/>
+          </a:xfrm>
+        </p:spPr>
+        <p:txBody>
+          <a:bodyPr>
+            <a:noAutofit/>
+          </a:bodyPr>
+          <a:lstStyle/>
+          <a:p>
+            <a:pPr algn="just"/>
+            <a:r>
+              <a:rPr lang="en-GB" sz="2200" dirty="0" smtClean="0"/>
+              <a:t>On </a:t>
+            </a:r>
+            <a:r>
+              <a:rPr lang="en-GB" sz="2200" dirty="0"/>
+              <a:t>each game you will be presented with one of the slot machines that </a:t>
+            </a:r>
+            <a:r>
+              <a:rPr lang="en-GB" sz="2200" dirty="0" smtClean="0"/>
+              <a:t>were </a:t>
+            </a:r>
+            <a:r>
+              <a:rPr lang="en-GB" sz="2200" dirty="0"/>
+              <a:t>in the previous </a:t>
+            </a:r>
+            <a:r>
+              <a:rPr lang="en-GB" sz="2200" dirty="0" smtClean="0"/>
+              <a:t>task.</a:t>
+            </a:r>
+          </a:p>
+          <a:p>
+            <a:pPr algn="just"/>
+            <a:r>
+              <a:rPr lang="en-GB" sz="2200" dirty="0" smtClean="0"/>
+              <a:t>Now, you </a:t>
+            </a:r>
+            <a:r>
+              <a:rPr lang="en-GB" sz="2200" dirty="0"/>
+              <a:t>can choose whether to </a:t>
+            </a:r>
+            <a:r>
+              <a:rPr lang="en-GB" sz="2200" b="1" dirty="0"/>
+              <a:t>play</a:t>
+            </a:r>
+            <a:r>
+              <a:rPr lang="en-GB" sz="2200" dirty="0"/>
+              <a:t> the slot machine or to </a:t>
+            </a:r>
+            <a:r>
+              <a:rPr lang="en-GB" sz="2200" b="1" dirty="0"/>
+              <a:t>reject</a:t>
+            </a:r>
+            <a:r>
+              <a:rPr lang="en-GB" sz="2200" dirty="0"/>
+              <a:t> </a:t>
+            </a:r>
+            <a:r>
+              <a:rPr lang="en-GB" sz="2200" dirty="0" smtClean="0"/>
+              <a:t>it.</a:t>
+            </a:r>
+          </a:p>
+          <a:p>
+            <a:pPr algn="just"/>
+            <a:r>
+              <a:rPr lang="en-GB" sz="2200" b="1" dirty="0"/>
+              <a:t>P</a:t>
+            </a:r>
+            <a:r>
+              <a:rPr lang="en-GB" sz="2200" b="1" dirty="0" smtClean="0"/>
+              <a:t>laying</a:t>
+            </a:r>
+            <a:r>
+              <a:rPr lang="en-GB" sz="2200" dirty="0" smtClean="0"/>
+              <a:t> (key 1) a </a:t>
+            </a:r>
+            <a:r>
+              <a:rPr lang="en-GB" sz="2200" dirty="0"/>
+              <a:t>slot </a:t>
+            </a:r>
+            <a:r>
+              <a:rPr lang="en-GB" sz="2200" dirty="0" smtClean="0"/>
+              <a:t>machine will produce either the </a:t>
+            </a:r>
+            <a:r>
+              <a:rPr lang="en-GB" sz="2200" b="1" dirty="0" smtClean="0"/>
+              <a:t>SCISSORS</a:t>
+            </a:r>
+            <a:r>
+              <a:rPr lang="en-GB" sz="2200" dirty="0" smtClean="0"/>
+              <a:t> or </a:t>
+            </a:r>
+            <a:r>
+              <a:rPr lang="en-GB" sz="2200" b="1" dirty="0" smtClean="0"/>
+              <a:t>HOUSE</a:t>
+            </a:r>
+            <a:r>
+              <a:rPr lang="en-GB" sz="2200" dirty="0" smtClean="0"/>
+              <a:t> banknote.</a:t>
+            </a:r>
+          </a:p>
+          <a:p>
+            <a:pPr algn="just"/>
+            <a:r>
+              <a:rPr lang="en-GB" sz="2200" dirty="0" smtClean="0"/>
+              <a:t>The </a:t>
+            </a:r>
+            <a:r>
+              <a:rPr lang="en-GB" sz="2200" b="1" dirty="0"/>
+              <a:t>chances</a:t>
+            </a:r>
+            <a:r>
+              <a:rPr lang="en-GB" sz="2200" dirty="0"/>
+              <a:t> of </a:t>
+            </a:r>
+            <a:r>
+              <a:rPr lang="en-GB" sz="2200" dirty="0" smtClean="0"/>
+              <a:t>a given </a:t>
+            </a:r>
+            <a:r>
+              <a:rPr lang="en-GB" sz="2200" dirty="0"/>
+              <a:t>slot machine producing either of these two banknotes will be the </a:t>
+            </a:r>
+            <a:r>
+              <a:rPr lang="en-GB" sz="2200" b="1" dirty="0"/>
+              <a:t>same as it was in the previous task</a:t>
+            </a:r>
+            <a:r>
+              <a:rPr lang="en-GB" sz="2200" dirty="0" smtClean="0"/>
+              <a:t>. These chances will </a:t>
+            </a:r>
+            <a:r>
+              <a:rPr lang="en-GB" sz="2200" b="1" dirty="0" smtClean="0"/>
+              <a:t>not change </a:t>
+            </a:r>
+            <a:r>
+              <a:rPr lang="en-GB" sz="2200" dirty="0" smtClean="0"/>
+              <a:t>over the course of the task.</a:t>
+            </a:r>
+          </a:p>
+          <a:p>
+            <a:pPr algn="just"/>
+            <a:r>
+              <a:rPr lang="en-GB" sz="2200" dirty="0" smtClean="0"/>
+              <a:t>You can also reject </a:t>
+            </a:r>
+            <a:r>
+              <a:rPr lang="en-GB" sz="2200" dirty="0"/>
+              <a:t>a slot </a:t>
+            </a:r>
+            <a:r>
+              <a:rPr lang="en-GB" sz="2200" dirty="0" smtClean="0"/>
+              <a:t>machine (key 2). </a:t>
+            </a:r>
+            <a:r>
+              <a:rPr lang="en-GB" sz="2200" dirty="0"/>
+              <a:t>If you reject a slot machine, you will always get the </a:t>
+            </a:r>
+            <a:r>
+              <a:rPr lang="en-GB" sz="2200" b="1" dirty="0" smtClean="0"/>
+              <a:t>GIRL</a:t>
+            </a:r>
+            <a:r>
+              <a:rPr lang="en-GB" sz="2200" dirty="0" smtClean="0"/>
+              <a:t> banknote.</a:t>
+            </a:r>
+            <a:endParaRPr lang="en-GB" sz="2200" dirty="0"/>
+          </a:p>
+        </p:txBody>
+      </p:sp>
+      <p:sp>
+        <p:nvSpPr>
+          <p:cNvPr id="4" name="Rectangle 3"/>
+          <p:cNvSpPr/>
+          <p:nvPr/>
+        </p:nvSpPr>
+        <p:spPr>
+          <a:xfrm>
+            <a:off x="5966724" y="4935044"/>
+            <a:ext cx="1512000" cy="828000"/>
+          </a:xfrm>
+          <a:prstGeom prst="rect">
+            <a:avLst/>
+          </a:prstGeom>
+          <a:solidFill>
+            <a:srgbClr val="635C52"/>
+          </a:solidFill>
+        </p:spPr>
+        <p:style>
+          <a:lnRef idx="1">
+            <a:schemeClr val="accent1"/>
+          </a:lnRef>
+          <a:fillRef idx="3">
+            <a:schemeClr val="accent1"/>
+          </a:fillRef>
+          <a:effectRef idx="2">
+            <a:schemeClr val="accent1"/>
+          </a:effectRef>
+          <a:fontRef idx="minor">
+            <a:schemeClr val="lt1"/>
+          </a:fontRef>
+        </p:style>
+        <p:txBody>
+          <a:bodyPr rtlCol="0" anchor="ctr"/>
+          <a:lstStyle/>
+          <a:p>
+            <a:pPr algn="ctr"/>
+            <a:endParaRPr lang="en-GB"/>
+          </a:p>
+        </p:txBody>
+      </p:sp>
+      <p:sp>
+        <p:nvSpPr>
+          <p:cNvPr id="6" name="TextBox 5"/>
+          <p:cNvSpPr txBox="1"/>
+          <p:nvPr/>
+        </p:nvSpPr>
+        <p:spPr>
+          <a:xfrm>
+            <a:off x="6826625" y="5170104"/>
+            <a:ext cx="577929" cy="369332"/>
+          </a:xfrm>
+          <a:prstGeom prst="rect">
+            <a:avLst/>
+          </a:prstGeom>
+          <a:noFill/>
+        </p:spPr>
+        <p:txBody>
+          <a:bodyPr wrap="square" rtlCol="0">
+            <a:spAutoFit/>
+          </a:bodyPr>
+          <a:lstStyle/>
+          <a:p>
+            <a:r>
+              <a:rPr lang="en-GB" dirty="0" smtClean="0">
+                <a:solidFill>
+                  <a:srgbClr val="FFFF00"/>
+                </a:solidFill>
+              </a:rPr>
+              <a:t>XX</a:t>
+            </a:r>
+            <a:endParaRPr lang="en-GB" dirty="0">
+              <a:solidFill>
+                <a:srgbClr val="FFFF00"/>
+              </a:solidFill>
+            </a:endParaRPr>
+          </a:p>
+        </p:txBody>
+      </p:sp>
+      <p:sp>
+        <p:nvSpPr>
+          <p:cNvPr id="7" name="Rectangle 6"/>
+          <p:cNvSpPr/>
+          <p:nvPr/>
+        </p:nvSpPr>
+        <p:spPr>
+          <a:xfrm>
+            <a:off x="5590209" y="4102344"/>
+            <a:ext cx="1363578" cy="369332"/>
+          </a:xfrm>
+          <a:prstGeom prst="rect">
+            <a:avLst/>
+          </a:prstGeom>
+        </p:spPr>
+        <p:txBody>
+          <a:bodyPr wrap="none">
+            <a:spAutoFit/>
+          </a:bodyPr>
+          <a:lstStyle/>
+          <a:p>
+            <a:r>
+              <a:rPr lang="en-GB" dirty="0" smtClean="0"/>
+              <a:t>If you </a:t>
+            </a:r>
+            <a:r>
+              <a:rPr lang="en-GB" b="1" dirty="0" smtClean="0"/>
+              <a:t>reject</a:t>
+            </a:r>
+            <a:r>
+              <a:rPr lang="en-GB" dirty="0" smtClean="0"/>
+              <a:t>:</a:t>
+            </a:r>
+            <a:endParaRPr lang="en-GB" dirty="0"/>
+          </a:p>
+        </p:txBody>
+      </p:sp>
+      <p:sp>
+        <p:nvSpPr>
+          <p:cNvPr id="15" name="Rectangle 14"/>
+          <p:cNvSpPr/>
+          <p:nvPr/>
+        </p:nvSpPr>
+        <p:spPr>
+          <a:xfrm>
+            <a:off x="7561362" y="2221280"/>
+            <a:ext cx="1512000" cy="828000"/>
+          </a:xfrm>
+          <a:prstGeom prst="rect">
+            <a:avLst/>
+          </a:prstGeom>
+          <a:solidFill>
+            <a:srgbClr val="635C52"/>
+          </a:solidFill>
+        </p:spPr>
+        <p:style>
+          <a:lnRef idx="1">
+            <a:schemeClr val="accent1"/>
+          </a:lnRef>
+          <a:fillRef idx="3">
+            <a:schemeClr val="accent1"/>
+          </a:fillRef>
+          <a:effectRef idx="2">
+            <a:schemeClr val="accent1"/>
+          </a:effectRef>
+          <a:fontRef idx="minor">
+            <a:schemeClr val="lt1"/>
+          </a:fontRef>
+        </p:style>
+        <p:txBody>
+          <a:bodyPr rtlCol="0" anchor="ctr"/>
+          <a:lstStyle/>
+          <a:p>
+            <a:pPr algn="ctr"/>
+            <a:endParaRPr lang="en-GB"/>
+          </a:p>
+        </p:txBody>
+      </p:sp>
+      <p:sp>
+        <p:nvSpPr>
+          <p:cNvPr id="16" name="Rectangle 15"/>
+          <p:cNvSpPr/>
+          <p:nvPr/>
+        </p:nvSpPr>
+        <p:spPr>
+          <a:xfrm>
+            <a:off x="5523858" y="2182679"/>
+            <a:ext cx="1512000" cy="828000"/>
+          </a:xfrm>
+          <a:prstGeom prst="rect">
+            <a:avLst/>
+          </a:prstGeom>
+          <a:solidFill>
+            <a:srgbClr val="635C52"/>
+          </a:solidFill>
+        </p:spPr>
+        <p:style>
+          <a:lnRef idx="1">
+            <a:schemeClr val="accent1"/>
+          </a:lnRef>
+          <a:fillRef idx="3">
+            <a:schemeClr val="accent1"/>
+          </a:fillRef>
+          <a:effectRef idx="2">
+            <a:schemeClr val="accent1"/>
+          </a:effectRef>
+          <a:fontRef idx="minor">
+            <a:schemeClr val="lt1"/>
+          </a:fontRef>
+        </p:style>
+        <p:txBody>
+          <a:bodyPr rtlCol="0" anchor="ctr"/>
+          <a:lstStyle/>
+          <a:p>
+            <a:pPr algn="ctr"/>
+            <a:endParaRPr lang="en-GB"/>
+          </a:p>
+        </p:txBody>
+      </p:sp>
+      <p:sp>
+        <p:nvSpPr>
+          <p:cNvPr id="17" name="TextBox 16"/>
+          <p:cNvSpPr txBox="1"/>
+          <p:nvPr/>
+        </p:nvSpPr>
+        <p:spPr>
+          <a:xfrm>
+            <a:off x="8448225" y="2449809"/>
+            <a:ext cx="577929" cy="369332"/>
+          </a:xfrm>
+          <a:prstGeom prst="rect">
+            <a:avLst/>
+          </a:prstGeom>
+          <a:noFill/>
+        </p:spPr>
+        <p:txBody>
+          <a:bodyPr wrap="square" rtlCol="0">
+            <a:spAutoFit/>
+          </a:bodyPr>
+          <a:lstStyle/>
+          <a:p>
+            <a:r>
+              <a:rPr lang="en-GB" dirty="0" smtClean="0">
+                <a:solidFill>
+                  <a:srgbClr val="FFFF00"/>
+                </a:solidFill>
+              </a:rPr>
+              <a:t>XX</a:t>
+            </a:r>
+            <a:endParaRPr lang="en-GB" dirty="0">
+              <a:solidFill>
+                <a:srgbClr val="FFFF00"/>
+              </a:solidFill>
+            </a:endParaRPr>
+          </a:p>
+        </p:txBody>
+      </p:sp>
+      <p:sp>
+        <p:nvSpPr>
+          <p:cNvPr id="18" name="TextBox 17"/>
+          <p:cNvSpPr txBox="1"/>
+          <p:nvPr/>
+        </p:nvSpPr>
+        <p:spPr>
+          <a:xfrm>
+            <a:off x="6383759" y="2417739"/>
+            <a:ext cx="577929" cy="369332"/>
+          </a:xfrm>
+          <a:prstGeom prst="rect">
+            <a:avLst/>
+          </a:prstGeom>
+          <a:noFill/>
+        </p:spPr>
+        <p:txBody>
+          <a:bodyPr wrap="square" rtlCol="0">
+            <a:spAutoFit/>
+          </a:bodyPr>
+          <a:lstStyle/>
+          <a:p>
+            <a:r>
+              <a:rPr lang="en-GB" dirty="0" smtClean="0">
+                <a:solidFill>
+                  <a:srgbClr val="FFFF00"/>
+                </a:solidFill>
+              </a:rPr>
+              <a:t>XX</a:t>
+            </a:r>
+            <a:endParaRPr lang="en-GB" dirty="0">
+              <a:solidFill>
+                <a:srgbClr val="FFFF00"/>
+              </a:solidFill>
+            </a:endParaRPr>
+          </a:p>
+        </p:txBody>
+      </p:sp>
+      <p:sp>
+        <p:nvSpPr>
+          <p:cNvPr id="19" name="TextBox 18"/>
+          <p:cNvSpPr txBox="1"/>
+          <p:nvPr/>
+        </p:nvSpPr>
+        <p:spPr>
+          <a:xfrm>
+            <a:off x="7119041" y="1822715"/>
+            <a:ext cx="2065048" cy="369332"/>
+          </a:xfrm>
+          <a:prstGeom prst="rect">
+            <a:avLst/>
+          </a:prstGeom>
+          <a:noFill/>
+        </p:spPr>
+        <p:txBody>
+          <a:bodyPr wrap="square" rtlCol="0">
+            <a:spAutoFit/>
+          </a:bodyPr>
+          <a:lstStyle/>
+          <a:p>
+            <a:r>
+              <a:rPr lang="en-GB" dirty="0" smtClean="0"/>
+              <a:t>SCISSORS Banknote</a:t>
+            </a:r>
+            <a:endParaRPr lang="en-GB" dirty="0"/>
+          </a:p>
+        </p:txBody>
+      </p:sp>
+      <p:sp>
+        <p:nvSpPr>
+          <p:cNvPr id="20" name="TextBox 19"/>
+          <p:cNvSpPr txBox="1"/>
+          <p:nvPr/>
+        </p:nvSpPr>
+        <p:spPr>
+          <a:xfrm>
+            <a:off x="5404028" y="1788322"/>
+            <a:ext cx="1850065" cy="369332"/>
+          </a:xfrm>
+          <a:prstGeom prst="rect">
+            <a:avLst/>
+          </a:prstGeom>
+          <a:noFill/>
+        </p:spPr>
+        <p:txBody>
+          <a:bodyPr wrap="square" rtlCol="0">
+            <a:spAutoFit/>
+          </a:bodyPr>
+          <a:lstStyle/>
+          <a:p>
+            <a:r>
+              <a:rPr lang="en-GB" dirty="0" smtClean="0"/>
+              <a:t>HOUSE Banknote</a:t>
+            </a:r>
+            <a:endParaRPr lang="en-GB" dirty="0"/>
+          </a:p>
+        </p:txBody>
+      </p:sp>
+      <p:pic>
+        <p:nvPicPr>
+          <p:cNvPr id="21" name="Picture 20"/>
+          <p:cNvPicPr>
+            <a:picLocks noChangeAspect="1"/>
+          </p:cNvPicPr>
+          <p:nvPr/>
+        </p:nvPicPr>
+        <p:blipFill>
+          <a:blip r:embed="rId2">
+            <a:extLst>
+              <a:ext uri="{28A0092B-C50C-407E-A947-70E740481C1C}">
+                <a14:useLocalDpi xmlns:a14="http://schemas.microsoft.com/office/drawing/2010/main" val="0"/>
+              </a:ext>
+            </a:extLst>
+          </a:blip>
+          <a:stretch>
+            <a:fillRect/>
+          </a:stretch>
+        </p:blipFill>
+        <p:spPr>
+          <a:xfrm>
+            <a:off x="7684455" y="2298058"/>
+            <a:ext cx="684000" cy="684000"/>
+          </a:xfrm>
+          <a:prstGeom prst="rect">
+            <a:avLst/>
+          </a:prstGeom>
+        </p:spPr>
+      </p:pic>
+      <p:pic>
+        <p:nvPicPr>
+          <p:cNvPr id="22" name="Picture 21"/>
+          <p:cNvPicPr>
+            <a:picLocks noChangeAspect="1"/>
+          </p:cNvPicPr>
+          <p:nvPr/>
+        </p:nvPicPr>
+        <p:blipFill>
+          <a:blip r:embed="rId3">
+            <a:extLst>
+              <a:ext uri="{28A0092B-C50C-407E-A947-70E740481C1C}">
+                <a14:useLocalDpi xmlns:a14="http://schemas.microsoft.com/office/drawing/2010/main" val="0"/>
+              </a:ext>
+            </a:extLst>
+          </a:blip>
+          <a:stretch>
+            <a:fillRect/>
+          </a:stretch>
+        </p:blipFill>
+        <p:spPr>
+          <a:xfrm>
+            <a:off x="6041759" y="5022969"/>
+            <a:ext cx="684000" cy="684000"/>
+          </a:xfrm>
+          <a:prstGeom prst="rect">
+            <a:avLst/>
+          </a:prstGeom>
+        </p:spPr>
+      </p:pic>
+      <p:sp>
+        <p:nvSpPr>
+          <p:cNvPr id="23" name="Rectangle 22"/>
+          <p:cNvSpPr/>
+          <p:nvPr/>
+        </p:nvSpPr>
+        <p:spPr>
+          <a:xfrm>
+            <a:off x="5326576" y="1454877"/>
+            <a:ext cx="1224566" cy="369332"/>
+          </a:xfrm>
+          <a:prstGeom prst="rect">
+            <a:avLst/>
+          </a:prstGeom>
+        </p:spPr>
+        <p:txBody>
+          <a:bodyPr wrap="none">
+            <a:spAutoFit/>
+          </a:bodyPr>
+          <a:lstStyle/>
+          <a:p>
+            <a:r>
+              <a:rPr lang="en-GB" dirty="0" smtClean="0"/>
+              <a:t>If </a:t>
+            </a:r>
+            <a:r>
+              <a:rPr lang="en-GB" dirty="0"/>
+              <a:t>you</a:t>
+            </a:r>
+            <a:r>
+              <a:rPr lang="en-GB" dirty="0" smtClean="0"/>
+              <a:t> </a:t>
+            </a:r>
+            <a:r>
+              <a:rPr lang="en-GB" b="1" dirty="0" smtClean="0"/>
+              <a:t>play</a:t>
+            </a:r>
+            <a:r>
+              <a:rPr lang="en-GB" dirty="0" smtClean="0"/>
+              <a:t>:</a:t>
+            </a:r>
+            <a:endParaRPr lang="en-GB" dirty="0"/>
+          </a:p>
+        </p:txBody>
+      </p:sp>
+      <p:sp>
+        <p:nvSpPr>
+          <p:cNvPr id="24" name="Rectangle 23"/>
+          <p:cNvSpPr/>
+          <p:nvPr/>
+        </p:nvSpPr>
+        <p:spPr>
+          <a:xfrm>
+            <a:off x="7053756" y="2403387"/>
+            <a:ext cx="461986" cy="369332"/>
+          </a:xfrm>
+          <a:prstGeom prst="rect">
+            <a:avLst/>
+          </a:prstGeom>
+        </p:spPr>
+        <p:txBody>
+          <a:bodyPr wrap="none">
+            <a:spAutoFit/>
+          </a:bodyPr>
+          <a:lstStyle/>
+          <a:p>
+            <a:r>
+              <a:rPr lang="en-GB" dirty="0" smtClean="0"/>
+              <a:t>OR</a:t>
+            </a:r>
+            <a:endParaRPr lang="en-GB" dirty="0"/>
+          </a:p>
+        </p:txBody>
+      </p:sp>
+      <p:sp>
+        <p:nvSpPr>
+          <p:cNvPr id="25" name="Rectangle 24"/>
+          <p:cNvSpPr/>
+          <p:nvPr/>
+        </p:nvSpPr>
+        <p:spPr>
+          <a:xfrm>
+            <a:off x="5229890" y="1086598"/>
+            <a:ext cx="2331472" cy="369332"/>
+          </a:xfrm>
+          <a:prstGeom prst="rect">
+            <a:avLst/>
+          </a:prstGeom>
+        </p:spPr>
+        <p:txBody>
+          <a:bodyPr wrap="none">
+            <a:spAutoFit/>
+          </a:bodyPr>
+          <a:lstStyle/>
+          <a:p>
+            <a:r>
+              <a:rPr lang="en-GB" b="1" dirty="0" smtClean="0"/>
+              <a:t>For each slot machine:</a:t>
+            </a:r>
+            <a:endParaRPr lang="en-GB" b="1" dirty="0"/>
+          </a:p>
+        </p:txBody>
+      </p:sp>
+      <p:sp>
+        <p:nvSpPr>
+          <p:cNvPr id="26" name="Rectangle 25"/>
+          <p:cNvSpPr/>
+          <p:nvPr/>
+        </p:nvSpPr>
+        <p:spPr>
+          <a:xfrm>
+            <a:off x="5670859" y="3145843"/>
+            <a:ext cx="3355295" cy="923330"/>
+          </a:xfrm>
+          <a:prstGeom prst="rect">
+            <a:avLst/>
+          </a:prstGeom>
+        </p:spPr>
+        <p:txBody>
+          <a:bodyPr wrap="square">
+            <a:spAutoFit/>
+          </a:bodyPr>
+          <a:lstStyle/>
+          <a:p>
+            <a:r>
+              <a:rPr lang="en-GB" dirty="0" smtClean="0"/>
+              <a:t>Chances of HOUSE or SCISSORS banknotes depend on </a:t>
+            </a:r>
+            <a:r>
+              <a:rPr lang="en-GB" b="1" dirty="0" smtClean="0"/>
+              <a:t>which</a:t>
+            </a:r>
+            <a:r>
+              <a:rPr lang="en-GB" dirty="0" smtClean="0"/>
+              <a:t> slot machine is played.</a:t>
+            </a:r>
+            <a:endParaRPr lang="en-GB" dirty="0"/>
+          </a:p>
+        </p:txBody>
+      </p:sp>
+      <p:sp>
+        <p:nvSpPr>
+          <p:cNvPr id="27" name="Rectangle 26"/>
+          <p:cNvSpPr/>
+          <p:nvPr/>
+        </p:nvSpPr>
+        <p:spPr>
+          <a:xfrm>
+            <a:off x="5622906" y="5937250"/>
+            <a:ext cx="3571615" cy="646331"/>
+          </a:xfrm>
+          <a:prstGeom prst="rect">
+            <a:avLst/>
+          </a:prstGeom>
+        </p:spPr>
+        <p:txBody>
+          <a:bodyPr wrap="square">
+            <a:spAutoFit/>
+          </a:bodyPr>
+          <a:lstStyle/>
+          <a:p>
+            <a:r>
+              <a:rPr lang="en-GB" dirty="0" smtClean="0"/>
+              <a:t>Rejecting always leads to the GIRL banknote.</a:t>
+            </a:r>
+            <a:endParaRPr lang="en-GB" dirty="0"/>
+          </a:p>
+        </p:txBody>
+      </p:sp>
+      <p:pic>
+        <p:nvPicPr>
+          <p:cNvPr id="28" name="Picture 27"/>
+          <p:cNvPicPr>
+            <a:picLocks noChangeAspect="1"/>
+          </p:cNvPicPr>
+          <p:nvPr/>
+        </p:nvPicPr>
+        <p:blipFill>
+          <a:blip r:embed="rId4">
+            <a:extLst>
+              <a:ext uri="{28A0092B-C50C-407E-A947-70E740481C1C}">
+                <a14:useLocalDpi xmlns:a14="http://schemas.microsoft.com/office/drawing/2010/main" val="0"/>
+              </a:ext>
+            </a:extLst>
+          </a:blip>
+          <a:stretch>
+            <a:fillRect/>
+          </a:stretch>
+        </p:blipFill>
+        <p:spPr>
+          <a:xfrm>
+            <a:off x="5596232" y="2260734"/>
+            <a:ext cx="684000" cy="684000"/>
+          </a:xfrm>
+          <a:prstGeom prst="rect">
+            <a:avLst/>
+          </a:prstGeom>
+        </p:spPr>
+      </p:pic>
+      <p:sp>
+        <p:nvSpPr>
+          <p:cNvPr id="29" name="TextBox 28"/>
+          <p:cNvSpPr txBox="1"/>
+          <p:nvPr/>
+        </p:nvSpPr>
+        <p:spPr>
+          <a:xfrm>
+            <a:off x="5699252" y="4471676"/>
+            <a:ext cx="1850065" cy="369332"/>
+          </a:xfrm>
+          <a:prstGeom prst="rect">
+            <a:avLst/>
+          </a:prstGeom>
+          <a:noFill/>
+        </p:spPr>
+        <p:txBody>
+          <a:bodyPr wrap="square" rtlCol="0">
+            <a:spAutoFit/>
+          </a:bodyPr>
+          <a:lstStyle/>
+          <a:p>
+            <a:r>
+              <a:rPr lang="en-GB" dirty="0" smtClean="0"/>
+              <a:t>GIRL Banknote</a:t>
+            </a:r>
+            <a:endParaRPr lang="en-GB" dirty="0"/>
+          </a:p>
+        </p:txBody>
+      </p:sp>
+    </p:spTree>
+    <p:extLst>
+      <p:ext uri="{BB962C8B-B14F-4D97-AF65-F5344CB8AC3E}">
+        <p14:creationId xmlns:p14="http://schemas.microsoft.com/office/powerpoint/2010/main" val="3898576846"/>
+      </p:ext>
+    </p:extLst>
+  </p:cSld>
+  <p:clrMapOvr>
+    <a:masterClrMapping/>
+  </p:clrMapOvr>
+</p:sld>
+</file>
+
+<file path=ppt/slides/slide19.xml><?xml version="1.0" encoding="utf-8"?>
+<p:sld xmlns:a="http://schemas.openxmlformats.org/drawingml/2006/main" xmlns:r="http://schemas.openxmlformats.org/officeDocument/2006/relationships" xmlns:p="http://schemas.openxmlformats.org/presentationml/2006/main">
+  <p:cSld>
+    <p:spTree>
+      <p:nvGrpSpPr>
+        <p:cNvPr id="1" name=""/>
+        <p:cNvGrpSpPr/>
+        <p:nvPr/>
+      </p:nvGrpSpPr>
+      <p:grpSpPr>
+        <a:xfrm>
+          <a:off x="0" y="0"/>
+          <a:ext cx="0" cy="0"/>
+          <a:chOff x="0" y="0"/>
+          <a:chExt cx="0" cy="0"/>
+        </a:xfrm>
+      </p:grpSpPr>
+      <p:sp>
+        <p:nvSpPr>
+          <p:cNvPr id="3" name="Content Placeholder 2"/>
+          <p:cNvSpPr>
+            <a:spLocks noGrp="1"/>
+          </p:cNvSpPr>
+          <p:nvPr>
+            <p:ph idx="1"/>
+          </p:nvPr>
+        </p:nvSpPr>
+        <p:spPr>
+          <a:xfrm>
+            <a:off x="316521" y="253220"/>
+            <a:ext cx="4850687" cy="5760403"/>
+          </a:xfrm>
+        </p:spPr>
+        <p:txBody>
+          <a:bodyPr>
+            <a:noAutofit/>
+          </a:bodyPr>
+          <a:lstStyle/>
+          <a:p>
+            <a:pPr algn="just"/>
+            <a:r>
+              <a:rPr lang="en-GB" sz="2200" dirty="0" smtClean="0"/>
+              <a:t>On </a:t>
+            </a:r>
+            <a:r>
+              <a:rPr lang="en-GB" sz="2200" dirty="0"/>
+              <a:t>each game you will be presented with one of the slot machines that </a:t>
+            </a:r>
+            <a:r>
+              <a:rPr lang="en-GB" sz="2200" dirty="0" smtClean="0"/>
+              <a:t>were </a:t>
+            </a:r>
+            <a:r>
+              <a:rPr lang="en-GB" sz="2200" dirty="0"/>
+              <a:t>in the previous </a:t>
+            </a:r>
+            <a:r>
+              <a:rPr lang="en-GB" sz="2200" dirty="0" smtClean="0"/>
+              <a:t>task.</a:t>
+            </a:r>
+          </a:p>
+          <a:p>
+            <a:pPr algn="just"/>
+            <a:r>
+              <a:rPr lang="en-GB" sz="2200" dirty="0" smtClean="0"/>
+              <a:t>Now, you </a:t>
+            </a:r>
+            <a:r>
+              <a:rPr lang="en-GB" sz="2200" dirty="0"/>
+              <a:t>can choose whether to </a:t>
+            </a:r>
+            <a:r>
+              <a:rPr lang="en-GB" sz="2200" b="1" dirty="0"/>
+              <a:t>play</a:t>
+            </a:r>
+            <a:r>
+              <a:rPr lang="en-GB" sz="2200" dirty="0"/>
+              <a:t> the slot machine or to </a:t>
+            </a:r>
+            <a:r>
+              <a:rPr lang="en-GB" sz="2200" b="1" dirty="0"/>
+              <a:t>reject</a:t>
+            </a:r>
+            <a:r>
+              <a:rPr lang="en-GB" sz="2200" dirty="0"/>
+              <a:t> </a:t>
+            </a:r>
+            <a:r>
+              <a:rPr lang="en-GB" sz="2200" dirty="0" smtClean="0"/>
+              <a:t>it.</a:t>
+            </a:r>
+          </a:p>
+          <a:p>
+            <a:pPr algn="just"/>
+            <a:r>
+              <a:rPr lang="en-GB" sz="2200" b="1" dirty="0"/>
+              <a:t>P</a:t>
+            </a:r>
+            <a:r>
+              <a:rPr lang="en-GB" sz="2200" b="1" dirty="0" smtClean="0"/>
+              <a:t>laying</a:t>
+            </a:r>
+            <a:r>
+              <a:rPr lang="en-GB" sz="2200" dirty="0" smtClean="0"/>
+              <a:t> (key 1) a </a:t>
+            </a:r>
+            <a:r>
+              <a:rPr lang="en-GB" sz="2200" dirty="0"/>
+              <a:t>slot </a:t>
+            </a:r>
+            <a:r>
+              <a:rPr lang="en-GB" sz="2200" dirty="0" smtClean="0"/>
+              <a:t>machine will produce either the </a:t>
+            </a:r>
+            <a:r>
+              <a:rPr lang="en-GB" sz="2200" b="1" dirty="0" smtClean="0"/>
+              <a:t>GIRL</a:t>
+            </a:r>
+            <a:r>
+              <a:rPr lang="en-GB" sz="2200" dirty="0" smtClean="0"/>
+              <a:t> or </a:t>
+            </a:r>
+            <a:r>
+              <a:rPr lang="en-GB" sz="2200" b="1" dirty="0" smtClean="0"/>
+              <a:t>HOUSE</a:t>
+            </a:r>
+            <a:r>
+              <a:rPr lang="en-GB" sz="2200" dirty="0" smtClean="0"/>
+              <a:t> banknote.</a:t>
+            </a:r>
+          </a:p>
+          <a:p>
+            <a:pPr algn="just"/>
+            <a:r>
+              <a:rPr lang="en-GB" sz="2200" dirty="0" smtClean="0"/>
+              <a:t>The </a:t>
+            </a:r>
+            <a:r>
+              <a:rPr lang="en-GB" sz="2200" b="1" dirty="0"/>
+              <a:t>chances</a:t>
+            </a:r>
+            <a:r>
+              <a:rPr lang="en-GB" sz="2200" dirty="0"/>
+              <a:t> of </a:t>
+            </a:r>
+            <a:r>
+              <a:rPr lang="en-GB" sz="2200" dirty="0" smtClean="0"/>
+              <a:t>a given </a:t>
+            </a:r>
+            <a:r>
+              <a:rPr lang="en-GB" sz="2200" dirty="0"/>
+              <a:t>slot machine producing either of these two banknotes will be the </a:t>
+            </a:r>
+            <a:r>
+              <a:rPr lang="en-GB" sz="2200" b="1" dirty="0"/>
+              <a:t>same as it was in the previous task</a:t>
+            </a:r>
+            <a:r>
+              <a:rPr lang="en-GB" sz="2200" dirty="0" smtClean="0"/>
+              <a:t>. These chances will </a:t>
+            </a:r>
+            <a:r>
+              <a:rPr lang="en-GB" sz="2200" b="1" dirty="0" smtClean="0"/>
+              <a:t>not change </a:t>
+            </a:r>
+            <a:r>
+              <a:rPr lang="en-GB" sz="2200" dirty="0" smtClean="0"/>
+              <a:t>over the course of the task.</a:t>
+            </a:r>
+          </a:p>
+          <a:p>
+            <a:pPr algn="just"/>
+            <a:r>
+              <a:rPr lang="en-GB" sz="2200" dirty="0" smtClean="0"/>
+              <a:t>You can also reject </a:t>
+            </a:r>
+            <a:r>
+              <a:rPr lang="en-GB" sz="2200" dirty="0"/>
+              <a:t>a slot </a:t>
+            </a:r>
+            <a:r>
+              <a:rPr lang="en-GB" sz="2200" dirty="0" smtClean="0"/>
+              <a:t>machine (key 2). </a:t>
+            </a:r>
+            <a:r>
+              <a:rPr lang="en-GB" sz="2200" dirty="0"/>
+              <a:t>If you reject a slot machine, you will always get the </a:t>
+            </a:r>
+            <a:r>
+              <a:rPr lang="en-GB" sz="2200" b="1" dirty="0" smtClean="0"/>
+              <a:t>SCISSORS</a:t>
+            </a:r>
+            <a:r>
+              <a:rPr lang="en-GB" sz="2200" dirty="0" smtClean="0"/>
+              <a:t> banknote.</a:t>
+            </a:r>
+            <a:endParaRPr lang="en-GB" sz="2200" dirty="0"/>
+          </a:p>
+        </p:txBody>
+      </p:sp>
+      <p:sp>
+        <p:nvSpPr>
+          <p:cNvPr id="4" name="Rectangle 3"/>
+          <p:cNvSpPr/>
+          <p:nvPr/>
+        </p:nvSpPr>
+        <p:spPr>
+          <a:xfrm>
+            <a:off x="5966724" y="4935044"/>
+            <a:ext cx="1512000" cy="828000"/>
+          </a:xfrm>
+          <a:prstGeom prst="rect">
+            <a:avLst/>
+          </a:prstGeom>
+          <a:solidFill>
+            <a:srgbClr val="635C52"/>
+          </a:solidFill>
+        </p:spPr>
+        <p:style>
+          <a:lnRef idx="1">
+            <a:schemeClr val="accent1"/>
+          </a:lnRef>
+          <a:fillRef idx="3">
+            <a:schemeClr val="accent1"/>
+          </a:fillRef>
+          <a:effectRef idx="2">
+            <a:schemeClr val="accent1"/>
+          </a:effectRef>
+          <a:fontRef idx="minor">
+            <a:schemeClr val="lt1"/>
+          </a:fontRef>
+        </p:style>
+        <p:txBody>
+          <a:bodyPr rtlCol="0" anchor="ctr"/>
+          <a:lstStyle/>
+          <a:p>
+            <a:pPr algn="ctr"/>
+            <a:endParaRPr lang="en-GB"/>
+          </a:p>
+        </p:txBody>
+      </p:sp>
+      <p:sp>
+        <p:nvSpPr>
+          <p:cNvPr id="6" name="TextBox 5"/>
+          <p:cNvSpPr txBox="1"/>
+          <p:nvPr/>
+        </p:nvSpPr>
+        <p:spPr>
+          <a:xfrm>
+            <a:off x="6826625" y="5170104"/>
+            <a:ext cx="577929" cy="369332"/>
+          </a:xfrm>
+          <a:prstGeom prst="rect">
+            <a:avLst/>
+          </a:prstGeom>
+          <a:noFill/>
+        </p:spPr>
+        <p:txBody>
+          <a:bodyPr wrap="square" rtlCol="0">
+            <a:spAutoFit/>
+          </a:bodyPr>
+          <a:lstStyle/>
+          <a:p>
+            <a:r>
+              <a:rPr lang="en-GB" dirty="0" smtClean="0">
+                <a:solidFill>
+                  <a:srgbClr val="FFFF00"/>
+                </a:solidFill>
+              </a:rPr>
+              <a:t>XX</a:t>
+            </a:r>
+            <a:endParaRPr lang="en-GB" dirty="0">
+              <a:solidFill>
+                <a:srgbClr val="FFFF00"/>
+              </a:solidFill>
+            </a:endParaRPr>
+          </a:p>
+        </p:txBody>
+      </p:sp>
+      <p:sp>
+        <p:nvSpPr>
+          <p:cNvPr id="7" name="Rectangle 6"/>
+          <p:cNvSpPr/>
+          <p:nvPr/>
+        </p:nvSpPr>
+        <p:spPr>
+          <a:xfrm>
+            <a:off x="5590209" y="4102344"/>
+            <a:ext cx="1363578" cy="369332"/>
+          </a:xfrm>
+          <a:prstGeom prst="rect">
+            <a:avLst/>
+          </a:prstGeom>
+        </p:spPr>
+        <p:txBody>
+          <a:bodyPr wrap="none">
+            <a:spAutoFit/>
+          </a:bodyPr>
+          <a:lstStyle/>
+          <a:p>
+            <a:r>
+              <a:rPr lang="en-GB" dirty="0" smtClean="0"/>
+              <a:t>If you </a:t>
+            </a:r>
+            <a:r>
+              <a:rPr lang="en-GB" b="1" dirty="0" smtClean="0"/>
+              <a:t>reject</a:t>
+            </a:r>
+            <a:r>
+              <a:rPr lang="en-GB" dirty="0" smtClean="0"/>
+              <a:t>:</a:t>
+            </a:r>
+            <a:endParaRPr lang="en-GB" dirty="0"/>
+          </a:p>
+        </p:txBody>
+      </p:sp>
+      <p:sp>
+        <p:nvSpPr>
+          <p:cNvPr id="15" name="Rectangle 14"/>
+          <p:cNvSpPr/>
+          <p:nvPr/>
+        </p:nvSpPr>
+        <p:spPr>
+          <a:xfrm>
+            <a:off x="7561362" y="2221280"/>
+            <a:ext cx="1512000" cy="828000"/>
+          </a:xfrm>
+          <a:prstGeom prst="rect">
+            <a:avLst/>
+          </a:prstGeom>
+          <a:solidFill>
+            <a:srgbClr val="635C52"/>
+          </a:solidFill>
+        </p:spPr>
+        <p:style>
+          <a:lnRef idx="1">
+            <a:schemeClr val="accent1"/>
+          </a:lnRef>
+          <a:fillRef idx="3">
+            <a:schemeClr val="accent1"/>
+          </a:fillRef>
+          <a:effectRef idx="2">
+            <a:schemeClr val="accent1"/>
+          </a:effectRef>
+          <a:fontRef idx="minor">
+            <a:schemeClr val="lt1"/>
+          </a:fontRef>
+        </p:style>
+        <p:txBody>
+          <a:bodyPr rtlCol="0" anchor="ctr"/>
+          <a:lstStyle/>
+          <a:p>
+            <a:pPr algn="ctr"/>
+            <a:endParaRPr lang="en-GB"/>
+          </a:p>
+        </p:txBody>
+      </p:sp>
+      <p:sp>
+        <p:nvSpPr>
+          <p:cNvPr id="16" name="Rectangle 15"/>
+          <p:cNvSpPr/>
+          <p:nvPr/>
+        </p:nvSpPr>
+        <p:spPr>
+          <a:xfrm>
+            <a:off x="5523858" y="2182679"/>
+            <a:ext cx="1512000" cy="828000"/>
+          </a:xfrm>
+          <a:prstGeom prst="rect">
+            <a:avLst/>
+          </a:prstGeom>
+          <a:solidFill>
+            <a:srgbClr val="635C52"/>
+          </a:solidFill>
+        </p:spPr>
+        <p:style>
+          <a:lnRef idx="1">
+            <a:schemeClr val="accent1"/>
+          </a:lnRef>
+          <a:fillRef idx="3">
+            <a:schemeClr val="accent1"/>
+          </a:fillRef>
+          <a:effectRef idx="2">
+            <a:schemeClr val="accent1"/>
+          </a:effectRef>
+          <a:fontRef idx="minor">
+            <a:schemeClr val="lt1"/>
+          </a:fontRef>
+        </p:style>
+        <p:txBody>
+          <a:bodyPr rtlCol="0" anchor="ctr"/>
+          <a:lstStyle/>
+          <a:p>
+            <a:pPr algn="ctr"/>
+            <a:endParaRPr lang="en-GB"/>
+          </a:p>
+        </p:txBody>
+      </p:sp>
+      <p:sp>
+        <p:nvSpPr>
+          <p:cNvPr id="17" name="TextBox 16"/>
+          <p:cNvSpPr txBox="1"/>
+          <p:nvPr/>
+        </p:nvSpPr>
+        <p:spPr>
+          <a:xfrm>
+            <a:off x="8448225" y="2449809"/>
+            <a:ext cx="577929" cy="369332"/>
+          </a:xfrm>
+          <a:prstGeom prst="rect">
+            <a:avLst/>
+          </a:prstGeom>
+          <a:noFill/>
+        </p:spPr>
+        <p:txBody>
+          <a:bodyPr wrap="square" rtlCol="0">
+            <a:spAutoFit/>
+          </a:bodyPr>
+          <a:lstStyle/>
+          <a:p>
+            <a:r>
+              <a:rPr lang="en-GB" dirty="0" smtClean="0">
+                <a:solidFill>
+                  <a:srgbClr val="FFFF00"/>
+                </a:solidFill>
+              </a:rPr>
+              <a:t>XX</a:t>
+            </a:r>
+            <a:endParaRPr lang="en-GB" dirty="0">
+              <a:solidFill>
+                <a:srgbClr val="FFFF00"/>
+              </a:solidFill>
+            </a:endParaRPr>
+          </a:p>
+        </p:txBody>
+      </p:sp>
+      <p:sp>
+        <p:nvSpPr>
+          <p:cNvPr id="18" name="TextBox 17"/>
+          <p:cNvSpPr txBox="1"/>
+          <p:nvPr/>
+        </p:nvSpPr>
+        <p:spPr>
+          <a:xfrm>
+            <a:off x="6383759" y="2417739"/>
+            <a:ext cx="577929" cy="369332"/>
+          </a:xfrm>
+          <a:prstGeom prst="rect">
+            <a:avLst/>
+          </a:prstGeom>
+          <a:noFill/>
+        </p:spPr>
+        <p:txBody>
+          <a:bodyPr wrap="square" rtlCol="0">
+            <a:spAutoFit/>
+          </a:bodyPr>
+          <a:lstStyle/>
+          <a:p>
+            <a:r>
+              <a:rPr lang="en-GB" dirty="0" smtClean="0">
+                <a:solidFill>
+                  <a:srgbClr val="FFFF00"/>
+                </a:solidFill>
+              </a:rPr>
+              <a:t>XX</a:t>
+            </a:r>
+            <a:endParaRPr lang="en-GB" dirty="0">
+              <a:solidFill>
+                <a:srgbClr val="FFFF00"/>
+              </a:solidFill>
+            </a:endParaRPr>
+          </a:p>
+        </p:txBody>
+      </p:sp>
+      <p:sp>
+        <p:nvSpPr>
+          <p:cNvPr id="19" name="TextBox 18"/>
+          <p:cNvSpPr txBox="1"/>
+          <p:nvPr/>
+        </p:nvSpPr>
+        <p:spPr>
+          <a:xfrm>
+            <a:off x="7189381" y="1808647"/>
+            <a:ext cx="2065048" cy="369332"/>
+          </a:xfrm>
+          <a:prstGeom prst="rect">
+            <a:avLst/>
+          </a:prstGeom>
+          <a:noFill/>
+        </p:spPr>
+        <p:txBody>
+          <a:bodyPr wrap="square" rtlCol="0">
+            <a:spAutoFit/>
+          </a:bodyPr>
+          <a:lstStyle/>
+          <a:p>
+            <a:r>
+              <a:rPr lang="en-GB" dirty="0" smtClean="0"/>
+              <a:t>SCISSORS Banknote</a:t>
+            </a:r>
+            <a:endParaRPr lang="en-GB" dirty="0"/>
+          </a:p>
+        </p:txBody>
+      </p:sp>
+      <p:sp>
+        <p:nvSpPr>
+          <p:cNvPr id="20" name="TextBox 19"/>
+          <p:cNvSpPr txBox="1"/>
+          <p:nvPr/>
+        </p:nvSpPr>
+        <p:spPr>
+          <a:xfrm>
+            <a:off x="5404028" y="1788322"/>
+            <a:ext cx="1850065" cy="369332"/>
+          </a:xfrm>
+          <a:prstGeom prst="rect">
+            <a:avLst/>
+          </a:prstGeom>
+          <a:noFill/>
+        </p:spPr>
+        <p:txBody>
+          <a:bodyPr wrap="square" rtlCol="0">
+            <a:spAutoFit/>
+          </a:bodyPr>
+          <a:lstStyle/>
+          <a:p>
+            <a:r>
+              <a:rPr lang="en-GB" dirty="0" smtClean="0"/>
+              <a:t>HOUSE Banknote</a:t>
+            </a:r>
+            <a:endParaRPr lang="en-GB" dirty="0"/>
+          </a:p>
+        </p:txBody>
+      </p:sp>
+      <p:pic>
+        <p:nvPicPr>
+          <p:cNvPr id="21" name="Picture 20"/>
+          <p:cNvPicPr>
+            <a:picLocks noChangeAspect="1"/>
+          </p:cNvPicPr>
+          <p:nvPr/>
+        </p:nvPicPr>
+        <p:blipFill>
+          <a:blip r:embed="rId2">
+            <a:extLst>
+              <a:ext uri="{28A0092B-C50C-407E-A947-70E740481C1C}">
+                <a14:useLocalDpi xmlns:a14="http://schemas.microsoft.com/office/drawing/2010/main" val="0"/>
+              </a:ext>
+            </a:extLst>
+          </a:blip>
+          <a:stretch>
+            <a:fillRect/>
+          </a:stretch>
+        </p:blipFill>
+        <p:spPr>
+          <a:xfrm>
+            <a:off x="6063151" y="5029282"/>
+            <a:ext cx="684000" cy="684000"/>
+          </a:xfrm>
+          <a:prstGeom prst="rect">
+            <a:avLst/>
+          </a:prstGeom>
+        </p:spPr>
+      </p:pic>
+      <p:pic>
+        <p:nvPicPr>
+          <p:cNvPr id="22" name="Picture 21"/>
+          <p:cNvPicPr>
+            <a:picLocks noChangeAspect="1"/>
+          </p:cNvPicPr>
+          <p:nvPr/>
+        </p:nvPicPr>
+        <p:blipFill>
+          <a:blip r:embed="rId3">
+            <a:extLst>
+              <a:ext uri="{28A0092B-C50C-407E-A947-70E740481C1C}">
+                <a14:useLocalDpi xmlns:a14="http://schemas.microsoft.com/office/drawing/2010/main" val="0"/>
+              </a:ext>
+            </a:extLst>
+          </a:blip>
+          <a:stretch>
+            <a:fillRect/>
+          </a:stretch>
+        </p:blipFill>
+        <p:spPr>
+          <a:xfrm>
+            <a:off x="7633362" y="2280415"/>
+            <a:ext cx="684000" cy="684000"/>
+          </a:xfrm>
+          <a:prstGeom prst="rect">
+            <a:avLst/>
+          </a:prstGeom>
+        </p:spPr>
+      </p:pic>
+      <p:sp>
+        <p:nvSpPr>
+          <p:cNvPr id="23" name="Rectangle 22"/>
+          <p:cNvSpPr/>
+          <p:nvPr/>
+        </p:nvSpPr>
+        <p:spPr>
+          <a:xfrm>
+            <a:off x="5326576" y="1454877"/>
+            <a:ext cx="1224566" cy="369332"/>
+          </a:xfrm>
+          <a:prstGeom prst="rect">
+            <a:avLst/>
+          </a:prstGeom>
+        </p:spPr>
+        <p:txBody>
+          <a:bodyPr wrap="none">
+            <a:spAutoFit/>
+          </a:bodyPr>
+          <a:lstStyle/>
+          <a:p>
+            <a:r>
+              <a:rPr lang="en-GB" dirty="0" smtClean="0"/>
+              <a:t>If </a:t>
+            </a:r>
+            <a:r>
+              <a:rPr lang="en-GB" dirty="0"/>
+              <a:t>you</a:t>
+            </a:r>
+            <a:r>
+              <a:rPr lang="en-GB" dirty="0" smtClean="0"/>
+              <a:t> </a:t>
+            </a:r>
+            <a:r>
+              <a:rPr lang="en-GB" b="1" dirty="0" smtClean="0"/>
+              <a:t>play</a:t>
+            </a:r>
+            <a:r>
+              <a:rPr lang="en-GB" dirty="0" smtClean="0"/>
+              <a:t>:</a:t>
+            </a:r>
+            <a:endParaRPr lang="en-GB" dirty="0"/>
+          </a:p>
+        </p:txBody>
+      </p:sp>
+      <p:sp>
+        <p:nvSpPr>
+          <p:cNvPr id="24" name="Rectangle 23"/>
+          <p:cNvSpPr/>
+          <p:nvPr/>
+        </p:nvSpPr>
+        <p:spPr>
+          <a:xfrm>
+            <a:off x="7053756" y="2403387"/>
+            <a:ext cx="461986" cy="369332"/>
+          </a:xfrm>
+          <a:prstGeom prst="rect">
+            <a:avLst/>
+          </a:prstGeom>
+        </p:spPr>
+        <p:txBody>
+          <a:bodyPr wrap="none">
+            <a:spAutoFit/>
+          </a:bodyPr>
+          <a:lstStyle/>
+          <a:p>
+            <a:r>
+              <a:rPr lang="en-GB" dirty="0" smtClean="0"/>
+              <a:t>OR</a:t>
+            </a:r>
+            <a:endParaRPr lang="en-GB" dirty="0"/>
+          </a:p>
+        </p:txBody>
+      </p:sp>
+      <p:sp>
+        <p:nvSpPr>
+          <p:cNvPr id="25" name="Rectangle 24"/>
+          <p:cNvSpPr/>
+          <p:nvPr/>
+        </p:nvSpPr>
+        <p:spPr>
+          <a:xfrm>
+            <a:off x="5229890" y="1086598"/>
+            <a:ext cx="2331472" cy="369332"/>
+          </a:xfrm>
+          <a:prstGeom prst="rect">
+            <a:avLst/>
+          </a:prstGeom>
+        </p:spPr>
+        <p:txBody>
+          <a:bodyPr wrap="none">
+            <a:spAutoFit/>
+          </a:bodyPr>
+          <a:lstStyle/>
+          <a:p>
+            <a:r>
+              <a:rPr lang="en-GB" b="1" dirty="0" smtClean="0"/>
+              <a:t>For each slot machine:</a:t>
+            </a:r>
+            <a:endParaRPr lang="en-GB" b="1" dirty="0"/>
+          </a:p>
+        </p:txBody>
+      </p:sp>
+      <p:sp>
+        <p:nvSpPr>
+          <p:cNvPr id="26" name="Rectangle 25"/>
+          <p:cNvSpPr/>
+          <p:nvPr/>
+        </p:nvSpPr>
+        <p:spPr>
+          <a:xfrm>
+            <a:off x="5670859" y="3145843"/>
+            <a:ext cx="3355295" cy="923330"/>
+          </a:xfrm>
+          <a:prstGeom prst="rect">
+            <a:avLst/>
+          </a:prstGeom>
+        </p:spPr>
+        <p:txBody>
+          <a:bodyPr wrap="square">
+            <a:spAutoFit/>
+          </a:bodyPr>
+          <a:lstStyle/>
+          <a:p>
+            <a:r>
+              <a:rPr lang="en-GB" dirty="0" smtClean="0"/>
+              <a:t>Chances of HOUSE or GIRL banknotes depend on </a:t>
+            </a:r>
+            <a:r>
+              <a:rPr lang="en-GB" b="1" dirty="0" smtClean="0"/>
+              <a:t>which</a:t>
+            </a:r>
+            <a:r>
+              <a:rPr lang="en-GB" dirty="0" smtClean="0"/>
+              <a:t> slot machine is played.</a:t>
+            </a:r>
+            <a:endParaRPr lang="en-GB" dirty="0"/>
+          </a:p>
+        </p:txBody>
+      </p:sp>
+      <p:sp>
+        <p:nvSpPr>
+          <p:cNvPr id="27" name="Rectangle 26"/>
+          <p:cNvSpPr/>
+          <p:nvPr/>
+        </p:nvSpPr>
+        <p:spPr>
+          <a:xfrm>
+            <a:off x="5622906" y="5937250"/>
+            <a:ext cx="3571615" cy="646331"/>
+          </a:xfrm>
+          <a:prstGeom prst="rect">
+            <a:avLst/>
+          </a:prstGeom>
+        </p:spPr>
+        <p:txBody>
+          <a:bodyPr wrap="square">
+            <a:spAutoFit/>
+          </a:bodyPr>
+          <a:lstStyle/>
+          <a:p>
+            <a:r>
+              <a:rPr lang="en-GB" dirty="0" smtClean="0"/>
+              <a:t>Rejecting always leads to the SCISSORS banknote.</a:t>
+            </a:r>
+            <a:endParaRPr lang="en-GB" dirty="0"/>
+          </a:p>
+        </p:txBody>
+      </p:sp>
+      <p:pic>
+        <p:nvPicPr>
+          <p:cNvPr id="28" name="Picture 27"/>
+          <p:cNvPicPr>
+            <a:picLocks noChangeAspect="1"/>
+          </p:cNvPicPr>
+          <p:nvPr/>
+        </p:nvPicPr>
+        <p:blipFill>
+          <a:blip r:embed="rId4">
+            <a:extLst>
+              <a:ext uri="{28A0092B-C50C-407E-A947-70E740481C1C}">
+                <a14:useLocalDpi xmlns:a14="http://schemas.microsoft.com/office/drawing/2010/main" val="0"/>
+              </a:ext>
+            </a:extLst>
+          </a:blip>
+          <a:stretch>
+            <a:fillRect/>
+          </a:stretch>
+        </p:blipFill>
+        <p:spPr>
+          <a:xfrm>
+            <a:off x="5596232" y="2260734"/>
+            <a:ext cx="684000" cy="684000"/>
+          </a:xfrm>
+          <a:prstGeom prst="rect">
+            <a:avLst/>
+          </a:prstGeom>
+        </p:spPr>
+      </p:pic>
+      <p:sp>
+        <p:nvSpPr>
+          <p:cNvPr id="29" name="TextBox 28"/>
+          <p:cNvSpPr txBox="1"/>
+          <p:nvPr/>
+        </p:nvSpPr>
+        <p:spPr>
+          <a:xfrm>
+            <a:off x="5699252" y="4471676"/>
+            <a:ext cx="2136453" cy="369332"/>
+          </a:xfrm>
+          <a:prstGeom prst="rect">
+            <a:avLst/>
+          </a:prstGeom>
+          <a:noFill/>
+        </p:spPr>
+        <p:txBody>
+          <a:bodyPr wrap="square" rtlCol="0">
+            <a:spAutoFit/>
+          </a:bodyPr>
+          <a:lstStyle/>
+          <a:p>
+            <a:r>
+              <a:rPr lang="en-GB" dirty="0" smtClean="0"/>
+              <a:t>SCISSORS Banknote</a:t>
+            </a:r>
+            <a:endParaRPr lang="en-GB" dirty="0"/>
+          </a:p>
+        </p:txBody>
+      </p:sp>
+    </p:spTree>
+    <p:extLst>
+      <p:ext uri="{BB962C8B-B14F-4D97-AF65-F5344CB8AC3E}">
+        <p14:creationId xmlns:p14="http://schemas.microsoft.com/office/powerpoint/2010/main" val="2346899732"/>
+      </p:ext>
+    </p:extLst>
+  </p:cSld>
+  <p:clrMapOvr>
+    <a:masterClrMapping/>
+  </p:clrMapOvr>
+</p:sld>
+</file>
+
 <file path=ppt/slides/slide2.xml><?xml version="1.0" encoding="utf-8"?>
 <p:sld xmlns:a="http://schemas.openxmlformats.org/drawingml/2006/main" xmlns:r="http://schemas.openxmlformats.org/officeDocument/2006/relationships" xmlns:p="http://schemas.openxmlformats.org/presentationml/2006/main">
   <p:cSld>
@@ -6894,6 +9892,898 @@
       </p:par>
     </p:tnLst>
   </p:timing>
+</p:sld>
+</file>
+
+<file path=ppt/slides/slide20.xml><?xml version="1.0" encoding="utf-8"?>
+<p:sld xmlns:a="http://schemas.openxmlformats.org/drawingml/2006/main" xmlns:r="http://schemas.openxmlformats.org/officeDocument/2006/relationships" xmlns:p="http://schemas.openxmlformats.org/presentationml/2006/main">
+  <p:cSld>
+    <p:spTree>
+      <p:nvGrpSpPr>
+        <p:cNvPr id="1" name=""/>
+        <p:cNvGrpSpPr/>
+        <p:nvPr/>
+      </p:nvGrpSpPr>
+      <p:grpSpPr>
+        <a:xfrm>
+          <a:off x="0" y="0"/>
+          <a:ext cx="0" cy="0"/>
+          <a:chOff x="0" y="0"/>
+          <a:chExt cx="0" cy="0"/>
+        </a:xfrm>
+      </p:grpSpPr>
+      <p:sp>
+        <p:nvSpPr>
+          <p:cNvPr id="3" name="Content Placeholder 2"/>
+          <p:cNvSpPr>
+            <a:spLocks noGrp="1"/>
+          </p:cNvSpPr>
+          <p:nvPr>
+            <p:ph idx="1"/>
+          </p:nvPr>
+        </p:nvSpPr>
+        <p:spPr>
+          <a:xfrm>
+            <a:off x="457200" y="414528"/>
+            <a:ext cx="4297680" cy="6266688"/>
+          </a:xfrm>
+        </p:spPr>
+        <p:txBody>
+          <a:bodyPr>
+            <a:normAutofit/>
+          </a:bodyPr>
+          <a:lstStyle/>
+          <a:p>
+            <a:r>
+              <a:rPr lang="en-GB" sz="2000" dirty="0"/>
+              <a:t>Before each decision to play or reject a slot machine, you will be shown the point value of each banknote for that </a:t>
+            </a:r>
+            <a:r>
+              <a:rPr lang="en-GB" sz="2000" dirty="0" smtClean="0"/>
+              <a:t>game</a:t>
+            </a:r>
+            <a:r>
+              <a:rPr lang="en-GB" sz="2000" dirty="0"/>
+              <a:t> </a:t>
+            </a:r>
+            <a:r>
+              <a:rPr lang="en-GB" sz="2000" dirty="0" smtClean="0"/>
+              <a:t>(example </a:t>
+            </a:r>
+            <a:r>
+              <a:rPr lang="en-GB" sz="2000" dirty="0" smtClean="0"/>
+              <a:t>on </a:t>
+            </a:r>
+            <a:r>
+              <a:rPr lang="en-GB" sz="2000" dirty="0" smtClean="0"/>
+              <a:t>the right).</a:t>
+            </a:r>
+          </a:p>
+          <a:p>
+            <a:r>
+              <a:rPr lang="en-GB" sz="2000" dirty="0" smtClean="0"/>
+              <a:t>You </a:t>
+            </a:r>
+            <a:r>
+              <a:rPr lang="en-GB" sz="2000" dirty="0"/>
+              <a:t>must pay attention to these in order to make choices that lead you to collect as </a:t>
+            </a:r>
+            <a:r>
+              <a:rPr lang="en-GB" sz="2000" dirty="0" smtClean="0"/>
+              <a:t>many positive </a:t>
+            </a:r>
+            <a:r>
+              <a:rPr lang="en-GB" sz="2000" dirty="0"/>
+              <a:t>points and </a:t>
+            </a:r>
+            <a:r>
+              <a:rPr lang="en-GB" sz="2000" dirty="0" smtClean="0"/>
+              <a:t>avoid as many </a:t>
+            </a:r>
+            <a:r>
+              <a:rPr lang="en-GB" sz="2000" dirty="0"/>
+              <a:t>negative </a:t>
+            </a:r>
+            <a:r>
+              <a:rPr lang="en-GB" sz="2000" dirty="0" smtClean="0"/>
+              <a:t>points as you can.</a:t>
+            </a:r>
+          </a:p>
+          <a:p>
+            <a:r>
+              <a:rPr lang="en-GB" sz="2000" dirty="0"/>
+              <a:t>To get used to the timing, let’s just practice a few presentations of the point values of each </a:t>
+            </a:r>
+            <a:r>
+              <a:rPr lang="en-GB" sz="2000" dirty="0" smtClean="0"/>
+              <a:t>banknote. Here</a:t>
+            </a:r>
+            <a:r>
+              <a:rPr lang="en-GB" sz="2000" dirty="0"/>
+              <a:t>, you’ll just be presented with the point values of each bank note and then you’ll be asked what one of their point values is.</a:t>
+            </a:r>
+          </a:p>
+        </p:txBody>
+      </p:sp>
+      <p:sp>
+        <p:nvSpPr>
+          <p:cNvPr id="4" name="Rectangle 3"/>
+          <p:cNvSpPr/>
+          <p:nvPr/>
+        </p:nvSpPr>
+        <p:spPr>
+          <a:xfrm>
+            <a:off x="5327904" y="694944"/>
+            <a:ext cx="3438144" cy="2852928"/>
+          </a:xfrm>
+          <a:prstGeom prst="rect">
+            <a:avLst/>
+          </a:prstGeom>
+          <a:solidFill>
+            <a:srgbClr val="252533"/>
+          </a:solidFill>
+        </p:spPr>
+        <p:style>
+          <a:lnRef idx="1">
+            <a:schemeClr val="accent1"/>
+          </a:lnRef>
+          <a:fillRef idx="3">
+            <a:schemeClr val="accent1"/>
+          </a:fillRef>
+          <a:effectRef idx="2">
+            <a:schemeClr val="accent1"/>
+          </a:effectRef>
+          <a:fontRef idx="minor">
+            <a:schemeClr val="lt1"/>
+          </a:fontRef>
+        </p:style>
+        <p:txBody>
+          <a:bodyPr rtlCol="0" anchor="ctr"/>
+          <a:lstStyle/>
+          <a:p>
+            <a:pPr algn="ctr"/>
+            <a:endParaRPr lang="en-GB"/>
+          </a:p>
+        </p:txBody>
+      </p:sp>
+      <p:sp>
+        <p:nvSpPr>
+          <p:cNvPr id="5" name="Rectangle 4"/>
+          <p:cNvSpPr/>
+          <p:nvPr/>
+        </p:nvSpPr>
+        <p:spPr>
+          <a:xfrm>
+            <a:off x="5478831" y="1200680"/>
+            <a:ext cx="1512000" cy="828000"/>
+          </a:xfrm>
+          <a:prstGeom prst="rect">
+            <a:avLst/>
+          </a:prstGeom>
+          <a:solidFill>
+            <a:srgbClr val="635C52"/>
+          </a:solidFill>
+        </p:spPr>
+        <p:style>
+          <a:lnRef idx="1">
+            <a:schemeClr val="accent1"/>
+          </a:lnRef>
+          <a:fillRef idx="3">
+            <a:schemeClr val="accent1"/>
+          </a:fillRef>
+          <a:effectRef idx="2">
+            <a:schemeClr val="accent1"/>
+          </a:effectRef>
+          <a:fontRef idx="minor">
+            <a:schemeClr val="lt1"/>
+          </a:fontRef>
+        </p:style>
+        <p:txBody>
+          <a:bodyPr rtlCol="0" anchor="ctr"/>
+          <a:lstStyle/>
+          <a:p>
+            <a:pPr algn="ctr"/>
+            <a:endParaRPr lang="en-GB"/>
+          </a:p>
+        </p:txBody>
+      </p:sp>
+      <p:sp>
+        <p:nvSpPr>
+          <p:cNvPr id="6" name="TextBox 5"/>
+          <p:cNvSpPr txBox="1"/>
+          <p:nvPr/>
+        </p:nvSpPr>
+        <p:spPr>
+          <a:xfrm>
+            <a:off x="6365694" y="1517581"/>
+            <a:ext cx="577929" cy="369332"/>
+          </a:xfrm>
+          <a:prstGeom prst="rect">
+            <a:avLst/>
+          </a:prstGeom>
+          <a:noFill/>
+        </p:spPr>
+        <p:txBody>
+          <a:bodyPr wrap="square" rtlCol="0">
+            <a:spAutoFit/>
+          </a:bodyPr>
+          <a:lstStyle/>
+          <a:p>
+            <a:r>
+              <a:rPr lang="en-GB" dirty="0" smtClean="0">
+                <a:solidFill>
+                  <a:srgbClr val="FFFF00"/>
+                </a:solidFill>
+              </a:rPr>
+              <a:t>72</a:t>
+            </a:r>
+            <a:endParaRPr lang="en-GB" dirty="0">
+              <a:solidFill>
+                <a:srgbClr val="FFFF00"/>
+              </a:solidFill>
+            </a:endParaRPr>
+          </a:p>
+        </p:txBody>
+      </p:sp>
+      <p:pic>
+        <p:nvPicPr>
+          <p:cNvPr id="7" name="Picture 6"/>
+          <p:cNvPicPr>
+            <a:picLocks noChangeAspect="1"/>
+          </p:cNvPicPr>
+          <p:nvPr/>
+        </p:nvPicPr>
+        <p:blipFill>
+          <a:blip r:embed="rId2">
+            <a:extLst>
+              <a:ext uri="{28A0092B-C50C-407E-A947-70E740481C1C}">
+                <a14:useLocalDpi xmlns:a14="http://schemas.microsoft.com/office/drawing/2010/main" val="0"/>
+              </a:ext>
+            </a:extLst>
+          </a:blip>
+          <a:stretch>
+            <a:fillRect/>
+          </a:stretch>
+        </p:blipFill>
+        <p:spPr>
+          <a:xfrm>
+            <a:off x="5601924" y="1288830"/>
+            <a:ext cx="684000" cy="684000"/>
+          </a:xfrm>
+          <a:prstGeom prst="rect">
+            <a:avLst/>
+          </a:prstGeom>
+        </p:spPr>
+      </p:pic>
+      <p:sp>
+        <p:nvSpPr>
+          <p:cNvPr id="8" name="Rectangle 7"/>
+          <p:cNvSpPr/>
+          <p:nvPr/>
+        </p:nvSpPr>
+        <p:spPr>
+          <a:xfrm>
+            <a:off x="6132829" y="313330"/>
+            <a:ext cx="1848391" cy="338554"/>
+          </a:xfrm>
+          <a:prstGeom prst="rect">
+            <a:avLst/>
+          </a:prstGeom>
+        </p:spPr>
+        <p:txBody>
+          <a:bodyPr wrap="none">
+            <a:spAutoFit/>
+          </a:bodyPr>
+          <a:lstStyle/>
+          <a:p>
+            <a:r>
+              <a:rPr lang="en-GB" sz="1600" dirty="0" smtClean="0"/>
+              <a:t>Hypothetical game :</a:t>
+            </a:r>
+            <a:endParaRPr lang="en-GB" sz="1600" dirty="0"/>
+          </a:p>
+        </p:txBody>
+      </p:sp>
+      <p:sp>
+        <p:nvSpPr>
+          <p:cNvPr id="9" name="Rectangle 8"/>
+          <p:cNvSpPr/>
+          <p:nvPr/>
+        </p:nvSpPr>
+        <p:spPr>
+          <a:xfrm>
+            <a:off x="5502635" y="2233681"/>
+            <a:ext cx="1512000" cy="828000"/>
+          </a:xfrm>
+          <a:prstGeom prst="rect">
+            <a:avLst/>
+          </a:prstGeom>
+          <a:solidFill>
+            <a:srgbClr val="635C52"/>
+          </a:solidFill>
+        </p:spPr>
+        <p:style>
+          <a:lnRef idx="1">
+            <a:schemeClr val="accent1"/>
+          </a:lnRef>
+          <a:fillRef idx="3">
+            <a:schemeClr val="accent1"/>
+          </a:fillRef>
+          <a:effectRef idx="2">
+            <a:schemeClr val="accent1"/>
+          </a:effectRef>
+          <a:fontRef idx="minor">
+            <a:schemeClr val="lt1"/>
+          </a:fontRef>
+        </p:style>
+        <p:txBody>
+          <a:bodyPr rtlCol="0" anchor="ctr"/>
+          <a:lstStyle/>
+          <a:p>
+            <a:pPr algn="ctr"/>
+            <a:endParaRPr lang="en-GB"/>
+          </a:p>
+        </p:txBody>
+      </p:sp>
+      <p:sp>
+        <p:nvSpPr>
+          <p:cNvPr id="10" name="TextBox 9"/>
+          <p:cNvSpPr txBox="1"/>
+          <p:nvPr/>
+        </p:nvSpPr>
+        <p:spPr>
+          <a:xfrm>
+            <a:off x="6412902" y="2448489"/>
+            <a:ext cx="577929" cy="369332"/>
+          </a:xfrm>
+          <a:prstGeom prst="rect">
+            <a:avLst/>
+          </a:prstGeom>
+          <a:noFill/>
+        </p:spPr>
+        <p:txBody>
+          <a:bodyPr wrap="square" rtlCol="0">
+            <a:spAutoFit/>
+          </a:bodyPr>
+          <a:lstStyle/>
+          <a:p>
+            <a:r>
+              <a:rPr lang="en-GB" dirty="0" smtClean="0">
+                <a:solidFill>
+                  <a:srgbClr val="FFFF00"/>
+                </a:solidFill>
+              </a:rPr>
+              <a:t>8</a:t>
+            </a:r>
+            <a:endParaRPr lang="en-GB" dirty="0">
+              <a:solidFill>
+                <a:srgbClr val="FFFF00"/>
+              </a:solidFill>
+            </a:endParaRPr>
+          </a:p>
+        </p:txBody>
+      </p:sp>
+      <p:pic>
+        <p:nvPicPr>
+          <p:cNvPr id="11" name="Picture 10"/>
+          <p:cNvPicPr>
+            <a:picLocks noChangeAspect="1"/>
+          </p:cNvPicPr>
+          <p:nvPr/>
+        </p:nvPicPr>
+        <p:blipFill>
+          <a:blip r:embed="rId3">
+            <a:extLst>
+              <a:ext uri="{28A0092B-C50C-407E-A947-70E740481C1C}">
+                <a14:useLocalDpi xmlns:a14="http://schemas.microsoft.com/office/drawing/2010/main" val="0"/>
+              </a:ext>
+            </a:extLst>
+          </a:blip>
+          <a:stretch>
+            <a:fillRect/>
+          </a:stretch>
+        </p:blipFill>
+        <p:spPr>
+          <a:xfrm>
+            <a:off x="5640664" y="2305681"/>
+            <a:ext cx="684000" cy="684000"/>
+          </a:xfrm>
+          <a:prstGeom prst="rect">
+            <a:avLst/>
+          </a:prstGeom>
+        </p:spPr>
+      </p:pic>
+      <p:sp>
+        <p:nvSpPr>
+          <p:cNvPr id="12" name="Rectangle 11"/>
+          <p:cNvSpPr/>
+          <p:nvPr/>
+        </p:nvSpPr>
+        <p:spPr>
+          <a:xfrm>
+            <a:off x="5578260" y="3844423"/>
+            <a:ext cx="2825141" cy="1569660"/>
+          </a:xfrm>
+          <a:prstGeom prst="rect">
+            <a:avLst/>
+          </a:prstGeom>
+        </p:spPr>
+        <p:txBody>
+          <a:bodyPr wrap="square">
+            <a:spAutoFit/>
+          </a:bodyPr>
+          <a:lstStyle/>
+          <a:p>
+            <a:r>
+              <a:rPr lang="en-GB" sz="1200" dirty="0" smtClean="0"/>
+              <a:t>This screen from a hypothetical game shows that for this game, if you PLAY the slot machine, you will either get the SCISSORS banknote and collect 72 points or the GIRL banknote and collect 8 points. If you reject the slot machine, you’ll get the HOUSE banknote and collect 48 points.</a:t>
+            </a:r>
+          </a:p>
+        </p:txBody>
+      </p:sp>
+      <p:sp>
+        <p:nvSpPr>
+          <p:cNvPr id="13" name="Rectangle 12"/>
+          <p:cNvSpPr/>
+          <p:nvPr/>
+        </p:nvSpPr>
+        <p:spPr>
+          <a:xfrm>
+            <a:off x="7080290" y="1662018"/>
+            <a:ext cx="1512000" cy="828000"/>
+          </a:xfrm>
+          <a:prstGeom prst="rect">
+            <a:avLst/>
+          </a:prstGeom>
+          <a:solidFill>
+            <a:srgbClr val="635C52"/>
+          </a:solidFill>
+        </p:spPr>
+        <p:style>
+          <a:lnRef idx="1">
+            <a:schemeClr val="accent1"/>
+          </a:lnRef>
+          <a:fillRef idx="3">
+            <a:schemeClr val="accent1"/>
+          </a:fillRef>
+          <a:effectRef idx="2">
+            <a:schemeClr val="accent1"/>
+          </a:effectRef>
+          <a:fontRef idx="minor">
+            <a:schemeClr val="lt1"/>
+          </a:fontRef>
+        </p:style>
+        <p:txBody>
+          <a:bodyPr rtlCol="0" anchor="ctr"/>
+          <a:lstStyle/>
+          <a:p>
+            <a:pPr algn="ctr"/>
+            <a:endParaRPr lang="en-GB"/>
+          </a:p>
+        </p:txBody>
+      </p:sp>
+      <p:sp>
+        <p:nvSpPr>
+          <p:cNvPr id="14" name="TextBox 13"/>
+          <p:cNvSpPr txBox="1"/>
+          <p:nvPr/>
+        </p:nvSpPr>
+        <p:spPr>
+          <a:xfrm>
+            <a:off x="7940191" y="1897078"/>
+            <a:ext cx="577929" cy="369332"/>
+          </a:xfrm>
+          <a:prstGeom prst="rect">
+            <a:avLst/>
+          </a:prstGeom>
+          <a:noFill/>
+        </p:spPr>
+        <p:txBody>
+          <a:bodyPr wrap="square" rtlCol="0">
+            <a:spAutoFit/>
+          </a:bodyPr>
+          <a:lstStyle/>
+          <a:p>
+            <a:r>
+              <a:rPr lang="en-GB" dirty="0" smtClean="0">
+                <a:solidFill>
+                  <a:srgbClr val="FFFF00"/>
+                </a:solidFill>
+              </a:rPr>
+              <a:t>48</a:t>
+            </a:r>
+            <a:endParaRPr lang="en-GB" dirty="0">
+              <a:solidFill>
+                <a:srgbClr val="FFFF00"/>
+              </a:solidFill>
+            </a:endParaRPr>
+          </a:p>
+        </p:txBody>
+      </p:sp>
+      <p:pic>
+        <p:nvPicPr>
+          <p:cNvPr id="16" name="Picture 15"/>
+          <p:cNvPicPr>
+            <a:picLocks noChangeAspect="1"/>
+          </p:cNvPicPr>
+          <p:nvPr/>
+        </p:nvPicPr>
+        <p:blipFill>
+          <a:blip r:embed="rId4">
+            <a:extLst>
+              <a:ext uri="{28A0092B-C50C-407E-A947-70E740481C1C}">
+                <a14:useLocalDpi xmlns:a14="http://schemas.microsoft.com/office/drawing/2010/main" val="0"/>
+              </a:ext>
+            </a:extLst>
+          </a:blip>
+          <a:stretch>
+            <a:fillRect/>
+          </a:stretch>
+        </p:blipFill>
+        <p:spPr>
+          <a:xfrm>
+            <a:off x="7152664" y="1740073"/>
+            <a:ext cx="684000" cy="684000"/>
+          </a:xfrm>
+          <a:prstGeom prst="rect">
+            <a:avLst/>
+          </a:prstGeom>
+        </p:spPr>
+      </p:pic>
+    </p:spTree>
+    <p:extLst>
+      <p:ext uri="{BB962C8B-B14F-4D97-AF65-F5344CB8AC3E}">
+        <p14:creationId xmlns:p14="http://schemas.microsoft.com/office/powerpoint/2010/main" val="2194924183"/>
+      </p:ext>
+    </p:extLst>
+  </p:cSld>
+  <p:clrMapOvr>
+    <a:masterClrMapping/>
+  </p:clrMapOvr>
+</p:sld>
+</file>
+
+<file path=ppt/slides/slide21.xml><?xml version="1.0" encoding="utf-8"?>
+<p:sld xmlns:a="http://schemas.openxmlformats.org/drawingml/2006/main" xmlns:r="http://schemas.openxmlformats.org/officeDocument/2006/relationships" xmlns:p="http://schemas.openxmlformats.org/presentationml/2006/main">
+  <p:cSld>
+    <p:spTree>
+      <p:nvGrpSpPr>
+        <p:cNvPr id="1" name=""/>
+        <p:cNvGrpSpPr/>
+        <p:nvPr/>
+      </p:nvGrpSpPr>
+      <p:grpSpPr>
+        <a:xfrm>
+          <a:off x="0" y="0"/>
+          <a:ext cx="0" cy="0"/>
+          <a:chOff x="0" y="0"/>
+          <a:chExt cx="0" cy="0"/>
+        </a:xfrm>
+      </p:grpSpPr>
+      <p:sp>
+        <p:nvSpPr>
+          <p:cNvPr id="2" name="Title 1"/>
+          <p:cNvSpPr>
+            <a:spLocks noGrp="1"/>
+          </p:cNvSpPr>
+          <p:nvPr>
+            <p:ph type="title"/>
+          </p:nvPr>
+        </p:nvSpPr>
+        <p:spPr/>
+        <p:txBody>
+          <a:bodyPr/>
+          <a:lstStyle/>
+          <a:p>
+            <a:r>
+              <a:rPr lang="en-GB" dirty="0" smtClean="0"/>
+              <a:t>Practice</a:t>
+            </a:r>
+            <a:endParaRPr lang="en-GB" dirty="0"/>
+          </a:p>
+        </p:txBody>
+      </p:sp>
+      <p:sp>
+        <p:nvSpPr>
+          <p:cNvPr id="3" name="Content Placeholder 2"/>
+          <p:cNvSpPr>
+            <a:spLocks noGrp="1"/>
+          </p:cNvSpPr>
+          <p:nvPr>
+            <p:ph idx="1"/>
+          </p:nvPr>
+        </p:nvSpPr>
+        <p:spPr/>
+        <p:txBody>
+          <a:bodyPr/>
+          <a:lstStyle/>
+          <a:p>
+            <a:endParaRPr lang="en-GB"/>
+          </a:p>
+        </p:txBody>
+      </p:sp>
+    </p:spTree>
+    <p:extLst>
+      <p:ext uri="{BB962C8B-B14F-4D97-AF65-F5344CB8AC3E}">
+        <p14:creationId xmlns:p14="http://schemas.microsoft.com/office/powerpoint/2010/main" val="3886244481"/>
+      </p:ext>
+    </p:extLst>
+  </p:cSld>
+  <p:clrMapOvr>
+    <a:masterClrMapping/>
+  </p:clrMapOvr>
+</p:sld>
+</file>
+
+<file path=ppt/slides/slide22.xml><?xml version="1.0" encoding="utf-8"?>
+<p:sld xmlns:a="http://schemas.openxmlformats.org/drawingml/2006/main" xmlns:r="http://schemas.openxmlformats.org/officeDocument/2006/relationships" xmlns:p="http://schemas.openxmlformats.org/presentationml/2006/main">
+  <p:cSld>
+    <p:spTree>
+      <p:nvGrpSpPr>
+        <p:cNvPr id="1" name=""/>
+        <p:cNvGrpSpPr/>
+        <p:nvPr/>
+      </p:nvGrpSpPr>
+      <p:grpSpPr>
+        <a:xfrm>
+          <a:off x="0" y="0"/>
+          <a:ext cx="0" cy="0"/>
+          <a:chOff x="0" y="0"/>
+          <a:chExt cx="0" cy="0"/>
+        </a:xfrm>
+      </p:grpSpPr>
+      <p:sp>
+        <p:nvSpPr>
+          <p:cNvPr id="3" name="Content Placeholder 2"/>
+          <p:cNvSpPr>
+            <a:spLocks noGrp="1"/>
+          </p:cNvSpPr>
+          <p:nvPr>
+            <p:ph idx="1"/>
+          </p:nvPr>
+        </p:nvSpPr>
+        <p:spPr>
+          <a:xfrm>
+            <a:off x="457200" y="853440"/>
+            <a:ext cx="8229600" cy="5272723"/>
+          </a:xfrm>
+        </p:spPr>
+        <p:txBody>
+          <a:bodyPr>
+            <a:normAutofit/>
+          </a:bodyPr>
+          <a:lstStyle/>
+          <a:p>
+            <a:r>
+              <a:rPr lang="en-GB" sz="2400" dirty="0" smtClean="0"/>
+              <a:t>Great. As an attention check, there will be a few games like this in the </a:t>
+            </a:r>
+            <a:r>
+              <a:rPr lang="en-GB" sz="2400" dirty="0" smtClean="0"/>
+              <a:t>task. For these, </a:t>
+            </a:r>
+            <a:r>
+              <a:rPr lang="en-GB" sz="2400" dirty="0" smtClean="0"/>
+              <a:t>you’ll have to report the point </a:t>
+            </a:r>
+            <a:r>
+              <a:rPr lang="en-GB" sz="2400" dirty="0" smtClean="0"/>
+              <a:t>value </a:t>
+            </a:r>
+            <a:r>
+              <a:rPr lang="en-GB" sz="2400" dirty="0" smtClean="0"/>
+              <a:t>of a given banknote.</a:t>
+            </a:r>
+          </a:p>
+          <a:p>
+            <a:r>
+              <a:rPr lang="en-GB" sz="2400" dirty="0" smtClean="0"/>
+              <a:t>Let’s </a:t>
+            </a:r>
+            <a:r>
+              <a:rPr lang="en-GB" sz="2400" dirty="0" smtClean="0"/>
+              <a:t>now </a:t>
+            </a:r>
+            <a:r>
+              <a:rPr lang="en-GB" sz="2400" dirty="0" smtClean="0"/>
+              <a:t>practice a few actual </a:t>
+            </a:r>
+            <a:r>
+              <a:rPr lang="en-GB" sz="2400" dirty="0" smtClean="0"/>
+              <a:t>task games</a:t>
+            </a:r>
+            <a:r>
+              <a:rPr lang="en-GB" sz="2400" dirty="0" smtClean="0"/>
+              <a:t>. </a:t>
+            </a:r>
+            <a:r>
+              <a:rPr lang="en-GB" sz="2400" dirty="0" smtClean="0"/>
+              <a:t>For these, </a:t>
+            </a:r>
+            <a:r>
+              <a:rPr lang="en-GB" sz="2400" dirty="0" smtClean="0"/>
+              <a:t>after seeing the point value of each banknote, you will be presented with a slot machine. </a:t>
+            </a:r>
+          </a:p>
+          <a:p>
+            <a:r>
+              <a:rPr lang="en-GB" sz="2400" dirty="0" smtClean="0"/>
+              <a:t>Press ‘1’ to play the slot machine or ‘2’ to reject it. </a:t>
+            </a:r>
+          </a:p>
+          <a:p>
+            <a:r>
+              <a:rPr lang="en-GB" sz="2400" dirty="0" smtClean="0"/>
+              <a:t>After this, based on your choice, you’ll get a banknote and either collect or lose points.</a:t>
+            </a:r>
+            <a:endParaRPr lang="en-GB" sz="2400" dirty="0"/>
+          </a:p>
+        </p:txBody>
+      </p:sp>
+    </p:spTree>
+    <p:extLst>
+      <p:ext uri="{BB962C8B-B14F-4D97-AF65-F5344CB8AC3E}">
+        <p14:creationId xmlns:p14="http://schemas.microsoft.com/office/powerpoint/2010/main" val="1337657335"/>
+      </p:ext>
+    </p:extLst>
+  </p:cSld>
+  <p:clrMapOvr>
+    <a:masterClrMapping/>
+  </p:clrMapOvr>
+</p:sld>
+</file>
+
+<file path=ppt/slides/slide23.xml><?xml version="1.0" encoding="utf-8"?>
+<p:sld xmlns:a="http://schemas.openxmlformats.org/drawingml/2006/main" xmlns:r="http://schemas.openxmlformats.org/officeDocument/2006/relationships" xmlns:p="http://schemas.openxmlformats.org/presentationml/2006/main">
+  <p:cSld>
+    <p:spTree>
+      <p:nvGrpSpPr>
+        <p:cNvPr id="1" name=""/>
+        <p:cNvGrpSpPr/>
+        <p:nvPr/>
+      </p:nvGrpSpPr>
+      <p:grpSpPr>
+        <a:xfrm>
+          <a:off x="0" y="0"/>
+          <a:ext cx="0" cy="0"/>
+          <a:chOff x="0" y="0"/>
+          <a:chExt cx="0" cy="0"/>
+        </a:xfrm>
+      </p:grpSpPr>
+      <p:sp>
+        <p:nvSpPr>
+          <p:cNvPr id="2" name="Title 1"/>
+          <p:cNvSpPr>
+            <a:spLocks noGrp="1"/>
+          </p:cNvSpPr>
+          <p:nvPr>
+            <p:ph type="title"/>
+          </p:nvPr>
+        </p:nvSpPr>
+        <p:spPr/>
+        <p:txBody>
+          <a:bodyPr/>
+          <a:lstStyle/>
+          <a:p>
+            <a:r>
+              <a:rPr lang="en-GB" dirty="0" smtClean="0"/>
+              <a:t>Practice real choice trials</a:t>
+            </a:r>
+            <a:endParaRPr lang="en-GB" dirty="0"/>
+          </a:p>
+        </p:txBody>
+      </p:sp>
+      <p:sp>
+        <p:nvSpPr>
+          <p:cNvPr id="3" name="Content Placeholder 2"/>
+          <p:cNvSpPr>
+            <a:spLocks noGrp="1"/>
+          </p:cNvSpPr>
+          <p:nvPr>
+            <p:ph idx="1"/>
+          </p:nvPr>
+        </p:nvSpPr>
+        <p:spPr/>
+        <p:txBody>
+          <a:bodyPr/>
+          <a:lstStyle/>
+          <a:p>
+            <a:endParaRPr lang="en-GB"/>
+          </a:p>
+        </p:txBody>
+      </p:sp>
+    </p:spTree>
+    <p:extLst>
+      <p:ext uri="{BB962C8B-B14F-4D97-AF65-F5344CB8AC3E}">
+        <p14:creationId xmlns:p14="http://schemas.microsoft.com/office/powerpoint/2010/main" val="936147330"/>
+      </p:ext>
+    </p:extLst>
+  </p:cSld>
+  <p:clrMapOvr>
+    <a:masterClrMapping/>
+  </p:clrMapOvr>
+</p:sld>
+</file>
+
+<file path=ppt/slides/slide24.xml><?xml version="1.0" encoding="utf-8"?>
+<p:sld xmlns:a="http://schemas.openxmlformats.org/drawingml/2006/main" xmlns:r="http://schemas.openxmlformats.org/officeDocument/2006/relationships" xmlns:p="http://schemas.openxmlformats.org/presentationml/2006/main">
+  <p:cSld>
+    <p:spTree>
+      <p:nvGrpSpPr>
+        <p:cNvPr id="1" name=""/>
+        <p:cNvGrpSpPr/>
+        <p:nvPr/>
+      </p:nvGrpSpPr>
+      <p:grpSpPr>
+        <a:xfrm>
+          <a:off x="0" y="0"/>
+          <a:ext cx="0" cy="0"/>
+          <a:chOff x="0" y="0"/>
+          <a:chExt cx="0" cy="0"/>
+        </a:xfrm>
+      </p:grpSpPr>
+      <p:sp>
+        <p:nvSpPr>
+          <p:cNvPr id="3" name="Content Placeholder 2"/>
+          <p:cNvSpPr>
+            <a:spLocks noGrp="1"/>
+          </p:cNvSpPr>
+          <p:nvPr>
+            <p:ph idx="1"/>
+          </p:nvPr>
+        </p:nvSpPr>
+        <p:spPr>
+          <a:xfrm>
+            <a:off x="457200" y="548640"/>
+            <a:ext cx="8229600" cy="5577524"/>
+          </a:xfrm>
+        </p:spPr>
+        <p:txBody>
+          <a:bodyPr>
+            <a:normAutofit fontScale="92500" lnSpcReduction="10000"/>
+          </a:bodyPr>
+          <a:lstStyle/>
+          <a:p>
+            <a:r>
+              <a:rPr lang="en-GB" dirty="0"/>
+              <a:t>Great work</a:t>
+            </a:r>
+            <a:r>
+              <a:rPr lang="en-GB" dirty="0" smtClean="0"/>
+              <a:t>!</a:t>
+            </a:r>
+          </a:p>
+          <a:p>
+            <a:r>
+              <a:rPr lang="en-GB" dirty="0" smtClean="0"/>
+              <a:t>As before, your bonus will be affected both by the total number of points you collect as well as your performance on attention check questions. In terms of collecting banknotes, banknotes with positive point values add their points to your collection. Bank notes with negative point values take away points.</a:t>
+            </a:r>
+          </a:p>
+          <a:p>
+            <a:r>
+              <a:rPr lang="en-GB" dirty="0" smtClean="0"/>
+              <a:t>You’ll need to pass a quiz on the instructions in order to move onto the task.</a:t>
+            </a:r>
+          </a:p>
+          <a:p>
+            <a:r>
+              <a:rPr lang="en-GB" dirty="0" smtClean="0"/>
+              <a:t>Getting a question wrong will require you to re-read the instructions.</a:t>
+            </a:r>
+            <a:endParaRPr lang="en-GB" dirty="0"/>
+          </a:p>
+        </p:txBody>
+      </p:sp>
+    </p:spTree>
+    <p:extLst>
+      <p:ext uri="{BB962C8B-B14F-4D97-AF65-F5344CB8AC3E}">
+        <p14:creationId xmlns:p14="http://schemas.microsoft.com/office/powerpoint/2010/main" val="3875894789"/>
+      </p:ext>
+    </p:extLst>
+  </p:cSld>
+  <p:clrMapOvr>
+    <a:masterClrMapping/>
+  </p:clrMapOvr>
 </p:sld>
 </file>
 
@@ -12807,11 +16697,7 @@
           <a:p>
             <a:r>
               <a:rPr lang="en-GB" dirty="0" smtClean="0"/>
-              <a:t>As an attention check, you </a:t>
-            </a:r>
-            <a:r>
-              <a:rPr lang="en-GB" dirty="0" smtClean="0"/>
-              <a:t>will sometimes be asked to report which slot machine you just played or which banknote you just received. To do this you will use the number keys (1,2,3 or 4). Your correctness on these questions will affect your bonus payment.</a:t>
+              <a:t>As an attention check, you will sometimes be asked to report which slot machine you just played or which banknote you just received. To do this you will use the number keys (1,2,3 or 4). Your correctness on these questions will affect your bonus payment.</a:t>
             </a:r>
           </a:p>
           <a:p>

--- a/Stimuli/uws_instr_slides.pptx
+++ b/Stimuli/uws_instr_slides.pptx
@@ -231,7 +231,7 @@
           <a:p>
             <a:fld id="{13EAB001-375A-47A6-A0AF-DD7CD76DA757}" type="datetimeFigureOut">
               <a:rPr lang="en-GB" smtClean="0"/>
-              <a:t>07/08/2019</a:t>
+              <a:t>09/08/2019</a:t>
             </a:fld>
             <a:endParaRPr lang="en-GB"/>
           </a:p>
@@ -932,7 +932,7 @@
           <a:p>
             <a:fld id="{538185A6-F7C7-2D4F-BA59-879D5B10606E}" type="datetimeFigureOut">
               <a:rPr lang="en-US" smtClean="0"/>
-              <a:t>8/7/2019</a:t>
+              <a:t>8/9/2019</a:t>
             </a:fld>
             <a:endParaRPr lang="en-US"/>
           </a:p>
@@ -1102,7 +1102,7 @@
           <a:p>
             <a:fld id="{538185A6-F7C7-2D4F-BA59-879D5B10606E}" type="datetimeFigureOut">
               <a:rPr lang="en-US" smtClean="0"/>
-              <a:t>8/7/2019</a:t>
+              <a:t>8/9/2019</a:t>
             </a:fld>
             <a:endParaRPr lang="en-US"/>
           </a:p>
@@ -1282,7 +1282,7 @@
           <a:p>
             <a:fld id="{538185A6-F7C7-2D4F-BA59-879D5B10606E}" type="datetimeFigureOut">
               <a:rPr lang="en-US" smtClean="0"/>
-              <a:t>8/7/2019</a:t>
+              <a:t>8/9/2019</a:t>
             </a:fld>
             <a:endParaRPr lang="en-US"/>
           </a:p>
@@ -1452,7 +1452,7 @@
           <a:p>
             <a:fld id="{538185A6-F7C7-2D4F-BA59-879D5B10606E}" type="datetimeFigureOut">
               <a:rPr lang="en-US" smtClean="0"/>
-              <a:t>8/7/2019</a:t>
+              <a:t>8/9/2019</a:t>
             </a:fld>
             <a:endParaRPr lang="en-US"/>
           </a:p>
@@ -1698,7 +1698,7 @@
           <a:p>
             <a:fld id="{538185A6-F7C7-2D4F-BA59-879D5B10606E}" type="datetimeFigureOut">
               <a:rPr lang="en-US" smtClean="0"/>
-              <a:t>8/7/2019</a:t>
+              <a:t>8/9/2019</a:t>
             </a:fld>
             <a:endParaRPr lang="en-US"/>
           </a:p>
@@ -1986,7 +1986,7 @@
           <a:p>
             <a:fld id="{538185A6-F7C7-2D4F-BA59-879D5B10606E}" type="datetimeFigureOut">
               <a:rPr lang="en-US" smtClean="0"/>
-              <a:t>8/7/2019</a:t>
+              <a:t>8/9/2019</a:t>
             </a:fld>
             <a:endParaRPr lang="en-US"/>
           </a:p>
@@ -2408,7 +2408,7 @@
           <a:p>
             <a:fld id="{538185A6-F7C7-2D4F-BA59-879D5B10606E}" type="datetimeFigureOut">
               <a:rPr lang="en-US" smtClean="0"/>
-              <a:t>8/7/2019</a:t>
+              <a:t>8/9/2019</a:t>
             </a:fld>
             <a:endParaRPr lang="en-US"/>
           </a:p>
@@ -2526,7 +2526,7 @@
           <a:p>
             <a:fld id="{538185A6-F7C7-2D4F-BA59-879D5B10606E}" type="datetimeFigureOut">
               <a:rPr lang="en-US" smtClean="0"/>
-              <a:t>8/7/2019</a:t>
+              <a:t>8/9/2019</a:t>
             </a:fld>
             <a:endParaRPr lang="en-US"/>
           </a:p>
@@ -2621,7 +2621,7 @@
           <a:p>
             <a:fld id="{538185A6-F7C7-2D4F-BA59-879D5B10606E}" type="datetimeFigureOut">
               <a:rPr lang="en-US" smtClean="0"/>
-              <a:t>8/7/2019</a:t>
+              <a:t>8/9/2019</a:t>
             </a:fld>
             <a:endParaRPr lang="en-US"/>
           </a:p>
@@ -2898,7 +2898,7 @@
           <a:p>
             <a:fld id="{538185A6-F7C7-2D4F-BA59-879D5B10606E}" type="datetimeFigureOut">
               <a:rPr lang="en-US" smtClean="0"/>
-              <a:t>8/7/2019</a:t>
+              <a:t>8/9/2019</a:t>
             </a:fld>
             <a:endParaRPr lang="en-US"/>
           </a:p>
@@ -3151,7 +3151,7 @@
           <a:p>
             <a:fld id="{538185A6-F7C7-2D4F-BA59-879D5B10606E}" type="datetimeFigureOut">
               <a:rPr lang="en-US" smtClean="0"/>
-              <a:t>8/7/2019</a:t>
+              <a:t>8/9/2019</a:t>
             </a:fld>
             <a:endParaRPr lang="en-US"/>
           </a:p>
@@ -3364,7 +3364,7 @@
           <a:p>
             <a:fld id="{538185A6-F7C7-2D4F-BA59-879D5B10606E}" type="datetimeFigureOut">
               <a:rPr lang="en-US" smtClean="0"/>
-              <a:t>8/7/2019</a:t>
+              <a:t>8/9/2019</a:t>
             </a:fld>
             <a:endParaRPr lang="en-US"/>
           </a:p>
@@ -9765,7 +9765,11 @@
             </a:r>
             <a:r>
               <a:rPr lang="en-US" sz="2400" dirty="0" smtClean="0"/>
-              <a:t>decision, </a:t>
+              <a:t>decision</a:t>
+            </a:r>
+            <a:r>
+              <a:rPr lang="en-US" sz="2400" dirty="0" smtClean="0"/>
+              <a:t>, you </a:t>
             </a:r>
             <a:r>
               <a:rPr lang="en-US" sz="2400" dirty="0"/>
@@ -9948,15 +9952,7 @@
             </a:r>
             <a:r>
               <a:rPr lang="en-GB" sz="2000" dirty="0" smtClean="0"/>
-              <a:t>(example </a:t>
-            </a:r>
-            <a:r>
-              <a:rPr lang="en-GB" sz="2000" dirty="0" smtClean="0"/>
-              <a:t>on </a:t>
-            </a:r>
-            <a:r>
-              <a:rPr lang="en-GB" sz="2000" dirty="0" smtClean="0"/>
-              <a:t>the right).</a:t>
+              <a:t>(example on the right).</a:t>
             </a:r>
           </a:p>
           <a:p>
@@ -10556,53 +10552,13 @@
           <a:p>
             <a:r>
               <a:rPr lang="en-GB" sz="2400" dirty="0" smtClean="0"/>
-              <a:t>Great. As an attention check, there will be a few games like this in the </a:t>
-            </a:r>
+              <a:t>Great. As an attention check, there will be a few games like this in the task. For these, you’ll have to report the point value of a given banknote.</a:t>
+            </a:r>
+          </a:p>
+          <a:p>
             <a:r>
               <a:rPr lang="en-GB" sz="2400" dirty="0" smtClean="0"/>
-              <a:t>task. For these, </a:t>
-            </a:r>
-            <a:r>
-              <a:rPr lang="en-GB" sz="2400" dirty="0" smtClean="0"/>
-              <a:t>you’ll have to report the point </a:t>
-            </a:r>
-            <a:r>
-              <a:rPr lang="en-GB" sz="2400" dirty="0" smtClean="0"/>
-              <a:t>value </a:t>
-            </a:r>
-            <a:r>
-              <a:rPr lang="en-GB" sz="2400" dirty="0" smtClean="0"/>
-              <a:t>of a given banknote.</a:t>
-            </a:r>
-          </a:p>
-          <a:p>
-            <a:r>
-              <a:rPr lang="en-GB" sz="2400" dirty="0" smtClean="0"/>
-              <a:t>Let’s </a:t>
-            </a:r>
-            <a:r>
-              <a:rPr lang="en-GB" sz="2400" dirty="0" smtClean="0"/>
-              <a:t>now </a:t>
-            </a:r>
-            <a:r>
-              <a:rPr lang="en-GB" sz="2400" dirty="0" smtClean="0"/>
-              <a:t>practice a few actual </a:t>
-            </a:r>
-            <a:r>
-              <a:rPr lang="en-GB" sz="2400" dirty="0" smtClean="0"/>
-              <a:t>task games</a:t>
-            </a:r>
-            <a:r>
-              <a:rPr lang="en-GB" sz="2400" dirty="0" smtClean="0"/>
-              <a:t>. </a:t>
-            </a:r>
-            <a:r>
-              <a:rPr lang="en-GB" sz="2400" dirty="0" smtClean="0"/>
-              <a:t>For these, </a:t>
-            </a:r>
-            <a:r>
-              <a:rPr lang="en-GB" sz="2400" dirty="0" smtClean="0"/>
-              <a:t>after seeing the point value of each banknote, you will be presented with a slot machine. </a:t>
+              <a:t>Let’s now practice a few actual task games. For these, after seeing the point value of each banknote, you will be presented with a slot machine. </a:t>
             </a:r>
           </a:p>
           <a:p>

--- a/Stimuli/uws_instr_slides.pptx
+++ b/Stimuli/uws_instr_slides.pptx
@@ -231,7 +231,7 @@
           <a:p>
             <a:fld id="{13EAB001-375A-47A6-A0AF-DD7CD76DA757}" type="datetimeFigureOut">
               <a:rPr lang="en-GB" smtClean="0"/>
-              <a:t>09/08/2019</a:t>
+              <a:t>12/08/2019</a:t>
             </a:fld>
             <a:endParaRPr lang="en-GB"/>
           </a:p>
@@ -932,7 +932,7 @@
           <a:p>
             <a:fld id="{538185A6-F7C7-2D4F-BA59-879D5B10606E}" type="datetimeFigureOut">
               <a:rPr lang="en-US" smtClean="0"/>
-              <a:t>8/9/2019</a:t>
+              <a:t>8/12/2019</a:t>
             </a:fld>
             <a:endParaRPr lang="en-US"/>
           </a:p>
@@ -1102,7 +1102,7 @@
           <a:p>
             <a:fld id="{538185A6-F7C7-2D4F-BA59-879D5B10606E}" type="datetimeFigureOut">
               <a:rPr lang="en-US" smtClean="0"/>
-              <a:t>8/9/2019</a:t>
+              <a:t>8/12/2019</a:t>
             </a:fld>
             <a:endParaRPr lang="en-US"/>
           </a:p>
@@ -1282,7 +1282,7 @@
           <a:p>
             <a:fld id="{538185A6-F7C7-2D4F-BA59-879D5B10606E}" type="datetimeFigureOut">
               <a:rPr lang="en-US" smtClean="0"/>
-              <a:t>8/9/2019</a:t>
+              <a:t>8/12/2019</a:t>
             </a:fld>
             <a:endParaRPr lang="en-US"/>
           </a:p>
@@ -1452,7 +1452,7 @@
           <a:p>
             <a:fld id="{538185A6-F7C7-2D4F-BA59-879D5B10606E}" type="datetimeFigureOut">
               <a:rPr lang="en-US" smtClean="0"/>
-              <a:t>8/9/2019</a:t>
+              <a:t>8/12/2019</a:t>
             </a:fld>
             <a:endParaRPr lang="en-US"/>
           </a:p>
@@ -1698,7 +1698,7 @@
           <a:p>
             <a:fld id="{538185A6-F7C7-2D4F-BA59-879D5B10606E}" type="datetimeFigureOut">
               <a:rPr lang="en-US" smtClean="0"/>
-              <a:t>8/9/2019</a:t>
+              <a:t>8/12/2019</a:t>
             </a:fld>
             <a:endParaRPr lang="en-US"/>
           </a:p>
@@ -1986,7 +1986,7 @@
           <a:p>
             <a:fld id="{538185A6-F7C7-2D4F-BA59-879D5B10606E}" type="datetimeFigureOut">
               <a:rPr lang="en-US" smtClean="0"/>
-              <a:t>8/9/2019</a:t>
+              <a:t>8/12/2019</a:t>
             </a:fld>
             <a:endParaRPr lang="en-US"/>
           </a:p>
@@ -2408,7 +2408,7 @@
           <a:p>
             <a:fld id="{538185A6-F7C7-2D4F-BA59-879D5B10606E}" type="datetimeFigureOut">
               <a:rPr lang="en-US" smtClean="0"/>
-              <a:t>8/9/2019</a:t>
+              <a:t>8/12/2019</a:t>
             </a:fld>
             <a:endParaRPr lang="en-US"/>
           </a:p>
@@ -2526,7 +2526,7 @@
           <a:p>
             <a:fld id="{538185A6-F7C7-2D4F-BA59-879D5B10606E}" type="datetimeFigureOut">
               <a:rPr lang="en-US" smtClean="0"/>
-              <a:t>8/9/2019</a:t>
+              <a:t>8/12/2019</a:t>
             </a:fld>
             <a:endParaRPr lang="en-US"/>
           </a:p>
@@ -2621,7 +2621,7 @@
           <a:p>
             <a:fld id="{538185A6-F7C7-2D4F-BA59-879D5B10606E}" type="datetimeFigureOut">
               <a:rPr lang="en-US" smtClean="0"/>
-              <a:t>8/9/2019</a:t>
+              <a:t>8/12/2019</a:t>
             </a:fld>
             <a:endParaRPr lang="en-US"/>
           </a:p>
@@ -2898,7 +2898,7 @@
           <a:p>
             <a:fld id="{538185A6-F7C7-2D4F-BA59-879D5B10606E}" type="datetimeFigureOut">
               <a:rPr lang="en-US" smtClean="0"/>
-              <a:t>8/9/2019</a:t>
+              <a:t>8/12/2019</a:t>
             </a:fld>
             <a:endParaRPr lang="en-US"/>
           </a:p>
@@ -3151,7 +3151,7 @@
           <a:p>
             <a:fld id="{538185A6-F7C7-2D4F-BA59-879D5B10606E}" type="datetimeFigureOut">
               <a:rPr lang="en-US" smtClean="0"/>
-              <a:t>8/9/2019</a:t>
+              <a:t>8/12/2019</a:t>
             </a:fld>
             <a:endParaRPr lang="en-US"/>
           </a:p>
@@ -3364,7 +3364,7 @@
           <a:p>
             <a:fld id="{538185A6-F7C7-2D4F-BA59-879D5B10606E}" type="datetimeFigureOut">
               <a:rPr lang="en-US" smtClean="0"/>
-              <a:t>8/9/2019</a:t>
+              <a:t>8/12/2019</a:t>
             </a:fld>
             <a:endParaRPr lang="en-US"/>
           </a:p>
@@ -6586,7 +6586,15 @@
           <a:p>
             <a:r>
               <a:rPr lang="en-GB" dirty="0" smtClean="0"/>
-              <a:t>Great work. The first task will have interleaved blocks between the first type of game and the games you just played.</a:t>
+              <a:t>Great work. The </a:t>
+            </a:r>
+            <a:r>
+              <a:rPr lang="en-GB" dirty="0" smtClean="0"/>
+              <a:t>task </a:t>
+            </a:r>
+            <a:r>
+              <a:rPr lang="en-GB" dirty="0" smtClean="0"/>
+              <a:t>will have interleaved blocks between the first type of game and the games you just played.</a:t>
             </a:r>
           </a:p>
           <a:p>
@@ -9706,13 +9714,13 @@
         </p:nvSpPr>
         <p:spPr>
           <a:xfrm>
-            <a:off x="457200" y="1213308"/>
-            <a:ext cx="8229600" cy="4682581"/>
+            <a:off x="457200" y="946022"/>
+            <a:ext cx="8229600" cy="5496981"/>
           </a:xfrm>
         </p:spPr>
         <p:txBody>
           <a:bodyPr>
-            <a:normAutofit lnSpcReduction="10000"/>
+            <a:normAutofit fontScale="92500" lnSpcReduction="10000"/>
           </a:bodyPr>
           <a:lstStyle/>
           <a:p>
@@ -9749,27 +9757,30 @@
           <a:p>
             <a:r>
               <a:rPr lang="en-US" sz="2400" dirty="0" smtClean="0"/>
-              <a:t>To </a:t>
-            </a:r>
-            <a:r>
-              <a:rPr lang="en-US" sz="2400" dirty="0"/>
-              <a:t>start the task, we will provide you with 200 points. </a:t>
+              <a:t>We’ll now provide instructions for the first task.</a:t>
+            </a:r>
+            <a:endParaRPr lang="en-US" sz="2400" dirty="0" smtClean="0"/>
+          </a:p>
+          <a:p>
+            <a:r>
+              <a:rPr lang="en-US" sz="2400" dirty="0" smtClean="0"/>
+              <a:t>You will start the task with 0 points</a:t>
+            </a:r>
+            <a:r>
+              <a:rPr lang="en-US" sz="2400" dirty="0" smtClean="0"/>
+              <a:t>. </a:t>
             </a:r>
             <a:r>
               <a:rPr lang="en-US" sz="2400" dirty="0" smtClean="0"/>
               <a:t>Following </a:t>
             </a:r>
             <a:r>
-              <a:rPr lang="en-US" sz="2400" dirty="0"/>
-              <a:t>each </a:t>
-            </a:r>
-            <a:r>
               <a:rPr lang="en-US" sz="2400" dirty="0" smtClean="0"/>
-              <a:t>decision</a:t>
+              <a:t>some decisions, </a:t>
             </a:r>
             <a:r>
               <a:rPr lang="en-US" sz="2400" dirty="0" smtClean="0"/>
-              <a:t>, you </a:t>
+              <a:t>you </a:t>
             </a:r>
             <a:r>
               <a:rPr lang="en-US" sz="2400" dirty="0"/>
@@ -9788,11 +9799,23 @@
           <a:p>
             <a:r>
               <a:rPr lang="en-US" sz="2400" dirty="0" smtClean="0"/>
-              <a:t>Your </a:t>
+              <a:t>Banknotes </a:t>
+            </a:r>
+            <a:r>
+              <a:rPr lang="en-US" sz="2400" dirty="0" smtClean="0"/>
+              <a:t>with </a:t>
+            </a:r>
+            <a:r>
+              <a:rPr lang="en-US" sz="2400" b="1" dirty="0" smtClean="0"/>
+              <a:t>positive point </a:t>
+            </a:r>
+            <a:r>
+              <a:rPr lang="en-US" sz="2400" dirty="0" smtClean="0"/>
+              <a:t>values will </a:t>
             </a:r>
             <a:r>
               <a:rPr lang="en-US" sz="2400" b="1" dirty="0"/>
-              <a:t>bonus</a:t>
+              <a:t>increase</a:t>
             </a:r>
             <a:r>
               <a:rPr lang="en-US" sz="2400" dirty="0"/>
@@ -9800,61 +9823,11 @@
             </a:r>
             <a:r>
               <a:rPr lang="en-US" sz="2400" dirty="0" smtClean="0"/>
-              <a:t>will </a:t>
-            </a:r>
-            <a:r>
-              <a:rPr lang="en-US" sz="2400" dirty="0"/>
-              <a:t>be proportional to </a:t>
+              <a:t>you’re the points in your collection. </a:t>
             </a:r>
             <a:r>
               <a:rPr lang="en-US" sz="2400" dirty="0" smtClean="0"/>
-              <a:t>the </a:t>
-            </a:r>
-            <a:r>
-              <a:rPr lang="en-US" sz="2400" b="1" dirty="0" smtClean="0"/>
-              <a:t>total </a:t>
-            </a:r>
-            <a:r>
-              <a:rPr lang="en-US" sz="2400" b="1" dirty="0"/>
-              <a:t>number of points </a:t>
-            </a:r>
-            <a:r>
-              <a:rPr lang="en-US" sz="2400" dirty="0"/>
-              <a:t>you </a:t>
-            </a:r>
-            <a:r>
-              <a:rPr lang="en-US" sz="2400" dirty="0" smtClean="0"/>
-              <a:t>collect. </a:t>
-            </a:r>
-          </a:p>
-          <a:p>
-            <a:r>
-              <a:rPr lang="en-US" sz="2400" dirty="0"/>
-              <a:t>B</a:t>
-            </a:r>
-            <a:r>
-              <a:rPr lang="en-US" sz="2400" dirty="0" smtClean="0"/>
-              <a:t>anknotes with </a:t>
-            </a:r>
-            <a:r>
-              <a:rPr lang="en-US" sz="2400" b="1" dirty="0" smtClean="0"/>
-              <a:t>positive point </a:t>
-            </a:r>
-            <a:r>
-              <a:rPr lang="en-US" sz="2400" dirty="0" smtClean="0"/>
-              <a:t>values will </a:t>
-            </a:r>
-            <a:r>
-              <a:rPr lang="en-US" sz="2400" b="1" dirty="0"/>
-              <a:t>increase</a:t>
-            </a:r>
-            <a:r>
-              <a:rPr lang="en-US" sz="2400" dirty="0"/>
-              <a:t> your </a:t>
-            </a:r>
-            <a:r>
-              <a:rPr lang="en-US" sz="2400" dirty="0" smtClean="0"/>
-              <a:t>bonus. Banknotes with </a:t>
+              <a:t>Banknotes with </a:t>
             </a:r>
             <a:r>
               <a:rPr lang="en-US" sz="2400" b="1" dirty="0" smtClean="0"/>
@@ -9870,8 +9843,24 @@
             </a:r>
             <a:r>
               <a:rPr lang="en-US" sz="2400" dirty="0" smtClean="0"/>
-              <a:t> your bonus.</a:t>
-            </a:r>
+              <a:t> </a:t>
+            </a:r>
+            <a:r>
+              <a:rPr lang="en-US" sz="2400" dirty="0" smtClean="0"/>
+              <a:t>the points in your collection</a:t>
+            </a:r>
+            <a:r>
+              <a:rPr lang="en-US" sz="2400" dirty="0" smtClean="0"/>
+              <a:t>.</a:t>
+            </a:r>
+          </a:p>
+          <a:p>
+            <a:r>
+              <a:rPr lang="en-US" sz="2400" dirty="0" smtClean="0"/>
+              <a:t>Your bonus will be proportional to the final number of points in your collection (this can be negative or positive). The more negative your final number of points, the smaller your bonus payment will be. The more positive your final number of points, the larger your bonus payment will be.</a:t>
+            </a:r>
+          </a:p>
+          <a:p>
             <a:endParaRPr lang="en-US" sz="2400" dirty="0"/>
           </a:p>
           <a:p>
@@ -10784,7 +10773,19 @@
           <a:p>
             <a:r>
               <a:rPr lang="en-US" sz="2400" dirty="0"/>
-              <a:t>In the first task, the casino you will visit uses </a:t>
+              <a:t>T</a:t>
+            </a:r>
+            <a:r>
+              <a:rPr lang="en-US" sz="2400" dirty="0" smtClean="0"/>
+              <a:t>he </a:t>
+            </a:r>
+            <a:r>
+              <a:rPr lang="en-US" sz="2400" dirty="0"/>
+              <a:t>casino </a:t>
+            </a:r>
+            <a:r>
+              <a:rPr lang="en-US" sz="2400" dirty="0" smtClean="0"/>
+              <a:t>in this task uses </a:t>
             </a:r>
             <a:r>
               <a:rPr lang="en-US" sz="2400" b="1" dirty="0"/>
@@ -11753,7 +11754,7 @@
           <a:p>
             <a:r>
               <a:rPr lang="en-US" sz="2400" dirty="0"/>
-              <a:t>In the first task, the casino you will visit uses </a:t>
+              <a:t>The casino you will visit uses </a:t>
             </a:r>
             <a:r>
               <a:rPr lang="en-US" sz="2400" b="1" dirty="0"/>
@@ -11764,27 +11765,22 @@
               <a:t> types of </a:t>
             </a:r>
             <a:r>
-              <a:rPr lang="en-US" sz="2400" b="1" dirty="0" smtClean="0"/>
+              <a:rPr lang="en-US" sz="2400" b="1" dirty="0"/>
               <a:t>banknotes</a:t>
             </a:r>
             <a:r>
+              <a:rPr lang="en-US" sz="2400" dirty="0"/>
+              <a:t> (shown on the right).</a:t>
+            </a:r>
+          </a:p>
+          <a:p>
+            <a:r>
               <a:rPr lang="en-US" sz="2400" dirty="0" smtClean="0"/>
-              <a:t> </a:t>
+              <a:t>Collecting </a:t>
             </a:r>
             <a:r>
               <a:rPr lang="en-US" sz="2400" dirty="0"/>
-              <a:t>(shown </a:t>
-            </a:r>
-            <a:r>
-              <a:rPr lang="en-US" sz="2400" dirty="0" smtClean="0"/>
-              <a:t>on the right).</a:t>
-            </a:r>
-            <a:endParaRPr lang="en-US" sz="2400" dirty="0"/>
-          </a:p>
-          <a:p>
-            <a:r>
-              <a:rPr lang="en-US" sz="2400" dirty="0"/>
-              <a:t>Collecting one of these </a:t>
+              <a:t>one of these </a:t>
             </a:r>
             <a:r>
               <a:rPr lang="en-US" sz="2400" b="1" dirty="0" smtClean="0"/>
@@ -12692,7 +12688,7 @@
           <a:p>
             <a:r>
               <a:rPr lang="en-US" sz="2400" dirty="0"/>
-              <a:t>In the first task, the casino you will visit uses </a:t>
+              <a:t>The casino you will visit uses </a:t>
             </a:r>
             <a:r>
               <a:rPr lang="en-US" sz="2400" b="1" dirty="0"/>
@@ -12703,27 +12699,22 @@
               <a:t> types of </a:t>
             </a:r>
             <a:r>
-              <a:rPr lang="en-US" sz="2400" b="1" dirty="0" smtClean="0"/>
+              <a:rPr lang="en-US" sz="2400" b="1" dirty="0"/>
               <a:t>banknotes</a:t>
             </a:r>
             <a:r>
+              <a:rPr lang="en-US" sz="2400" dirty="0"/>
+              <a:t> (shown on the right).</a:t>
+            </a:r>
+          </a:p>
+          <a:p>
+            <a:r>
               <a:rPr lang="en-US" sz="2400" dirty="0" smtClean="0"/>
-              <a:t> </a:t>
+              <a:t>Collecting </a:t>
             </a:r>
             <a:r>
               <a:rPr lang="en-US" sz="2400" dirty="0"/>
-              <a:t>(shown </a:t>
-            </a:r>
-            <a:r>
-              <a:rPr lang="en-US" sz="2400" dirty="0" smtClean="0"/>
-              <a:t>on the right).</a:t>
-            </a:r>
-            <a:endParaRPr lang="en-US" sz="2400" dirty="0"/>
-          </a:p>
-          <a:p>
-            <a:r>
-              <a:rPr lang="en-US" sz="2400" dirty="0"/>
-              <a:t>Collecting one of these </a:t>
+              <a:t>one of these </a:t>
             </a:r>
             <a:r>
               <a:rPr lang="en-US" sz="2400" b="1" dirty="0" smtClean="0"/>
@@ -13731,11 +13722,8 @@
             </a:r>
             <a:r>
               <a:rPr lang="en-US" sz="2400" dirty="0" smtClean="0"/>
-              <a:t>experiment and will be the same for each task.</a:t>
-            </a:r>
-            <a:endParaRPr lang="en-US" sz="2400" dirty="0"/>
-          </a:p>
-          <a:p>
+              <a:t>task.</a:t>
+            </a:r>
             <a:endParaRPr lang="en-US" sz="2400" dirty="0"/>
           </a:p>
         </p:txBody>
@@ -14611,134 +14599,6 @@
       </p:grpSpPr>
       <p:sp>
         <p:nvSpPr>
-          <p:cNvPr id="3" name="Content Placeholder 2"/>
-          <p:cNvSpPr>
-            <a:spLocks noGrp="1"/>
-          </p:cNvSpPr>
-          <p:nvPr>
-            <p:ph idx="1"/>
-          </p:nvPr>
-        </p:nvSpPr>
-        <p:spPr>
-          <a:xfrm>
-            <a:off x="457200" y="322283"/>
-            <a:ext cx="5305487" cy="5803881"/>
-          </a:xfrm>
-        </p:spPr>
-        <p:txBody>
-          <a:bodyPr>
-            <a:noAutofit/>
-          </a:bodyPr>
-          <a:lstStyle/>
-          <a:p>
-            <a:r>
-              <a:rPr lang="en-US" sz="2400" dirty="0" smtClean="0"/>
-              <a:t>Each </a:t>
-            </a:r>
-            <a:r>
-              <a:rPr lang="en-US" sz="2400" dirty="0"/>
-              <a:t>slot machine can </a:t>
-            </a:r>
-            <a:r>
-              <a:rPr lang="en-US" sz="2400" dirty="0" smtClean="0"/>
-              <a:t>lead to </a:t>
-            </a:r>
-            <a:r>
-              <a:rPr lang="en-US" sz="2400" dirty="0"/>
-              <a:t>either of the two banknotes, however, the </a:t>
-            </a:r>
-            <a:r>
-              <a:rPr lang="en-US" sz="2400" b="1" dirty="0"/>
-              <a:t>chances </a:t>
-            </a:r>
-            <a:r>
-              <a:rPr lang="en-US" sz="2400" dirty="0"/>
-              <a:t>that a given </a:t>
-            </a:r>
-            <a:r>
-              <a:rPr lang="en-US" sz="2400" b="1" dirty="0" smtClean="0"/>
-              <a:t>slot-machine</a:t>
-            </a:r>
-            <a:r>
-              <a:rPr lang="en-US" sz="2400" dirty="0" smtClean="0"/>
-              <a:t> </a:t>
-            </a:r>
-            <a:r>
-              <a:rPr lang="en-US" sz="2400" dirty="0"/>
-              <a:t>provides a given </a:t>
-            </a:r>
-            <a:r>
-              <a:rPr lang="en-US" sz="2400" b="1" dirty="0" smtClean="0"/>
-              <a:t>bank</a:t>
-            </a:r>
-            <a:r>
-              <a:rPr lang="en-US" sz="2400" b="1" dirty="0"/>
-              <a:t>n</a:t>
-            </a:r>
-            <a:r>
-              <a:rPr lang="en-US" sz="2400" b="1" dirty="0" smtClean="0"/>
-              <a:t>ote</a:t>
-            </a:r>
-            <a:r>
-              <a:rPr lang="en-US" sz="2400" dirty="0" smtClean="0"/>
-              <a:t> are different </a:t>
-            </a:r>
-            <a:r>
-              <a:rPr lang="en-US" sz="2400" dirty="0"/>
-              <a:t>for the different slot machines</a:t>
-            </a:r>
-            <a:r>
-              <a:rPr lang="en-US" sz="2400" dirty="0" smtClean="0"/>
-              <a:t>.</a:t>
-            </a:r>
-          </a:p>
-          <a:p>
-            <a:r>
-              <a:rPr lang="en-US" sz="2400" dirty="0" smtClean="0"/>
-              <a:t>Making </a:t>
-            </a:r>
-            <a:r>
-              <a:rPr lang="en-US" sz="2400" dirty="0"/>
-              <a:t>good decisions in the task will require </a:t>
-            </a:r>
-            <a:r>
-              <a:rPr lang="en-US" sz="2400" b="1" dirty="0"/>
-              <a:t>learning from your experience </a:t>
-            </a:r>
-            <a:r>
-              <a:rPr lang="en-US" sz="2400" dirty="0"/>
-              <a:t>the chances that each slot machine tends to produce either banknote. </a:t>
-            </a:r>
-          </a:p>
-          <a:p>
-            <a:r>
-              <a:rPr lang="en-US" sz="2400" dirty="0"/>
-              <a:t>The chances that a given slot machine provides a given banknote will </a:t>
-            </a:r>
-            <a:r>
-              <a:rPr lang="en-US" sz="2400" b="1" dirty="0"/>
-              <a:t>not</a:t>
-            </a:r>
-            <a:r>
-              <a:rPr lang="en-US" sz="2400" dirty="0"/>
-              <a:t> </a:t>
-            </a:r>
-            <a:r>
-              <a:rPr lang="en-US" sz="2400" b="1" dirty="0"/>
-              <a:t>change</a:t>
-            </a:r>
-            <a:r>
-              <a:rPr lang="en-US" sz="2400" dirty="0"/>
-              <a:t> over the course of the experiment and will be the same for each task.</a:t>
-            </a:r>
-          </a:p>
-          <a:p>
-            <a:endParaRPr lang="en-US" sz="2400" dirty="0"/>
-          </a:p>
-        </p:txBody>
-      </p:sp>
-      <p:sp>
-        <p:nvSpPr>
           <p:cNvPr id="4" name="Rectangle 3"/>
           <p:cNvSpPr/>
           <p:nvPr/>
@@ -15569,6 +15429,233 @@
           </a:prstGeom>
         </p:spPr>
       </p:pic>
+      <p:sp>
+        <p:nvSpPr>
+          <p:cNvPr id="28" name="Content Placeholder 2"/>
+          <p:cNvSpPr txBox="1">
+            <a:spLocks/>
+          </p:cNvSpPr>
+          <p:nvPr/>
+        </p:nvSpPr>
+        <p:spPr>
+          <a:xfrm>
+            <a:off x="457200" y="322283"/>
+            <a:ext cx="5305487" cy="6810037"/>
+          </a:xfrm>
+          <a:prstGeom prst="rect">
+            <a:avLst/>
+          </a:prstGeom>
+        </p:spPr>
+        <p:txBody>
+          <a:bodyPr vert="horz" lIns="91440" tIns="45720" rIns="91440" bIns="45720" rtlCol="0">
+            <a:noAutofit/>
+          </a:bodyPr>
+          <a:lstStyle>
+            <a:lvl1pPr marL="342900" indent="-342900" algn="l" defTabSz="457200" rtl="0" eaLnBrk="1" latinLnBrk="0" hangingPunct="1">
+              <a:spcBef>
+                <a:spcPct val="20000"/>
+              </a:spcBef>
+              <a:buFont typeface="Arial"/>
+              <a:buChar char="•"/>
+              <a:defRPr sz="3200" kern="1200">
+                <a:solidFill>
+                  <a:schemeClr val="tx1"/>
+                </a:solidFill>
+                <a:latin typeface="+mn-lt"/>
+                <a:ea typeface="+mn-ea"/>
+                <a:cs typeface="+mn-cs"/>
+              </a:defRPr>
+            </a:lvl1pPr>
+            <a:lvl2pPr marL="742950" indent="-285750" algn="l" defTabSz="457200" rtl="0" eaLnBrk="1" latinLnBrk="0" hangingPunct="1">
+              <a:spcBef>
+                <a:spcPct val="20000"/>
+              </a:spcBef>
+              <a:buFont typeface="Arial"/>
+              <a:buChar char="–"/>
+              <a:defRPr sz="2800" kern="1200">
+                <a:solidFill>
+                  <a:schemeClr val="tx1"/>
+                </a:solidFill>
+                <a:latin typeface="+mn-lt"/>
+                <a:ea typeface="+mn-ea"/>
+                <a:cs typeface="+mn-cs"/>
+              </a:defRPr>
+            </a:lvl2pPr>
+            <a:lvl3pPr marL="1143000" indent="-228600" algn="l" defTabSz="457200" rtl="0" eaLnBrk="1" latinLnBrk="0" hangingPunct="1">
+              <a:spcBef>
+                <a:spcPct val="20000"/>
+              </a:spcBef>
+              <a:buFont typeface="Arial"/>
+              <a:buChar char="•"/>
+              <a:defRPr sz="2400" kern="1200">
+                <a:solidFill>
+                  <a:schemeClr val="tx1"/>
+                </a:solidFill>
+                <a:latin typeface="+mn-lt"/>
+                <a:ea typeface="+mn-ea"/>
+                <a:cs typeface="+mn-cs"/>
+              </a:defRPr>
+            </a:lvl3pPr>
+            <a:lvl4pPr marL="1600200" indent="-228600" algn="l" defTabSz="457200" rtl="0" eaLnBrk="1" latinLnBrk="0" hangingPunct="1">
+              <a:spcBef>
+                <a:spcPct val="20000"/>
+              </a:spcBef>
+              <a:buFont typeface="Arial"/>
+              <a:buChar char="–"/>
+              <a:defRPr sz="2000" kern="1200">
+                <a:solidFill>
+                  <a:schemeClr val="tx1"/>
+                </a:solidFill>
+                <a:latin typeface="+mn-lt"/>
+                <a:ea typeface="+mn-ea"/>
+                <a:cs typeface="+mn-cs"/>
+              </a:defRPr>
+            </a:lvl4pPr>
+            <a:lvl5pPr marL="2057400" indent="-228600" algn="l" defTabSz="457200" rtl="0" eaLnBrk="1" latinLnBrk="0" hangingPunct="1">
+              <a:spcBef>
+                <a:spcPct val="20000"/>
+              </a:spcBef>
+              <a:buFont typeface="Arial"/>
+              <a:buChar char="»"/>
+              <a:defRPr sz="2000" kern="1200">
+                <a:solidFill>
+                  <a:schemeClr val="tx1"/>
+                </a:solidFill>
+                <a:latin typeface="+mn-lt"/>
+                <a:ea typeface="+mn-ea"/>
+                <a:cs typeface="+mn-cs"/>
+              </a:defRPr>
+            </a:lvl5pPr>
+            <a:lvl6pPr marL="2514600" indent="-228600" algn="l" defTabSz="457200" rtl="0" eaLnBrk="1" latinLnBrk="0" hangingPunct="1">
+              <a:spcBef>
+                <a:spcPct val="20000"/>
+              </a:spcBef>
+              <a:buFont typeface="Arial"/>
+              <a:buChar char="•"/>
+              <a:defRPr sz="2000" kern="1200">
+                <a:solidFill>
+                  <a:schemeClr val="tx1"/>
+                </a:solidFill>
+                <a:latin typeface="+mn-lt"/>
+                <a:ea typeface="+mn-ea"/>
+                <a:cs typeface="+mn-cs"/>
+              </a:defRPr>
+            </a:lvl6pPr>
+            <a:lvl7pPr marL="2971800" indent="-228600" algn="l" defTabSz="457200" rtl="0" eaLnBrk="1" latinLnBrk="0" hangingPunct="1">
+              <a:spcBef>
+                <a:spcPct val="20000"/>
+              </a:spcBef>
+              <a:buFont typeface="Arial"/>
+              <a:buChar char="•"/>
+              <a:defRPr sz="2000" kern="1200">
+                <a:solidFill>
+                  <a:schemeClr val="tx1"/>
+                </a:solidFill>
+                <a:latin typeface="+mn-lt"/>
+                <a:ea typeface="+mn-ea"/>
+                <a:cs typeface="+mn-cs"/>
+              </a:defRPr>
+            </a:lvl7pPr>
+            <a:lvl8pPr marL="3429000" indent="-228600" algn="l" defTabSz="457200" rtl="0" eaLnBrk="1" latinLnBrk="0" hangingPunct="1">
+              <a:spcBef>
+                <a:spcPct val="20000"/>
+              </a:spcBef>
+              <a:buFont typeface="Arial"/>
+              <a:buChar char="•"/>
+              <a:defRPr sz="2000" kern="1200">
+                <a:solidFill>
+                  <a:schemeClr val="tx1"/>
+                </a:solidFill>
+                <a:latin typeface="+mn-lt"/>
+                <a:ea typeface="+mn-ea"/>
+                <a:cs typeface="+mn-cs"/>
+              </a:defRPr>
+            </a:lvl8pPr>
+            <a:lvl9pPr marL="3886200" indent="-228600" algn="l" defTabSz="457200" rtl="0" eaLnBrk="1" latinLnBrk="0" hangingPunct="1">
+              <a:spcBef>
+                <a:spcPct val="20000"/>
+              </a:spcBef>
+              <a:buFont typeface="Arial"/>
+              <a:buChar char="•"/>
+              <a:defRPr sz="2000" kern="1200">
+                <a:solidFill>
+                  <a:schemeClr val="tx1"/>
+                </a:solidFill>
+                <a:latin typeface="+mn-lt"/>
+                <a:ea typeface="+mn-ea"/>
+                <a:cs typeface="+mn-cs"/>
+              </a:defRPr>
+            </a:lvl9pPr>
+          </a:lstStyle>
+          <a:p>
+            <a:r>
+              <a:rPr lang="en-US" sz="2400" smtClean="0"/>
+              <a:t>Each slot machine can lead to either of the two banknotes, however, the </a:t>
+            </a:r>
+            <a:r>
+              <a:rPr lang="en-US" sz="2400" b="1" smtClean="0"/>
+              <a:t>chances </a:t>
+            </a:r>
+            <a:r>
+              <a:rPr lang="en-US" sz="2400" smtClean="0"/>
+              <a:t>that a given </a:t>
+            </a:r>
+            <a:r>
+              <a:rPr lang="en-US" sz="2400" b="1" smtClean="0"/>
+              <a:t>slot-machine</a:t>
+            </a:r>
+            <a:r>
+              <a:rPr lang="en-US" sz="2400" smtClean="0"/>
+              <a:t> provides a given </a:t>
+            </a:r>
+            <a:r>
+              <a:rPr lang="en-US" sz="2400" b="1" smtClean="0"/>
+              <a:t>banknote</a:t>
+            </a:r>
+            <a:r>
+              <a:rPr lang="en-US" sz="2400" smtClean="0"/>
+              <a:t> are different for the different slot machines.</a:t>
+            </a:r>
+          </a:p>
+          <a:p>
+            <a:r>
+              <a:rPr lang="en-US" sz="2400" smtClean="0"/>
+              <a:t>Making good decisions in the task will require </a:t>
+            </a:r>
+            <a:r>
+              <a:rPr lang="en-US" sz="2400" b="1" smtClean="0"/>
+              <a:t>learning from your experience </a:t>
+            </a:r>
+            <a:r>
+              <a:rPr lang="en-US" sz="2400" smtClean="0"/>
+              <a:t>the chances that each slot machine tends to produce either banknote. </a:t>
+            </a:r>
+          </a:p>
+          <a:p>
+            <a:r>
+              <a:rPr lang="en-US" sz="2400" smtClean="0"/>
+              <a:t>The chances that a given slot machine provides a given banknote will </a:t>
+            </a:r>
+            <a:r>
+              <a:rPr lang="en-US" sz="2400" b="1" smtClean="0"/>
+              <a:t>not</a:t>
+            </a:r>
+            <a:r>
+              <a:rPr lang="en-US" sz="2400" smtClean="0"/>
+              <a:t> </a:t>
+            </a:r>
+            <a:r>
+              <a:rPr lang="en-US" sz="2400" b="1" smtClean="0"/>
+              <a:t>change</a:t>
+            </a:r>
+            <a:r>
+              <a:rPr lang="en-US" sz="2400" smtClean="0"/>
+              <a:t> over the course of the task.</a:t>
+            </a:r>
+            <a:endParaRPr lang="en-US" sz="2400" dirty="0"/>
+          </a:p>
+        </p:txBody>
+      </p:sp>
     </p:spTree>
     <p:extLst>
       <p:ext uri="{BB962C8B-B14F-4D97-AF65-F5344CB8AC3E}">
@@ -15608,134 +15695,6 @@
       </p:grpSpPr>
       <p:sp>
         <p:nvSpPr>
-          <p:cNvPr id="3" name="Content Placeholder 2"/>
-          <p:cNvSpPr>
-            <a:spLocks noGrp="1"/>
-          </p:cNvSpPr>
-          <p:nvPr>
-            <p:ph idx="1"/>
-          </p:nvPr>
-        </p:nvSpPr>
-        <p:spPr>
-          <a:xfrm>
-            <a:off x="457200" y="322283"/>
-            <a:ext cx="5305487" cy="5803881"/>
-          </a:xfrm>
-        </p:spPr>
-        <p:txBody>
-          <a:bodyPr>
-            <a:noAutofit/>
-          </a:bodyPr>
-          <a:lstStyle/>
-          <a:p>
-            <a:r>
-              <a:rPr lang="en-US" sz="2400" dirty="0" smtClean="0"/>
-              <a:t>Each </a:t>
-            </a:r>
-            <a:r>
-              <a:rPr lang="en-US" sz="2400" dirty="0"/>
-              <a:t>slot machine can </a:t>
-            </a:r>
-            <a:r>
-              <a:rPr lang="en-US" sz="2400" dirty="0" smtClean="0"/>
-              <a:t>lead to </a:t>
-            </a:r>
-            <a:r>
-              <a:rPr lang="en-US" sz="2400" dirty="0"/>
-              <a:t>either of the two banknotes, however, the </a:t>
-            </a:r>
-            <a:r>
-              <a:rPr lang="en-US" sz="2400" b="1" dirty="0"/>
-              <a:t>chances </a:t>
-            </a:r>
-            <a:r>
-              <a:rPr lang="en-US" sz="2400" dirty="0"/>
-              <a:t>that a given </a:t>
-            </a:r>
-            <a:r>
-              <a:rPr lang="en-US" sz="2400" b="1" dirty="0" smtClean="0"/>
-              <a:t>slot-machine</a:t>
-            </a:r>
-            <a:r>
-              <a:rPr lang="en-US" sz="2400" dirty="0" smtClean="0"/>
-              <a:t> </a:t>
-            </a:r>
-            <a:r>
-              <a:rPr lang="en-US" sz="2400" dirty="0"/>
-              <a:t>provides a given </a:t>
-            </a:r>
-            <a:r>
-              <a:rPr lang="en-US" sz="2400" b="1" dirty="0" smtClean="0"/>
-              <a:t>bank</a:t>
-            </a:r>
-            <a:r>
-              <a:rPr lang="en-US" sz="2400" b="1" dirty="0"/>
-              <a:t>n</a:t>
-            </a:r>
-            <a:r>
-              <a:rPr lang="en-US" sz="2400" b="1" dirty="0" smtClean="0"/>
-              <a:t>ote</a:t>
-            </a:r>
-            <a:r>
-              <a:rPr lang="en-US" sz="2400" dirty="0" smtClean="0"/>
-              <a:t> are different </a:t>
-            </a:r>
-            <a:r>
-              <a:rPr lang="en-US" sz="2400" dirty="0"/>
-              <a:t>for the different slot machines</a:t>
-            </a:r>
-            <a:r>
-              <a:rPr lang="en-US" sz="2400" dirty="0" smtClean="0"/>
-              <a:t>.</a:t>
-            </a:r>
-          </a:p>
-          <a:p>
-            <a:r>
-              <a:rPr lang="en-US" sz="2400" dirty="0" smtClean="0"/>
-              <a:t>Making </a:t>
-            </a:r>
-            <a:r>
-              <a:rPr lang="en-US" sz="2400" dirty="0"/>
-              <a:t>good decisions in the task will require </a:t>
-            </a:r>
-            <a:r>
-              <a:rPr lang="en-US" sz="2400" b="1" dirty="0"/>
-              <a:t>learning from your experience </a:t>
-            </a:r>
-            <a:r>
-              <a:rPr lang="en-US" sz="2400" dirty="0"/>
-              <a:t>the chances that each slot machine tends to produce either banknote. </a:t>
-            </a:r>
-          </a:p>
-          <a:p>
-            <a:r>
-              <a:rPr lang="en-US" sz="2400" dirty="0"/>
-              <a:t>The chances that a given slot machine provides a given banknote will </a:t>
-            </a:r>
-            <a:r>
-              <a:rPr lang="en-US" sz="2400" b="1" dirty="0"/>
-              <a:t>not</a:t>
-            </a:r>
-            <a:r>
-              <a:rPr lang="en-US" sz="2400" dirty="0"/>
-              <a:t> </a:t>
-            </a:r>
-            <a:r>
-              <a:rPr lang="en-US" sz="2400" b="1" dirty="0"/>
-              <a:t>change</a:t>
-            </a:r>
-            <a:r>
-              <a:rPr lang="en-US" sz="2400" dirty="0"/>
-              <a:t> over the course of the experiment and will be the same for each task.</a:t>
-            </a:r>
-          </a:p>
-          <a:p>
-            <a:endParaRPr lang="en-US" sz="2400" dirty="0"/>
-          </a:p>
-        </p:txBody>
-      </p:sp>
-      <p:sp>
-        <p:nvSpPr>
           <p:cNvPr id="4" name="Rectangle 3"/>
           <p:cNvSpPr/>
           <p:nvPr/>
@@ -16566,6 +16525,233 @@
           </a:prstGeom>
         </p:spPr>
       </p:pic>
+      <p:sp>
+        <p:nvSpPr>
+          <p:cNvPr id="33" name="Content Placeholder 2"/>
+          <p:cNvSpPr txBox="1">
+            <a:spLocks/>
+          </p:cNvSpPr>
+          <p:nvPr/>
+        </p:nvSpPr>
+        <p:spPr>
+          <a:xfrm>
+            <a:off x="457200" y="322283"/>
+            <a:ext cx="5305487" cy="6810037"/>
+          </a:xfrm>
+          <a:prstGeom prst="rect">
+            <a:avLst/>
+          </a:prstGeom>
+        </p:spPr>
+        <p:txBody>
+          <a:bodyPr vert="horz" lIns="91440" tIns="45720" rIns="91440" bIns="45720" rtlCol="0">
+            <a:noAutofit/>
+          </a:bodyPr>
+          <a:lstStyle>
+            <a:lvl1pPr marL="342900" indent="-342900" algn="l" defTabSz="457200" rtl="0" eaLnBrk="1" latinLnBrk="0" hangingPunct="1">
+              <a:spcBef>
+                <a:spcPct val="20000"/>
+              </a:spcBef>
+              <a:buFont typeface="Arial"/>
+              <a:buChar char="•"/>
+              <a:defRPr sz="3200" kern="1200">
+                <a:solidFill>
+                  <a:schemeClr val="tx1"/>
+                </a:solidFill>
+                <a:latin typeface="+mn-lt"/>
+                <a:ea typeface="+mn-ea"/>
+                <a:cs typeface="+mn-cs"/>
+              </a:defRPr>
+            </a:lvl1pPr>
+            <a:lvl2pPr marL="742950" indent="-285750" algn="l" defTabSz="457200" rtl="0" eaLnBrk="1" latinLnBrk="0" hangingPunct="1">
+              <a:spcBef>
+                <a:spcPct val="20000"/>
+              </a:spcBef>
+              <a:buFont typeface="Arial"/>
+              <a:buChar char="–"/>
+              <a:defRPr sz="2800" kern="1200">
+                <a:solidFill>
+                  <a:schemeClr val="tx1"/>
+                </a:solidFill>
+                <a:latin typeface="+mn-lt"/>
+                <a:ea typeface="+mn-ea"/>
+                <a:cs typeface="+mn-cs"/>
+              </a:defRPr>
+            </a:lvl2pPr>
+            <a:lvl3pPr marL="1143000" indent="-228600" algn="l" defTabSz="457200" rtl="0" eaLnBrk="1" latinLnBrk="0" hangingPunct="1">
+              <a:spcBef>
+                <a:spcPct val="20000"/>
+              </a:spcBef>
+              <a:buFont typeface="Arial"/>
+              <a:buChar char="•"/>
+              <a:defRPr sz="2400" kern="1200">
+                <a:solidFill>
+                  <a:schemeClr val="tx1"/>
+                </a:solidFill>
+                <a:latin typeface="+mn-lt"/>
+                <a:ea typeface="+mn-ea"/>
+                <a:cs typeface="+mn-cs"/>
+              </a:defRPr>
+            </a:lvl3pPr>
+            <a:lvl4pPr marL="1600200" indent="-228600" algn="l" defTabSz="457200" rtl="0" eaLnBrk="1" latinLnBrk="0" hangingPunct="1">
+              <a:spcBef>
+                <a:spcPct val="20000"/>
+              </a:spcBef>
+              <a:buFont typeface="Arial"/>
+              <a:buChar char="–"/>
+              <a:defRPr sz="2000" kern="1200">
+                <a:solidFill>
+                  <a:schemeClr val="tx1"/>
+                </a:solidFill>
+                <a:latin typeface="+mn-lt"/>
+                <a:ea typeface="+mn-ea"/>
+                <a:cs typeface="+mn-cs"/>
+              </a:defRPr>
+            </a:lvl4pPr>
+            <a:lvl5pPr marL="2057400" indent="-228600" algn="l" defTabSz="457200" rtl="0" eaLnBrk="1" latinLnBrk="0" hangingPunct="1">
+              <a:spcBef>
+                <a:spcPct val="20000"/>
+              </a:spcBef>
+              <a:buFont typeface="Arial"/>
+              <a:buChar char="»"/>
+              <a:defRPr sz="2000" kern="1200">
+                <a:solidFill>
+                  <a:schemeClr val="tx1"/>
+                </a:solidFill>
+                <a:latin typeface="+mn-lt"/>
+                <a:ea typeface="+mn-ea"/>
+                <a:cs typeface="+mn-cs"/>
+              </a:defRPr>
+            </a:lvl5pPr>
+            <a:lvl6pPr marL="2514600" indent="-228600" algn="l" defTabSz="457200" rtl="0" eaLnBrk="1" latinLnBrk="0" hangingPunct="1">
+              <a:spcBef>
+                <a:spcPct val="20000"/>
+              </a:spcBef>
+              <a:buFont typeface="Arial"/>
+              <a:buChar char="•"/>
+              <a:defRPr sz="2000" kern="1200">
+                <a:solidFill>
+                  <a:schemeClr val="tx1"/>
+                </a:solidFill>
+                <a:latin typeface="+mn-lt"/>
+                <a:ea typeface="+mn-ea"/>
+                <a:cs typeface="+mn-cs"/>
+              </a:defRPr>
+            </a:lvl6pPr>
+            <a:lvl7pPr marL="2971800" indent="-228600" algn="l" defTabSz="457200" rtl="0" eaLnBrk="1" latinLnBrk="0" hangingPunct="1">
+              <a:spcBef>
+                <a:spcPct val="20000"/>
+              </a:spcBef>
+              <a:buFont typeface="Arial"/>
+              <a:buChar char="•"/>
+              <a:defRPr sz="2000" kern="1200">
+                <a:solidFill>
+                  <a:schemeClr val="tx1"/>
+                </a:solidFill>
+                <a:latin typeface="+mn-lt"/>
+                <a:ea typeface="+mn-ea"/>
+                <a:cs typeface="+mn-cs"/>
+              </a:defRPr>
+            </a:lvl7pPr>
+            <a:lvl8pPr marL="3429000" indent="-228600" algn="l" defTabSz="457200" rtl="0" eaLnBrk="1" latinLnBrk="0" hangingPunct="1">
+              <a:spcBef>
+                <a:spcPct val="20000"/>
+              </a:spcBef>
+              <a:buFont typeface="Arial"/>
+              <a:buChar char="•"/>
+              <a:defRPr sz="2000" kern="1200">
+                <a:solidFill>
+                  <a:schemeClr val="tx1"/>
+                </a:solidFill>
+                <a:latin typeface="+mn-lt"/>
+                <a:ea typeface="+mn-ea"/>
+                <a:cs typeface="+mn-cs"/>
+              </a:defRPr>
+            </a:lvl8pPr>
+            <a:lvl9pPr marL="3886200" indent="-228600" algn="l" defTabSz="457200" rtl="0" eaLnBrk="1" latinLnBrk="0" hangingPunct="1">
+              <a:spcBef>
+                <a:spcPct val="20000"/>
+              </a:spcBef>
+              <a:buFont typeface="Arial"/>
+              <a:buChar char="•"/>
+              <a:defRPr sz="2000" kern="1200">
+                <a:solidFill>
+                  <a:schemeClr val="tx1"/>
+                </a:solidFill>
+                <a:latin typeface="+mn-lt"/>
+                <a:ea typeface="+mn-ea"/>
+                <a:cs typeface="+mn-cs"/>
+              </a:defRPr>
+            </a:lvl9pPr>
+          </a:lstStyle>
+          <a:p>
+            <a:r>
+              <a:rPr lang="en-US" sz="2400" smtClean="0"/>
+              <a:t>Each slot machine can lead to either of the two banknotes, however, the </a:t>
+            </a:r>
+            <a:r>
+              <a:rPr lang="en-US" sz="2400" b="1" smtClean="0"/>
+              <a:t>chances </a:t>
+            </a:r>
+            <a:r>
+              <a:rPr lang="en-US" sz="2400" smtClean="0"/>
+              <a:t>that a given </a:t>
+            </a:r>
+            <a:r>
+              <a:rPr lang="en-US" sz="2400" b="1" smtClean="0"/>
+              <a:t>slot-machine</a:t>
+            </a:r>
+            <a:r>
+              <a:rPr lang="en-US" sz="2400" smtClean="0"/>
+              <a:t> provides a given </a:t>
+            </a:r>
+            <a:r>
+              <a:rPr lang="en-US" sz="2400" b="1" smtClean="0"/>
+              <a:t>banknote</a:t>
+            </a:r>
+            <a:r>
+              <a:rPr lang="en-US" sz="2400" smtClean="0"/>
+              <a:t> are different for the different slot machines.</a:t>
+            </a:r>
+          </a:p>
+          <a:p>
+            <a:r>
+              <a:rPr lang="en-US" sz="2400" smtClean="0"/>
+              <a:t>Making good decisions in the task will require </a:t>
+            </a:r>
+            <a:r>
+              <a:rPr lang="en-US" sz="2400" b="1" smtClean="0"/>
+              <a:t>learning from your experience </a:t>
+            </a:r>
+            <a:r>
+              <a:rPr lang="en-US" sz="2400" smtClean="0"/>
+              <a:t>the chances that each slot machine tends to produce either banknote. </a:t>
+            </a:r>
+          </a:p>
+          <a:p>
+            <a:r>
+              <a:rPr lang="en-US" sz="2400" smtClean="0"/>
+              <a:t>The chances that a given slot machine provides a given banknote will </a:t>
+            </a:r>
+            <a:r>
+              <a:rPr lang="en-US" sz="2400" b="1" smtClean="0"/>
+              <a:t>not</a:t>
+            </a:r>
+            <a:r>
+              <a:rPr lang="en-US" sz="2400" smtClean="0"/>
+              <a:t> </a:t>
+            </a:r>
+            <a:r>
+              <a:rPr lang="en-US" sz="2400" b="1" smtClean="0"/>
+              <a:t>change</a:t>
+            </a:r>
+            <a:r>
+              <a:rPr lang="en-US" sz="2400" smtClean="0"/>
+              <a:t> over the course of the task.</a:t>
+            </a:r>
+            <a:endParaRPr lang="en-US" sz="2400" dirty="0"/>
+          </a:p>
+        </p:txBody>
+      </p:sp>
     </p:spTree>
     <p:extLst>
       <p:ext uri="{BB962C8B-B14F-4D97-AF65-F5344CB8AC3E}">
@@ -16626,18 +16812,30 @@
           <a:lstStyle/>
           <a:p>
             <a:r>
-              <a:rPr lang="en-GB" dirty="0"/>
-              <a:t>T</a:t>
-            </a:r>
-            <a:r>
               <a:rPr lang="en-GB" dirty="0" smtClean="0"/>
-              <a:t>he first task will have two types of games.</a:t>
+              <a:t>The task will have two types of games.</a:t>
             </a:r>
           </a:p>
           <a:p>
             <a:r>
               <a:rPr lang="en-GB" dirty="0" smtClean="0"/>
-              <a:t>For the first type of game, you’ll be presented with a slot machine. You must press “1” to play the machine. Then the machine will provide you with a bank note. </a:t>
+              <a:t>For </a:t>
+            </a:r>
+            <a:r>
+              <a:rPr lang="en-GB" dirty="0" smtClean="0"/>
+              <a:t>the first type of game, you’ll be presented with a slot machine. You must press </a:t>
+            </a:r>
+            <a:r>
+              <a:rPr lang="en-GB" b="1" dirty="0" smtClean="0"/>
+              <a:t>1</a:t>
+            </a:r>
+            <a:r>
+              <a:rPr lang="en-GB" dirty="0" smtClean="0"/>
+              <a:t> </a:t>
+            </a:r>
+            <a:r>
+              <a:rPr lang="en-GB" dirty="0" smtClean="0"/>
+              <a:t>to play the machine. Then the machine will provide you with a bank note. </a:t>
             </a:r>
           </a:p>
           <a:p>

--- a/Stimuli/uws_instr_slides.pptx
+++ b/Stimuli/uws_instr_slides.pptx
@@ -231,7 +231,7 @@
           <a:p>
             <a:fld id="{13EAB001-375A-47A6-A0AF-DD7CD76DA757}" type="datetimeFigureOut">
               <a:rPr lang="en-GB" smtClean="0"/>
-              <a:t>12/08/2019</a:t>
+              <a:t>13/08/2019</a:t>
             </a:fld>
             <a:endParaRPr lang="en-GB"/>
           </a:p>
@@ -932,7 +932,7 @@
           <a:p>
             <a:fld id="{538185A6-F7C7-2D4F-BA59-879D5B10606E}" type="datetimeFigureOut">
               <a:rPr lang="en-US" smtClean="0"/>
-              <a:t>8/12/2019</a:t>
+              <a:t>8/13/2019</a:t>
             </a:fld>
             <a:endParaRPr lang="en-US"/>
           </a:p>
@@ -1102,7 +1102,7 @@
           <a:p>
             <a:fld id="{538185A6-F7C7-2D4F-BA59-879D5B10606E}" type="datetimeFigureOut">
               <a:rPr lang="en-US" smtClean="0"/>
-              <a:t>8/12/2019</a:t>
+              <a:t>8/13/2019</a:t>
             </a:fld>
             <a:endParaRPr lang="en-US"/>
           </a:p>
@@ -1282,7 +1282,7 @@
           <a:p>
             <a:fld id="{538185A6-F7C7-2D4F-BA59-879D5B10606E}" type="datetimeFigureOut">
               <a:rPr lang="en-US" smtClean="0"/>
-              <a:t>8/12/2019</a:t>
+              <a:t>8/13/2019</a:t>
             </a:fld>
             <a:endParaRPr lang="en-US"/>
           </a:p>
@@ -1452,7 +1452,7 @@
           <a:p>
             <a:fld id="{538185A6-F7C7-2D4F-BA59-879D5B10606E}" type="datetimeFigureOut">
               <a:rPr lang="en-US" smtClean="0"/>
-              <a:t>8/12/2019</a:t>
+              <a:t>8/13/2019</a:t>
             </a:fld>
             <a:endParaRPr lang="en-US"/>
           </a:p>
@@ -1698,7 +1698,7 @@
           <a:p>
             <a:fld id="{538185A6-F7C7-2D4F-BA59-879D5B10606E}" type="datetimeFigureOut">
               <a:rPr lang="en-US" smtClean="0"/>
-              <a:t>8/12/2019</a:t>
+              <a:t>8/13/2019</a:t>
             </a:fld>
             <a:endParaRPr lang="en-US"/>
           </a:p>
@@ -1986,7 +1986,7 @@
           <a:p>
             <a:fld id="{538185A6-F7C7-2D4F-BA59-879D5B10606E}" type="datetimeFigureOut">
               <a:rPr lang="en-US" smtClean="0"/>
-              <a:t>8/12/2019</a:t>
+              <a:t>8/13/2019</a:t>
             </a:fld>
             <a:endParaRPr lang="en-US"/>
           </a:p>
@@ -2408,7 +2408,7 @@
           <a:p>
             <a:fld id="{538185A6-F7C7-2D4F-BA59-879D5B10606E}" type="datetimeFigureOut">
               <a:rPr lang="en-US" smtClean="0"/>
-              <a:t>8/12/2019</a:t>
+              <a:t>8/13/2019</a:t>
             </a:fld>
             <a:endParaRPr lang="en-US"/>
           </a:p>
@@ -2526,7 +2526,7 @@
           <a:p>
             <a:fld id="{538185A6-F7C7-2D4F-BA59-879D5B10606E}" type="datetimeFigureOut">
               <a:rPr lang="en-US" smtClean="0"/>
-              <a:t>8/12/2019</a:t>
+              <a:t>8/13/2019</a:t>
             </a:fld>
             <a:endParaRPr lang="en-US"/>
           </a:p>
@@ -2621,7 +2621,7 @@
           <a:p>
             <a:fld id="{538185A6-F7C7-2D4F-BA59-879D5B10606E}" type="datetimeFigureOut">
               <a:rPr lang="en-US" smtClean="0"/>
-              <a:t>8/12/2019</a:t>
+              <a:t>8/13/2019</a:t>
             </a:fld>
             <a:endParaRPr lang="en-US"/>
           </a:p>
@@ -2898,7 +2898,7 @@
           <a:p>
             <a:fld id="{538185A6-F7C7-2D4F-BA59-879D5B10606E}" type="datetimeFigureOut">
               <a:rPr lang="en-US" smtClean="0"/>
-              <a:t>8/12/2019</a:t>
+              <a:t>8/13/2019</a:t>
             </a:fld>
             <a:endParaRPr lang="en-US"/>
           </a:p>
@@ -3151,7 +3151,7 @@
           <a:p>
             <a:fld id="{538185A6-F7C7-2D4F-BA59-879D5B10606E}" type="datetimeFigureOut">
               <a:rPr lang="en-US" smtClean="0"/>
-              <a:t>8/12/2019</a:t>
+              <a:t>8/13/2019</a:t>
             </a:fld>
             <a:endParaRPr lang="en-US"/>
           </a:p>
@@ -3364,7 +3364,7 @@
           <a:p>
             <a:fld id="{538185A6-F7C7-2D4F-BA59-879D5B10606E}" type="datetimeFigureOut">
               <a:rPr lang="en-US" smtClean="0"/>
-              <a:t>8/12/2019</a:t>
+              <a:t>8/13/2019</a:t>
             </a:fld>
             <a:endParaRPr lang="en-US"/>
           </a:p>
@@ -4671,8 +4671,13 @@
           <a:p>
             <a:r>
               <a:rPr lang="en-GB" dirty="0"/>
-              <a:t>Try to make decisions that will collect positive-point banknotes and avoid negative-point banknotes.</a:t>
-            </a:r>
+              <a:t>Try to make decisions that will </a:t>
+            </a:r>
+            <a:r>
+              <a:rPr lang="en-GB" dirty="0" smtClean="0"/>
+              <a:t>maximize collection of positive points and minimize collection of negative points.</a:t>
+            </a:r>
+            <a:endParaRPr lang="en-GB" dirty="0"/>
           </a:p>
           <a:p>
             <a:r>
@@ -6586,15 +6591,7 @@
           <a:p>
             <a:r>
               <a:rPr lang="en-GB" dirty="0" smtClean="0"/>
-              <a:t>Great work. The </a:t>
-            </a:r>
-            <a:r>
-              <a:rPr lang="en-GB" dirty="0" smtClean="0"/>
-              <a:t>task </a:t>
-            </a:r>
-            <a:r>
-              <a:rPr lang="en-GB" dirty="0" smtClean="0"/>
-              <a:t>will have interleaved blocks between the first type of game and the games you just played.</a:t>
+              <a:t>Great work. The task will have interleaved blocks between the first type of game and the games you just played.</a:t>
             </a:r>
           </a:p>
           <a:p>
@@ -6666,7 +6663,7 @@
         </p:spPr>
         <p:txBody>
           <a:bodyPr>
-            <a:normAutofit/>
+            <a:normAutofit fontScale="92500" lnSpcReduction="10000"/>
           </a:bodyPr>
           <a:lstStyle/>
           <a:p>
@@ -6693,7 +6690,15 @@
             </a:r>
             <a:r>
               <a:rPr lang="en-GB" sz="2200" dirty="0"/>
-              <a:t>game will use the same two banknotes as before but will also have a third type of banknote (shown on the right</a:t>
+              <a:t>game will use the same two banknotes as before but </a:t>
+            </a:r>
+            <a:r>
+              <a:rPr lang="en-GB" sz="2200" b="1" dirty="0"/>
+              <a:t>will also have a third type of banknote </a:t>
+            </a:r>
+            <a:r>
+              <a:rPr lang="en-GB" sz="2200" dirty="0"/>
+              <a:t>(shown on the right</a:t>
             </a:r>
             <a:r>
               <a:rPr lang="en-GB" sz="2200" dirty="0" smtClean="0"/>
@@ -6704,7 +6709,44 @@
             <a:pPr algn="just"/>
             <a:r>
               <a:rPr lang="en-GB" sz="2200" dirty="0" smtClean="0"/>
-              <a:t>It will use the same four slot machines as before.</a:t>
+              <a:t>It will use the same four slot machines as </a:t>
+            </a:r>
+            <a:r>
+              <a:rPr lang="en-GB" sz="2200" dirty="0" smtClean="0"/>
+              <a:t>the last task.</a:t>
+            </a:r>
+          </a:p>
+          <a:p>
+            <a:pPr algn="just"/>
+            <a:r>
+              <a:rPr lang="en-GB" sz="2200" dirty="0" smtClean="0"/>
+              <a:t>On each decision, you’ll collect one of these banknotes</a:t>
+            </a:r>
+            <a:r>
+              <a:rPr lang="en-GB" sz="2200" dirty="0" smtClean="0"/>
+              <a:t>.</a:t>
+            </a:r>
+          </a:p>
+          <a:p>
+            <a:pPr algn="just"/>
+            <a:r>
+              <a:rPr lang="en-GB" sz="2200" dirty="0" smtClean="0"/>
+              <a:t>As before, at the end of this task, the computer will randomly select four decisions that you made. </a:t>
+            </a:r>
+          </a:p>
+          <a:p>
+            <a:pPr algn="just"/>
+            <a:r>
+              <a:rPr lang="en-GB" sz="2200" dirty="0" smtClean="0"/>
+              <a:t>Your </a:t>
+            </a:r>
+            <a:r>
+              <a:rPr lang="en-GB" sz="2200" b="1" dirty="0" smtClean="0"/>
+              <a:t>bonus will be based on the average number of points you collected on these four decisions</a:t>
+            </a:r>
+            <a:r>
+              <a:rPr lang="en-GB" sz="2200" dirty="0" smtClean="0"/>
+              <a:t>.</a:t>
             </a:r>
             <a:endParaRPr lang="en-GB" sz="2200" dirty="0"/>
           </a:p>
@@ -9720,7 +9762,7 @@
         </p:spPr>
         <p:txBody>
           <a:bodyPr>
-            <a:normAutofit fontScale="92500" lnSpcReduction="10000"/>
+            <a:normAutofit fontScale="92500" lnSpcReduction="20000"/>
           </a:bodyPr>
           <a:lstStyle/>
           <a:p>
@@ -9744,43 +9786,44 @@
               <a:rPr lang="en-US" sz="2400" dirty="0"/>
               <a:t>minutes and the second task will take about 50 minutes. </a:t>
             </a:r>
+            <a:endParaRPr lang="en-US" sz="2400" dirty="0" smtClean="0"/>
+          </a:p>
+          <a:p>
             <a:r>
               <a:rPr lang="en-US" sz="2400" dirty="0" smtClean="0"/>
+              <a:t>We’ll </a:t>
+            </a:r>
+            <a:r>
+              <a:rPr lang="en-US" sz="2400" dirty="0" smtClean="0"/>
+              <a:t>now provide instructions for the first task.</a:t>
+            </a:r>
+          </a:p>
+          <a:p>
+            <a:r>
+              <a:rPr lang="en-US" sz="2400" dirty="0"/>
               <a:t>In </a:t>
             </a:r>
             <a:r>
+              <a:rPr lang="en-US" sz="2400" dirty="0" smtClean="0"/>
+              <a:t>this task, you </a:t>
+            </a:r>
+            <a:r>
               <a:rPr lang="en-US" sz="2400" dirty="0"/>
-              <a:t>each task you will make decisions in order to collect points. </a:t>
-            </a:r>
-            <a:endParaRPr lang="en-US" sz="2400" dirty="0" smtClean="0"/>
-          </a:p>
-          <a:p>
+              <a:t>will make </a:t>
+            </a:r>
             <a:r>
               <a:rPr lang="en-US" sz="2400" dirty="0" smtClean="0"/>
-              <a:t>We’ll now provide instructions for the first task.</a:t>
-            </a:r>
-            <a:endParaRPr lang="en-US" sz="2400" dirty="0" smtClean="0"/>
-          </a:p>
-          <a:p>
-            <a:r>
-              <a:rPr lang="en-US" sz="2400" dirty="0" smtClean="0"/>
-              <a:t>You will start the task with 0 points</a:t>
-            </a:r>
-            <a:r>
-              <a:rPr lang="en-US" sz="2400" dirty="0" smtClean="0"/>
-              <a:t>. </a:t>
-            </a:r>
+              <a:t>decisions about which slot machines to play at a casino. </a:t>
+            </a:r>
+          </a:p>
+          <a:p>
             <a:r>
               <a:rPr lang="en-US" sz="2400" dirty="0" smtClean="0"/>
               <a:t>Following </a:t>
             </a:r>
             <a:r>
               <a:rPr lang="en-US" sz="2400" dirty="0" smtClean="0"/>
-              <a:t>some decisions, </a:t>
-            </a:r>
-            <a:r>
-              <a:rPr lang="en-US" sz="2400" dirty="0" smtClean="0"/>
-              <a:t>you </a:t>
+              <a:t>some decisions, you </a:t>
             </a:r>
             <a:r>
               <a:rPr lang="en-US" sz="2400" dirty="0"/>
@@ -9798,66 +9841,77 @@
           </a:p>
           <a:p>
             <a:r>
+              <a:rPr lang="en-US" sz="2400" dirty="0"/>
+              <a:t>Banknotes with </a:t>
+            </a:r>
+            <a:r>
+              <a:rPr lang="en-US" sz="2400" b="1" dirty="0"/>
+              <a:t>positive point </a:t>
+            </a:r>
+            <a:r>
               <a:rPr lang="en-US" sz="2400" dirty="0" smtClean="0"/>
-              <a:t>Banknotes </a:t>
+              <a:t>values cause you to gain points. Banknotes with </a:t>
+            </a:r>
+            <a:r>
+              <a:rPr lang="en-US" sz="2400" b="1" dirty="0" smtClean="0"/>
+              <a:t>negative point </a:t>
             </a:r>
             <a:r>
               <a:rPr lang="en-US" sz="2400" dirty="0" smtClean="0"/>
-              <a:t>with </a:t>
+              <a:t>values cause you to lose points.</a:t>
+            </a:r>
+            <a:endParaRPr lang="en-US" sz="2400" dirty="0" smtClean="0"/>
+          </a:p>
+          <a:p>
+            <a:r>
+              <a:rPr lang="en-US" sz="2400" dirty="0" smtClean="0"/>
+              <a:t>At the end of the task, the computer will randomly pick </a:t>
             </a:r>
             <a:r>
               <a:rPr lang="en-US" sz="2400" b="1" dirty="0" smtClean="0"/>
-              <a:t>positive point </a:t>
+              <a:t>four</a:t>
             </a:r>
             <a:r>
               <a:rPr lang="en-US" sz="2400" dirty="0" smtClean="0"/>
-              <a:t>values will </a:t>
-            </a:r>
-            <a:r>
-              <a:rPr lang="en-US" sz="2400" b="1" dirty="0"/>
-              <a:t>increase</a:t>
+              <a:t> decisions that you made. </a:t>
+            </a:r>
+          </a:p>
+          <a:p>
+            <a:r>
+              <a:rPr lang="en-US" sz="2400" dirty="0" smtClean="0"/>
+              <a:t>Your bonus will be proportional to the average number of points received on these decisions.  </a:t>
             </a:r>
             <a:r>
               <a:rPr lang="en-US" sz="2400" dirty="0"/>
-              <a:t> </a:t>
+              <a:t>T</a:t>
             </a:r>
             <a:r>
               <a:rPr lang="en-US" sz="2400" dirty="0" smtClean="0"/>
-              <a:t>you’re the points in your collection. </a:t>
+              <a:t>his average can be either positive or negative. </a:t>
             </a:r>
             <a:r>
               <a:rPr lang="en-US" sz="2400" dirty="0" smtClean="0"/>
-              <a:t>Banknotes with </a:t>
-            </a:r>
-            <a:r>
-              <a:rPr lang="en-US" sz="2400" b="1" dirty="0" smtClean="0"/>
-              <a:t>negative points </a:t>
+              <a:t>The </a:t>
             </a:r>
             <a:r>
               <a:rPr lang="en-US" sz="2400" dirty="0" smtClean="0"/>
-              <a:t>will </a:t>
-            </a:r>
-            <a:r>
-              <a:rPr lang="en-US" sz="2400" b="1" dirty="0" smtClean="0"/>
-              <a:t>decrease</a:t>
+              <a:t>more negative </a:t>
             </a:r>
             <a:r>
               <a:rPr lang="en-US" sz="2400" dirty="0" smtClean="0"/>
-              <a:t> </a:t>
+              <a:t>this average is, </a:t>
             </a:r>
             <a:r>
               <a:rPr lang="en-US" sz="2400" dirty="0" smtClean="0"/>
-              <a:t>the points in your collection</a:t>
+              <a:t>the smaller your bonus payment will be. The more positive </a:t>
             </a:r>
             <a:r>
               <a:rPr lang="en-US" sz="2400" dirty="0" smtClean="0"/>
-              <a:t>.</a:t>
-            </a:r>
-          </a:p>
-          <a:p>
+              <a:t>this average is, the </a:t>
+            </a:r>
             <a:r>
               <a:rPr lang="en-US" sz="2400" dirty="0" smtClean="0"/>
-              <a:t>Your bonus will be proportional to the final number of points in your collection (this can be negative or positive). The more negative your final number of points, the smaller your bonus payment will be. The more positive your final number of points, the larger your bonus payment will be.</a:t>
+              <a:t>larger your bonus payment will be.</a:t>
             </a:r>
           </a:p>
           <a:p>
@@ -9951,28 +10005,21 @@
             </a:r>
             <a:r>
               <a:rPr lang="en-GB" sz="2000" dirty="0"/>
-              <a:t>must pay attention to these in order to make choices that lead you to collect as </a:t>
+              <a:t>must pay attention to </a:t>
             </a:r>
             <a:r>
               <a:rPr lang="en-GB" sz="2000" dirty="0" smtClean="0"/>
-              <a:t>many positive </a:t>
+              <a:t>these screens </a:t>
             </a:r>
             <a:r>
               <a:rPr lang="en-GB" sz="2000" dirty="0"/>
-              <a:t>points and </a:t>
+              <a:t>in order to make choices that lead you to </a:t>
             </a:r>
             <a:r>
               <a:rPr lang="en-GB" sz="2000" dirty="0" smtClean="0"/>
-              <a:t>avoid as many </a:t>
-            </a:r>
-            <a:r>
-              <a:rPr lang="en-GB" sz="2000" dirty="0"/>
-              <a:t>negative </a:t>
-            </a:r>
-            <a:r>
-              <a:rPr lang="en-GB" sz="2000" dirty="0" smtClean="0"/>
-              <a:t>points as you can.</a:t>
-            </a:r>
+              <a:t>maximize collection of positive points and minimize collection of negative points.</a:t>
+            </a:r>
+            <a:endParaRPr lang="en-GB" sz="2000" dirty="0" smtClean="0"/>
           </a:p>
           <a:p>
             <a:r>
@@ -16819,11 +16866,7 @@
           <a:p>
             <a:r>
               <a:rPr lang="en-GB" dirty="0" smtClean="0"/>
-              <a:t>For </a:t>
-            </a:r>
-            <a:r>
-              <a:rPr lang="en-GB" dirty="0" smtClean="0"/>
-              <a:t>the first type of game, you’ll be presented with a slot machine. You must press </a:t>
+              <a:t>For the first type of game, you’ll be presented with a slot machine. You must press </a:t>
             </a:r>
             <a:r>
               <a:rPr lang="en-GB" b="1" dirty="0" smtClean="0"/>
@@ -16831,11 +16874,7 @@
             </a:r>
             <a:r>
               <a:rPr lang="en-GB" dirty="0" smtClean="0"/>
-              <a:t> </a:t>
-            </a:r>
-            <a:r>
-              <a:rPr lang="en-GB" dirty="0" smtClean="0"/>
-              <a:t>to play the machine. Then the machine will provide you with a bank note. </a:t>
+              <a:t> to play the machine. Then the machine will provide you with a bank note. </a:t>
             </a:r>
           </a:p>
           <a:p>
@@ -16851,7 +16890,15 @@
           <a:p>
             <a:r>
               <a:rPr lang="en-GB" dirty="0" smtClean="0"/>
-              <a:t>As an attention check, you will sometimes be asked to report which slot machine you just played or which banknote you just received. To do this you will use the number keys (1,2,3 or 4). Your correctness on these questions will affect your bonus payment.</a:t>
+              <a:t>As an attention check, you will sometimes be asked to report which slot machine you just played or which banknote you just received. To do this you will use the number keys (1,2,3 or 4). </a:t>
+            </a:r>
+            <a:r>
+              <a:rPr lang="en-GB" b="1" dirty="0" smtClean="0"/>
+              <a:t>Your correctness on these questions will affect your bonus payment</a:t>
+            </a:r>
+            <a:r>
+              <a:rPr lang="en-GB" dirty="0" smtClean="0"/>
+              <a:t>.</a:t>
             </a:r>
           </a:p>
           <a:p>

--- a/Stimuli/uws_instr_slides.pptx
+++ b/Stimuli/uws_instr_slides.pptx
@@ -231,7 +231,7 @@
           <a:p>
             <a:fld id="{13EAB001-375A-47A6-A0AF-DD7CD76DA757}" type="datetimeFigureOut">
               <a:rPr lang="en-GB" smtClean="0"/>
-              <a:t>13/08/2019</a:t>
+              <a:t>14/08/2019</a:t>
             </a:fld>
             <a:endParaRPr lang="en-GB"/>
           </a:p>
@@ -932,7 +932,7 @@
           <a:p>
             <a:fld id="{538185A6-F7C7-2D4F-BA59-879D5B10606E}" type="datetimeFigureOut">
               <a:rPr lang="en-US" smtClean="0"/>
-              <a:t>8/13/2019</a:t>
+              <a:t>8/14/2019</a:t>
             </a:fld>
             <a:endParaRPr lang="en-US"/>
           </a:p>
@@ -1102,7 +1102,7 @@
           <a:p>
             <a:fld id="{538185A6-F7C7-2D4F-BA59-879D5B10606E}" type="datetimeFigureOut">
               <a:rPr lang="en-US" smtClean="0"/>
-              <a:t>8/13/2019</a:t>
+              <a:t>8/14/2019</a:t>
             </a:fld>
             <a:endParaRPr lang="en-US"/>
           </a:p>
@@ -1282,7 +1282,7 @@
           <a:p>
             <a:fld id="{538185A6-F7C7-2D4F-BA59-879D5B10606E}" type="datetimeFigureOut">
               <a:rPr lang="en-US" smtClean="0"/>
-              <a:t>8/13/2019</a:t>
+              <a:t>8/14/2019</a:t>
             </a:fld>
             <a:endParaRPr lang="en-US"/>
           </a:p>
@@ -1452,7 +1452,7 @@
           <a:p>
             <a:fld id="{538185A6-F7C7-2D4F-BA59-879D5B10606E}" type="datetimeFigureOut">
               <a:rPr lang="en-US" smtClean="0"/>
-              <a:t>8/13/2019</a:t>
+              <a:t>8/14/2019</a:t>
             </a:fld>
             <a:endParaRPr lang="en-US"/>
           </a:p>
@@ -1698,7 +1698,7 @@
           <a:p>
             <a:fld id="{538185A6-F7C7-2D4F-BA59-879D5B10606E}" type="datetimeFigureOut">
               <a:rPr lang="en-US" smtClean="0"/>
-              <a:t>8/13/2019</a:t>
+              <a:t>8/14/2019</a:t>
             </a:fld>
             <a:endParaRPr lang="en-US"/>
           </a:p>
@@ -1986,7 +1986,7 @@
           <a:p>
             <a:fld id="{538185A6-F7C7-2D4F-BA59-879D5B10606E}" type="datetimeFigureOut">
               <a:rPr lang="en-US" smtClean="0"/>
-              <a:t>8/13/2019</a:t>
+              <a:t>8/14/2019</a:t>
             </a:fld>
             <a:endParaRPr lang="en-US"/>
           </a:p>
@@ -2408,7 +2408,7 @@
           <a:p>
             <a:fld id="{538185A6-F7C7-2D4F-BA59-879D5B10606E}" type="datetimeFigureOut">
               <a:rPr lang="en-US" smtClean="0"/>
-              <a:t>8/13/2019</a:t>
+              <a:t>8/14/2019</a:t>
             </a:fld>
             <a:endParaRPr lang="en-US"/>
           </a:p>
@@ -2526,7 +2526,7 @@
           <a:p>
             <a:fld id="{538185A6-F7C7-2D4F-BA59-879D5B10606E}" type="datetimeFigureOut">
               <a:rPr lang="en-US" smtClean="0"/>
-              <a:t>8/13/2019</a:t>
+              <a:t>8/14/2019</a:t>
             </a:fld>
             <a:endParaRPr lang="en-US"/>
           </a:p>
@@ -2621,7 +2621,7 @@
           <a:p>
             <a:fld id="{538185A6-F7C7-2D4F-BA59-879D5B10606E}" type="datetimeFigureOut">
               <a:rPr lang="en-US" smtClean="0"/>
-              <a:t>8/13/2019</a:t>
+              <a:t>8/14/2019</a:t>
             </a:fld>
             <a:endParaRPr lang="en-US"/>
           </a:p>
@@ -2898,7 +2898,7 @@
           <a:p>
             <a:fld id="{538185A6-F7C7-2D4F-BA59-879D5B10606E}" type="datetimeFigureOut">
               <a:rPr lang="en-US" smtClean="0"/>
-              <a:t>8/13/2019</a:t>
+              <a:t>8/14/2019</a:t>
             </a:fld>
             <a:endParaRPr lang="en-US"/>
           </a:p>
@@ -3151,7 +3151,7 @@
           <a:p>
             <a:fld id="{538185A6-F7C7-2D4F-BA59-879D5B10606E}" type="datetimeFigureOut">
               <a:rPr lang="en-US" smtClean="0"/>
-              <a:t>8/13/2019</a:t>
+              <a:t>8/14/2019</a:t>
             </a:fld>
             <a:endParaRPr lang="en-US"/>
           </a:p>
@@ -3364,7 +3364,7 @@
           <a:p>
             <a:fld id="{538185A6-F7C7-2D4F-BA59-879D5B10606E}" type="datetimeFigureOut">
               <a:rPr lang="en-US" smtClean="0"/>
-              <a:t>8/13/2019</a:t>
+              <a:t>8/14/2019</a:t>
             </a:fld>
             <a:endParaRPr lang="en-US"/>
           </a:p>
@@ -6709,22 +6709,14 @@
             <a:pPr algn="just"/>
             <a:r>
               <a:rPr lang="en-GB" sz="2200" dirty="0" smtClean="0"/>
-              <a:t>It will use the same four slot machines as </a:t>
-            </a:r>
+              <a:t>It will use the same four slot machines as the last task.</a:t>
+            </a:r>
+          </a:p>
+          <a:p>
+            <a:pPr algn="just"/>
             <a:r>
               <a:rPr lang="en-GB" sz="2200" dirty="0" smtClean="0"/>
-              <a:t>the last task.</a:t>
-            </a:r>
-          </a:p>
-          <a:p>
-            <a:pPr algn="just"/>
-            <a:r>
-              <a:rPr lang="en-GB" sz="2200" dirty="0" smtClean="0"/>
-              <a:t>On each decision, you’ll collect one of these banknotes</a:t>
-            </a:r>
-            <a:r>
-              <a:rPr lang="en-GB" sz="2200" dirty="0" smtClean="0"/>
-              <a:t>.</a:t>
+              <a:t>On each decision, you’ll collect one of these banknotes.</a:t>
             </a:r>
           </a:p>
           <a:p>
@@ -9791,11 +9783,7 @@
           <a:p>
             <a:r>
               <a:rPr lang="en-US" sz="2400" dirty="0" smtClean="0"/>
-              <a:t>We’ll </a:t>
-            </a:r>
-            <a:r>
-              <a:rPr lang="en-US" sz="2400" dirty="0" smtClean="0"/>
-              <a:t>now provide instructions for the first task.</a:t>
+              <a:t>We’ll now provide instructions for the first task.</a:t>
             </a:r>
           </a:p>
           <a:p>
@@ -9819,11 +9807,7 @@
           <a:p>
             <a:r>
               <a:rPr lang="en-US" sz="2400" dirty="0" smtClean="0"/>
-              <a:t>Following </a:t>
-            </a:r>
-            <a:r>
-              <a:rPr lang="en-US" sz="2400" dirty="0" smtClean="0"/>
-              <a:t>some decisions, you </a:t>
+              <a:t>Following some decisions, you </a:t>
             </a:r>
             <a:r>
               <a:rPr lang="en-US" sz="2400" dirty="0"/>
@@ -9860,7 +9844,6 @@
               <a:rPr lang="en-US" sz="2400" dirty="0" smtClean="0"/>
               <a:t>values cause you to lose points.</a:t>
             </a:r>
-            <a:endParaRPr lang="en-US" sz="2400" dirty="0" smtClean="0"/>
           </a:p>
           <a:p>
             <a:r>
@@ -9887,31 +9870,7 @@
             </a:r>
             <a:r>
               <a:rPr lang="en-US" sz="2400" dirty="0" smtClean="0"/>
-              <a:t>his average can be either positive or negative. </a:t>
-            </a:r>
-            <a:r>
-              <a:rPr lang="en-US" sz="2400" dirty="0" smtClean="0"/>
-              <a:t>The </a:t>
-            </a:r>
-            <a:r>
-              <a:rPr lang="en-US" sz="2400" dirty="0" smtClean="0"/>
-              <a:t>more negative </a:t>
-            </a:r>
-            <a:r>
-              <a:rPr lang="en-US" sz="2400" dirty="0" smtClean="0"/>
-              <a:t>this average is, </a:t>
-            </a:r>
-            <a:r>
-              <a:rPr lang="en-US" sz="2400" dirty="0" smtClean="0"/>
-              <a:t>the smaller your bonus payment will be. The more positive </a:t>
-            </a:r>
-            <a:r>
-              <a:rPr lang="en-US" sz="2400" dirty="0" smtClean="0"/>
-              <a:t>this average is, the </a:t>
-            </a:r>
-            <a:r>
-              <a:rPr lang="en-US" sz="2400" dirty="0" smtClean="0"/>
-              <a:t>larger your bonus payment will be.</a:t>
+              <a:t>his average can be either positive or negative. The more negative this average is, the smaller your bonus payment will be. The more positive this average is, the larger your bonus payment will be.</a:t>
             </a:r>
           </a:p>
           <a:p>
@@ -10019,7 +9978,6 @@
               <a:rPr lang="en-GB" sz="2000" dirty="0" smtClean="0"/>
               <a:t>maximize collection of positive points and minimize collection of negative points.</a:t>
             </a:r>
-            <a:endParaRPr lang="en-GB" sz="2000" dirty="0" smtClean="0"/>
           </a:p>
           <a:p>
             <a:r>

--- a/Stimuli/uws_instr_slides.pptx
+++ b/Stimuli/uws_instr_slides.pptx
@@ -231,7 +231,7 @@
           <a:p>
             <a:fld id="{13EAB001-375A-47A6-A0AF-DD7CD76DA757}" type="datetimeFigureOut">
               <a:rPr lang="en-GB" smtClean="0"/>
-              <a:t>14/08/2019</a:t>
+              <a:t>19/08/2019</a:t>
             </a:fld>
             <a:endParaRPr lang="en-GB"/>
           </a:p>
@@ -932,7 +932,7 @@
           <a:p>
             <a:fld id="{538185A6-F7C7-2D4F-BA59-879D5B10606E}" type="datetimeFigureOut">
               <a:rPr lang="en-US" smtClean="0"/>
-              <a:t>8/14/2019</a:t>
+              <a:t>8/19/2019</a:t>
             </a:fld>
             <a:endParaRPr lang="en-US"/>
           </a:p>
@@ -1102,7 +1102,7 @@
           <a:p>
             <a:fld id="{538185A6-F7C7-2D4F-BA59-879D5B10606E}" type="datetimeFigureOut">
               <a:rPr lang="en-US" smtClean="0"/>
-              <a:t>8/14/2019</a:t>
+              <a:t>8/19/2019</a:t>
             </a:fld>
             <a:endParaRPr lang="en-US"/>
           </a:p>
@@ -1282,7 +1282,7 @@
           <a:p>
             <a:fld id="{538185A6-F7C7-2D4F-BA59-879D5B10606E}" type="datetimeFigureOut">
               <a:rPr lang="en-US" smtClean="0"/>
-              <a:t>8/14/2019</a:t>
+              <a:t>8/19/2019</a:t>
             </a:fld>
             <a:endParaRPr lang="en-US"/>
           </a:p>
@@ -1452,7 +1452,7 @@
           <a:p>
             <a:fld id="{538185A6-F7C7-2D4F-BA59-879D5B10606E}" type="datetimeFigureOut">
               <a:rPr lang="en-US" smtClean="0"/>
-              <a:t>8/14/2019</a:t>
+              <a:t>8/19/2019</a:t>
             </a:fld>
             <a:endParaRPr lang="en-US"/>
           </a:p>
@@ -1698,7 +1698,7 @@
           <a:p>
             <a:fld id="{538185A6-F7C7-2D4F-BA59-879D5B10606E}" type="datetimeFigureOut">
               <a:rPr lang="en-US" smtClean="0"/>
-              <a:t>8/14/2019</a:t>
+              <a:t>8/19/2019</a:t>
             </a:fld>
             <a:endParaRPr lang="en-US"/>
           </a:p>
@@ -1986,7 +1986,7 @@
           <a:p>
             <a:fld id="{538185A6-F7C7-2D4F-BA59-879D5B10606E}" type="datetimeFigureOut">
               <a:rPr lang="en-US" smtClean="0"/>
-              <a:t>8/14/2019</a:t>
+              <a:t>8/19/2019</a:t>
             </a:fld>
             <a:endParaRPr lang="en-US"/>
           </a:p>
@@ -2408,7 +2408,7 @@
           <a:p>
             <a:fld id="{538185A6-F7C7-2D4F-BA59-879D5B10606E}" type="datetimeFigureOut">
               <a:rPr lang="en-US" smtClean="0"/>
-              <a:t>8/14/2019</a:t>
+              <a:t>8/19/2019</a:t>
             </a:fld>
             <a:endParaRPr lang="en-US"/>
           </a:p>
@@ -2526,7 +2526,7 @@
           <a:p>
             <a:fld id="{538185A6-F7C7-2D4F-BA59-879D5B10606E}" type="datetimeFigureOut">
               <a:rPr lang="en-US" smtClean="0"/>
-              <a:t>8/14/2019</a:t>
+              <a:t>8/19/2019</a:t>
             </a:fld>
             <a:endParaRPr lang="en-US"/>
           </a:p>
@@ -2621,7 +2621,7 @@
           <a:p>
             <a:fld id="{538185A6-F7C7-2D4F-BA59-879D5B10606E}" type="datetimeFigureOut">
               <a:rPr lang="en-US" smtClean="0"/>
-              <a:t>8/14/2019</a:t>
+              <a:t>8/19/2019</a:t>
             </a:fld>
             <a:endParaRPr lang="en-US"/>
           </a:p>
@@ -2898,7 +2898,7 @@
           <a:p>
             <a:fld id="{538185A6-F7C7-2D4F-BA59-879D5B10606E}" type="datetimeFigureOut">
               <a:rPr lang="en-US" smtClean="0"/>
-              <a:t>8/14/2019</a:t>
+              <a:t>8/19/2019</a:t>
             </a:fld>
             <a:endParaRPr lang="en-US"/>
           </a:p>
@@ -3151,7 +3151,7 @@
           <a:p>
             <a:fld id="{538185A6-F7C7-2D4F-BA59-879D5B10606E}" type="datetimeFigureOut">
               <a:rPr lang="en-US" smtClean="0"/>
-              <a:t>8/14/2019</a:t>
+              <a:t>8/19/2019</a:t>
             </a:fld>
             <a:endParaRPr lang="en-US"/>
           </a:p>
@@ -3364,7 +3364,7 @@
           <a:p>
             <a:fld id="{538185A6-F7C7-2D4F-BA59-879D5B10606E}" type="datetimeFigureOut">
               <a:rPr lang="en-US" smtClean="0"/>
-              <a:t>8/14/2019</a:t>
+              <a:t>8/19/2019</a:t>
             </a:fld>
             <a:endParaRPr lang="en-US"/>
           </a:p>
@@ -4552,7 +4552,7 @@
         </p:spPr>
         <p:txBody>
           <a:bodyPr>
-            <a:normAutofit fontScale="70000" lnSpcReduction="20000"/>
+            <a:normAutofit fontScale="62500" lnSpcReduction="20000"/>
           </a:bodyPr>
           <a:lstStyle/>
           <a:p>
@@ -4670,12 +4670,20 @@
           </a:p>
           <a:p>
             <a:r>
+              <a:rPr lang="en-GB" dirty="0" smtClean="0"/>
+              <a:t>To get the largest bonus, you must </a:t>
+            </a:r>
+            <a:r>
               <a:rPr lang="en-GB" dirty="0"/>
-              <a:t>Try to make decisions that will </a:t>
+              <a:t>make decisions that </a:t>
             </a:r>
             <a:r>
               <a:rPr lang="en-GB" dirty="0" smtClean="0"/>
-              <a:t>maximize collection of positive points and minimize collection of negative points.</a:t>
+              <a:t>maximize </a:t>
+            </a:r>
+            <a:r>
+              <a:rPr lang="en-GB" dirty="0" smtClean="0"/>
+              <a:t>collection of positive points and minimize collection of negative points.</a:t>
             </a:r>
             <a:endParaRPr lang="en-GB" dirty="0"/>
           </a:p>
@@ -5386,7 +5394,837 @@
       </p:sp>
       <p:sp>
         <p:nvSpPr>
-          <p:cNvPr id="33" name="Content Placeholder 2"/>
+          <p:cNvPr id="25" name="Content Placeholder 2"/>
+          <p:cNvSpPr>
+            <a:spLocks noGrp="1"/>
+          </p:cNvSpPr>
+          <p:nvPr>
+            <p:ph idx="1"/>
+          </p:nvPr>
+        </p:nvSpPr>
+        <p:spPr>
+          <a:xfrm>
+            <a:off x="248337" y="651884"/>
+            <a:ext cx="5759726" cy="5783666"/>
+          </a:xfrm>
+        </p:spPr>
+        <p:txBody>
+          <a:bodyPr>
+            <a:normAutofit fontScale="62500" lnSpcReduction="20000"/>
+          </a:bodyPr>
+          <a:lstStyle/>
+          <a:p>
+            <a:r>
+              <a:rPr lang="en-GB" dirty="0" smtClean="0"/>
+              <a:t>Great job!</a:t>
+            </a:r>
+          </a:p>
+          <a:p>
+            <a:r>
+              <a:rPr lang="en-GB" dirty="0" smtClean="0"/>
+              <a:t>In </a:t>
+            </a:r>
+            <a:r>
+              <a:rPr lang="en-GB" dirty="0"/>
+              <a:t>the second type of game, you’ll make a </a:t>
+            </a:r>
+            <a:r>
+              <a:rPr lang="en-GB" b="1" dirty="0"/>
+              <a:t>choice</a:t>
+            </a:r>
+            <a:r>
+              <a:rPr lang="en-GB" dirty="0"/>
+              <a:t> between two slot machines</a:t>
+            </a:r>
+            <a:r>
+              <a:rPr lang="en-GB" dirty="0" smtClean="0"/>
+              <a:t>. Press </a:t>
+            </a:r>
+            <a:r>
+              <a:rPr lang="en-GB" b="1" dirty="0" smtClean="0"/>
+              <a:t>1</a:t>
+            </a:r>
+            <a:r>
+              <a:rPr lang="en-GB" dirty="0" smtClean="0"/>
+              <a:t> to choose the machine on the </a:t>
+            </a:r>
+            <a:r>
+              <a:rPr lang="en-GB" b="1" dirty="0" smtClean="0"/>
+              <a:t>LEFT</a:t>
+            </a:r>
+            <a:r>
+              <a:rPr lang="en-GB" dirty="0" smtClean="0"/>
+              <a:t> and </a:t>
+            </a:r>
+            <a:r>
+              <a:rPr lang="en-GB" b="1" dirty="0" smtClean="0"/>
+              <a:t>2</a:t>
+            </a:r>
+            <a:r>
+              <a:rPr lang="en-GB" dirty="0" smtClean="0"/>
+              <a:t> to choose the machine on the </a:t>
+            </a:r>
+            <a:r>
+              <a:rPr lang="en-GB" b="1" dirty="0" smtClean="0"/>
+              <a:t>RIGHT</a:t>
+            </a:r>
+            <a:r>
+              <a:rPr lang="en-GB" dirty="0" smtClean="0"/>
+              <a:t>. </a:t>
+            </a:r>
+          </a:p>
+          <a:p>
+            <a:r>
+              <a:rPr lang="en-GB" dirty="0" smtClean="0"/>
+              <a:t>The </a:t>
+            </a:r>
+            <a:r>
+              <a:rPr lang="en-GB" dirty="0"/>
+              <a:t>slot machine that you </a:t>
+            </a:r>
+            <a:r>
+              <a:rPr lang="en-GB" dirty="0" smtClean="0"/>
+              <a:t>chose </a:t>
+            </a:r>
+            <a:r>
+              <a:rPr lang="en-GB" dirty="0"/>
+              <a:t>will then provide a banknote. The </a:t>
+            </a:r>
+            <a:r>
+              <a:rPr lang="en-GB" b="1" dirty="0"/>
+              <a:t>chances</a:t>
+            </a:r>
+            <a:r>
+              <a:rPr lang="en-GB" dirty="0"/>
+              <a:t> of it providing either banknote </a:t>
+            </a:r>
+            <a:r>
+              <a:rPr lang="en-GB" dirty="0" smtClean="0"/>
+              <a:t>will be </a:t>
+            </a:r>
+            <a:r>
+              <a:rPr lang="en-GB" dirty="0"/>
+              <a:t>the </a:t>
+            </a:r>
+            <a:r>
+              <a:rPr lang="en-GB" b="1" dirty="0"/>
+              <a:t>same</a:t>
+            </a:r>
+            <a:r>
+              <a:rPr lang="en-GB" dirty="0"/>
+              <a:t> as it </a:t>
+            </a:r>
+            <a:r>
+              <a:rPr lang="en-GB" dirty="0" smtClean="0"/>
+              <a:t>is for other type of game that you just played.</a:t>
+            </a:r>
+            <a:endParaRPr lang="en-GB" dirty="0"/>
+          </a:p>
+          <a:p>
+            <a:r>
+              <a:rPr lang="en-GB" dirty="0"/>
+              <a:t>Before you decide, you’ll be shown the number of points that either banknote would provide if it were collected on that game (two example games are shown on the right). This will be different for each game.</a:t>
+            </a:r>
+          </a:p>
+          <a:p>
+            <a:r>
+              <a:rPr lang="en-GB" dirty="0" smtClean="0"/>
+              <a:t>To get the largest bonus, you must </a:t>
+            </a:r>
+            <a:r>
+              <a:rPr lang="en-GB" dirty="0"/>
+              <a:t>make decisions that </a:t>
+            </a:r>
+            <a:r>
+              <a:rPr lang="en-GB" dirty="0" smtClean="0"/>
+              <a:t>maximize </a:t>
+            </a:r>
+            <a:r>
+              <a:rPr lang="en-GB" dirty="0" smtClean="0"/>
+              <a:t>collection of positive points and minimize collection of negative points.</a:t>
+            </a:r>
+            <a:endParaRPr lang="en-GB" dirty="0"/>
+          </a:p>
+          <a:p>
+            <a:r>
+              <a:rPr lang="en-GB" dirty="0"/>
+              <a:t>Let’s practice a few of these games.</a:t>
+            </a:r>
+          </a:p>
+        </p:txBody>
+      </p:sp>
+    </p:spTree>
+    <p:extLst>
+      <p:ext uri="{BB962C8B-B14F-4D97-AF65-F5344CB8AC3E}">
+        <p14:creationId xmlns:p14="http://schemas.microsoft.com/office/powerpoint/2010/main" val="4192943561"/>
+      </p:ext>
+    </p:extLst>
+  </p:cSld>
+  <p:clrMapOvr>
+    <a:masterClrMapping/>
+  </p:clrMapOvr>
+  <p:timing>
+    <p:tnLst>
+      <p:par>
+        <p:cTn id="1" dur="indefinite" restart="never" nodeType="tmRoot"/>
+      </p:par>
+    </p:tnLst>
+  </p:timing>
+</p:sld>
+</file>
+
+<file path=ppt/slides/slide13.xml><?xml version="1.0" encoding="utf-8"?>
+<p:sld xmlns:a="http://schemas.openxmlformats.org/drawingml/2006/main" xmlns:r="http://schemas.openxmlformats.org/officeDocument/2006/relationships" xmlns:p="http://schemas.openxmlformats.org/presentationml/2006/main">
+  <p:cSld>
+    <p:spTree>
+      <p:nvGrpSpPr>
+        <p:cNvPr id="1" name=""/>
+        <p:cNvGrpSpPr/>
+        <p:nvPr/>
+      </p:nvGrpSpPr>
+      <p:grpSpPr>
+        <a:xfrm>
+          <a:off x="0" y="0"/>
+          <a:ext cx="0" cy="0"/>
+          <a:chOff x="0" y="0"/>
+          <a:chExt cx="0" cy="0"/>
+        </a:xfrm>
+      </p:grpSpPr>
+      <p:sp>
+        <p:nvSpPr>
+          <p:cNvPr id="5" name="Rectangle 4"/>
+          <p:cNvSpPr/>
+          <p:nvPr/>
+        </p:nvSpPr>
+        <p:spPr>
+          <a:xfrm>
+            <a:off x="6416963" y="724493"/>
+            <a:ext cx="2079057" cy="1777830"/>
+          </a:xfrm>
+          <a:prstGeom prst="rect">
+            <a:avLst/>
+          </a:prstGeom>
+          <a:solidFill>
+            <a:srgbClr val="252533"/>
+          </a:solidFill>
+        </p:spPr>
+        <p:style>
+          <a:lnRef idx="1">
+            <a:schemeClr val="accent1"/>
+          </a:lnRef>
+          <a:fillRef idx="3">
+            <a:schemeClr val="accent1"/>
+          </a:fillRef>
+          <a:effectRef idx="2">
+            <a:schemeClr val="accent1"/>
+          </a:effectRef>
+          <a:fontRef idx="minor">
+            <a:schemeClr val="lt1"/>
+          </a:fontRef>
+        </p:style>
+        <p:txBody>
+          <a:bodyPr rtlCol="0" anchor="ctr"/>
+          <a:lstStyle/>
+          <a:p>
+            <a:pPr algn="ctr"/>
+            <a:endParaRPr lang="en-GB"/>
+          </a:p>
+        </p:txBody>
+      </p:sp>
+      <p:sp>
+        <p:nvSpPr>
+          <p:cNvPr id="6" name="Rectangle 5"/>
+          <p:cNvSpPr/>
+          <p:nvPr/>
+        </p:nvSpPr>
+        <p:spPr>
+          <a:xfrm>
+            <a:off x="6659024" y="782976"/>
+            <a:ext cx="1512000" cy="828000"/>
+          </a:xfrm>
+          <a:prstGeom prst="rect">
+            <a:avLst/>
+          </a:prstGeom>
+          <a:solidFill>
+            <a:srgbClr val="635C52"/>
+          </a:solidFill>
+        </p:spPr>
+        <p:style>
+          <a:lnRef idx="1">
+            <a:schemeClr val="accent1"/>
+          </a:lnRef>
+          <a:fillRef idx="3">
+            <a:schemeClr val="accent1"/>
+          </a:fillRef>
+          <a:effectRef idx="2">
+            <a:schemeClr val="accent1"/>
+          </a:effectRef>
+          <a:fontRef idx="minor">
+            <a:schemeClr val="lt1"/>
+          </a:fontRef>
+        </p:style>
+        <p:txBody>
+          <a:bodyPr rtlCol="0" anchor="ctr"/>
+          <a:lstStyle/>
+          <a:p>
+            <a:pPr algn="ctr"/>
+            <a:endParaRPr lang="en-GB"/>
+          </a:p>
+        </p:txBody>
+      </p:sp>
+      <p:sp>
+        <p:nvSpPr>
+          <p:cNvPr id="7" name="TextBox 6"/>
+          <p:cNvSpPr txBox="1"/>
+          <p:nvPr/>
+        </p:nvSpPr>
+        <p:spPr>
+          <a:xfrm>
+            <a:off x="7545887" y="1099877"/>
+            <a:ext cx="577929" cy="369332"/>
+          </a:xfrm>
+          <a:prstGeom prst="rect">
+            <a:avLst/>
+          </a:prstGeom>
+          <a:noFill/>
+        </p:spPr>
+        <p:txBody>
+          <a:bodyPr wrap="square" rtlCol="0">
+            <a:spAutoFit/>
+          </a:bodyPr>
+          <a:lstStyle/>
+          <a:p>
+            <a:r>
+              <a:rPr lang="en-GB" dirty="0" smtClean="0">
+                <a:solidFill>
+                  <a:srgbClr val="FFFF00"/>
+                </a:solidFill>
+              </a:rPr>
+              <a:t>10</a:t>
+            </a:r>
+            <a:endParaRPr lang="en-GB" dirty="0">
+              <a:solidFill>
+                <a:srgbClr val="FFFF00"/>
+              </a:solidFill>
+            </a:endParaRPr>
+          </a:p>
+        </p:txBody>
+      </p:sp>
+      <p:sp>
+        <p:nvSpPr>
+          <p:cNvPr id="9" name="Rectangle 8"/>
+          <p:cNvSpPr/>
+          <p:nvPr/>
+        </p:nvSpPr>
+        <p:spPr>
+          <a:xfrm>
+            <a:off x="6251481" y="2532066"/>
+            <a:ext cx="2825141" cy="1015663"/>
+          </a:xfrm>
+          <a:prstGeom prst="rect">
+            <a:avLst/>
+          </a:prstGeom>
+        </p:spPr>
+        <p:txBody>
+          <a:bodyPr wrap="square">
+            <a:spAutoFit/>
+          </a:bodyPr>
+          <a:lstStyle/>
+          <a:p>
+            <a:r>
+              <a:rPr lang="en-GB" sz="1200" dirty="0" smtClean="0"/>
+              <a:t>This screen from a hypothetical game that for this game, collecting the GIRL banknote would add 10 points and collecting the HOUSE banknote would add 0 points to your collection.</a:t>
+            </a:r>
+          </a:p>
+        </p:txBody>
+      </p:sp>
+      <p:sp>
+        <p:nvSpPr>
+          <p:cNvPr id="10" name="Rectangle 9"/>
+          <p:cNvSpPr/>
+          <p:nvPr/>
+        </p:nvSpPr>
+        <p:spPr>
+          <a:xfrm>
+            <a:off x="6132829" y="313330"/>
+            <a:ext cx="1952586" cy="338554"/>
+          </a:xfrm>
+          <a:prstGeom prst="rect">
+            <a:avLst/>
+          </a:prstGeom>
+        </p:spPr>
+        <p:txBody>
+          <a:bodyPr wrap="none">
+            <a:spAutoFit/>
+          </a:bodyPr>
+          <a:lstStyle/>
+          <a:p>
+            <a:r>
+              <a:rPr lang="en-GB" sz="1600" dirty="0" smtClean="0"/>
+              <a:t>Hypothetical game 1:</a:t>
+            </a:r>
+            <a:endParaRPr lang="en-GB" sz="1600" dirty="0"/>
+          </a:p>
+        </p:txBody>
+      </p:sp>
+      <p:sp>
+        <p:nvSpPr>
+          <p:cNvPr id="11" name="Rectangle 10"/>
+          <p:cNvSpPr/>
+          <p:nvPr/>
+        </p:nvSpPr>
+        <p:spPr>
+          <a:xfrm>
+            <a:off x="6663338" y="1643293"/>
+            <a:ext cx="1512000" cy="828000"/>
+          </a:xfrm>
+          <a:prstGeom prst="rect">
+            <a:avLst/>
+          </a:prstGeom>
+          <a:solidFill>
+            <a:srgbClr val="635C52"/>
+          </a:solidFill>
+        </p:spPr>
+        <p:style>
+          <a:lnRef idx="1">
+            <a:schemeClr val="accent1"/>
+          </a:lnRef>
+          <a:fillRef idx="3">
+            <a:schemeClr val="accent1"/>
+          </a:fillRef>
+          <a:effectRef idx="2">
+            <a:schemeClr val="accent1"/>
+          </a:effectRef>
+          <a:fontRef idx="minor">
+            <a:schemeClr val="lt1"/>
+          </a:fontRef>
+        </p:style>
+        <p:txBody>
+          <a:bodyPr rtlCol="0" anchor="ctr"/>
+          <a:lstStyle/>
+          <a:p>
+            <a:pPr algn="ctr"/>
+            <a:endParaRPr lang="en-GB"/>
+          </a:p>
+        </p:txBody>
+      </p:sp>
+      <p:sp>
+        <p:nvSpPr>
+          <p:cNvPr id="12" name="TextBox 11"/>
+          <p:cNvSpPr txBox="1"/>
+          <p:nvPr/>
+        </p:nvSpPr>
+        <p:spPr>
+          <a:xfrm>
+            <a:off x="7573605" y="1858101"/>
+            <a:ext cx="577929" cy="369332"/>
+          </a:xfrm>
+          <a:prstGeom prst="rect">
+            <a:avLst/>
+          </a:prstGeom>
+          <a:noFill/>
+        </p:spPr>
+        <p:txBody>
+          <a:bodyPr wrap="square" rtlCol="0">
+            <a:spAutoFit/>
+          </a:bodyPr>
+          <a:lstStyle/>
+          <a:p>
+            <a:r>
+              <a:rPr lang="en-GB" dirty="0" smtClean="0">
+                <a:solidFill>
+                  <a:srgbClr val="FFFF00"/>
+                </a:solidFill>
+              </a:rPr>
+              <a:t>0</a:t>
+            </a:r>
+            <a:endParaRPr lang="en-GB" dirty="0">
+              <a:solidFill>
+                <a:srgbClr val="FFFF00"/>
+              </a:solidFill>
+            </a:endParaRPr>
+          </a:p>
+        </p:txBody>
+      </p:sp>
+      <p:sp>
+        <p:nvSpPr>
+          <p:cNvPr id="19" name="Rectangle 18"/>
+          <p:cNvSpPr/>
+          <p:nvPr/>
+        </p:nvSpPr>
+        <p:spPr>
+          <a:xfrm>
+            <a:off x="6368837" y="3807357"/>
+            <a:ext cx="2079057" cy="1777830"/>
+          </a:xfrm>
+          <a:prstGeom prst="rect">
+            <a:avLst/>
+          </a:prstGeom>
+          <a:solidFill>
+            <a:srgbClr val="252533"/>
+          </a:solidFill>
+        </p:spPr>
+        <p:style>
+          <a:lnRef idx="1">
+            <a:schemeClr val="accent1"/>
+          </a:lnRef>
+          <a:fillRef idx="3">
+            <a:schemeClr val="accent1"/>
+          </a:fillRef>
+          <a:effectRef idx="2">
+            <a:schemeClr val="accent1"/>
+          </a:effectRef>
+          <a:fontRef idx="minor">
+            <a:schemeClr val="lt1"/>
+          </a:fontRef>
+        </p:style>
+        <p:txBody>
+          <a:bodyPr rtlCol="0" anchor="ctr"/>
+          <a:lstStyle/>
+          <a:p>
+            <a:pPr algn="ctr"/>
+            <a:endParaRPr lang="en-GB"/>
+          </a:p>
+        </p:txBody>
+      </p:sp>
+      <p:sp>
+        <p:nvSpPr>
+          <p:cNvPr id="20" name="Rectangle 19"/>
+          <p:cNvSpPr/>
+          <p:nvPr/>
+        </p:nvSpPr>
+        <p:spPr>
+          <a:xfrm>
+            <a:off x="6601273" y="3836962"/>
+            <a:ext cx="1512000" cy="828000"/>
+          </a:xfrm>
+          <a:prstGeom prst="rect">
+            <a:avLst/>
+          </a:prstGeom>
+          <a:solidFill>
+            <a:srgbClr val="635C52"/>
+          </a:solidFill>
+        </p:spPr>
+        <p:style>
+          <a:lnRef idx="1">
+            <a:schemeClr val="accent1"/>
+          </a:lnRef>
+          <a:fillRef idx="3">
+            <a:schemeClr val="accent1"/>
+          </a:fillRef>
+          <a:effectRef idx="2">
+            <a:schemeClr val="accent1"/>
+          </a:effectRef>
+          <a:fontRef idx="minor">
+            <a:schemeClr val="lt1"/>
+          </a:fontRef>
+        </p:style>
+        <p:txBody>
+          <a:bodyPr rtlCol="0" anchor="ctr"/>
+          <a:lstStyle/>
+          <a:p>
+            <a:pPr algn="ctr"/>
+            <a:endParaRPr lang="en-GB"/>
+          </a:p>
+        </p:txBody>
+      </p:sp>
+      <p:sp>
+        <p:nvSpPr>
+          <p:cNvPr id="21" name="TextBox 20"/>
+          <p:cNvSpPr txBox="1"/>
+          <p:nvPr/>
+        </p:nvSpPr>
+        <p:spPr>
+          <a:xfrm>
+            <a:off x="7488136" y="4153863"/>
+            <a:ext cx="577929" cy="369332"/>
+          </a:xfrm>
+          <a:prstGeom prst="rect">
+            <a:avLst/>
+          </a:prstGeom>
+          <a:noFill/>
+        </p:spPr>
+        <p:txBody>
+          <a:bodyPr wrap="square" rtlCol="0">
+            <a:spAutoFit/>
+          </a:bodyPr>
+          <a:lstStyle/>
+          <a:p>
+            <a:r>
+              <a:rPr lang="en-GB" dirty="0" smtClean="0">
+                <a:solidFill>
+                  <a:srgbClr val="FFFF00"/>
+                </a:solidFill>
+              </a:rPr>
+              <a:t>-10</a:t>
+            </a:r>
+            <a:endParaRPr lang="en-GB" dirty="0">
+              <a:solidFill>
+                <a:srgbClr val="FFFF00"/>
+              </a:solidFill>
+            </a:endParaRPr>
+          </a:p>
+        </p:txBody>
+      </p:sp>
+      <p:sp>
+        <p:nvSpPr>
+          <p:cNvPr id="23" name="Rectangle 22"/>
+          <p:cNvSpPr/>
+          <p:nvPr/>
+        </p:nvSpPr>
+        <p:spPr>
+          <a:xfrm>
+            <a:off x="6605587" y="4697279"/>
+            <a:ext cx="1512000" cy="828000"/>
+          </a:xfrm>
+          <a:prstGeom prst="rect">
+            <a:avLst/>
+          </a:prstGeom>
+          <a:solidFill>
+            <a:srgbClr val="635C52"/>
+          </a:solidFill>
+        </p:spPr>
+        <p:style>
+          <a:lnRef idx="1">
+            <a:schemeClr val="accent1"/>
+          </a:lnRef>
+          <a:fillRef idx="3">
+            <a:schemeClr val="accent1"/>
+          </a:fillRef>
+          <a:effectRef idx="2">
+            <a:schemeClr val="accent1"/>
+          </a:effectRef>
+          <a:fontRef idx="minor">
+            <a:schemeClr val="lt1"/>
+          </a:fontRef>
+        </p:style>
+        <p:txBody>
+          <a:bodyPr rtlCol="0" anchor="ctr"/>
+          <a:lstStyle/>
+          <a:p>
+            <a:pPr algn="ctr"/>
+            <a:endParaRPr lang="en-GB"/>
+          </a:p>
+        </p:txBody>
+      </p:sp>
+      <p:sp>
+        <p:nvSpPr>
+          <p:cNvPr id="24" name="TextBox 23"/>
+          <p:cNvSpPr txBox="1"/>
+          <p:nvPr/>
+        </p:nvSpPr>
+        <p:spPr>
+          <a:xfrm>
+            <a:off x="7515854" y="4912087"/>
+            <a:ext cx="577929" cy="369332"/>
+          </a:xfrm>
+          <a:prstGeom prst="rect">
+            <a:avLst/>
+          </a:prstGeom>
+          <a:noFill/>
+        </p:spPr>
+        <p:txBody>
+          <a:bodyPr wrap="square" rtlCol="0">
+            <a:spAutoFit/>
+          </a:bodyPr>
+          <a:lstStyle/>
+          <a:p>
+            <a:r>
+              <a:rPr lang="en-GB" dirty="0" smtClean="0">
+                <a:solidFill>
+                  <a:srgbClr val="FFFF00"/>
+                </a:solidFill>
+              </a:rPr>
+              <a:t>-5</a:t>
+            </a:r>
+            <a:endParaRPr lang="en-GB" dirty="0">
+              <a:solidFill>
+                <a:srgbClr val="FFFF00"/>
+              </a:solidFill>
+            </a:endParaRPr>
+          </a:p>
+        </p:txBody>
+      </p:sp>
+      <p:sp>
+        <p:nvSpPr>
+          <p:cNvPr id="26" name="Rectangle 25"/>
+          <p:cNvSpPr/>
+          <p:nvPr/>
+        </p:nvSpPr>
+        <p:spPr>
+          <a:xfrm>
+            <a:off x="6285563" y="5691962"/>
+            <a:ext cx="2848812" cy="1015663"/>
+          </a:xfrm>
+          <a:prstGeom prst="rect">
+            <a:avLst/>
+          </a:prstGeom>
+        </p:spPr>
+        <p:txBody>
+          <a:bodyPr wrap="square">
+            <a:spAutoFit/>
+          </a:bodyPr>
+          <a:lstStyle/>
+          <a:p>
+            <a:r>
+              <a:rPr lang="en-GB" sz="1200" dirty="0" smtClean="0"/>
+              <a:t>This screen from a hypothetical game that for this game, collecting the GIRL banknote would take away 10 points and collecting the HOUSE banknote take away 5 points from your collection.</a:t>
+            </a:r>
+          </a:p>
+        </p:txBody>
+      </p:sp>
+      <p:sp>
+        <p:nvSpPr>
+          <p:cNvPr id="27" name="Rectangle 26"/>
+          <p:cNvSpPr/>
+          <p:nvPr/>
+        </p:nvSpPr>
+        <p:spPr>
+          <a:xfrm>
+            <a:off x="6131250" y="3475973"/>
+            <a:ext cx="1952586" cy="338554"/>
+          </a:xfrm>
+          <a:prstGeom prst="rect">
+            <a:avLst/>
+          </a:prstGeom>
+        </p:spPr>
+        <p:txBody>
+          <a:bodyPr wrap="none">
+            <a:spAutoFit/>
+          </a:bodyPr>
+          <a:lstStyle/>
+          <a:p>
+            <a:r>
+              <a:rPr lang="en-GB" sz="1600" dirty="0" smtClean="0"/>
+              <a:t>Hypothetical game 2:</a:t>
+            </a:r>
+            <a:endParaRPr lang="en-GB" sz="1600" dirty="0"/>
+          </a:p>
+        </p:txBody>
+      </p:sp>
+      <p:pic>
+        <p:nvPicPr>
+          <p:cNvPr id="28" name="Picture 27"/>
+          <p:cNvPicPr>
+            <a:picLocks noChangeAspect="1"/>
+          </p:cNvPicPr>
+          <p:nvPr/>
+        </p:nvPicPr>
+        <p:blipFill>
+          <a:blip r:embed="rId2">
+            <a:extLst>
+              <a:ext uri="{28A0092B-C50C-407E-A947-70E740481C1C}">
+                <a14:useLocalDpi xmlns:a14="http://schemas.microsoft.com/office/drawing/2010/main" val="0"/>
+              </a:ext>
+            </a:extLst>
+          </a:blip>
+          <a:stretch>
+            <a:fillRect/>
+          </a:stretch>
+        </p:blipFill>
+        <p:spPr>
+          <a:xfrm>
+            <a:off x="6776472" y="1699126"/>
+            <a:ext cx="684000" cy="684000"/>
+          </a:xfrm>
+          <a:prstGeom prst="rect">
+            <a:avLst/>
+          </a:prstGeom>
+        </p:spPr>
+      </p:pic>
+      <p:pic>
+        <p:nvPicPr>
+          <p:cNvPr id="29" name="Picture 28"/>
+          <p:cNvPicPr>
+            <a:picLocks noChangeAspect="1"/>
+          </p:cNvPicPr>
+          <p:nvPr/>
+        </p:nvPicPr>
+        <p:blipFill>
+          <a:blip r:embed="rId2">
+            <a:extLst>
+              <a:ext uri="{28A0092B-C50C-407E-A947-70E740481C1C}">
+                <a14:useLocalDpi xmlns:a14="http://schemas.microsoft.com/office/drawing/2010/main" val="0"/>
+              </a:ext>
+            </a:extLst>
+          </a:blip>
+          <a:stretch>
+            <a:fillRect/>
+          </a:stretch>
+        </p:blipFill>
+        <p:spPr>
+          <a:xfrm>
+            <a:off x="6746293" y="4773637"/>
+            <a:ext cx="684000" cy="684000"/>
+          </a:xfrm>
+          <a:prstGeom prst="rect">
+            <a:avLst/>
+          </a:prstGeom>
+        </p:spPr>
+      </p:pic>
+      <p:pic>
+        <p:nvPicPr>
+          <p:cNvPr id="25" name="Picture 24"/>
+          <p:cNvPicPr>
+            <a:picLocks noChangeAspect="1"/>
+          </p:cNvPicPr>
+          <p:nvPr/>
+        </p:nvPicPr>
+        <p:blipFill>
+          <a:blip r:embed="rId3">
+            <a:extLst>
+              <a:ext uri="{28A0092B-C50C-407E-A947-70E740481C1C}">
+                <a14:useLocalDpi xmlns:a14="http://schemas.microsoft.com/office/drawing/2010/main" val="0"/>
+              </a:ext>
+            </a:extLst>
+          </a:blip>
+          <a:stretch>
+            <a:fillRect/>
+          </a:stretch>
+        </p:blipFill>
+        <p:spPr>
+          <a:xfrm>
+            <a:off x="6799913" y="859253"/>
+            <a:ext cx="684000" cy="684000"/>
+          </a:xfrm>
+          <a:prstGeom prst="rect">
+            <a:avLst/>
+          </a:prstGeom>
+        </p:spPr>
+      </p:pic>
+      <p:pic>
+        <p:nvPicPr>
+          <p:cNvPr id="30" name="Picture 29"/>
+          <p:cNvPicPr>
+            <a:picLocks noChangeAspect="1"/>
+          </p:cNvPicPr>
+          <p:nvPr/>
+        </p:nvPicPr>
+        <p:blipFill>
+          <a:blip r:embed="rId3">
+            <a:extLst>
+              <a:ext uri="{28A0092B-C50C-407E-A947-70E740481C1C}">
+                <a14:useLocalDpi xmlns:a14="http://schemas.microsoft.com/office/drawing/2010/main" val="0"/>
+              </a:ext>
+            </a:extLst>
+          </a:blip>
+          <a:stretch>
+            <a:fillRect/>
+          </a:stretch>
+        </p:blipFill>
+        <p:spPr>
+          <a:xfrm>
+            <a:off x="6731024" y="3902073"/>
+            <a:ext cx="684000" cy="684000"/>
+          </a:xfrm>
+          <a:prstGeom prst="rect">
+            <a:avLst/>
+          </a:prstGeom>
+        </p:spPr>
+      </p:pic>
+      <p:sp>
+        <p:nvSpPr>
+          <p:cNvPr id="31" name="Content Placeholder 2"/>
           <p:cNvSpPr txBox="1">
             <a:spLocks/>
           </p:cNvSpPr>
@@ -5403,7 +6241,7 @@
         </p:spPr>
         <p:txBody>
           <a:bodyPr vert="horz" lIns="91440" tIns="45720" rIns="91440" bIns="45720" rtlCol="0">
-            <a:normAutofit fontScale="70000" lnSpcReduction="20000"/>
+            <a:normAutofit fontScale="62500" lnSpcReduction="20000"/>
           </a:bodyPr>
           <a:lstStyle>
             <a:lvl1pPr marL="342900" indent="-342900" algn="l" defTabSz="457200" rtl="0" eaLnBrk="1" latinLnBrk="0" hangingPunct="1">
@@ -5625,7 +6463,7 @@
           <a:p>
             <a:r>
               <a:rPr lang="en-GB" smtClean="0"/>
-              <a:t>Try to make decisions that will collect positive-point banknotes and avoid negative-point banknotes.</a:t>
+              <a:t>To get the largest bonus, you must make decisions that maximize collection of positive points and minimize collection of negative points.</a:t>
             </a:r>
           </a:p>
           <a:p>
@@ -5634,823 +6472,6 @@
               <a:t>Let’s practice a few of these games.</a:t>
             </a:r>
             <a:endParaRPr lang="en-GB" dirty="0"/>
-          </a:p>
-        </p:txBody>
-      </p:sp>
-    </p:spTree>
-    <p:extLst>
-      <p:ext uri="{BB962C8B-B14F-4D97-AF65-F5344CB8AC3E}">
-        <p14:creationId xmlns:p14="http://schemas.microsoft.com/office/powerpoint/2010/main" val="4192943561"/>
-      </p:ext>
-    </p:extLst>
-  </p:cSld>
-  <p:clrMapOvr>
-    <a:masterClrMapping/>
-  </p:clrMapOvr>
-  <p:timing>
-    <p:tnLst>
-      <p:par>
-        <p:cTn id="1" dur="indefinite" restart="never" nodeType="tmRoot"/>
-      </p:par>
-    </p:tnLst>
-  </p:timing>
-</p:sld>
-</file>
-
-<file path=ppt/slides/slide13.xml><?xml version="1.0" encoding="utf-8"?>
-<p:sld xmlns:a="http://schemas.openxmlformats.org/drawingml/2006/main" xmlns:r="http://schemas.openxmlformats.org/officeDocument/2006/relationships" xmlns:p="http://schemas.openxmlformats.org/presentationml/2006/main">
-  <p:cSld>
-    <p:spTree>
-      <p:nvGrpSpPr>
-        <p:cNvPr id="1" name=""/>
-        <p:cNvGrpSpPr/>
-        <p:nvPr/>
-      </p:nvGrpSpPr>
-      <p:grpSpPr>
-        <a:xfrm>
-          <a:off x="0" y="0"/>
-          <a:ext cx="0" cy="0"/>
-          <a:chOff x="0" y="0"/>
-          <a:chExt cx="0" cy="0"/>
-        </a:xfrm>
-      </p:grpSpPr>
-      <p:sp>
-        <p:nvSpPr>
-          <p:cNvPr id="5" name="Rectangle 4"/>
-          <p:cNvSpPr/>
-          <p:nvPr/>
-        </p:nvSpPr>
-        <p:spPr>
-          <a:xfrm>
-            <a:off x="6416963" y="724493"/>
-            <a:ext cx="2079057" cy="1777830"/>
-          </a:xfrm>
-          <a:prstGeom prst="rect">
-            <a:avLst/>
-          </a:prstGeom>
-          <a:solidFill>
-            <a:srgbClr val="252533"/>
-          </a:solidFill>
-        </p:spPr>
-        <p:style>
-          <a:lnRef idx="1">
-            <a:schemeClr val="accent1"/>
-          </a:lnRef>
-          <a:fillRef idx="3">
-            <a:schemeClr val="accent1"/>
-          </a:fillRef>
-          <a:effectRef idx="2">
-            <a:schemeClr val="accent1"/>
-          </a:effectRef>
-          <a:fontRef idx="minor">
-            <a:schemeClr val="lt1"/>
-          </a:fontRef>
-        </p:style>
-        <p:txBody>
-          <a:bodyPr rtlCol="0" anchor="ctr"/>
-          <a:lstStyle/>
-          <a:p>
-            <a:pPr algn="ctr"/>
-            <a:endParaRPr lang="en-GB"/>
-          </a:p>
-        </p:txBody>
-      </p:sp>
-      <p:sp>
-        <p:nvSpPr>
-          <p:cNvPr id="6" name="Rectangle 5"/>
-          <p:cNvSpPr/>
-          <p:nvPr/>
-        </p:nvSpPr>
-        <p:spPr>
-          <a:xfrm>
-            <a:off x="6659024" y="782976"/>
-            <a:ext cx="1512000" cy="828000"/>
-          </a:xfrm>
-          <a:prstGeom prst="rect">
-            <a:avLst/>
-          </a:prstGeom>
-          <a:solidFill>
-            <a:srgbClr val="635C52"/>
-          </a:solidFill>
-        </p:spPr>
-        <p:style>
-          <a:lnRef idx="1">
-            <a:schemeClr val="accent1"/>
-          </a:lnRef>
-          <a:fillRef idx="3">
-            <a:schemeClr val="accent1"/>
-          </a:fillRef>
-          <a:effectRef idx="2">
-            <a:schemeClr val="accent1"/>
-          </a:effectRef>
-          <a:fontRef idx="minor">
-            <a:schemeClr val="lt1"/>
-          </a:fontRef>
-        </p:style>
-        <p:txBody>
-          <a:bodyPr rtlCol="0" anchor="ctr"/>
-          <a:lstStyle/>
-          <a:p>
-            <a:pPr algn="ctr"/>
-            <a:endParaRPr lang="en-GB"/>
-          </a:p>
-        </p:txBody>
-      </p:sp>
-      <p:sp>
-        <p:nvSpPr>
-          <p:cNvPr id="7" name="TextBox 6"/>
-          <p:cNvSpPr txBox="1"/>
-          <p:nvPr/>
-        </p:nvSpPr>
-        <p:spPr>
-          <a:xfrm>
-            <a:off x="7545887" y="1099877"/>
-            <a:ext cx="577929" cy="369332"/>
-          </a:xfrm>
-          <a:prstGeom prst="rect">
-            <a:avLst/>
-          </a:prstGeom>
-          <a:noFill/>
-        </p:spPr>
-        <p:txBody>
-          <a:bodyPr wrap="square" rtlCol="0">
-            <a:spAutoFit/>
-          </a:bodyPr>
-          <a:lstStyle/>
-          <a:p>
-            <a:r>
-              <a:rPr lang="en-GB" dirty="0" smtClean="0">
-                <a:solidFill>
-                  <a:srgbClr val="FFFF00"/>
-                </a:solidFill>
-              </a:rPr>
-              <a:t>10</a:t>
-            </a:r>
-            <a:endParaRPr lang="en-GB" dirty="0">
-              <a:solidFill>
-                <a:srgbClr val="FFFF00"/>
-              </a:solidFill>
-            </a:endParaRPr>
-          </a:p>
-        </p:txBody>
-      </p:sp>
-      <p:sp>
-        <p:nvSpPr>
-          <p:cNvPr id="9" name="Rectangle 8"/>
-          <p:cNvSpPr/>
-          <p:nvPr/>
-        </p:nvSpPr>
-        <p:spPr>
-          <a:xfrm>
-            <a:off x="6251481" y="2532066"/>
-            <a:ext cx="2825141" cy="1015663"/>
-          </a:xfrm>
-          <a:prstGeom prst="rect">
-            <a:avLst/>
-          </a:prstGeom>
-        </p:spPr>
-        <p:txBody>
-          <a:bodyPr wrap="square">
-            <a:spAutoFit/>
-          </a:bodyPr>
-          <a:lstStyle/>
-          <a:p>
-            <a:r>
-              <a:rPr lang="en-GB" sz="1200" dirty="0" smtClean="0"/>
-              <a:t>This screen from a hypothetical game that for this game, collecting the GIRL banknote would add 10 points and collecting the HOUSE banknote would add 0 points to your collection.</a:t>
-            </a:r>
-          </a:p>
-        </p:txBody>
-      </p:sp>
-      <p:sp>
-        <p:nvSpPr>
-          <p:cNvPr id="10" name="Rectangle 9"/>
-          <p:cNvSpPr/>
-          <p:nvPr/>
-        </p:nvSpPr>
-        <p:spPr>
-          <a:xfrm>
-            <a:off x="6132829" y="313330"/>
-            <a:ext cx="1952586" cy="338554"/>
-          </a:xfrm>
-          <a:prstGeom prst="rect">
-            <a:avLst/>
-          </a:prstGeom>
-        </p:spPr>
-        <p:txBody>
-          <a:bodyPr wrap="none">
-            <a:spAutoFit/>
-          </a:bodyPr>
-          <a:lstStyle/>
-          <a:p>
-            <a:r>
-              <a:rPr lang="en-GB" sz="1600" dirty="0" smtClean="0"/>
-              <a:t>Hypothetical game 1:</a:t>
-            </a:r>
-            <a:endParaRPr lang="en-GB" sz="1600" dirty="0"/>
-          </a:p>
-        </p:txBody>
-      </p:sp>
-      <p:sp>
-        <p:nvSpPr>
-          <p:cNvPr id="11" name="Rectangle 10"/>
-          <p:cNvSpPr/>
-          <p:nvPr/>
-        </p:nvSpPr>
-        <p:spPr>
-          <a:xfrm>
-            <a:off x="6663338" y="1643293"/>
-            <a:ext cx="1512000" cy="828000"/>
-          </a:xfrm>
-          <a:prstGeom prst="rect">
-            <a:avLst/>
-          </a:prstGeom>
-          <a:solidFill>
-            <a:srgbClr val="635C52"/>
-          </a:solidFill>
-        </p:spPr>
-        <p:style>
-          <a:lnRef idx="1">
-            <a:schemeClr val="accent1"/>
-          </a:lnRef>
-          <a:fillRef idx="3">
-            <a:schemeClr val="accent1"/>
-          </a:fillRef>
-          <a:effectRef idx="2">
-            <a:schemeClr val="accent1"/>
-          </a:effectRef>
-          <a:fontRef idx="minor">
-            <a:schemeClr val="lt1"/>
-          </a:fontRef>
-        </p:style>
-        <p:txBody>
-          <a:bodyPr rtlCol="0" anchor="ctr"/>
-          <a:lstStyle/>
-          <a:p>
-            <a:pPr algn="ctr"/>
-            <a:endParaRPr lang="en-GB"/>
-          </a:p>
-        </p:txBody>
-      </p:sp>
-      <p:sp>
-        <p:nvSpPr>
-          <p:cNvPr id="12" name="TextBox 11"/>
-          <p:cNvSpPr txBox="1"/>
-          <p:nvPr/>
-        </p:nvSpPr>
-        <p:spPr>
-          <a:xfrm>
-            <a:off x="7573605" y="1858101"/>
-            <a:ext cx="577929" cy="369332"/>
-          </a:xfrm>
-          <a:prstGeom prst="rect">
-            <a:avLst/>
-          </a:prstGeom>
-          <a:noFill/>
-        </p:spPr>
-        <p:txBody>
-          <a:bodyPr wrap="square" rtlCol="0">
-            <a:spAutoFit/>
-          </a:bodyPr>
-          <a:lstStyle/>
-          <a:p>
-            <a:r>
-              <a:rPr lang="en-GB" dirty="0" smtClean="0">
-                <a:solidFill>
-                  <a:srgbClr val="FFFF00"/>
-                </a:solidFill>
-              </a:rPr>
-              <a:t>0</a:t>
-            </a:r>
-            <a:endParaRPr lang="en-GB" dirty="0">
-              <a:solidFill>
-                <a:srgbClr val="FFFF00"/>
-              </a:solidFill>
-            </a:endParaRPr>
-          </a:p>
-        </p:txBody>
-      </p:sp>
-      <p:sp>
-        <p:nvSpPr>
-          <p:cNvPr id="19" name="Rectangle 18"/>
-          <p:cNvSpPr/>
-          <p:nvPr/>
-        </p:nvSpPr>
-        <p:spPr>
-          <a:xfrm>
-            <a:off x="6368837" y="3807357"/>
-            <a:ext cx="2079057" cy="1777830"/>
-          </a:xfrm>
-          <a:prstGeom prst="rect">
-            <a:avLst/>
-          </a:prstGeom>
-          <a:solidFill>
-            <a:srgbClr val="252533"/>
-          </a:solidFill>
-        </p:spPr>
-        <p:style>
-          <a:lnRef idx="1">
-            <a:schemeClr val="accent1"/>
-          </a:lnRef>
-          <a:fillRef idx="3">
-            <a:schemeClr val="accent1"/>
-          </a:fillRef>
-          <a:effectRef idx="2">
-            <a:schemeClr val="accent1"/>
-          </a:effectRef>
-          <a:fontRef idx="minor">
-            <a:schemeClr val="lt1"/>
-          </a:fontRef>
-        </p:style>
-        <p:txBody>
-          <a:bodyPr rtlCol="0" anchor="ctr"/>
-          <a:lstStyle/>
-          <a:p>
-            <a:pPr algn="ctr"/>
-            <a:endParaRPr lang="en-GB"/>
-          </a:p>
-        </p:txBody>
-      </p:sp>
-      <p:sp>
-        <p:nvSpPr>
-          <p:cNvPr id="20" name="Rectangle 19"/>
-          <p:cNvSpPr/>
-          <p:nvPr/>
-        </p:nvSpPr>
-        <p:spPr>
-          <a:xfrm>
-            <a:off x="6601273" y="3836962"/>
-            <a:ext cx="1512000" cy="828000"/>
-          </a:xfrm>
-          <a:prstGeom prst="rect">
-            <a:avLst/>
-          </a:prstGeom>
-          <a:solidFill>
-            <a:srgbClr val="635C52"/>
-          </a:solidFill>
-        </p:spPr>
-        <p:style>
-          <a:lnRef idx="1">
-            <a:schemeClr val="accent1"/>
-          </a:lnRef>
-          <a:fillRef idx="3">
-            <a:schemeClr val="accent1"/>
-          </a:fillRef>
-          <a:effectRef idx="2">
-            <a:schemeClr val="accent1"/>
-          </a:effectRef>
-          <a:fontRef idx="minor">
-            <a:schemeClr val="lt1"/>
-          </a:fontRef>
-        </p:style>
-        <p:txBody>
-          <a:bodyPr rtlCol="0" anchor="ctr"/>
-          <a:lstStyle/>
-          <a:p>
-            <a:pPr algn="ctr"/>
-            <a:endParaRPr lang="en-GB"/>
-          </a:p>
-        </p:txBody>
-      </p:sp>
-      <p:sp>
-        <p:nvSpPr>
-          <p:cNvPr id="21" name="TextBox 20"/>
-          <p:cNvSpPr txBox="1"/>
-          <p:nvPr/>
-        </p:nvSpPr>
-        <p:spPr>
-          <a:xfrm>
-            <a:off x="7488136" y="4153863"/>
-            <a:ext cx="577929" cy="369332"/>
-          </a:xfrm>
-          <a:prstGeom prst="rect">
-            <a:avLst/>
-          </a:prstGeom>
-          <a:noFill/>
-        </p:spPr>
-        <p:txBody>
-          <a:bodyPr wrap="square" rtlCol="0">
-            <a:spAutoFit/>
-          </a:bodyPr>
-          <a:lstStyle/>
-          <a:p>
-            <a:r>
-              <a:rPr lang="en-GB" dirty="0" smtClean="0">
-                <a:solidFill>
-                  <a:srgbClr val="FFFF00"/>
-                </a:solidFill>
-              </a:rPr>
-              <a:t>-10</a:t>
-            </a:r>
-            <a:endParaRPr lang="en-GB" dirty="0">
-              <a:solidFill>
-                <a:srgbClr val="FFFF00"/>
-              </a:solidFill>
-            </a:endParaRPr>
-          </a:p>
-        </p:txBody>
-      </p:sp>
-      <p:sp>
-        <p:nvSpPr>
-          <p:cNvPr id="23" name="Rectangle 22"/>
-          <p:cNvSpPr/>
-          <p:nvPr/>
-        </p:nvSpPr>
-        <p:spPr>
-          <a:xfrm>
-            <a:off x="6605587" y="4697279"/>
-            <a:ext cx="1512000" cy="828000"/>
-          </a:xfrm>
-          <a:prstGeom prst="rect">
-            <a:avLst/>
-          </a:prstGeom>
-          <a:solidFill>
-            <a:srgbClr val="635C52"/>
-          </a:solidFill>
-        </p:spPr>
-        <p:style>
-          <a:lnRef idx="1">
-            <a:schemeClr val="accent1"/>
-          </a:lnRef>
-          <a:fillRef idx="3">
-            <a:schemeClr val="accent1"/>
-          </a:fillRef>
-          <a:effectRef idx="2">
-            <a:schemeClr val="accent1"/>
-          </a:effectRef>
-          <a:fontRef idx="minor">
-            <a:schemeClr val="lt1"/>
-          </a:fontRef>
-        </p:style>
-        <p:txBody>
-          <a:bodyPr rtlCol="0" anchor="ctr"/>
-          <a:lstStyle/>
-          <a:p>
-            <a:pPr algn="ctr"/>
-            <a:endParaRPr lang="en-GB"/>
-          </a:p>
-        </p:txBody>
-      </p:sp>
-      <p:sp>
-        <p:nvSpPr>
-          <p:cNvPr id="24" name="TextBox 23"/>
-          <p:cNvSpPr txBox="1"/>
-          <p:nvPr/>
-        </p:nvSpPr>
-        <p:spPr>
-          <a:xfrm>
-            <a:off x="7515854" y="4912087"/>
-            <a:ext cx="577929" cy="369332"/>
-          </a:xfrm>
-          <a:prstGeom prst="rect">
-            <a:avLst/>
-          </a:prstGeom>
-          <a:noFill/>
-        </p:spPr>
-        <p:txBody>
-          <a:bodyPr wrap="square" rtlCol="0">
-            <a:spAutoFit/>
-          </a:bodyPr>
-          <a:lstStyle/>
-          <a:p>
-            <a:r>
-              <a:rPr lang="en-GB" dirty="0" smtClean="0">
-                <a:solidFill>
-                  <a:srgbClr val="FFFF00"/>
-                </a:solidFill>
-              </a:rPr>
-              <a:t>-5</a:t>
-            </a:r>
-            <a:endParaRPr lang="en-GB" dirty="0">
-              <a:solidFill>
-                <a:srgbClr val="FFFF00"/>
-              </a:solidFill>
-            </a:endParaRPr>
-          </a:p>
-        </p:txBody>
-      </p:sp>
-      <p:sp>
-        <p:nvSpPr>
-          <p:cNvPr id="26" name="Rectangle 25"/>
-          <p:cNvSpPr/>
-          <p:nvPr/>
-        </p:nvSpPr>
-        <p:spPr>
-          <a:xfrm>
-            <a:off x="6285563" y="5691962"/>
-            <a:ext cx="2848812" cy="1015663"/>
-          </a:xfrm>
-          <a:prstGeom prst="rect">
-            <a:avLst/>
-          </a:prstGeom>
-        </p:spPr>
-        <p:txBody>
-          <a:bodyPr wrap="square">
-            <a:spAutoFit/>
-          </a:bodyPr>
-          <a:lstStyle/>
-          <a:p>
-            <a:r>
-              <a:rPr lang="en-GB" sz="1200" dirty="0" smtClean="0"/>
-              <a:t>This screen from a hypothetical game that for this game, collecting the GIRL banknote would take away 10 points and collecting the HOUSE banknote take away 5 points from your collection.</a:t>
-            </a:r>
-          </a:p>
-        </p:txBody>
-      </p:sp>
-      <p:sp>
-        <p:nvSpPr>
-          <p:cNvPr id="27" name="Rectangle 26"/>
-          <p:cNvSpPr/>
-          <p:nvPr/>
-        </p:nvSpPr>
-        <p:spPr>
-          <a:xfrm>
-            <a:off x="6131250" y="3475973"/>
-            <a:ext cx="1952586" cy="338554"/>
-          </a:xfrm>
-          <a:prstGeom prst="rect">
-            <a:avLst/>
-          </a:prstGeom>
-        </p:spPr>
-        <p:txBody>
-          <a:bodyPr wrap="none">
-            <a:spAutoFit/>
-          </a:bodyPr>
-          <a:lstStyle/>
-          <a:p>
-            <a:r>
-              <a:rPr lang="en-GB" sz="1600" dirty="0" smtClean="0"/>
-              <a:t>Hypothetical game 2:</a:t>
-            </a:r>
-            <a:endParaRPr lang="en-GB" sz="1600" dirty="0"/>
-          </a:p>
-        </p:txBody>
-      </p:sp>
-      <p:pic>
-        <p:nvPicPr>
-          <p:cNvPr id="28" name="Picture 27"/>
-          <p:cNvPicPr>
-            <a:picLocks noChangeAspect="1"/>
-          </p:cNvPicPr>
-          <p:nvPr/>
-        </p:nvPicPr>
-        <p:blipFill>
-          <a:blip r:embed="rId2">
-            <a:extLst>
-              <a:ext uri="{28A0092B-C50C-407E-A947-70E740481C1C}">
-                <a14:useLocalDpi xmlns:a14="http://schemas.microsoft.com/office/drawing/2010/main" val="0"/>
-              </a:ext>
-            </a:extLst>
-          </a:blip>
-          <a:stretch>
-            <a:fillRect/>
-          </a:stretch>
-        </p:blipFill>
-        <p:spPr>
-          <a:xfrm>
-            <a:off x="6776472" y="1699126"/>
-            <a:ext cx="684000" cy="684000"/>
-          </a:xfrm>
-          <a:prstGeom prst="rect">
-            <a:avLst/>
-          </a:prstGeom>
-        </p:spPr>
-      </p:pic>
-      <p:pic>
-        <p:nvPicPr>
-          <p:cNvPr id="29" name="Picture 28"/>
-          <p:cNvPicPr>
-            <a:picLocks noChangeAspect="1"/>
-          </p:cNvPicPr>
-          <p:nvPr/>
-        </p:nvPicPr>
-        <p:blipFill>
-          <a:blip r:embed="rId2">
-            <a:extLst>
-              <a:ext uri="{28A0092B-C50C-407E-A947-70E740481C1C}">
-                <a14:useLocalDpi xmlns:a14="http://schemas.microsoft.com/office/drawing/2010/main" val="0"/>
-              </a:ext>
-            </a:extLst>
-          </a:blip>
-          <a:stretch>
-            <a:fillRect/>
-          </a:stretch>
-        </p:blipFill>
-        <p:spPr>
-          <a:xfrm>
-            <a:off x="6746293" y="4773637"/>
-            <a:ext cx="684000" cy="684000"/>
-          </a:xfrm>
-          <a:prstGeom prst="rect">
-            <a:avLst/>
-          </a:prstGeom>
-        </p:spPr>
-      </p:pic>
-      <p:pic>
-        <p:nvPicPr>
-          <p:cNvPr id="25" name="Picture 24"/>
-          <p:cNvPicPr>
-            <a:picLocks noChangeAspect="1"/>
-          </p:cNvPicPr>
-          <p:nvPr/>
-        </p:nvPicPr>
-        <p:blipFill>
-          <a:blip r:embed="rId3">
-            <a:extLst>
-              <a:ext uri="{28A0092B-C50C-407E-A947-70E740481C1C}">
-                <a14:useLocalDpi xmlns:a14="http://schemas.microsoft.com/office/drawing/2010/main" val="0"/>
-              </a:ext>
-            </a:extLst>
-          </a:blip>
-          <a:stretch>
-            <a:fillRect/>
-          </a:stretch>
-        </p:blipFill>
-        <p:spPr>
-          <a:xfrm>
-            <a:off x="6799913" y="859253"/>
-            <a:ext cx="684000" cy="684000"/>
-          </a:xfrm>
-          <a:prstGeom prst="rect">
-            <a:avLst/>
-          </a:prstGeom>
-        </p:spPr>
-      </p:pic>
-      <p:pic>
-        <p:nvPicPr>
-          <p:cNvPr id="30" name="Picture 29"/>
-          <p:cNvPicPr>
-            <a:picLocks noChangeAspect="1"/>
-          </p:cNvPicPr>
-          <p:nvPr/>
-        </p:nvPicPr>
-        <p:blipFill>
-          <a:blip r:embed="rId3">
-            <a:extLst>
-              <a:ext uri="{28A0092B-C50C-407E-A947-70E740481C1C}">
-                <a14:useLocalDpi xmlns:a14="http://schemas.microsoft.com/office/drawing/2010/main" val="0"/>
-              </a:ext>
-            </a:extLst>
-          </a:blip>
-          <a:stretch>
-            <a:fillRect/>
-          </a:stretch>
-        </p:blipFill>
-        <p:spPr>
-          <a:xfrm>
-            <a:off x="6731024" y="3902073"/>
-            <a:ext cx="684000" cy="684000"/>
-          </a:xfrm>
-          <a:prstGeom prst="rect">
-            <a:avLst/>
-          </a:prstGeom>
-        </p:spPr>
-      </p:pic>
-      <p:sp>
-        <p:nvSpPr>
-          <p:cNvPr id="22" name="Content Placeholder 2"/>
-          <p:cNvSpPr>
-            <a:spLocks noGrp="1"/>
-          </p:cNvSpPr>
-          <p:nvPr>
-            <p:ph idx="1"/>
-          </p:nvPr>
-        </p:nvSpPr>
-        <p:spPr>
-          <a:xfrm>
-            <a:off x="248337" y="651884"/>
-            <a:ext cx="5759726" cy="5783666"/>
-          </a:xfrm>
-        </p:spPr>
-        <p:txBody>
-          <a:bodyPr>
-            <a:normAutofit fontScale="70000" lnSpcReduction="20000"/>
-          </a:bodyPr>
-          <a:lstStyle/>
-          <a:p>
-            <a:r>
-              <a:rPr lang="en-GB" dirty="0" smtClean="0"/>
-              <a:t>Great job!</a:t>
-            </a:r>
-          </a:p>
-          <a:p>
-            <a:r>
-              <a:rPr lang="en-GB" dirty="0" smtClean="0"/>
-              <a:t>In </a:t>
-            </a:r>
-            <a:r>
-              <a:rPr lang="en-GB" dirty="0"/>
-              <a:t>the second type of game, you’ll make a </a:t>
-            </a:r>
-            <a:r>
-              <a:rPr lang="en-GB" b="1" dirty="0"/>
-              <a:t>choice</a:t>
-            </a:r>
-            <a:r>
-              <a:rPr lang="en-GB" dirty="0"/>
-              <a:t> between two slot machines</a:t>
-            </a:r>
-            <a:r>
-              <a:rPr lang="en-GB" dirty="0" smtClean="0"/>
-              <a:t>. Press </a:t>
-            </a:r>
-            <a:r>
-              <a:rPr lang="en-GB" b="1" dirty="0" smtClean="0"/>
-              <a:t>1</a:t>
-            </a:r>
-            <a:r>
-              <a:rPr lang="en-GB" dirty="0" smtClean="0"/>
-              <a:t> to choose the machine on the </a:t>
-            </a:r>
-            <a:r>
-              <a:rPr lang="en-GB" b="1" dirty="0" smtClean="0"/>
-              <a:t>LEFT</a:t>
-            </a:r>
-            <a:r>
-              <a:rPr lang="en-GB" dirty="0" smtClean="0"/>
-              <a:t> and </a:t>
-            </a:r>
-            <a:r>
-              <a:rPr lang="en-GB" b="1" dirty="0" smtClean="0"/>
-              <a:t>2</a:t>
-            </a:r>
-            <a:r>
-              <a:rPr lang="en-GB" dirty="0" smtClean="0"/>
-              <a:t> to choose the machine on the </a:t>
-            </a:r>
-            <a:r>
-              <a:rPr lang="en-GB" b="1" dirty="0" smtClean="0"/>
-              <a:t>RIGHT</a:t>
-            </a:r>
-            <a:r>
-              <a:rPr lang="en-GB" dirty="0" smtClean="0"/>
-              <a:t>. </a:t>
-            </a:r>
-          </a:p>
-          <a:p>
-            <a:r>
-              <a:rPr lang="en-GB" dirty="0" smtClean="0"/>
-              <a:t>The </a:t>
-            </a:r>
-            <a:r>
-              <a:rPr lang="en-GB" dirty="0"/>
-              <a:t>slot machine that you </a:t>
-            </a:r>
-            <a:r>
-              <a:rPr lang="en-GB" dirty="0" smtClean="0"/>
-              <a:t>chose </a:t>
-            </a:r>
-            <a:r>
-              <a:rPr lang="en-GB" dirty="0"/>
-              <a:t>will then provide a banknote. The </a:t>
-            </a:r>
-            <a:r>
-              <a:rPr lang="en-GB" b="1" dirty="0"/>
-              <a:t>chances</a:t>
-            </a:r>
-            <a:r>
-              <a:rPr lang="en-GB" dirty="0"/>
-              <a:t> of it providing either banknote </a:t>
-            </a:r>
-            <a:r>
-              <a:rPr lang="en-GB" dirty="0" smtClean="0"/>
-              <a:t>will be </a:t>
-            </a:r>
-            <a:r>
-              <a:rPr lang="en-GB" dirty="0"/>
-              <a:t>the </a:t>
-            </a:r>
-            <a:r>
-              <a:rPr lang="en-GB" b="1" dirty="0"/>
-              <a:t>same</a:t>
-            </a:r>
-            <a:r>
-              <a:rPr lang="en-GB" dirty="0"/>
-              <a:t> as it </a:t>
-            </a:r>
-            <a:r>
-              <a:rPr lang="en-GB" dirty="0" smtClean="0"/>
-              <a:t>is for other type of game that you just played.</a:t>
-            </a:r>
-            <a:endParaRPr lang="en-GB" dirty="0"/>
-          </a:p>
-          <a:p>
-            <a:r>
-              <a:rPr lang="en-GB" dirty="0"/>
-              <a:t>Before you decide, you’ll be shown the number of points that either banknote would provide if it were collected on that game (two example games are shown on the right). This will be different for each game.</a:t>
-            </a:r>
-          </a:p>
-          <a:p>
-            <a:r>
-              <a:rPr lang="en-GB" dirty="0"/>
-              <a:t>Try to make decisions that will collect positive-point banknotes and avoid negative-point banknotes.</a:t>
-            </a:r>
-          </a:p>
-          <a:p>
-            <a:r>
-              <a:rPr lang="en-GB" dirty="0"/>
-              <a:t>Let’s practice a few of these games.</a:t>
-            </a:r>
           </a:p>
         </p:txBody>
       </p:sp>
